--- a/tex/figures/Waves/Figures.pptx
+++ b/tex/figures/Waves/Figures.pptx
@@ -9,8 +9,11 @@
     <p:sldId id="272" r:id="rId3"/>
     <p:sldId id="273" r:id="rId4"/>
     <p:sldId id="274" r:id="rId5"/>
-    <p:sldId id="276" r:id="rId6"/>
-    <p:sldId id="275" r:id="rId7"/>
+    <p:sldId id="278" r:id="rId6"/>
+    <p:sldId id="277" r:id="rId7"/>
+    <p:sldId id="276" r:id="rId8"/>
+    <p:sldId id="275" r:id="rId9"/>
+    <p:sldId id="279" r:id="rId10"/>
   </p:sldIdLst>
   <p:sldSz cx="12192000" cy="6858000"/>
   <p:notesSz cx="6858000" cy="9144000"/>
@@ -248,7 +251,7 @@
           <a:p>
             <a:fld id="{F7249F8D-641B-4CAF-BAE5-10524742F6F1}" type="datetimeFigureOut">
               <a:rPr lang="en-CA" smtClean="0"/>
-              <a:t>2018-07-16</a:t>
+              <a:t>2018-07-17</a:t>
             </a:fld>
             <a:endParaRPr lang="en-CA"/>
           </a:p>
@@ -418,7 +421,7 @@
           <a:p>
             <a:fld id="{F7249F8D-641B-4CAF-BAE5-10524742F6F1}" type="datetimeFigureOut">
               <a:rPr lang="en-CA" smtClean="0"/>
-              <a:t>2018-07-16</a:t>
+              <a:t>2018-07-17</a:t>
             </a:fld>
             <a:endParaRPr lang="en-CA"/>
           </a:p>
@@ -598,7 +601,7 @@
           <a:p>
             <a:fld id="{F7249F8D-641B-4CAF-BAE5-10524742F6F1}" type="datetimeFigureOut">
               <a:rPr lang="en-CA" smtClean="0"/>
-              <a:t>2018-07-16</a:t>
+              <a:t>2018-07-17</a:t>
             </a:fld>
             <a:endParaRPr lang="en-CA"/>
           </a:p>
@@ -768,7 +771,7 @@
           <a:p>
             <a:fld id="{F7249F8D-641B-4CAF-BAE5-10524742F6F1}" type="datetimeFigureOut">
               <a:rPr lang="en-CA" smtClean="0"/>
-              <a:t>2018-07-16</a:t>
+              <a:t>2018-07-17</a:t>
             </a:fld>
             <a:endParaRPr lang="en-CA"/>
           </a:p>
@@ -1014,7 +1017,7 @@
           <a:p>
             <a:fld id="{F7249F8D-641B-4CAF-BAE5-10524742F6F1}" type="datetimeFigureOut">
               <a:rPr lang="en-CA" smtClean="0"/>
-              <a:t>2018-07-16</a:t>
+              <a:t>2018-07-17</a:t>
             </a:fld>
             <a:endParaRPr lang="en-CA"/>
           </a:p>
@@ -1246,7 +1249,7 @@
           <a:p>
             <a:fld id="{F7249F8D-641B-4CAF-BAE5-10524742F6F1}" type="datetimeFigureOut">
               <a:rPr lang="en-CA" smtClean="0"/>
-              <a:t>2018-07-16</a:t>
+              <a:t>2018-07-17</a:t>
             </a:fld>
             <a:endParaRPr lang="en-CA"/>
           </a:p>
@@ -1613,7 +1616,7 @@
           <a:p>
             <a:fld id="{F7249F8D-641B-4CAF-BAE5-10524742F6F1}" type="datetimeFigureOut">
               <a:rPr lang="en-CA" smtClean="0"/>
-              <a:t>2018-07-16</a:t>
+              <a:t>2018-07-17</a:t>
             </a:fld>
             <a:endParaRPr lang="en-CA"/>
           </a:p>
@@ -1731,7 +1734,7 @@
           <a:p>
             <a:fld id="{F7249F8D-641B-4CAF-BAE5-10524742F6F1}" type="datetimeFigureOut">
               <a:rPr lang="en-CA" smtClean="0"/>
-              <a:t>2018-07-16</a:t>
+              <a:t>2018-07-17</a:t>
             </a:fld>
             <a:endParaRPr lang="en-CA"/>
           </a:p>
@@ -1826,7 +1829,7 @@
           <a:p>
             <a:fld id="{F7249F8D-641B-4CAF-BAE5-10524742F6F1}" type="datetimeFigureOut">
               <a:rPr lang="en-CA" smtClean="0"/>
-              <a:t>2018-07-16</a:t>
+              <a:t>2018-07-17</a:t>
             </a:fld>
             <a:endParaRPr lang="en-CA"/>
           </a:p>
@@ -2103,7 +2106,7 @@
           <a:p>
             <a:fld id="{F7249F8D-641B-4CAF-BAE5-10524742F6F1}" type="datetimeFigureOut">
               <a:rPr lang="en-CA" smtClean="0"/>
-              <a:t>2018-07-16</a:t>
+              <a:t>2018-07-17</a:t>
             </a:fld>
             <a:endParaRPr lang="en-CA"/>
           </a:p>
@@ -2356,7 +2359,7 @@
           <a:p>
             <a:fld id="{F7249F8D-641B-4CAF-BAE5-10524742F6F1}" type="datetimeFigureOut">
               <a:rPr lang="en-CA" smtClean="0"/>
-              <a:t>2018-07-16</a:t>
+              <a:t>2018-07-17</a:t>
             </a:fld>
             <a:endParaRPr lang="en-CA"/>
           </a:p>
@@ -2569,7 +2572,7 @@
           <a:p>
             <a:fld id="{F7249F8D-641B-4CAF-BAE5-10524742F6F1}" type="datetimeFigureOut">
               <a:rPr lang="en-CA" smtClean="0"/>
-              <a:t>2018-07-16</a:t>
+              <a:t>2018-07-17</a:t>
             </a:fld>
             <a:endParaRPr lang="en-CA"/>
           </a:p>
@@ -7134,8 +7137,8 @@
             </a:fontRef>
           </p:style>
         </p:cxnSp>
-        <mc:AlternateContent xmlns:mc="http://schemas.openxmlformats.org/markup-compatibility/2006">
-          <mc:Choice xmlns:a14="http://schemas.microsoft.com/office/drawing/2010/main" Requires="a14">
+        <mc:AlternateContent xmlns:mc="http://schemas.openxmlformats.org/markup-compatibility/2006" xmlns:a14="http://schemas.microsoft.com/office/drawing/2010/main">
+          <mc:Choice Requires="a14">
             <p:sp>
               <p:nvSpPr>
                 <p:cNvPr id="56" name="TextBox 55"/>
@@ -7158,6 +7161,7 @@
                 </a:bodyPr>
                 <a:lstStyle/>
                 <a:p>
+                  <a:pPr/>
                   <a14:m>
                     <m:oMathPara xmlns:m="http://schemas.openxmlformats.org/officeDocument/2006/math">
                       <m:oMathParaPr>
@@ -7210,7 +7214,7 @@
               </p:txBody>
             </p:sp>
           </mc:Choice>
-          <mc:Fallback>
+          <mc:Fallback xmlns="">
             <p:sp>
               <p:nvSpPr>
                 <p:cNvPr id="56" name="TextBox 55"/>
@@ -7286,8 +7290,8 @@
             </a:fontRef>
           </p:style>
         </p:cxnSp>
-        <mc:AlternateContent xmlns:mc="http://schemas.openxmlformats.org/markup-compatibility/2006">
-          <mc:Choice xmlns:a14="http://schemas.microsoft.com/office/drawing/2010/main" Requires="a14">
+        <mc:AlternateContent xmlns:mc="http://schemas.openxmlformats.org/markup-compatibility/2006" xmlns:a14="http://schemas.microsoft.com/office/drawing/2010/main">
+          <mc:Choice Requires="a14">
             <p:sp>
               <p:nvSpPr>
                 <p:cNvPr id="59" name="TextBox 58"/>
@@ -7310,6 +7314,7 @@
                 </a:bodyPr>
                 <a:lstStyle/>
                 <a:p>
+                  <a:pPr/>
                   <a14:m>
                     <m:oMathPara xmlns:m="http://schemas.openxmlformats.org/officeDocument/2006/math">
                       <m:oMathParaPr>
@@ -7362,7 +7367,7 @@
               </p:txBody>
             </p:sp>
           </mc:Choice>
-          <mc:Fallback>
+          <mc:Fallback xmlns="">
             <p:sp>
               <p:nvSpPr>
                 <p:cNvPr id="59" name="TextBox 58"/>
@@ -8275,8 +8280,8 @@
               </a:fontRef>
             </p:style>
           </p:cxnSp>
-          <mc:AlternateContent xmlns:mc="http://schemas.openxmlformats.org/markup-compatibility/2006">
-            <mc:Choice xmlns:a14="http://schemas.microsoft.com/office/drawing/2010/main" Requires="a14">
+          <mc:AlternateContent xmlns:mc="http://schemas.openxmlformats.org/markup-compatibility/2006" xmlns:a14="http://schemas.microsoft.com/office/drawing/2010/main">
+            <mc:Choice Requires="a14">
               <p:sp>
                 <p:nvSpPr>
                   <p:cNvPr id="71" name="TextBox 70"/>
@@ -8299,6 +8304,7 @@
                   </a:bodyPr>
                   <a:lstStyle/>
                   <a:p>
+                    <a:pPr/>
                     <a14:m>
                       <m:oMathPara xmlns:m="http://schemas.openxmlformats.org/officeDocument/2006/math">
                         <m:oMathParaPr>
@@ -8351,7 +8357,7 @@
                 </p:txBody>
               </p:sp>
             </mc:Choice>
-            <mc:Fallback>
+            <mc:Fallback xmlns="">
               <p:sp>
                 <p:nvSpPr>
                   <p:cNvPr id="71" name="TextBox 70"/>
@@ -8485,8 +8491,8 @@
               </a:p>
             </p:txBody>
           </p:sp>
-          <mc:AlternateContent xmlns:mc="http://schemas.openxmlformats.org/markup-compatibility/2006">
-            <mc:Choice xmlns:a14="http://schemas.microsoft.com/office/drawing/2010/main" Requires="a14">
+          <mc:AlternateContent xmlns:mc="http://schemas.openxmlformats.org/markup-compatibility/2006" xmlns:a14="http://schemas.microsoft.com/office/drawing/2010/main">
+            <mc:Choice Requires="a14">
               <p:sp>
                 <p:nvSpPr>
                   <p:cNvPr id="74" name="TextBox 73"/>
@@ -8509,6 +8515,7 @@
                   </a:bodyPr>
                   <a:lstStyle/>
                   <a:p>
+                    <a:pPr/>
                     <a14:m>
                       <m:oMathPara xmlns:m="http://schemas.openxmlformats.org/officeDocument/2006/math">
                         <m:oMathParaPr>
@@ -8575,7 +8582,7 @@
                 </p:txBody>
               </p:sp>
             </mc:Choice>
-            <mc:Fallback>
+            <mc:Fallback xmlns="">
               <p:sp>
                 <p:nvSpPr>
                   <p:cNvPr id="74" name="TextBox 73"/>
@@ -8614,8 +8621,8 @@
               </p:sp>
             </mc:Fallback>
           </mc:AlternateContent>
-          <mc:AlternateContent xmlns:mc="http://schemas.openxmlformats.org/markup-compatibility/2006">
-            <mc:Choice xmlns:a14="http://schemas.microsoft.com/office/drawing/2010/main" Requires="a14">
+          <mc:AlternateContent xmlns:mc="http://schemas.openxmlformats.org/markup-compatibility/2006" xmlns:a14="http://schemas.microsoft.com/office/drawing/2010/main">
+            <mc:Choice Requires="a14">
               <p:sp>
                 <p:nvSpPr>
                   <p:cNvPr id="75" name="TextBox 74"/>
@@ -8638,6 +8645,7 @@
                   </a:bodyPr>
                   <a:lstStyle/>
                   <a:p>
+                    <a:pPr/>
                     <a14:m>
                       <m:oMathPara xmlns:m="http://schemas.openxmlformats.org/officeDocument/2006/math">
                         <m:oMathParaPr>
@@ -8676,7 +8684,7 @@
                 </p:txBody>
               </p:sp>
             </mc:Choice>
-            <mc:Fallback>
+            <mc:Fallback xmlns="">
               <p:sp>
                 <p:nvSpPr>
                   <p:cNvPr id="75" name="TextBox 74"/>
@@ -8715,8 +8723,8 @@
               </p:sp>
             </mc:Fallback>
           </mc:AlternateContent>
-          <mc:AlternateContent xmlns:mc="http://schemas.openxmlformats.org/markup-compatibility/2006">
-            <mc:Choice xmlns:a14="http://schemas.microsoft.com/office/drawing/2010/main" Requires="a14">
+          <mc:AlternateContent xmlns:mc="http://schemas.openxmlformats.org/markup-compatibility/2006" xmlns:a14="http://schemas.microsoft.com/office/drawing/2010/main">
+            <mc:Choice Requires="a14">
               <p:sp>
                 <p:nvSpPr>
                   <p:cNvPr id="76" name="TextBox 75"/>
@@ -8739,6 +8747,7 @@
                   </a:bodyPr>
                   <a:lstStyle/>
                   <a:p>
+                    <a:pPr/>
                     <a14:m>
                       <m:oMathPara xmlns:m="http://schemas.openxmlformats.org/officeDocument/2006/math">
                         <m:oMathParaPr>
@@ -8777,7 +8786,7 @@
                 </p:txBody>
               </p:sp>
             </mc:Choice>
-            <mc:Fallback>
+            <mc:Fallback xmlns="">
               <p:sp>
                 <p:nvSpPr>
                   <p:cNvPr id="76" name="TextBox 75"/>
@@ -9455,8 +9464,8 @@
               </a:fontRef>
             </p:style>
           </p:cxnSp>
-          <mc:AlternateContent xmlns:mc="http://schemas.openxmlformats.org/markup-compatibility/2006">
-            <mc:Choice xmlns:a14="http://schemas.microsoft.com/office/drawing/2010/main" Requires="a14">
+          <mc:AlternateContent xmlns:mc="http://schemas.openxmlformats.org/markup-compatibility/2006" xmlns:a14="http://schemas.microsoft.com/office/drawing/2010/main">
+            <mc:Choice Requires="a14">
               <p:sp>
                 <p:nvSpPr>
                   <p:cNvPr id="14" name="TextBox 13"/>
@@ -9479,6 +9488,7 @@
                   </a:bodyPr>
                   <a:lstStyle/>
                   <a:p>
+                    <a:pPr/>
                     <a14:m>
                       <m:oMathPara xmlns:m="http://schemas.openxmlformats.org/officeDocument/2006/math">
                         <m:oMathParaPr>
@@ -9531,7 +9541,7 @@
                 </p:txBody>
               </p:sp>
             </mc:Choice>
-            <mc:Fallback>
+            <mc:Fallback xmlns="">
               <p:sp>
                 <p:nvSpPr>
                   <p:cNvPr id="14" name="TextBox 13"/>
@@ -9570,8 +9580,8 @@
               </p:sp>
             </mc:Fallback>
           </mc:AlternateContent>
-          <mc:AlternateContent xmlns:mc="http://schemas.openxmlformats.org/markup-compatibility/2006">
-            <mc:Choice xmlns:a14="http://schemas.microsoft.com/office/drawing/2010/main" Requires="a14">
+          <mc:AlternateContent xmlns:mc="http://schemas.openxmlformats.org/markup-compatibility/2006" xmlns:a14="http://schemas.microsoft.com/office/drawing/2010/main">
+            <mc:Choice Requires="a14">
               <p:sp>
                 <p:nvSpPr>
                   <p:cNvPr id="15" name="TextBox 14"/>
@@ -9594,6 +9604,7 @@
                   </a:bodyPr>
                   <a:lstStyle/>
                   <a:p>
+                    <a:pPr/>
                     <a14:m>
                       <m:oMathPara xmlns:m="http://schemas.openxmlformats.org/officeDocument/2006/math">
                         <m:oMathParaPr>
@@ -9660,7 +9671,7 @@
                 </p:txBody>
               </p:sp>
             </mc:Choice>
-            <mc:Fallback>
+            <mc:Fallback xmlns="">
               <p:sp>
                 <p:nvSpPr>
                   <p:cNvPr id="15" name="TextBox 14"/>
@@ -9804,8 +9815,8 @@
               </a:fontRef>
             </p:style>
           </p:cxnSp>
-          <mc:AlternateContent xmlns:mc="http://schemas.openxmlformats.org/markup-compatibility/2006">
-            <mc:Choice xmlns:a14="http://schemas.microsoft.com/office/drawing/2010/main" Requires="a14">
+          <mc:AlternateContent xmlns:mc="http://schemas.openxmlformats.org/markup-compatibility/2006" xmlns:a14="http://schemas.microsoft.com/office/drawing/2010/main">
+            <mc:Choice Requires="a14">
               <p:sp>
                 <p:nvSpPr>
                   <p:cNvPr id="64" name="TextBox 63"/>
@@ -9828,6 +9839,7 @@
                   </a:bodyPr>
                   <a:lstStyle/>
                   <a:p>
+                    <a:pPr/>
                     <a14:m>
                       <m:oMathPara xmlns:m="http://schemas.openxmlformats.org/officeDocument/2006/math">
                         <m:oMathParaPr>
@@ -9880,7 +9892,7 @@
                 </p:txBody>
               </p:sp>
             </mc:Choice>
-            <mc:Fallback>
+            <mc:Fallback xmlns="">
               <p:sp>
                 <p:nvSpPr>
                   <p:cNvPr id="64" name="TextBox 63"/>
@@ -9956,8 +9968,8 @@
               </a:fontRef>
             </p:style>
           </p:cxnSp>
-          <mc:AlternateContent xmlns:mc="http://schemas.openxmlformats.org/markup-compatibility/2006">
-            <mc:Choice xmlns:a14="http://schemas.microsoft.com/office/drawing/2010/main" Requires="a14">
+          <mc:AlternateContent xmlns:mc="http://schemas.openxmlformats.org/markup-compatibility/2006" xmlns:a14="http://schemas.microsoft.com/office/drawing/2010/main">
+            <mc:Choice Requires="a14">
               <p:sp>
                 <p:nvSpPr>
                   <p:cNvPr id="21" name="TextBox 20"/>
@@ -9980,6 +9992,7 @@
                   </a:bodyPr>
                   <a:lstStyle/>
                   <a:p>
+                    <a:pPr/>
                     <a14:m>
                       <m:oMathPara xmlns:m="http://schemas.openxmlformats.org/officeDocument/2006/math">
                         <m:oMathParaPr>
@@ -10046,7 +10059,7 @@
                 </p:txBody>
               </p:sp>
             </mc:Choice>
-            <mc:Fallback>
+            <mc:Fallback xmlns="">
               <p:sp>
                 <p:nvSpPr>
                   <p:cNvPr id="21" name="TextBox 20"/>
@@ -10713,8 +10726,8 @@
             </a:fontRef>
           </p:style>
         </p:cxnSp>
-        <mc:AlternateContent xmlns:mc="http://schemas.openxmlformats.org/markup-compatibility/2006">
-          <mc:Choice xmlns:a14="http://schemas.microsoft.com/office/drawing/2010/main" Requires="a14">
+        <mc:AlternateContent xmlns:mc="http://schemas.openxmlformats.org/markup-compatibility/2006" xmlns:a14="http://schemas.microsoft.com/office/drawing/2010/main">
+          <mc:Choice Requires="a14">
             <p:sp>
               <p:nvSpPr>
                 <p:cNvPr id="15" name="TextBox 14"/>
@@ -10737,6 +10750,7 @@
                 </a:bodyPr>
                 <a:lstStyle/>
                 <a:p>
+                  <a:pPr/>
                   <a14:m>
                     <m:oMathPara xmlns:m="http://schemas.openxmlformats.org/officeDocument/2006/math">
                       <m:oMathParaPr>
@@ -10774,7 +10788,7 @@
               </p:txBody>
             </p:sp>
           </mc:Choice>
-          <mc:Fallback>
+          <mc:Fallback xmlns="">
             <p:sp>
               <p:nvSpPr>
                 <p:cNvPr id="15" name="TextBox 14"/>
@@ -10813,8 +10827,8 @@
             </p:sp>
           </mc:Fallback>
         </mc:AlternateContent>
-        <mc:AlternateContent xmlns:mc="http://schemas.openxmlformats.org/markup-compatibility/2006">
-          <mc:Choice xmlns:a14="http://schemas.microsoft.com/office/drawing/2010/main" Requires="a14">
+        <mc:AlternateContent xmlns:mc="http://schemas.openxmlformats.org/markup-compatibility/2006" xmlns:a14="http://schemas.microsoft.com/office/drawing/2010/main">
+          <mc:Choice Requires="a14">
             <p:sp>
               <p:nvSpPr>
                 <p:cNvPr id="16" name="TextBox 15"/>
@@ -10837,6 +10851,7 @@
                 </a:bodyPr>
                 <a:lstStyle/>
                 <a:p>
+                  <a:pPr/>
                   <a14:m>
                     <m:oMathPara xmlns:m="http://schemas.openxmlformats.org/officeDocument/2006/math">
                       <m:oMathParaPr>
@@ -10861,7 +10876,7 @@
               </p:txBody>
             </p:sp>
           </mc:Choice>
-          <mc:Fallback>
+          <mc:Fallback xmlns="">
             <p:sp>
               <p:nvSpPr>
                 <p:cNvPr id="16" name="TextBox 15"/>
@@ -10937,8 +10952,8 @@
             </a:fontRef>
           </p:style>
         </p:cxnSp>
-        <mc:AlternateContent xmlns:mc="http://schemas.openxmlformats.org/markup-compatibility/2006">
-          <mc:Choice xmlns:a14="http://schemas.microsoft.com/office/drawing/2010/main" Requires="a14">
+        <mc:AlternateContent xmlns:mc="http://schemas.openxmlformats.org/markup-compatibility/2006" xmlns:a14="http://schemas.microsoft.com/office/drawing/2010/main">
+          <mc:Choice Requires="a14">
             <p:sp>
               <p:nvSpPr>
                 <p:cNvPr id="20" name="TextBox 19"/>
@@ -10961,6 +10976,7 @@
                 </a:bodyPr>
                 <a:lstStyle/>
                 <a:p>
+                  <a:pPr/>
                   <a14:m>
                     <m:oMathPara xmlns:m="http://schemas.openxmlformats.org/officeDocument/2006/math">
                       <m:oMathParaPr>
@@ -10985,7 +11001,7 @@
               </p:txBody>
             </p:sp>
           </mc:Choice>
-          <mc:Fallback>
+          <mc:Fallback xmlns="">
             <p:sp>
               <p:nvSpPr>
                 <p:cNvPr id="20" name="TextBox 19"/>
@@ -11025,6 +11041,2785 @@
           </mc:Fallback>
         </mc:AlternateContent>
       </p:grpSp>
+      <p:grpSp>
+        <p:nvGrpSpPr>
+          <p:cNvPr id="94" name="Group 93"/>
+          <p:cNvGrpSpPr/>
+          <p:nvPr/>
+        </p:nvGrpSpPr>
+        <p:grpSpPr>
+          <a:xfrm>
+            <a:off x="760535" y="2791046"/>
+            <a:ext cx="7286991" cy="2550805"/>
+            <a:chOff x="760535" y="2791046"/>
+            <a:chExt cx="7286991" cy="2550805"/>
+          </a:xfrm>
+        </p:grpSpPr>
+        <p:grpSp>
+          <p:nvGrpSpPr>
+            <p:cNvPr id="77" name="Group 76"/>
+            <p:cNvGrpSpPr/>
+            <p:nvPr/>
+          </p:nvGrpSpPr>
+          <p:grpSpPr>
+            <a:xfrm>
+              <a:off x="760535" y="3016207"/>
+              <a:ext cx="7286991" cy="2325644"/>
+              <a:chOff x="580305" y="3016207"/>
+              <a:chExt cx="7286991" cy="2325644"/>
+            </a:xfrm>
+          </p:grpSpPr>
+          <p:grpSp>
+            <p:nvGrpSpPr>
+              <p:cNvPr id="72" name="Group 71"/>
+              <p:cNvGrpSpPr/>
+              <p:nvPr/>
+            </p:nvGrpSpPr>
+            <p:grpSpPr>
+              <a:xfrm>
+                <a:off x="580305" y="3016207"/>
+                <a:ext cx="7286991" cy="2325644"/>
+                <a:chOff x="556087" y="3147782"/>
+                <a:chExt cx="7286991" cy="2325644"/>
+              </a:xfrm>
+            </p:grpSpPr>
+            <p:grpSp>
+              <p:nvGrpSpPr>
+                <p:cNvPr id="69" name="Group 68"/>
+                <p:cNvGrpSpPr/>
+                <p:nvPr/>
+              </p:nvGrpSpPr>
+              <p:grpSpPr>
+                <a:xfrm>
+                  <a:off x="556087" y="3147782"/>
+                  <a:ext cx="7286991" cy="2325644"/>
+                  <a:chOff x="586567" y="3172249"/>
+                  <a:chExt cx="7286991" cy="2325644"/>
+                </a:xfrm>
+              </p:grpSpPr>
+              <p:grpSp>
+                <p:nvGrpSpPr>
+                  <p:cNvPr id="68" name="Group 67"/>
+                  <p:cNvGrpSpPr/>
+                  <p:nvPr/>
+                </p:nvGrpSpPr>
+                <p:grpSpPr>
+                  <a:xfrm>
+                    <a:off x="4764277" y="3314762"/>
+                    <a:ext cx="3109281" cy="2183131"/>
+                    <a:chOff x="5367340" y="3738815"/>
+                    <a:chExt cx="3109281" cy="2183131"/>
+                  </a:xfrm>
+                </p:grpSpPr>
+                <p:pic>
+                  <p:nvPicPr>
+                    <p:cNvPr id="14" name="Picture 6" descr="Image result for cartoon fist transparent background"/>
+                    <p:cNvPicPr>
+                      <a:picLocks noChangeAspect="1" noChangeArrowheads="1"/>
+                    </p:cNvPicPr>
+                    <p:nvPr/>
+                  </p:nvPicPr>
+                  <p:blipFill>
+                    <a:blip r:embed="rId2" cstate="print">
+                      <a:extLst>
+                        <a:ext uri="{28A0092B-C50C-407E-A947-70E740481C1C}">
+                          <a14:useLocalDpi xmlns:a14="http://schemas.microsoft.com/office/drawing/2010/main" val="0"/>
+                        </a:ext>
+                      </a:extLst>
+                    </a:blip>
+                    <a:srcRect/>
+                    <a:stretch>
+                      <a:fillRect/>
+                    </a:stretch>
+                  </p:blipFill>
+                  <p:spPr bwMode="auto">
+                    <a:xfrm rot="19550409">
+                      <a:off x="5367340" y="4760922"/>
+                      <a:ext cx="528963" cy="481356"/>
+                    </a:xfrm>
+                    <a:prstGeom prst="rect">
+                      <a:avLst/>
+                    </a:prstGeom>
+                    <a:noFill/>
+                    <a:extLst>
+                      <a:ext uri="{909E8E84-426E-40DD-AFC4-6F175D3DCCD1}">
+                        <a14:hiddenFill xmlns:a14="http://schemas.microsoft.com/office/drawing/2010/main">
+                          <a:solidFill>
+                            <a:srgbClr val="FFFFFF"/>
+                          </a:solidFill>
+                        </a14:hiddenFill>
+                      </a:ext>
+                    </a:extLst>
+                  </p:spPr>
+                </p:pic>
+                <p:sp>
+                  <p:nvSpPr>
+                    <p:cNvPr id="22" name="Rectangle 21"/>
+                    <p:cNvSpPr/>
+                    <p:nvPr/>
+                  </p:nvSpPr>
+                  <p:spPr>
+                    <a:xfrm>
+                      <a:off x="8242941" y="4001706"/>
+                      <a:ext cx="233680" cy="1920240"/>
+                    </a:xfrm>
+                    <a:prstGeom prst="rect">
+                      <a:avLst/>
+                    </a:prstGeom>
+                    <a:solidFill>
+                      <a:schemeClr val="tx1"/>
+                    </a:solidFill>
+                    <a:ln w="38100">
+                      <a:solidFill>
+                        <a:schemeClr val="tx1"/>
+                      </a:solidFill>
+                    </a:ln>
+                  </p:spPr>
+                  <p:style>
+                    <a:lnRef idx="2">
+                      <a:schemeClr val="accent1">
+                        <a:shade val="50000"/>
+                      </a:schemeClr>
+                    </a:lnRef>
+                    <a:fillRef idx="1">
+                      <a:schemeClr val="accent1"/>
+                    </a:fillRef>
+                    <a:effectRef idx="0">
+                      <a:schemeClr val="accent1"/>
+                    </a:effectRef>
+                    <a:fontRef idx="minor">
+                      <a:schemeClr val="lt1"/>
+                    </a:fontRef>
+                  </p:style>
+                  <p:txBody>
+                    <a:bodyPr rtlCol="0" anchor="ctr"/>
+                    <a:lstStyle/>
+                    <a:p>
+                      <a:pPr algn="ctr"/>
+                      <a:endParaRPr lang="en-US"/>
+                    </a:p>
+                  </p:txBody>
+                </p:sp>
+                <p:sp>
+                  <p:nvSpPr>
+                    <p:cNvPr id="2" name="Freeform 1"/>
+                    <p:cNvSpPr/>
+                    <p:nvPr/>
+                  </p:nvSpPr>
+                  <p:spPr>
+                    <a:xfrm>
+                      <a:off x="5657221" y="4046592"/>
+                      <a:ext cx="2560320" cy="955009"/>
+                    </a:xfrm>
+                    <a:custGeom>
+                      <a:avLst/>
+                      <a:gdLst>
+                        <a:gd name="connsiteX0" fmla="*/ 0 w 2560320"/>
+                        <a:gd name="connsiteY0" fmla="*/ 752235 h 1006380"/>
+                        <a:gd name="connsiteX1" fmla="*/ 568960 w 2560320"/>
+                        <a:gd name="connsiteY1" fmla="*/ 752235 h 1006380"/>
+                        <a:gd name="connsiteX2" fmla="*/ 873760 w 2560320"/>
+                        <a:gd name="connsiteY2" fmla="*/ 395 h 1006380"/>
+                        <a:gd name="connsiteX3" fmla="*/ 1442720 w 2560320"/>
+                        <a:gd name="connsiteY3" fmla="*/ 863995 h 1006380"/>
+                        <a:gd name="connsiteX4" fmla="*/ 2560320 w 2560320"/>
+                        <a:gd name="connsiteY4" fmla="*/ 996075 h 1006380"/>
+                        <a:gd name="connsiteX0" fmla="*/ 0 w 2540000"/>
+                        <a:gd name="connsiteY0" fmla="*/ 884328 h 1006393"/>
+                        <a:gd name="connsiteX1" fmla="*/ 548640 w 2540000"/>
+                        <a:gd name="connsiteY1" fmla="*/ 752248 h 1006393"/>
+                        <a:gd name="connsiteX2" fmla="*/ 853440 w 2540000"/>
+                        <a:gd name="connsiteY2" fmla="*/ 408 h 1006393"/>
+                        <a:gd name="connsiteX3" fmla="*/ 1422400 w 2540000"/>
+                        <a:gd name="connsiteY3" fmla="*/ 864008 h 1006393"/>
+                        <a:gd name="connsiteX4" fmla="*/ 2540000 w 2540000"/>
+                        <a:gd name="connsiteY4" fmla="*/ 996088 h 1006393"/>
+                        <a:gd name="connsiteX0" fmla="*/ 0 w 2540000"/>
+                        <a:gd name="connsiteY0" fmla="*/ 884328 h 1006393"/>
+                        <a:gd name="connsiteX1" fmla="*/ 548640 w 2540000"/>
+                        <a:gd name="connsiteY1" fmla="*/ 752248 h 1006393"/>
+                        <a:gd name="connsiteX2" fmla="*/ 853440 w 2540000"/>
+                        <a:gd name="connsiteY2" fmla="*/ 408 h 1006393"/>
+                        <a:gd name="connsiteX3" fmla="*/ 1422400 w 2540000"/>
+                        <a:gd name="connsiteY3" fmla="*/ 864008 h 1006393"/>
+                        <a:gd name="connsiteX4" fmla="*/ 2540000 w 2540000"/>
+                        <a:gd name="connsiteY4" fmla="*/ 996088 h 1006393"/>
+                        <a:gd name="connsiteX0" fmla="*/ 0 w 2540000"/>
+                        <a:gd name="connsiteY0" fmla="*/ 884036 h 1006101"/>
+                        <a:gd name="connsiteX1" fmla="*/ 599440 w 2540000"/>
+                        <a:gd name="connsiteY1" fmla="*/ 802756 h 1006101"/>
+                        <a:gd name="connsiteX2" fmla="*/ 853440 w 2540000"/>
+                        <a:gd name="connsiteY2" fmla="*/ 116 h 1006101"/>
+                        <a:gd name="connsiteX3" fmla="*/ 1422400 w 2540000"/>
+                        <a:gd name="connsiteY3" fmla="*/ 863716 h 1006101"/>
+                        <a:gd name="connsiteX4" fmla="*/ 2540000 w 2540000"/>
+                        <a:gd name="connsiteY4" fmla="*/ 995796 h 1006101"/>
+                        <a:gd name="connsiteX0" fmla="*/ 0 w 2540000"/>
+                        <a:gd name="connsiteY0" fmla="*/ 884036 h 1006101"/>
+                        <a:gd name="connsiteX1" fmla="*/ 599440 w 2540000"/>
+                        <a:gd name="connsiteY1" fmla="*/ 802756 h 1006101"/>
+                        <a:gd name="connsiteX2" fmla="*/ 853440 w 2540000"/>
+                        <a:gd name="connsiteY2" fmla="*/ 116 h 1006101"/>
+                        <a:gd name="connsiteX3" fmla="*/ 1422400 w 2540000"/>
+                        <a:gd name="connsiteY3" fmla="*/ 863716 h 1006101"/>
+                        <a:gd name="connsiteX4" fmla="*/ 2540000 w 2540000"/>
+                        <a:gd name="connsiteY4" fmla="*/ 995796 h 1006101"/>
+                        <a:gd name="connsiteX0" fmla="*/ 0 w 2540000"/>
+                        <a:gd name="connsiteY0" fmla="*/ 887640 h 1009705"/>
+                        <a:gd name="connsiteX1" fmla="*/ 599440 w 2540000"/>
+                        <a:gd name="connsiteY1" fmla="*/ 806360 h 1009705"/>
+                        <a:gd name="connsiteX2" fmla="*/ 853440 w 2540000"/>
+                        <a:gd name="connsiteY2" fmla="*/ 3720 h 1009705"/>
+                        <a:gd name="connsiteX3" fmla="*/ 1422400 w 2540000"/>
+                        <a:gd name="connsiteY3" fmla="*/ 867320 h 1009705"/>
+                        <a:gd name="connsiteX4" fmla="*/ 2540000 w 2540000"/>
+                        <a:gd name="connsiteY4" fmla="*/ 999400 h 1009705"/>
+                        <a:gd name="connsiteX0" fmla="*/ 0 w 2540000"/>
+                        <a:gd name="connsiteY0" fmla="*/ 887640 h 1000306"/>
+                        <a:gd name="connsiteX1" fmla="*/ 599440 w 2540000"/>
+                        <a:gd name="connsiteY1" fmla="*/ 806360 h 1000306"/>
+                        <a:gd name="connsiteX2" fmla="*/ 853440 w 2540000"/>
+                        <a:gd name="connsiteY2" fmla="*/ 3720 h 1000306"/>
+                        <a:gd name="connsiteX3" fmla="*/ 1422400 w 2540000"/>
+                        <a:gd name="connsiteY3" fmla="*/ 867320 h 1000306"/>
+                        <a:gd name="connsiteX4" fmla="*/ 2540000 w 2540000"/>
+                        <a:gd name="connsiteY4" fmla="*/ 999400 h 1000306"/>
+                        <a:gd name="connsiteX0" fmla="*/ 0 w 2540000"/>
+                        <a:gd name="connsiteY0" fmla="*/ 887640 h 999400"/>
+                        <a:gd name="connsiteX1" fmla="*/ 599440 w 2540000"/>
+                        <a:gd name="connsiteY1" fmla="*/ 806360 h 999400"/>
+                        <a:gd name="connsiteX2" fmla="*/ 853440 w 2540000"/>
+                        <a:gd name="connsiteY2" fmla="*/ 3720 h 999400"/>
+                        <a:gd name="connsiteX3" fmla="*/ 1422400 w 2540000"/>
+                        <a:gd name="connsiteY3" fmla="*/ 867320 h 999400"/>
+                        <a:gd name="connsiteX4" fmla="*/ 2540000 w 2540000"/>
+                        <a:gd name="connsiteY4" fmla="*/ 999400 h 999400"/>
+                        <a:gd name="connsiteX0" fmla="*/ 0 w 2560320"/>
+                        <a:gd name="connsiteY0" fmla="*/ 887640 h 928280"/>
+                        <a:gd name="connsiteX1" fmla="*/ 599440 w 2560320"/>
+                        <a:gd name="connsiteY1" fmla="*/ 806360 h 928280"/>
+                        <a:gd name="connsiteX2" fmla="*/ 853440 w 2560320"/>
+                        <a:gd name="connsiteY2" fmla="*/ 3720 h 928280"/>
+                        <a:gd name="connsiteX3" fmla="*/ 1422400 w 2560320"/>
+                        <a:gd name="connsiteY3" fmla="*/ 867320 h 928280"/>
+                        <a:gd name="connsiteX4" fmla="*/ 2560320 w 2560320"/>
+                        <a:gd name="connsiteY4" fmla="*/ 928280 h 928280"/>
+                        <a:gd name="connsiteX0" fmla="*/ 0 w 2560320"/>
+                        <a:gd name="connsiteY0" fmla="*/ 887640 h 942745"/>
+                        <a:gd name="connsiteX1" fmla="*/ 599440 w 2560320"/>
+                        <a:gd name="connsiteY1" fmla="*/ 806360 h 942745"/>
+                        <a:gd name="connsiteX2" fmla="*/ 853440 w 2560320"/>
+                        <a:gd name="connsiteY2" fmla="*/ 3720 h 942745"/>
+                        <a:gd name="connsiteX3" fmla="*/ 1422400 w 2560320"/>
+                        <a:gd name="connsiteY3" fmla="*/ 867320 h 942745"/>
+                        <a:gd name="connsiteX4" fmla="*/ 2560320 w 2560320"/>
+                        <a:gd name="connsiteY4" fmla="*/ 928280 h 942745"/>
+                        <a:gd name="connsiteX0" fmla="*/ 0 w 2560320"/>
+                        <a:gd name="connsiteY0" fmla="*/ 887640 h 955041"/>
+                        <a:gd name="connsiteX1" fmla="*/ 599440 w 2560320"/>
+                        <a:gd name="connsiteY1" fmla="*/ 806360 h 955041"/>
+                        <a:gd name="connsiteX2" fmla="*/ 853440 w 2560320"/>
+                        <a:gd name="connsiteY2" fmla="*/ 3720 h 955041"/>
+                        <a:gd name="connsiteX3" fmla="*/ 1422400 w 2560320"/>
+                        <a:gd name="connsiteY3" fmla="*/ 867320 h 955041"/>
+                        <a:gd name="connsiteX4" fmla="*/ 2560320 w 2560320"/>
+                        <a:gd name="connsiteY4" fmla="*/ 928280 h 955041"/>
+                        <a:gd name="connsiteX0" fmla="*/ 0 w 2560320"/>
+                        <a:gd name="connsiteY0" fmla="*/ 907928 h 955009"/>
+                        <a:gd name="connsiteX1" fmla="*/ 599440 w 2560320"/>
+                        <a:gd name="connsiteY1" fmla="*/ 806328 h 955009"/>
+                        <a:gd name="connsiteX2" fmla="*/ 853440 w 2560320"/>
+                        <a:gd name="connsiteY2" fmla="*/ 3688 h 955009"/>
+                        <a:gd name="connsiteX3" fmla="*/ 1422400 w 2560320"/>
+                        <a:gd name="connsiteY3" fmla="*/ 867288 h 955009"/>
+                        <a:gd name="connsiteX4" fmla="*/ 2560320 w 2560320"/>
+                        <a:gd name="connsiteY4" fmla="*/ 928248 h 955009"/>
+                      </a:gdLst>
+                      <a:ahLst/>
+                      <a:cxnLst>
+                        <a:cxn ang="0">
+                          <a:pos x="connsiteX0" y="connsiteY0"/>
+                        </a:cxn>
+                        <a:cxn ang="0">
+                          <a:pos x="connsiteX1" y="connsiteY1"/>
+                        </a:cxn>
+                        <a:cxn ang="0">
+                          <a:pos x="connsiteX2" y="connsiteY2"/>
+                        </a:cxn>
+                        <a:cxn ang="0">
+                          <a:pos x="connsiteX3" y="connsiteY3"/>
+                        </a:cxn>
+                        <a:cxn ang="0">
+                          <a:pos x="connsiteX4" y="connsiteY4"/>
+                        </a:cxn>
+                      </a:cxnLst>
+                      <a:rect l="l" t="t" r="r" b="b"/>
+                      <a:pathLst>
+                        <a:path w="2560320" h="955009">
+                          <a:moveTo>
+                            <a:pt x="0" y="907928"/>
+                          </a:moveTo>
+                          <a:cubicBezTo>
+                            <a:pt x="231986" y="889301"/>
+                            <a:pt x="457200" y="957035"/>
+                            <a:pt x="599440" y="806328"/>
+                          </a:cubicBezTo>
+                          <a:cubicBezTo>
+                            <a:pt x="741680" y="655621"/>
+                            <a:pt x="756920" y="-57272"/>
+                            <a:pt x="853440" y="3688"/>
+                          </a:cubicBezTo>
+                          <a:cubicBezTo>
+                            <a:pt x="949960" y="64648"/>
+                            <a:pt x="1137920" y="713195"/>
+                            <a:pt x="1422400" y="867288"/>
+                          </a:cubicBezTo>
+                          <a:cubicBezTo>
+                            <a:pt x="1706880" y="1021381"/>
+                            <a:pt x="2121746" y="924861"/>
+                            <a:pt x="2560320" y="928248"/>
+                          </a:cubicBezTo>
+                        </a:path>
+                      </a:pathLst>
+                    </a:custGeom>
+                    <a:noFill/>
+                    <a:ln w="38100">
+                      <a:solidFill>
+                        <a:schemeClr val="accent4">
+                          <a:lumMod val="75000"/>
+                        </a:schemeClr>
+                      </a:solidFill>
+                    </a:ln>
+                  </p:spPr>
+                  <p:style>
+                    <a:lnRef idx="2">
+                      <a:schemeClr val="accent1">
+                        <a:shade val="50000"/>
+                      </a:schemeClr>
+                    </a:lnRef>
+                    <a:fillRef idx="1">
+                      <a:schemeClr val="accent1"/>
+                    </a:fillRef>
+                    <a:effectRef idx="0">
+                      <a:schemeClr val="accent1"/>
+                    </a:effectRef>
+                    <a:fontRef idx="minor">
+                      <a:schemeClr val="lt1"/>
+                    </a:fontRef>
+                  </p:style>
+                  <p:txBody>
+                    <a:bodyPr rtlCol="0" anchor="ctr"/>
+                    <a:lstStyle/>
+                    <a:p>
+                      <a:pPr algn="ctr"/>
+                      <a:endParaRPr lang="en-US"/>
+                    </a:p>
+                  </p:txBody>
+                </p:sp>
+                <p:cxnSp>
+                  <p:nvCxnSpPr>
+                    <p:cNvPr id="29" name="Straight Arrow Connector 28"/>
+                    <p:cNvCxnSpPr/>
+                    <p:nvPr/>
+                  </p:nvCxnSpPr>
+                  <p:spPr>
+                    <a:xfrm flipV="1">
+                      <a:off x="6506686" y="4046592"/>
+                      <a:ext cx="859321" cy="10160"/>
+                    </a:xfrm>
+                    <a:prstGeom prst="straightConnector1">
+                      <a:avLst/>
+                    </a:prstGeom>
+                    <a:ln w="38100">
+                      <a:solidFill>
+                        <a:schemeClr val="tx1"/>
+                      </a:solidFill>
+                      <a:tailEnd type="triangle"/>
+                    </a:ln>
+                  </p:spPr>
+                  <p:style>
+                    <a:lnRef idx="1">
+                      <a:schemeClr val="accent1"/>
+                    </a:lnRef>
+                    <a:fillRef idx="0">
+                      <a:schemeClr val="accent1"/>
+                    </a:fillRef>
+                    <a:effectRef idx="0">
+                      <a:schemeClr val="accent1"/>
+                    </a:effectRef>
+                    <a:fontRef idx="minor">
+                      <a:schemeClr val="tx1"/>
+                    </a:fontRef>
+                  </p:style>
+                </p:cxnSp>
+                <mc:AlternateContent xmlns:mc="http://schemas.openxmlformats.org/markup-compatibility/2006">
+                  <mc:Choice xmlns:a14="http://schemas.microsoft.com/office/drawing/2010/main" Requires="a14">
+                    <p:sp>
+                      <p:nvSpPr>
+                        <p:cNvPr id="30" name="TextBox 29"/>
+                        <p:cNvSpPr txBox="1"/>
+                        <p:nvPr/>
+                      </p:nvSpPr>
+                      <p:spPr>
+                        <a:xfrm>
+                          <a:off x="6763837" y="3738815"/>
+                          <a:ext cx="217495" cy="307777"/>
+                        </a:xfrm>
+                        <a:prstGeom prst="rect">
+                          <a:avLst/>
+                        </a:prstGeom>
+                        <a:noFill/>
+                      </p:spPr>
+                      <p:txBody>
+                        <a:bodyPr wrap="none" lIns="0" tIns="0" rIns="0" bIns="0" rtlCol="0">
+                          <a:spAutoFit/>
+                        </a:bodyPr>
+                        <a:lstStyle/>
+                        <a:p>
+                          <a:pPr/>
+                          <a14:m>
+                            <m:oMathPara xmlns:m="http://schemas.openxmlformats.org/officeDocument/2006/math">
+                              <m:oMathParaPr>
+                                <m:jc m:val="centerGroup"/>
+                              </m:oMathParaPr>
+                              <m:oMath xmlns:m="http://schemas.openxmlformats.org/officeDocument/2006/math">
+                                <m:acc>
+                                  <m:accPr>
+                                    <m:chr m:val="⃗"/>
+                                    <m:ctrlPr>
+                                      <a:rPr lang="en-US" sz="2000" b="0" i="1" smtClean="0">
+                                        <a:latin typeface="Cambria Math" panose="02040503050406030204" pitchFamily="18" charset="0"/>
+                                        <a:cs typeface="Arial" panose="020B0604020202020204" pitchFamily="34" charset="0"/>
+                                      </a:rPr>
+                                    </m:ctrlPr>
+                                  </m:accPr>
+                                  <m:e>
+                                    <m:r>
+                                      <a:rPr lang="en-US" sz="2000" b="0" i="1" smtClean="0">
+                                        <a:latin typeface="Cambria Math" panose="02040503050406030204" pitchFamily="18" charset="0"/>
+                                        <a:cs typeface="Arial" panose="020B0604020202020204" pitchFamily="34" charset="0"/>
+                                      </a:rPr>
+                                      <m:t>𝑣</m:t>
+                                    </m:r>
+                                  </m:e>
+                                </m:acc>
+                              </m:oMath>
+                            </m:oMathPara>
+                          </a14:m>
+                          <a:endParaRPr lang="en-US" sz="2000" dirty="0" smtClean="0">
+                            <a:latin typeface="Arial" panose="020B0604020202020204" pitchFamily="34" charset="0"/>
+                            <a:cs typeface="Arial" panose="020B0604020202020204" pitchFamily="34" charset="0"/>
+                          </a:endParaRPr>
+                        </a:p>
+                      </p:txBody>
+                    </p:sp>
+                  </mc:Choice>
+                  <mc:Fallback>
+                    <p:sp>
+                      <p:nvSpPr>
+                        <p:cNvPr id="30" name="TextBox 29"/>
+                        <p:cNvSpPr txBox="1">
+                          <a:spLocks noRot="1" noChangeAspect="1" noMove="1" noResize="1" noEditPoints="1" noAdjustHandles="1" noChangeArrowheads="1" noChangeShapeType="1" noTextEdit="1"/>
+                        </p:cNvSpPr>
+                        <p:nvPr/>
+                      </p:nvSpPr>
+                      <p:spPr>
+                        <a:xfrm>
+                          <a:off x="6763837" y="3738815"/>
+                          <a:ext cx="217495" cy="307777"/>
+                        </a:xfrm>
+                        <a:prstGeom prst="rect">
+                          <a:avLst/>
+                        </a:prstGeom>
+                        <a:blipFill>
+                          <a:blip r:embed="rId6"/>
+                          <a:stretch>
+                            <a:fillRect l="-19444" t="-33333" r="-94444" b="-5882"/>
+                          </a:stretch>
+                        </a:blipFill>
+                      </p:spPr>
+                      <p:txBody>
+                        <a:bodyPr/>
+                        <a:lstStyle/>
+                        <a:p>
+                          <a:r>
+                            <a:rPr lang="en-US">
+                              <a:noFill/>
+                            </a:rPr>
+                            <a:t> </a:t>
+                          </a:r>
+                        </a:p>
+                      </p:txBody>
+                    </p:sp>
+                  </mc:Fallback>
+                </mc:AlternateContent>
+              </p:grpSp>
+              <p:grpSp>
+                <p:nvGrpSpPr>
+                  <p:cNvPr id="67" name="Group 66"/>
+                  <p:cNvGrpSpPr/>
+                  <p:nvPr/>
+                </p:nvGrpSpPr>
+                <p:grpSpPr>
+                  <a:xfrm>
+                    <a:off x="586567" y="3172249"/>
+                    <a:ext cx="3194371" cy="2299424"/>
+                    <a:chOff x="586567" y="3172249"/>
+                    <a:chExt cx="3194371" cy="2299424"/>
+                  </a:xfrm>
+                </p:grpSpPr>
+                <p:sp>
+                  <p:nvSpPr>
+                    <p:cNvPr id="31" name="Rectangle 30"/>
+                    <p:cNvSpPr/>
+                    <p:nvPr/>
+                  </p:nvSpPr>
+                  <p:spPr>
+                    <a:xfrm>
+                      <a:off x="3547258" y="3551433"/>
+                      <a:ext cx="233680" cy="1920240"/>
+                    </a:xfrm>
+                    <a:prstGeom prst="rect">
+                      <a:avLst/>
+                    </a:prstGeom>
+                    <a:solidFill>
+                      <a:schemeClr val="tx1"/>
+                    </a:solidFill>
+                    <a:ln w="38100">
+                      <a:solidFill>
+                        <a:schemeClr val="tx1"/>
+                      </a:solidFill>
+                    </a:ln>
+                  </p:spPr>
+                  <p:style>
+                    <a:lnRef idx="2">
+                      <a:schemeClr val="accent1">
+                        <a:shade val="50000"/>
+                      </a:schemeClr>
+                    </a:lnRef>
+                    <a:fillRef idx="1">
+                      <a:schemeClr val="accent1"/>
+                    </a:fillRef>
+                    <a:effectRef idx="0">
+                      <a:schemeClr val="accent1"/>
+                    </a:effectRef>
+                    <a:fontRef idx="minor">
+                      <a:schemeClr val="lt1"/>
+                    </a:fontRef>
+                  </p:style>
+                  <p:txBody>
+                    <a:bodyPr rtlCol="0" anchor="ctr"/>
+                    <a:lstStyle/>
+                    <a:p>
+                      <a:pPr algn="ctr"/>
+                      <a:endParaRPr lang="en-US"/>
+                    </a:p>
+                  </p:txBody>
+                </p:sp>
+                <p:cxnSp>
+                  <p:nvCxnSpPr>
+                    <p:cNvPr id="6" name="Straight Connector 5"/>
+                    <p:cNvCxnSpPr/>
+                    <p:nvPr/>
+                  </p:nvCxnSpPr>
+                  <p:spPr>
+                    <a:xfrm flipH="1" flipV="1">
+                      <a:off x="2210115" y="4514077"/>
+                      <a:ext cx="1319530" cy="15272"/>
+                    </a:xfrm>
+                    <a:prstGeom prst="line">
+                      <a:avLst/>
+                    </a:prstGeom>
+                    <a:ln w="38100">
+                      <a:solidFill>
+                        <a:schemeClr val="accent4">
+                          <a:lumMod val="75000"/>
+                        </a:schemeClr>
+                      </a:solidFill>
+                    </a:ln>
+                  </p:spPr>
+                  <p:style>
+                    <a:lnRef idx="1">
+                      <a:schemeClr val="accent1"/>
+                    </a:lnRef>
+                    <a:fillRef idx="0">
+                      <a:schemeClr val="accent1"/>
+                    </a:fillRef>
+                    <a:effectRef idx="0">
+                      <a:schemeClr val="accent1"/>
+                    </a:effectRef>
+                    <a:fontRef idx="minor">
+                      <a:schemeClr val="tx1"/>
+                    </a:fontRef>
+                  </p:style>
+                </p:cxnSp>
+                <p:cxnSp>
+                  <p:nvCxnSpPr>
+                    <p:cNvPr id="32" name="Straight Connector 31"/>
+                    <p:cNvCxnSpPr/>
+                    <p:nvPr/>
+                  </p:nvCxnSpPr>
+                  <p:spPr>
+                    <a:xfrm flipH="1" flipV="1">
+                      <a:off x="1223271" y="3801311"/>
+                      <a:ext cx="907187" cy="686435"/>
+                    </a:xfrm>
+                    <a:prstGeom prst="line">
+                      <a:avLst/>
+                    </a:prstGeom>
+                    <a:ln w="38100">
+                      <a:solidFill>
+                        <a:schemeClr val="accent4">
+                          <a:lumMod val="75000"/>
+                        </a:schemeClr>
+                      </a:solidFill>
+                    </a:ln>
+                  </p:spPr>
+                  <p:style>
+                    <a:lnRef idx="1">
+                      <a:schemeClr val="accent1"/>
+                    </a:lnRef>
+                    <a:fillRef idx="0">
+                      <a:schemeClr val="accent1"/>
+                    </a:fillRef>
+                    <a:effectRef idx="0">
+                      <a:schemeClr val="accent1"/>
+                    </a:effectRef>
+                    <a:fontRef idx="minor">
+                      <a:schemeClr val="tx1"/>
+                    </a:fontRef>
+                  </p:style>
+                </p:cxnSp>
+                <p:pic>
+                  <p:nvPicPr>
+                    <p:cNvPr id="35" name="Picture 6" descr="Image result for cartoon fist transparent background"/>
+                    <p:cNvPicPr>
+                      <a:picLocks noChangeAspect="1" noChangeArrowheads="1"/>
+                    </p:cNvPicPr>
+                    <p:nvPr/>
+                  </p:nvPicPr>
+                  <p:blipFill>
+                    <a:blip r:embed="rId2" cstate="print">
+                      <a:extLst>
+                        <a:ext uri="{28A0092B-C50C-407E-A947-70E740481C1C}">
+                          <a14:useLocalDpi xmlns:a14="http://schemas.microsoft.com/office/drawing/2010/main" val="0"/>
+                        </a:ext>
+                      </a:extLst>
+                    </a:blip>
+                    <a:srcRect/>
+                    <a:stretch>
+                      <a:fillRect/>
+                    </a:stretch>
+                  </p:blipFill>
+                  <p:spPr bwMode="auto">
+                    <a:xfrm rot="19550409">
+                      <a:off x="978447" y="3739133"/>
+                      <a:ext cx="528963" cy="481356"/>
+                    </a:xfrm>
+                    <a:prstGeom prst="rect">
+                      <a:avLst/>
+                    </a:prstGeom>
+                    <a:noFill/>
+                    <a:extLst>
+                      <a:ext uri="{909E8E84-426E-40DD-AFC4-6F175D3DCCD1}">
+                        <a14:hiddenFill xmlns:a14="http://schemas.microsoft.com/office/drawing/2010/main">
+                          <a:solidFill>
+                            <a:srgbClr val="FFFFFF"/>
+                          </a:solidFill>
+                        </a14:hiddenFill>
+                      </a:ext>
+                    </a:extLst>
+                  </p:spPr>
+                </p:pic>
+                <p:cxnSp>
+                  <p:nvCxnSpPr>
+                    <p:cNvPr id="36" name="Straight Arrow Connector 35"/>
+                    <p:cNvCxnSpPr/>
+                    <p:nvPr/>
+                  </p:nvCxnSpPr>
+                  <p:spPr>
+                    <a:xfrm flipV="1">
+                      <a:off x="2227729" y="4287860"/>
+                      <a:ext cx="859321" cy="10160"/>
+                    </a:xfrm>
+                    <a:prstGeom prst="straightConnector1">
+                      <a:avLst/>
+                    </a:prstGeom>
+                    <a:ln w="38100">
+                      <a:solidFill>
+                        <a:schemeClr val="tx1"/>
+                      </a:solidFill>
+                      <a:tailEnd type="triangle"/>
+                    </a:ln>
+                  </p:spPr>
+                  <p:style>
+                    <a:lnRef idx="1">
+                      <a:schemeClr val="accent1"/>
+                    </a:lnRef>
+                    <a:fillRef idx="0">
+                      <a:schemeClr val="accent1"/>
+                    </a:fillRef>
+                    <a:effectRef idx="0">
+                      <a:schemeClr val="accent1"/>
+                    </a:effectRef>
+                    <a:fontRef idx="minor">
+                      <a:schemeClr val="tx1"/>
+                    </a:fontRef>
+                  </p:style>
+                </p:cxnSp>
+                <mc:AlternateContent xmlns:mc="http://schemas.openxmlformats.org/markup-compatibility/2006">
+                  <mc:Choice xmlns:a14="http://schemas.microsoft.com/office/drawing/2010/main" Requires="a14">
+                    <p:sp>
+                      <p:nvSpPr>
+                        <p:cNvPr id="37" name="TextBox 36"/>
+                        <p:cNvSpPr txBox="1"/>
+                        <p:nvPr/>
+                      </p:nvSpPr>
+                      <p:spPr>
+                        <a:xfrm>
+                          <a:off x="2484880" y="3980083"/>
+                          <a:ext cx="217495" cy="307777"/>
+                        </a:xfrm>
+                        <a:prstGeom prst="rect">
+                          <a:avLst/>
+                        </a:prstGeom>
+                        <a:noFill/>
+                      </p:spPr>
+                      <p:txBody>
+                        <a:bodyPr wrap="none" lIns="0" tIns="0" rIns="0" bIns="0" rtlCol="0">
+                          <a:spAutoFit/>
+                        </a:bodyPr>
+                        <a:lstStyle/>
+                        <a:p>
+                          <a:pPr/>
+                          <a14:m>
+                            <m:oMathPara xmlns:m="http://schemas.openxmlformats.org/officeDocument/2006/math">
+                              <m:oMathParaPr>
+                                <m:jc m:val="centerGroup"/>
+                              </m:oMathParaPr>
+                              <m:oMath xmlns:m="http://schemas.openxmlformats.org/officeDocument/2006/math">
+                                <m:acc>
+                                  <m:accPr>
+                                    <m:chr m:val="⃗"/>
+                                    <m:ctrlPr>
+                                      <a:rPr lang="en-US" sz="2000" b="0" i="1" smtClean="0">
+                                        <a:latin typeface="Cambria Math" panose="02040503050406030204" pitchFamily="18" charset="0"/>
+                                        <a:cs typeface="Arial" panose="020B0604020202020204" pitchFamily="34" charset="0"/>
+                                      </a:rPr>
+                                    </m:ctrlPr>
+                                  </m:accPr>
+                                  <m:e>
+                                    <m:r>
+                                      <a:rPr lang="en-US" sz="2000" b="0" i="1" smtClean="0">
+                                        <a:latin typeface="Cambria Math" panose="02040503050406030204" pitchFamily="18" charset="0"/>
+                                        <a:cs typeface="Arial" panose="020B0604020202020204" pitchFamily="34" charset="0"/>
+                                      </a:rPr>
+                                      <m:t>𝑣</m:t>
+                                    </m:r>
+                                  </m:e>
+                                </m:acc>
+                              </m:oMath>
+                            </m:oMathPara>
+                          </a14:m>
+                          <a:endParaRPr lang="en-US" sz="2000" dirty="0" smtClean="0">
+                            <a:latin typeface="Arial" panose="020B0604020202020204" pitchFamily="34" charset="0"/>
+                            <a:cs typeface="Arial" panose="020B0604020202020204" pitchFamily="34" charset="0"/>
+                          </a:endParaRPr>
+                        </a:p>
+                      </p:txBody>
+                    </p:sp>
+                  </mc:Choice>
+                  <mc:Fallback>
+                    <p:sp>
+                      <p:nvSpPr>
+                        <p:cNvPr id="37" name="TextBox 36"/>
+                        <p:cNvSpPr txBox="1">
+                          <a:spLocks noRot="1" noChangeAspect="1" noMove="1" noResize="1" noEditPoints="1" noAdjustHandles="1" noChangeArrowheads="1" noChangeShapeType="1" noTextEdit="1"/>
+                        </p:cNvSpPr>
+                        <p:nvPr/>
+                      </p:nvSpPr>
+                      <p:spPr>
+                        <a:xfrm>
+                          <a:off x="2484880" y="3980083"/>
+                          <a:ext cx="217495" cy="307777"/>
+                        </a:xfrm>
+                        <a:prstGeom prst="rect">
+                          <a:avLst/>
+                        </a:prstGeom>
+                        <a:blipFill>
+                          <a:blip r:embed="rId7"/>
+                          <a:stretch>
+                            <a:fillRect l="-19444" t="-33333" r="-94444" b="-5882"/>
+                          </a:stretch>
+                        </a:blipFill>
+                      </p:spPr>
+                      <p:txBody>
+                        <a:bodyPr/>
+                        <a:lstStyle/>
+                        <a:p>
+                          <a:r>
+                            <a:rPr lang="en-US">
+                              <a:noFill/>
+                            </a:rPr>
+                            <a:t> </a:t>
+                          </a:r>
+                        </a:p>
+                      </p:txBody>
+                    </p:sp>
+                  </mc:Fallback>
+                </mc:AlternateContent>
+                <p:sp>
+                  <p:nvSpPr>
+                    <p:cNvPr id="38" name="Oval 37"/>
+                    <p:cNvSpPr/>
+                    <p:nvPr/>
+                  </p:nvSpPr>
+                  <p:spPr>
+                    <a:xfrm>
+                      <a:off x="2149645" y="4445903"/>
+                      <a:ext cx="120943" cy="119766"/>
+                    </a:xfrm>
+                    <a:prstGeom prst="ellipse">
+                      <a:avLst/>
+                    </a:prstGeom>
+                    <a:solidFill>
+                      <a:schemeClr val="tx1"/>
+                    </a:solidFill>
+                    <a:ln w="38100">
+                      <a:solidFill>
+                        <a:schemeClr val="tx1"/>
+                      </a:solidFill>
+                    </a:ln>
+                  </p:spPr>
+                  <p:style>
+                    <a:lnRef idx="2">
+                      <a:schemeClr val="accent1">
+                        <a:shade val="50000"/>
+                      </a:schemeClr>
+                    </a:lnRef>
+                    <a:fillRef idx="1">
+                      <a:schemeClr val="accent1"/>
+                    </a:fillRef>
+                    <a:effectRef idx="0">
+                      <a:schemeClr val="accent1"/>
+                    </a:effectRef>
+                    <a:fontRef idx="minor">
+                      <a:schemeClr val="lt1"/>
+                    </a:fontRef>
+                  </p:style>
+                  <p:txBody>
+                    <a:bodyPr rtlCol="0" anchor="ctr"/>
+                    <a:lstStyle/>
+                    <a:p>
+                      <a:pPr algn="ctr"/>
+                      <a:endParaRPr lang="en-US"/>
+                    </a:p>
+                  </p:txBody>
+                </p:sp>
+                <p:cxnSp>
+                  <p:nvCxnSpPr>
+                    <p:cNvPr id="40" name="Straight Arrow Connector 39"/>
+                    <p:cNvCxnSpPr/>
+                    <p:nvPr/>
+                  </p:nvCxnSpPr>
+                  <p:spPr>
+                    <a:xfrm flipH="1" flipV="1">
+                      <a:off x="2657389" y="4514077"/>
+                      <a:ext cx="872256" cy="15272"/>
+                    </a:xfrm>
+                    <a:prstGeom prst="straightConnector1">
+                      <a:avLst/>
+                    </a:prstGeom>
+                    <a:ln w="38100">
+                      <a:solidFill>
+                        <a:schemeClr val="tx1"/>
+                      </a:solidFill>
+                      <a:tailEnd type="triangle"/>
+                    </a:ln>
+                  </p:spPr>
+                  <p:style>
+                    <a:lnRef idx="1">
+                      <a:schemeClr val="accent1"/>
+                    </a:lnRef>
+                    <a:fillRef idx="0">
+                      <a:schemeClr val="accent1"/>
+                    </a:fillRef>
+                    <a:effectRef idx="0">
+                      <a:schemeClr val="accent1"/>
+                    </a:effectRef>
+                    <a:fontRef idx="minor">
+                      <a:schemeClr val="tx1"/>
+                    </a:fontRef>
+                  </p:style>
+                </p:cxnSp>
+                <mc:AlternateContent xmlns:mc="http://schemas.openxmlformats.org/markup-compatibility/2006">
+                  <mc:Choice xmlns:a14="http://schemas.microsoft.com/office/drawing/2010/main" Requires="a14">
+                    <p:sp>
+                      <p:nvSpPr>
+                        <p:cNvPr id="41" name="TextBox 40"/>
+                        <p:cNvSpPr txBox="1"/>
+                        <p:nvPr/>
+                      </p:nvSpPr>
+                      <p:spPr>
+                        <a:xfrm>
+                          <a:off x="3110391" y="4544621"/>
+                          <a:ext cx="340478" cy="345159"/>
+                        </a:xfrm>
+                        <a:prstGeom prst="rect">
+                          <a:avLst/>
+                        </a:prstGeom>
+                        <a:noFill/>
+                      </p:spPr>
+                      <p:txBody>
+                        <a:bodyPr wrap="none" lIns="0" tIns="0" rIns="0" bIns="0" rtlCol="0">
+                          <a:spAutoFit/>
+                        </a:bodyPr>
+                        <a:lstStyle/>
+                        <a:p>
+                          <a14:m>
+                            <m:oMathPara xmlns:m="http://schemas.openxmlformats.org/officeDocument/2006/math">
+                              <m:oMathParaPr>
+                                <m:jc m:val="centerGroup"/>
+                              </m:oMathParaPr>
+                              <m:oMath xmlns:m="http://schemas.openxmlformats.org/officeDocument/2006/math">
+                                <m:sSub>
+                                  <m:sSubPr>
+                                    <m:ctrlPr>
+                                      <a:rPr lang="en-US" sz="2000" b="0" i="1" smtClean="0">
+                                        <a:latin typeface="Cambria Math" panose="02040503050406030204" pitchFamily="18" charset="0"/>
+                                        <a:cs typeface="Arial" panose="020B0604020202020204" pitchFamily="34" charset="0"/>
+                                      </a:rPr>
+                                    </m:ctrlPr>
+                                  </m:sSubPr>
+                                  <m:e>
+                                    <m:acc>
+                                      <m:accPr>
+                                        <m:chr m:val="⃗"/>
+                                        <m:ctrlPr>
+                                          <a:rPr lang="en-US" sz="2000" b="0" i="1" smtClean="0">
+                                            <a:latin typeface="Cambria Math" panose="02040503050406030204" pitchFamily="18" charset="0"/>
+                                            <a:cs typeface="Arial" panose="020B0604020202020204" pitchFamily="34" charset="0"/>
+                                          </a:rPr>
+                                        </m:ctrlPr>
+                                      </m:accPr>
+                                      <m:e>
+                                        <m:r>
+                                          <a:rPr lang="en-US" sz="2000" b="0" i="1" smtClean="0">
+                                            <a:latin typeface="Cambria Math" panose="02040503050406030204" pitchFamily="18" charset="0"/>
+                                            <a:cs typeface="Arial" panose="020B0604020202020204" pitchFamily="34" charset="0"/>
+                                          </a:rPr>
+                                          <m:t>𝐹</m:t>
+                                        </m:r>
+                                      </m:e>
+                                    </m:acc>
+                                  </m:e>
+                                  <m:sub>
+                                    <m:r>
+                                      <a:rPr lang="en-US" sz="2000" b="0" i="1" smtClean="0">
+                                        <a:latin typeface="Cambria Math" panose="02040503050406030204" pitchFamily="18" charset="0"/>
+                                        <a:cs typeface="Arial" panose="020B0604020202020204" pitchFamily="34" charset="0"/>
+                                      </a:rPr>
+                                      <m:t>𝑇</m:t>
+                                    </m:r>
+                                  </m:sub>
+                                </m:sSub>
+                              </m:oMath>
+                            </m:oMathPara>
+                          </a14:m>
+                          <a:endParaRPr lang="en-US" sz="2000" dirty="0" smtClean="0">
+                            <a:latin typeface="Arial" panose="020B0604020202020204" pitchFamily="34" charset="0"/>
+                            <a:cs typeface="Arial" panose="020B0604020202020204" pitchFamily="34" charset="0"/>
+                          </a:endParaRPr>
+                        </a:p>
+                      </p:txBody>
+                    </p:sp>
+                  </mc:Choice>
+                  <mc:Fallback>
+                    <p:sp>
+                      <p:nvSpPr>
+                        <p:cNvPr id="41" name="TextBox 40"/>
+                        <p:cNvSpPr txBox="1">
+                          <a:spLocks noRot="1" noChangeAspect="1" noMove="1" noResize="1" noEditPoints="1" noAdjustHandles="1" noChangeArrowheads="1" noChangeShapeType="1" noTextEdit="1"/>
+                        </p:cNvSpPr>
+                        <p:nvPr/>
+                      </p:nvSpPr>
+                      <p:spPr>
+                        <a:xfrm>
+                          <a:off x="3110391" y="4544621"/>
+                          <a:ext cx="340478" cy="345159"/>
+                        </a:xfrm>
+                        <a:prstGeom prst="rect">
+                          <a:avLst/>
+                        </a:prstGeom>
+                        <a:blipFill>
+                          <a:blip r:embed="rId8"/>
+                          <a:stretch>
+                            <a:fillRect l="-16071" t="-35088" r="-62500" b="-15789"/>
+                          </a:stretch>
+                        </a:blipFill>
+                      </p:spPr>
+                      <p:txBody>
+                        <a:bodyPr/>
+                        <a:lstStyle/>
+                        <a:p>
+                          <a:r>
+                            <a:rPr lang="en-US">
+                              <a:noFill/>
+                            </a:rPr>
+                            <a:t> </a:t>
+                          </a:r>
+                        </a:p>
+                      </p:txBody>
+                    </p:sp>
+                  </mc:Fallback>
+                </mc:AlternateContent>
+                <p:sp>
+                  <p:nvSpPr>
+                    <p:cNvPr id="42" name="Oval 41"/>
+                    <p:cNvSpPr/>
+                    <p:nvPr/>
+                  </p:nvSpPr>
+                  <p:spPr>
+                    <a:xfrm>
+                      <a:off x="1440883" y="3952691"/>
+                      <a:ext cx="120943" cy="119766"/>
+                    </a:xfrm>
+                    <a:prstGeom prst="ellipse">
+                      <a:avLst/>
+                    </a:prstGeom>
+                    <a:solidFill>
+                      <a:schemeClr val="tx1"/>
+                    </a:solidFill>
+                    <a:ln w="38100">
+                      <a:solidFill>
+                        <a:schemeClr val="tx1"/>
+                      </a:solidFill>
+                    </a:ln>
+                  </p:spPr>
+                  <p:style>
+                    <a:lnRef idx="2">
+                      <a:schemeClr val="accent1">
+                        <a:shade val="50000"/>
+                      </a:schemeClr>
+                    </a:lnRef>
+                    <a:fillRef idx="1">
+                      <a:schemeClr val="accent1"/>
+                    </a:fillRef>
+                    <a:effectRef idx="0">
+                      <a:schemeClr val="accent1"/>
+                    </a:effectRef>
+                    <a:fontRef idx="minor">
+                      <a:schemeClr val="lt1"/>
+                    </a:fontRef>
+                  </p:style>
+                  <p:txBody>
+                    <a:bodyPr rtlCol="0" anchor="ctr"/>
+                    <a:lstStyle/>
+                    <a:p>
+                      <a:pPr algn="ctr"/>
+                      <a:endParaRPr lang="en-US"/>
+                    </a:p>
+                  </p:txBody>
+                </p:sp>
+                <p:cxnSp>
+                  <p:nvCxnSpPr>
+                    <p:cNvPr id="44" name="Straight Arrow Connector 43"/>
+                    <p:cNvCxnSpPr>
+                      <a:stCxn id="42" idx="0"/>
+                    </p:cNvCxnSpPr>
+                    <p:nvPr/>
+                  </p:nvCxnSpPr>
+                  <p:spPr>
+                    <a:xfrm flipH="1" flipV="1">
+                      <a:off x="1501354" y="3370153"/>
+                      <a:ext cx="1" cy="582538"/>
+                    </a:xfrm>
+                    <a:prstGeom prst="straightConnector1">
+                      <a:avLst/>
+                    </a:prstGeom>
+                    <a:ln w="38100">
+                      <a:solidFill>
+                        <a:schemeClr val="tx1"/>
+                      </a:solidFill>
+                      <a:tailEnd type="triangle"/>
+                    </a:ln>
+                  </p:spPr>
+                  <p:style>
+                    <a:lnRef idx="1">
+                      <a:schemeClr val="accent1"/>
+                    </a:lnRef>
+                    <a:fillRef idx="0">
+                      <a:schemeClr val="accent1"/>
+                    </a:fillRef>
+                    <a:effectRef idx="0">
+                      <a:schemeClr val="accent1"/>
+                    </a:effectRef>
+                    <a:fontRef idx="minor">
+                      <a:schemeClr val="tx1"/>
+                    </a:fontRef>
+                  </p:style>
+                </p:cxnSp>
+                <mc:AlternateContent xmlns:mc="http://schemas.openxmlformats.org/markup-compatibility/2006">
+                  <mc:Choice xmlns:a14="http://schemas.microsoft.com/office/drawing/2010/main" Requires="a14">
+                    <p:sp>
+                      <p:nvSpPr>
+                        <p:cNvPr id="45" name="TextBox 44"/>
+                        <p:cNvSpPr txBox="1"/>
+                        <p:nvPr/>
+                      </p:nvSpPr>
+                      <p:spPr>
+                        <a:xfrm>
+                          <a:off x="1532687" y="3561570"/>
+                          <a:ext cx="283219" cy="307777"/>
+                        </a:xfrm>
+                        <a:prstGeom prst="rect">
+                          <a:avLst/>
+                        </a:prstGeom>
+                        <a:noFill/>
+                      </p:spPr>
+                      <p:txBody>
+                        <a:bodyPr wrap="none" lIns="0" tIns="0" rIns="0" bIns="0" rtlCol="0">
+                          <a:spAutoFit/>
+                        </a:bodyPr>
+                        <a:lstStyle/>
+                        <a:p>
+                          <a14:m>
+                            <m:oMathPara xmlns:m="http://schemas.openxmlformats.org/officeDocument/2006/math">
+                              <m:oMathParaPr>
+                                <m:jc m:val="centerGroup"/>
+                              </m:oMathParaPr>
+                              <m:oMath xmlns:m="http://schemas.openxmlformats.org/officeDocument/2006/math">
+                                <m:acc>
+                                  <m:accPr>
+                                    <m:chr m:val="⃗"/>
+                                    <m:ctrlPr>
+                                      <a:rPr lang="en-US" sz="2000" b="0" i="1" smtClean="0">
+                                        <a:latin typeface="Cambria Math" panose="02040503050406030204" pitchFamily="18" charset="0"/>
+                                        <a:cs typeface="Arial" panose="020B0604020202020204" pitchFamily="34" charset="0"/>
+                                      </a:rPr>
+                                    </m:ctrlPr>
+                                  </m:accPr>
+                                  <m:e>
+                                    <m:r>
+                                      <a:rPr lang="en-US" sz="2000" b="0" i="1" smtClean="0">
+                                        <a:latin typeface="Cambria Math" panose="02040503050406030204" pitchFamily="18" charset="0"/>
+                                        <a:cs typeface="Arial" panose="020B0604020202020204" pitchFamily="34" charset="0"/>
+                                      </a:rPr>
+                                      <m:t>𝑣</m:t>
+                                    </m:r>
+                                  </m:e>
+                                </m:acc>
+                                <m:r>
+                                  <a:rPr lang="en-US" sz="2000" b="0" i="1" smtClean="0">
+                                    <a:latin typeface="Cambria Math" panose="02040503050406030204" pitchFamily="18" charset="0"/>
+                                    <a:cs typeface="Arial" panose="020B0604020202020204" pitchFamily="34" charset="0"/>
+                                  </a:rPr>
+                                  <m:t>′</m:t>
+                                </m:r>
+                              </m:oMath>
+                            </m:oMathPara>
+                          </a14:m>
+                          <a:endParaRPr lang="en-US" sz="2000" dirty="0" smtClean="0">
+                            <a:latin typeface="Arial" panose="020B0604020202020204" pitchFamily="34" charset="0"/>
+                            <a:cs typeface="Arial" panose="020B0604020202020204" pitchFamily="34" charset="0"/>
+                          </a:endParaRPr>
+                        </a:p>
+                      </p:txBody>
+                    </p:sp>
+                  </mc:Choice>
+                  <mc:Fallback>
+                    <p:sp>
+                      <p:nvSpPr>
+                        <p:cNvPr id="45" name="TextBox 44"/>
+                        <p:cNvSpPr txBox="1">
+                          <a:spLocks noRot="1" noChangeAspect="1" noMove="1" noResize="1" noEditPoints="1" noAdjustHandles="1" noChangeArrowheads="1" noChangeShapeType="1" noTextEdit="1"/>
+                        </p:cNvSpPr>
+                        <p:nvPr/>
+                      </p:nvSpPr>
+                      <p:spPr>
+                        <a:xfrm>
+                          <a:off x="1532687" y="3561570"/>
+                          <a:ext cx="283219" cy="307777"/>
+                        </a:xfrm>
+                        <a:prstGeom prst="rect">
+                          <a:avLst/>
+                        </a:prstGeom>
+                        <a:blipFill>
+                          <a:blip r:embed="rId9"/>
+                          <a:stretch>
+                            <a:fillRect l="-17391" t="-36000" r="-71739" b="-14000"/>
+                          </a:stretch>
+                        </a:blipFill>
+                      </p:spPr>
+                      <p:txBody>
+                        <a:bodyPr/>
+                        <a:lstStyle/>
+                        <a:p>
+                          <a:r>
+                            <a:rPr lang="en-US">
+                              <a:noFill/>
+                            </a:rPr>
+                            <a:t> </a:t>
+                          </a:r>
+                        </a:p>
+                      </p:txBody>
+                    </p:sp>
+                  </mc:Fallback>
+                </mc:AlternateContent>
+                <p:cxnSp>
+                  <p:nvCxnSpPr>
+                    <p:cNvPr id="49" name="Straight Arrow Connector 48"/>
+                    <p:cNvCxnSpPr/>
+                    <p:nvPr/>
+                  </p:nvCxnSpPr>
+                  <p:spPr>
+                    <a:xfrm flipH="1">
+                      <a:off x="1515335" y="4079006"/>
+                      <a:ext cx="2337" cy="360488"/>
+                    </a:xfrm>
+                    <a:prstGeom prst="straightConnector1">
+                      <a:avLst/>
+                    </a:prstGeom>
+                    <a:ln w="38100">
+                      <a:solidFill>
+                        <a:schemeClr val="tx1"/>
+                      </a:solidFill>
+                      <a:headEnd type="triangle"/>
+                      <a:tailEnd type="triangle"/>
+                    </a:ln>
+                  </p:spPr>
+                  <p:style>
+                    <a:lnRef idx="1">
+                      <a:schemeClr val="accent1"/>
+                    </a:lnRef>
+                    <a:fillRef idx="0">
+                      <a:schemeClr val="accent1"/>
+                    </a:fillRef>
+                    <a:effectRef idx="0">
+                      <a:schemeClr val="accent1"/>
+                    </a:effectRef>
+                    <a:fontRef idx="minor">
+                      <a:schemeClr val="tx1"/>
+                    </a:fontRef>
+                  </p:style>
+                </p:cxnSp>
+                <p:cxnSp>
+                  <p:nvCxnSpPr>
+                    <p:cNvPr id="50" name="Straight Arrow Connector 49"/>
+                    <p:cNvCxnSpPr/>
+                    <p:nvPr/>
+                  </p:nvCxnSpPr>
+                  <p:spPr>
+                    <a:xfrm flipH="1">
+                      <a:off x="1578473" y="4498006"/>
+                      <a:ext cx="536752" cy="513"/>
+                    </a:xfrm>
+                    <a:prstGeom prst="straightConnector1">
+                      <a:avLst/>
+                    </a:prstGeom>
+                    <a:ln w="38100">
+                      <a:solidFill>
+                        <a:schemeClr val="tx1"/>
+                      </a:solidFill>
+                      <a:headEnd type="triangle"/>
+                      <a:tailEnd type="triangle"/>
+                    </a:ln>
+                  </p:spPr>
+                  <p:style>
+                    <a:lnRef idx="1">
+                      <a:schemeClr val="accent1"/>
+                    </a:lnRef>
+                    <a:fillRef idx="0">
+                      <a:schemeClr val="accent1"/>
+                    </a:fillRef>
+                    <a:effectRef idx="0">
+                      <a:schemeClr val="accent1"/>
+                    </a:effectRef>
+                    <a:fontRef idx="minor">
+                      <a:schemeClr val="tx1"/>
+                    </a:fontRef>
+                  </p:style>
+                </p:cxnSp>
+                <mc:AlternateContent xmlns:mc="http://schemas.openxmlformats.org/markup-compatibility/2006">
+                  <mc:Choice xmlns:a14="http://schemas.microsoft.com/office/drawing/2010/main" Requires="a14">
+                    <p:sp>
+                      <p:nvSpPr>
+                        <p:cNvPr id="53" name="TextBox 52"/>
+                        <p:cNvSpPr txBox="1"/>
+                        <p:nvPr/>
+                      </p:nvSpPr>
+                      <p:spPr>
+                        <a:xfrm>
+                          <a:off x="1559295" y="4100043"/>
+                          <a:ext cx="410241" cy="307777"/>
+                        </a:xfrm>
+                        <a:prstGeom prst="rect">
+                          <a:avLst/>
+                        </a:prstGeom>
+                        <a:noFill/>
+                      </p:spPr>
+                      <p:txBody>
+                        <a:bodyPr wrap="none" lIns="0" tIns="0" rIns="0" bIns="0" rtlCol="0">
+                          <a:spAutoFit/>
+                        </a:bodyPr>
+                        <a:lstStyle/>
+                        <a:p>
+                          <a14:m>
+                            <m:oMathPara xmlns:m="http://schemas.openxmlformats.org/officeDocument/2006/math">
+                              <m:oMathParaPr>
+                                <m:jc m:val="centerGroup"/>
+                              </m:oMathParaPr>
+                              <m:oMath xmlns:m="http://schemas.openxmlformats.org/officeDocument/2006/math">
+                                <m:sSup>
+                                  <m:sSupPr>
+                                    <m:ctrlPr>
+                                      <a:rPr lang="en-US" sz="2000" b="0" i="1" smtClean="0">
+                                        <a:latin typeface="Cambria Math" panose="02040503050406030204" pitchFamily="18" charset="0"/>
+                                        <a:cs typeface="Arial" panose="020B0604020202020204" pitchFamily="34" charset="0"/>
+                                      </a:rPr>
+                                    </m:ctrlPr>
+                                  </m:sSupPr>
+                                  <m:e>
+                                    <m:r>
+                                      <a:rPr lang="en-US" sz="2000" b="0" i="1" smtClean="0">
+                                        <a:latin typeface="Cambria Math" panose="02040503050406030204" pitchFamily="18" charset="0"/>
+                                        <a:cs typeface="Arial" panose="020B0604020202020204" pitchFamily="34" charset="0"/>
+                                      </a:rPr>
+                                      <m:t>𝑣</m:t>
+                                    </m:r>
+                                  </m:e>
+                                  <m:sup>
+                                    <m:r>
+                                      <a:rPr lang="en-US" sz="2000" b="0" i="1" smtClean="0">
+                                        <a:latin typeface="Cambria Math" panose="02040503050406030204" pitchFamily="18" charset="0"/>
+                                        <a:cs typeface="Arial" panose="020B0604020202020204" pitchFamily="34" charset="0"/>
+                                      </a:rPr>
+                                      <m:t>′</m:t>
+                                    </m:r>
+                                  </m:sup>
+                                </m:sSup>
+                                <m:r>
+                                  <a:rPr lang="en-US" sz="2000" b="0" i="1" smtClean="0">
+                                    <a:latin typeface="Cambria Math" panose="02040503050406030204" pitchFamily="18" charset="0"/>
+                                    <a:cs typeface="Arial" panose="020B0604020202020204" pitchFamily="34" charset="0"/>
+                                  </a:rPr>
+                                  <m:t>𝑡</m:t>
+                                </m:r>
+                              </m:oMath>
+                            </m:oMathPara>
+                          </a14:m>
+                          <a:endParaRPr lang="en-US" sz="2000" dirty="0" smtClean="0">
+                            <a:latin typeface="Arial" panose="020B0604020202020204" pitchFamily="34" charset="0"/>
+                            <a:cs typeface="Arial" panose="020B0604020202020204" pitchFamily="34" charset="0"/>
+                          </a:endParaRPr>
+                        </a:p>
+                      </p:txBody>
+                    </p:sp>
+                  </mc:Choice>
+                  <mc:Fallback>
+                    <p:sp>
+                      <p:nvSpPr>
+                        <p:cNvPr id="53" name="TextBox 52"/>
+                        <p:cNvSpPr txBox="1">
+                          <a:spLocks noRot="1" noChangeAspect="1" noMove="1" noResize="1" noEditPoints="1" noAdjustHandles="1" noChangeArrowheads="1" noChangeShapeType="1" noTextEdit="1"/>
+                        </p:cNvSpPr>
+                        <p:nvPr/>
+                      </p:nvSpPr>
+                      <p:spPr>
+                        <a:xfrm>
+                          <a:off x="1559295" y="4100043"/>
+                          <a:ext cx="410241" cy="307777"/>
+                        </a:xfrm>
+                        <a:prstGeom prst="rect">
+                          <a:avLst/>
+                        </a:prstGeom>
+                        <a:blipFill>
+                          <a:blip r:embed="rId10"/>
+                          <a:stretch>
+                            <a:fillRect l="-5882" r="-8824" b="-8000"/>
+                          </a:stretch>
+                        </a:blipFill>
+                      </p:spPr>
+                      <p:txBody>
+                        <a:bodyPr/>
+                        <a:lstStyle/>
+                        <a:p>
+                          <a:r>
+                            <a:rPr lang="en-US">
+                              <a:noFill/>
+                            </a:rPr>
+                            <a:t> </a:t>
+                          </a:r>
+                        </a:p>
+                      </p:txBody>
+                    </p:sp>
+                  </mc:Fallback>
+                </mc:AlternateContent>
+                <mc:AlternateContent xmlns:mc="http://schemas.openxmlformats.org/markup-compatibility/2006">
+                  <mc:Choice xmlns:a14="http://schemas.microsoft.com/office/drawing/2010/main" Requires="a14">
+                    <p:sp>
+                      <p:nvSpPr>
+                        <p:cNvPr id="54" name="TextBox 53"/>
+                        <p:cNvSpPr txBox="1"/>
+                        <p:nvPr/>
+                      </p:nvSpPr>
+                      <p:spPr>
+                        <a:xfrm>
+                          <a:off x="1658231" y="4507762"/>
+                          <a:ext cx="317266" cy="307777"/>
+                        </a:xfrm>
+                        <a:prstGeom prst="rect">
+                          <a:avLst/>
+                        </a:prstGeom>
+                        <a:noFill/>
+                      </p:spPr>
+                      <p:txBody>
+                        <a:bodyPr wrap="none" lIns="0" tIns="0" rIns="0" bIns="0" rtlCol="0">
+                          <a:spAutoFit/>
+                        </a:bodyPr>
+                        <a:lstStyle/>
+                        <a:p>
+                          <a14:m>
+                            <m:oMathPara xmlns:m="http://schemas.openxmlformats.org/officeDocument/2006/math">
+                              <m:oMathParaPr>
+                                <m:jc m:val="centerGroup"/>
+                              </m:oMathParaPr>
+                              <m:oMath xmlns:m="http://schemas.openxmlformats.org/officeDocument/2006/math">
+                                <m:r>
+                                  <a:rPr lang="en-US" sz="2000" b="0" i="1" smtClean="0">
+                                    <a:latin typeface="Cambria Math" panose="02040503050406030204" pitchFamily="18" charset="0"/>
+                                    <a:cs typeface="Arial" panose="020B0604020202020204" pitchFamily="34" charset="0"/>
+                                  </a:rPr>
+                                  <m:t>𝑣𝑡</m:t>
+                                </m:r>
+                              </m:oMath>
+                            </m:oMathPara>
+                          </a14:m>
+                          <a:endParaRPr lang="en-US" sz="2000" dirty="0" smtClean="0">
+                            <a:latin typeface="Arial" panose="020B0604020202020204" pitchFamily="34" charset="0"/>
+                            <a:cs typeface="Arial" panose="020B0604020202020204" pitchFamily="34" charset="0"/>
+                          </a:endParaRPr>
+                        </a:p>
+                      </p:txBody>
+                    </p:sp>
+                  </mc:Choice>
+                  <mc:Fallback>
+                    <p:sp>
+                      <p:nvSpPr>
+                        <p:cNvPr id="54" name="TextBox 53"/>
+                        <p:cNvSpPr txBox="1">
+                          <a:spLocks noRot="1" noChangeAspect="1" noMove="1" noResize="1" noEditPoints="1" noAdjustHandles="1" noChangeArrowheads="1" noChangeShapeType="1" noTextEdit="1"/>
+                        </p:cNvSpPr>
+                        <p:nvPr/>
+                      </p:nvSpPr>
+                      <p:spPr>
+                        <a:xfrm>
+                          <a:off x="1658231" y="4507762"/>
+                          <a:ext cx="317266" cy="307777"/>
+                        </a:xfrm>
+                        <a:prstGeom prst="rect">
+                          <a:avLst/>
+                        </a:prstGeom>
+                        <a:blipFill>
+                          <a:blip r:embed="rId11"/>
+                          <a:stretch>
+                            <a:fillRect l="-13462" r="-13462" b="-8000"/>
+                          </a:stretch>
+                        </a:blipFill>
+                      </p:spPr>
+                      <p:txBody>
+                        <a:bodyPr/>
+                        <a:lstStyle/>
+                        <a:p>
+                          <a:r>
+                            <a:rPr lang="en-US">
+                              <a:noFill/>
+                            </a:rPr>
+                            <a:t> </a:t>
+                          </a:r>
+                        </a:p>
+                      </p:txBody>
+                    </p:sp>
+                  </mc:Fallback>
+                </mc:AlternateContent>
+                <p:cxnSp>
+                  <p:nvCxnSpPr>
+                    <p:cNvPr id="56" name="Straight Arrow Connector 55"/>
+                    <p:cNvCxnSpPr/>
+                    <p:nvPr/>
+                  </p:nvCxnSpPr>
+                  <p:spPr>
+                    <a:xfrm flipV="1">
+                      <a:off x="1404083" y="3182472"/>
+                      <a:ext cx="11400" cy="767958"/>
+                    </a:xfrm>
+                    <a:prstGeom prst="straightConnector1">
+                      <a:avLst/>
+                    </a:prstGeom>
+                    <a:ln w="38100">
+                      <a:solidFill>
+                        <a:schemeClr val="tx1"/>
+                      </a:solidFill>
+                      <a:tailEnd type="triangle"/>
+                    </a:ln>
+                  </p:spPr>
+                  <p:style>
+                    <a:lnRef idx="1">
+                      <a:schemeClr val="accent1"/>
+                    </a:lnRef>
+                    <a:fillRef idx="0">
+                      <a:schemeClr val="accent1"/>
+                    </a:fillRef>
+                    <a:effectRef idx="0">
+                      <a:schemeClr val="accent1"/>
+                    </a:effectRef>
+                    <a:fontRef idx="minor">
+                      <a:schemeClr val="tx1"/>
+                    </a:fontRef>
+                  </p:style>
+                </p:cxnSp>
+                <mc:AlternateContent xmlns:mc="http://schemas.openxmlformats.org/markup-compatibility/2006">
+                  <mc:Choice xmlns:a14="http://schemas.microsoft.com/office/drawing/2010/main" Requires="a14">
+                    <p:sp>
+                      <p:nvSpPr>
+                        <p:cNvPr id="58" name="TextBox 57"/>
+                        <p:cNvSpPr txBox="1"/>
+                        <p:nvPr/>
+                      </p:nvSpPr>
+                      <p:spPr>
+                        <a:xfrm>
+                          <a:off x="1090983" y="3172249"/>
+                          <a:ext cx="237629" cy="345159"/>
+                        </a:xfrm>
+                        <a:prstGeom prst="rect">
+                          <a:avLst/>
+                        </a:prstGeom>
+                        <a:noFill/>
+                      </p:spPr>
+                      <p:txBody>
+                        <a:bodyPr wrap="none" lIns="0" tIns="0" rIns="0" bIns="0" rtlCol="0">
+                          <a:spAutoFit/>
+                        </a:bodyPr>
+                        <a:lstStyle/>
+                        <a:p>
+                          <a14:m>
+                            <m:oMathPara xmlns:m="http://schemas.openxmlformats.org/officeDocument/2006/math">
+                              <m:oMathParaPr>
+                                <m:jc m:val="centerGroup"/>
+                              </m:oMathParaPr>
+                              <m:oMath xmlns:m="http://schemas.openxmlformats.org/officeDocument/2006/math">
+                                <m:acc>
+                                  <m:accPr>
+                                    <m:chr m:val="⃗"/>
+                                    <m:ctrlPr>
+                                      <a:rPr lang="en-US" sz="2000" b="0" i="1" smtClean="0">
+                                        <a:latin typeface="Cambria Math" panose="02040503050406030204" pitchFamily="18" charset="0"/>
+                                        <a:cs typeface="Arial" panose="020B0604020202020204" pitchFamily="34" charset="0"/>
+                                      </a:rPr>
+                                    </m:ctrlPr>
+                                  </m:accPr>
+                                  <m:e>
+                                    <m:r>
+                                      <a:rPr lang="en-US" sz="2000" b="0" i="1" smtClean="0">
+                                        <a:latin typeface="Cambria Math" panose="02040503050406030204" pitchFamily="18" charset="0"/>
+                                        <a:cs typeface="Arial" panose="020B0604020202020204" pitchFamily="34" charset="0"/>
+                                      </a:rPr>
+                                      <m:t>𝐹</m:t>
+                                    </m:r>
+                                  </m:e>
+                                </m:acc>
+                              </m:oMath>
+                            </m:oMathPara>
+                          </a14:m>
+                          <a:endParaRPr lang="en-US" sz="2000" dirty="0" smtClean="0">
+                            <a:latin typeface="Arial" panose="020B0604020202020204" pitchFamily="34" charset="0"/>
+                            <a:cs typeface="Arial" panose="020B0604020202020204" pitchFamily="34" charset="0"/>
+                          </a:endParaRPr>
+                        </a:p>
+                      </p:txBody>
+                    </p:sp>
+                  </mc:Choice>
+                  <mc:Fallback>
+                    <p:sp>
+                      <p:nvSpPr>
+                        <p:cNvPr id="58" name="TextBox 57"/>
+                        <p:cNvSpPr txBox="1">
+                          <a:spLocks noRot="1" noChangeAspect="1" noMove="1" noResize="1" noEditPoints="1" noAdjustHandles="1" noChangeArrowheads="1" noChangeShapeType="1" noTextEdit="1"/>
+                        </p:cNvSpPr>
+                        <p:nvPr/>
+                      </p:nvSpPr>
+                      <p:spPr>
+                        <a:xfrm>
+                          <a:off x="1090983" y="3172249"/>
+                          <a:ext cx="237629" cy="345159"/>
+                        </a:xfrm>
+                        <a:prstGeom prst="rect">
+                          <a:avLst/>
+                        </a:prstGeom>
+                        <a:blipFill>
+                          <a:blip r:embed="rId12"/>
+                          <a:stretch>
+                            <a:fillRect l="-23684" t="-35714" r="-94737" b="-8929"/>
+                          </a:stretch>
+                        </a:blipFill>
+                      </p:spPr>
+                      <p:txBody>
+                        <a:bodyPr/>
+                        <a:lstStyle/>
+                        <a:p>
+                          <a:r>
+                            <a:rPr lang="en-US">
+                              <a:noFill/>
+                            </a:rPr>
+                            <a:t> </a:t>
+                          </a:r>
+                        </a:p>
+                      </p:txBody>
+                    </p:sp>
+                  </mc:Fallback>
+                </mc:AlternateContent>
+                <p:grpSp>
+                  <p:nvGrpSpPr>
+                    <p:cNvPr id="59" name="Group 58"/>
+                    <p:cNvGrpSpPr/>
+                    <p:nvPr/>
+                  </p:nvGrpSpPr>
+                  <p:grpSpPr>
+                    <a:xfrm>
+                      <a:off x="586567" y="4757406"/>
+                      <a:ext cx="898789" cy="709995"/>
+                      <a:chOff x="758520" y="708040"/>
+                      <a:chExt cx="2596102" cy="2135605"/>
+                    </a:xfrm>
+                  </p:grpSpPr>
+                  <p:grpSp>
+                    <p:nvGrpSpPr>
+                      <p:cNvPr id="60" name="Group 59"/>
+                      <p:cNvGrpSpPr/>
+                      <p:nvPr/>
+                    </p:nvGrpSpPr>
+                    <p:grpSpPr>
+                      <a:xfrm>
+                        <a:off x="758520" y="708040"/>
+                        <a:ext cx="2596102" cy="2135605"/>
+                        <a:chOff x="785815" y="680744"/>
+                        <a:chExt cx="2596102" cy="2135605"/>
+                      </a:xfrm>
+                    </p:grpSpPr>
+                    <p:cxnSp>
+                      <p:nvCxnSpPr>
+                        <p:cNvPr id="62" name="Straight Arrow Connector 61"/>
+                        <p:cNvCxnSpPr/>
+                        <p:nvPr/>
+                      </p:nvCxnSpPr>
+                      <p:spPr>
+                        <a:xfrm flipV="1">
+                          <a:off x="1516583" y="680744"/>
+                          <a:ext cx="7683" cy="1859535"/>
+                        </a:xfrm>
+                        <a:prstGeom prst="straightConnector1">
+                          <a:avLst/>
+                        </a:prstGeom>
+                        <a:ln w="38100">
+                          <a:solidFill>
+                            <a:schemeClr val="tx1"/>
+                          </a:solidFill>
+                          <a:tailEnd type="triangle"/>
+                        </a:ln>
+                      </p:spPr>
+                      <p:style>
+                        <a:lnRef idx="1">
+                          <a:schemeClr val="accent1"/>
+                        </a:lnRef>
+                        <a:fillRef idx="0">
+                          <a:schemeClr val="accent1"/>
+                        </a:fillRef>
+                        <a:effectRef idx="0">
+                          <a:schemeClr val="accent1"/>
+                        </a:effectRef>
+                        <a:fontRef idx="minor">
+                          <a:schemeClr val="tx1"/>
+                        </a:fontRef>
+                      </p:style>
+                    </p:cxnSp>
+                    <p:cxnSp>
+                      <p:nvCxnSpPr>
+                        <p:cNvPr id="63" name="Straight Arrow Connector 62"/>
+                        <p:cNvCxnSpPr/>
+                        <p:nvPr/>
+                      </p:nvCxnSpPr>
+                      <p:spPr>
+                        <a:xfrm flipV="1">
+                          <a:off x="1507013" y="2535259"/>
+                          <a:ext cx="1874904" cy="1"/>
+                        </a:xfrm>
+                        <a:prstGeom prst="straightConnector1">
+                          <a:avLst/>
+                        </a:prstGeom>
+                        <a:ln w="38100">
+                          <a:solidFill>
+                            <a:schemeClr val="tx1"/>
+                          </a:solidFill>
+                          <a:tailEnd type="triangle"/>
+                        </a:ln>
+                      </p:spPr>
+                      <p:style>
+                        <a:lnRef idx="1">
+                          <a:schemeClr val="accent1"/>
+                        </a:lnRef>
+                        <a:fillRef idx="0">
+                          <a:schemeClr val="accent1"/>
+                        </a:fillRef>
+                        <a:effectRef idx="0">
+                          <a:schemeClr val="accent1"/>
+                        </a:effectRef>
+                        <a:fontRef idx="minor">
+                          <a:schemeClr val="tx1"/>
+                        </a:fontRef>
+                      </p:style>
+                    </p:cxnSp>
+                    <mc:AlternateContent xmlns:mc="http://schemas.openxmlformats.org/markup-compatibility/2006" xmlns:a14="http://schemas.microsoft.com/office/drawing/2010/main">
+                      <mc:Choice Requires="a14">
+                        <p:sp>
+                          <p:nvSpPr>
+                            <p:cNvPr id="64" name="Rectangle 63"/>
+                            <p:cNvSpPr/>
+                            <p:nvPr/>
+                          </p:nvSpPr>
+                          <p:spPr>
+                            <a:xfrm>
+                              <a:off x="2697555" y="2447016"/>
+                              <a:ext cx="367985" cy="369333"/>
+                            </a:xfrm>
+                            <a:prstGeom prst="rect">
+                              <a:avLst/>
+                            </a:prstGeom>
+                          </p:spPr>
+                          <p:txBody>
+                            <a:bodyPr wrap="none">
+                              <a:spAutoFit/>
+                            </a:bodyPr>
+                            <a:lstStyle/>
+                            <a:p>
+                              <a:pPr/>
+                              <a14:m>
+                                <m:oMathPara xmlns:m="http://schemas.openxmlformats.org/officeDocument/2006/math">
+                                  <m:oMathParaPr>
+                                    <m:jc m:val="centerGroup"/>
+                                  </m:oMathParaPr>
+                                  <m:oMath xmlns:m="http://schemas.openxmlformats.org/officeDocument/2006/math">
+                                    <m:r>
+                                      <a:rPr lang="en-US" i="1">
+                                        <a:latin typeface="Cambria Math" panose="02040503050406030204" pitchFamily="18" charset="0"/>
+                                        <a:cs typeface="Arial" panose="020B0604020202020204" pitchFamily="34" charset="0"/>
+                                      </a:rPr>
+                                      <m:t>𝑥</m:t>
+                                    </m:r>
+                                  </m:oMath>
+                                </m:oMathPara>
+                              </a14:m>
+                              <a:endParaRPr lang="en-CA" dirty="0"/>
+                            </a:p>
+                          </p:txBody>
+                        </p:sp>
+                      </mc:Choice>
+                      <mc:Fallback xmlns="">
+                        <p:sp>
+                          <p:nvSpPr>
+                            <p:cNvPr id="107" name="Rectangle 106"/>
+                            <p:cNvSpPr>
+                              <a:spLocks noRot="1" noChangeAspect="1" noMove="1" noResize="1" noEditPoints="1" noAdjustHandles="1" noChangeArrowheads="1" noChangeShapeType="1" noTextEdit="1"/>
+                            </p:cNvSpPr>
+                            <p:nvPr/>
+                          </p:nvSpPr>
+                          <p:spPr>
+                            <a:xfrm>
+                              <a:off x="2697555" y="2447016"/>
+                              <a:ext cx="367985" cy="369333"/>
+                            </a:xfrm>
+                            <a:prstGeom prst="rect">
+                              <a:avLst/>
+                            </a:prstGeom>
+                            <a:blipFill>
+                              <a:blip r:embed="rId27"/>
+                              <a:stretch>
+                                <a:fillRect r="-95238" b="-160000"/>
+                              </a:stretch>
+                            </a:blipFill>
+                          </p:spPr>
+                          <p:txBody>
+                            <a:bodyPr/>
+                            <a:lstStyle/>
+                            <a:p>
+                              <a:r>
+                                <a:rPr lang="en-US">
+                                  <a:noFill/>
+                                </a:rPr>
+                                <a:t> </a:t>
+                              </a:r>
+                            </a:p>
+                          </p:txBody>
+                        </p:sp>
+                      </mc:Fallback>
+                    </mc:AlternateContent>
+                    <mc:AlternateContent xmlns:mc="http://schemas.openxmlformats.org/markup-compatibility/2006" xmlns:a14="http://schemas.microsoft.com/office/drawing/2010/main">
+                      <mc:Choice Requires="a14">
+                        <p:sp>
+                          <p:nvSpPr>
+                            <p:cNvPr id="65" name="Rectangle 64"/>
+                            <p:cNvSpPr/>
+                            <p:nvPr/>
+                          </p:nvSpPr>
+                          <p:spPr>
+                            <a:xfrm>
+                              <a:off x="785815" y="912420"/>
+                              <a:ext cx="371385" cy="369333"/>
+                            </a:xfrm>
+                            <a:prstGeom prst="rect">
+                              <a:avLst/>
+                            </a:prstGeom>
+                          </p:spPr>
+                          <p:txBody>
+                            <a:bodyPr wrap="none">
+                              <a:spAutoFit/>
+                            </a:bodyPr>
+                            <a:lstStyle/>
+                            <a:p>
+                              <a:pPr/>
+                              <a14:m>
+                                <m:oMathPara xmlns:m="http://schemas.openxmlformats.org/officeDocument/2006/math">
+                                  <m:oMathParaPr>
+                                    <m:jc m:val="centerGroup"/>
+                                  </m:oMathParaPr>
+                                  <m:oMath xmlns:m="http://schemas.openxmlformats.org/officeDocument/2006/math">
+                                    <m:r>
+                                      <a:rPr lang="en-US" b="0" i="1" smtClean="0">
+                                        <a:latin typeface="Cambria Math" panose="02040503050406030204" pitchFamily="18" charset="0"/>
+                                      </a:rPr>
+                                      <m:t>𝑦</m:t>
+                                    </m:r>
+                                  </m:oMath>
+                                </m:oMathPara>
+                              </a14:m>
+                              <a:endParaRPr lang="en-CA" dirty="0"/>
+                            </a:p>
+                          </p:txBody>
+                        </p:sp>
+                      </mc:Choice>
+                      <mc:Fallback xmlns="">
+                        <p:sp>
+                          <p:nvSpPr>
+                            <p:cNvPr id="108" name="Rectangle 107"/>
+                            <p:cNvSpPr>
+                              <a:spLocks noRot="1" noChangeAspect="1" noMove="1" noResize="1" noEditPoints="1" noAdjustHandles="1" noChangeArrowheads="1" noChangeShapeType="1" noTextEdit="1"/>
+                            </p:cNvSpPr>
+                            <p:nvPr/>
+                          </p:nvSpPr>
+                          <p:spPr>
+                            <a:xfrm>
+                              <a:off x="785815" y="912420"/>
+                              <a:ext cx="371385" cy="369333"/>
+                            </a:xfrm>
+                            <a:prstGeom prst="rect">
+                              <a:avLst/>
+                            </a:prstGeom>
+                            <a:blipFill>
+                              <a:blip r:embed="rId28"/>
+                              <a:stretch>
+                                <a:fillRect l="-19048" r="-114286" b="-220000"/>
+                              </a:stretch>
+                            </a:blipFill>
+                          </p:spPr>
+                          <p:txBody>
+                            <a:bodyPr/>
+                            <a:lstStyle/>
+                            <a:p>
+                              <a:r>
+                                <a:rPr lang="en-US">
+                                  <a:noFill/>
+                                </a:rPr>
+                                <a:t> </a:t>
+                              </a:r>
+                            </a:p>
+                          </p:txBody>
+                        </p:sp>
+                      </mc:Fallback>
+                    </mc:AlternateContent>
+                    <mc:AlternateContent xmlns:mc="http://schemas.openxmlformats.org/markup-compatibility/2006" xmlns:a14="http://schemas.microsoft.com/office/drawing/2010/main">
+                      <mc:Choice Requires="a14">
+                        <p:sp>
+                          <p:nvSpPr>
+                            <p:cNvPr id="66" name="Rectangle 65"/>
+                            <p:cNvSpPr/>
+                            <p:nvPr/>
+                          </p:nvSpPr>
+                          <p:spPr>
+                            <a:xfrm>
+                              <a:off x="1006642" y="2350591"/>
+                              <a:ext cx="367985" cy="369333"/>
+                            </a:xfrm>
+                            <a:prstGeom prst="rect">
+                              <a:avLst/>
+                            </a:prstGeom>
+                          </p:spPr>
+                          <p:txBody>
+                            <a:bodyPr wrap="none">
+                              <a:spAutoFit/>
+                            </a:bodyPr>
+                            <a:lstStyle/>
+                            <a:p>
+                              <a:pPr/>
+                              <a14:m>
+                                <m:oMathPara xmlns:m="http://schemas.openxmlformats.org/officeDocument/2006/math">
+                                  <m:oMathParaPr>
+                                    <m:jc m:val="centerGroup"/>
+                                  </m:oMathParaPr>
+                                  <m:oMath xmlns:m="http://schemas.openxmlformats.org/officeDocument/2006/math">
+                                    <m:r>
+                                      <a:rPr lang="en-US" b="0" i="1" smtClean="0">
+                                        <a:latin typeface="Cambria Math" panose="02040503050406030204" pitchFamily="18" charset="0"/>
+                                        <a:cs typeface="Arial" panose="020B0604020202020204" pitchFamily="34" charset="0"/>
+                                      </a:rPr>
+                                      <m:t>0</m:t>
+                                    </m:r>
+                                  </m:oMath>
+                                </m:oMathPara>
+                              </a14:m>
+                              <a:endParaRPr lang="en-CA" dirty="0"/>
+                            </a:p>
+                          </p:txBody>
+                        </p:sp>
+                      </mc:Choice>
+                      <mc:Fallback xmlns="">
+                        <p:sp>
+                          <p:nvSpPr>
+                            <p:cNvPr id="109" name="Rectangle 108"/>
+                            <p:cNvSpPr>
+                              <a:spLocks noRot="1" noChangeAspect="1" noMove="1" noResize="1" noEditPoints="1" noAdjustHandles="1" noChangeArrowheads="1" noChangeShapeType="1" noTextEdit="1"/>
+                            </p:cNvSpPr>
+                            <p:nvPr/>
+                          </p:nvSpPr>
+                          <p:spPr>
+                            <a:xfrm>
+                              <a:off x="1006642" y="2350591"/>
+                              <a:ext cx="367985" cy="369333"/>
+                            </a:xfrm>
+                            <a:prstGeom prst="rect">
+                              <a:avLst/>
+                            </a:prstGeom>
+                            <a:blipFill>
+                              <a:blip r:embed="rId29"/>
+                              <a:stretch>
+                                <a:fillRect l="-14286" r="-114286" b="-180000"/>
+                              </a:stretch>
+                            </a:blipFill>
+                          </p:spPr>
+                          <p:txBody>
+                            <a:bodyPr/>
+                            <a:lstStyle/>
+                            <a:p>
+                              <a:r>
+                                <a:rPr lang="en-US">
+                                  <a:noFill/>
+                                </a:rPr>
+                                <a:t> </a:t>
+                              </a:r>
+                            </a:p>
+                          </p:txBody>
+                        </p:sp>
+                      </mc:Fallback>
+                    </mc:AlternateContent>
+                  </p:grpSp>
+                  <p:sp>
+                    <p:nvSpPr>
+                      <p:cNvPr id="61" name="Rectangle 60"/>
+                      <p:cNvSpPr/>
+                      <p:nvPr/>
+                    </p:nvSpPr>
+                    <p:spPr>
+                      <a:xfrm>
+                        <a:off x="1129904" y="1614682"/>
+                        <a:ext cx="184731" cy="369332"/>
+                      </a:xfrm>
+                      <a:prstGeom prst="rect">
+                        <a:avLst/>
+                      </a:prstGeom>
+                    </p:spPr>
+                    <p:txBody>
+                      <a:bodyPr wrap="none">
+                        <a:spAutoFit/>
+                      </a:bodyPr>
+                      <a:lstStyle/>
+                      <a:p>
+                        <a:endParaRPr lang="en-CA" dirty="0"/>
+                      </a:p>
+                    </p:txBody>
+                  </p:sp>
+                </p:grpSp>
+              </p:grpSp>
+            </p:grpSp>
+            <mc:AlternateContent xmlns:mc="http://schemas.openxmlformats.org/markup-compatibility/2006">
+              <mc:Choice xmlns:a14="http://schemas.microsoft.com/office/drawing/2010/main" Requires="a14">
+                <p:sp>
+                  <p:nvSpPr>
+                    <p:cNvPr id="70" name="TextBox 69"/>
+                    <p:cNvSpPr txBox="1"/>
+                    <p:nvPr/>
+                  </p:nvSpPr>
+                  <p:spPr>
+                    <a:xfrm>
+                      <a:off x="1574493" y="3743536"/>
+                      <a:ext cx="234936" cy="307777"/>
+                    </a:xfrm>
+                    <a:prstGeom prst="rect">
+                      <a:avLst/>
+                    </a:prstGeom>
+                    <a:noFill/>
+                  </p:spPr>
+                  <p:txBody>
+                    <a:bodyPr wrap="none" lIns="0" tIns="0" rIns="0" bIns="0" rtlCol="0">
+                      <a:spAutoFit/>
+                    </a:bodyPr>
+                    <a:lstStyle/>
+                    <a:p>
+                      <a14:m>
+                        <m:oMathPara xmlns:m="http://schemas.openxmlformats.org/officeDocument/2006/math">
+                          <m:oMathParaPr>
+                            <m:jc m:val="centerGroup"/>
+                          </m:oMathParaPr>
+                          <m:oMath xmlns:m="http://schemas.openxmlformats.org/officeDocument/2006/math">
+                            <m:r>
+                              <a:rPr lang="en-US" sz="2000" b="0" i="1" smtClean="0">
+                                <a:latin typeface="Cambria Math" panose="02040503050406030204" pitchFamily="18" charset="0"/>
+                                <a:cs typeface="Arial" panose="020B0604020202020204" pitchFamily="34" charset="0"/>
+                              </a:rPr>
+                              <m:t>𝐴</m:t>
+                            </m:r>
+                          </m:oMath>
+                        </m:oMathPara>
+                      </a14:m>
+                      <a:endParaRPr lang="en-US" sz="2000" dirty="0" smtClean="0">
+                        <a:latin typeface="Arial" panose="020B0604020202020204" pitchFamily="34" charset="0"/>
+                        <a:cs typeface="Arial" panose="020B0604020202020204" pitchFamily="34" charset="0"/>
+                      </a:endParaRPr>
+                    </a:p>
+                  </p:txBody>
+                </p:sp>
+              </mc:Choice>
+              <mc:Fallback>
+                <p:sp>
+                  <p:nvSpPr>
+                    <p:cNvPr id="70" name="TextBox 69"/>
+                    <p:cNvSpPr txBox="1">
+                      <a:spLocks noRot="1" noChangeAspect="1" noMove="1" noResize="1" noEditPoints="1" noAdjustHandles="1" noChangeArrowheads="1" noChangeShapeType="1" noTextEdit="1"/>
+                    </p:cNvSpPr>
+                    <p:nvPr/>
+                  </p:nvSpPr>
+                  <p:spPr>
+                    <a:xfrm>
+                      <a:off x="1574493" y="3743536"/>
+                      <a:ext cx="234936" cy="307777"/>
+                    </a:xfrm>
+                    <a:prstGeom prst="rect">
+                      <a:avLst/>
+                    </a:prstGeom>
+                    <a:blipFill>
+                      <a:blip r:embed="rId30"/>
+                      <a:stretch>
+                        <a:fillRect l="-23684" r="-23684" b="-10000"/>
+                      </a:stretch>
+                    </a:blipFill>
+                  </p:spPr>
+                  <p:txBody>
+                    <a:bodyPr/>
+                    <a:lstStyle/>
+                    <a:p>
+                      <a:r>
+                        <a:rPr lang="en-US">
+                          <a:noFill/>
+                        </a:rPr>
+                        <a:t> </a:t>
+                      </a:r>
+                    </a:p>
+                  </p:txBody>
+                </p:sp>
+              </mc:Fallback>
+            </mc:AlternateContent>
+            <mc:AlternateContent xmlns:mc="http://schemas.openxmlformats.org/markup-compatibility/2006">
+              <mc:Choice xmlns:a14="http://schemas.microsoft.com/office/drawing/2010/main" Requires="a14">
+                <p:sp>
+                  <p:nvSpPr>
+                    <p:cNvPr id="71" name="TextBox 70"/>
+                    <p:cNvSpPr txBox="1"/>
+                    <p:nvPr/>
+                  </p:nvSpPr>
+                  <p:spPr>
+                    <a:xfrm>
+                      <a:off x="2173059" y="4550148"/>
+                      <a:ext cx="245708" cy="307777"/>
+                    </a:xfrm>
+                    <a:prstGeom prst="rect">
+                      <a:avLst/>
+                    </a:prstGeom>
+                    <a:noFill/>
+                  </p:spPr>
+                  <p:txBody>
+                    <a:bodyPr wrap="none" lIns="0" tIns="0" rIns="0" bIns="0" rtlCol="0">
+                      <a:spAutoFit/>
+                    </a:bodyPr>
+                    <a:lstStyle/>
+                    <a:p>
+                      <a14:m>
+                        <m:oMathPara xmlns:m="http://schemas.openxmlformats.org/officeDocument/2006/math">
+                          <m:oMathParaPr>
+                            <m:jc m:val="centerGroup"/>
+                          </m:oMathParaPr>
+                          <m:oMath xmlns:m="http://schemas.openxmlformats.org/officeDocument/2006/math">
+                            <m:r>
+                              <a:rPr lang="en-US" sz="2000" b="0" i="1" smtClean="0">
+                                <a:latin typeface="Cambria Math" panose="02040503050406030204" pitchFamily="18" charset="0"/>
+                                <a:cs typeface="Arial" panose="020B0604020202020204" pitchFamily="34" charset="0"/>
+                              </a:rPr>
+                              <m:t>𝐵</m:t>
+                            </m:r>
+                          </m:oMath>
+                        </m:oMathPara>
+                      </a14:m>
+                      <a:endParaRPr lang="en-US" sz="2000" dirty="0" smtClean="0">
+                        <a:latin typeface="Arial" panose="020B0604020202020204" pitchFamily="34" charset="0"/>
+                        <a:cs typeface="Arial" panose="020B0604020202020204" pitchFamily="34" charset="0"/>
+                      </a:endParaRPr>
+                    </a:p>
+                  </p:txBody>
+                </p:sp>
+              </mc:Choice>
+              <mc:Fallback>
+                <p:sp>
+                  <p:nvSpPr>
+                    <p:cNvPr id="71" name="TextBox 70"/>
+                    <p:cNvSpPr txBox="1">
+                      <a:spLocks noRot="1" noChangeAspect="1" noMove="1" noResize="1" noEditPoints="1" noAdjustHandles="1" noChangeArrowheads="1" noChangeShapeType="1" noTextEdit="1"/>
+                    </p:cNvSpPr>
+                    <p:nvPr/>
+                  </p:nvSpPr>
+                  <p:spPr>
+                    <a:xfrm>
+                      <a:off x="2173059" y="4550148"/>
+                      <a:ext cx="245708" cy="307777"/>
+                    </a:xfrm>
+                    <a:prstGeom prst="rect">
+                      <a:avLst/>
+                    </a:prstGeom>
+                    <a:blipFill>
+                      <a:blip r:embed="rId31"/>
+                      <a:stretch>
+                        <a:fillRect l="-20000" r="-22500" b="-10000"/>
+                      </a:stretch>
+                    </a:blipFill>
+                  </p:spPr>
+                  <p:txBody>
+                    <a:bodyPr/>
+                    <a:lstStyle/>
+                    <a:p>
+                      <a:r>
+                        <a:rPr lang="en-US">
+                          <a:noFill/>
+                        </a:rPr>
+                        <a:t> </a:t>
+                      </a:r>
+                    </a:p>
+                  </p:txBody>
+                </p:sp>
+              </mc:Fallback>
+            </mc:AlternateContent>
+          </p:grpSp>
+          <p:sp>
+            <p:nvSpPr>
+              <p:cNvPr id="73" name="Oval 72"/>
+              <p:cNvSpPr/>
+              <p:nvPr/>
+            </p:nvSpPr>
+            <p:spPr>
+              <a:xfrm>
+                <a:off x="1436036" y="4286172"/>
+                <a:ext cx="120943" cy="119766"/>
+              </a:xfrm>
+              <a:prstGeom prst="ellipse">
+                <a:avLst/>
+              </a:prstGeom>
+              <a:solidFill>
+                <a:schemeClr val="tx1"/>
+              </a:solidFill>
+              <a:ln w="38100">
+                <a:solidFill>
+                  <a:schemeClr val="tx1"/>
+                </a:solidFill>
+              </a:ln>
+            </p:spPr>
+            <p:style>
+              <a:lnRef idx="2">
+                <a:schemeClr val="accent1">
+                  <a:shade val="50000"/>
+                </a:schemeClr>
+              </a:lnRef>
+              <a:fillRef idx="1">
+                <a:schemeClr val="accent1"/>
+              </a:fillRef>
+              <a:effectRef idx="0">
+                <a:schemeClr val="accent1"/>
+              </a:effectRef>
+              <a:fontRef idx="minor">
+                <a:schemeClr val="lt1"/>
+              </a:fontRef>
+            </p:style>
+            <p:txBody>
+              <a:bodyPr rtlCol="0" anchor="ctr"/>
+              <a:lstStyle/>
+              <a:p>
+                <a:pPr algn="ctr"/>
+                <a:endParaRPr lang="en-US"/>
+              </a:p>
+            </p:txBody>
+          </p:sp>
+          <mc:AlternateContent xmlns:mc="http://schemas.openxmlformats.org/markup-compatibility/2006">
+            <mc:Choice xmlns:a14="http://schemas.microsoft.com/office/drawing/2010/main" Requires="a14">
+              <p:sp>
+                <p:nvSpPr>
+                  <p:cNvPr id="74" name="TextBox 73"/>
+                  <p:cNvSpPr txBox="1"/>
+                  <p:nvPr/>
+                </p:nvSpPr>
+                <p:spPr>
+                  <a:xfrm>
+                    <a:off x="1199496" y="4397341"/>
+                    <a:ext cx="234102" cy="307777"/>
+                  </a:xfrm>
+                  <a:prstGeom prst="rect">
+                    <a:avLst/>
+                  </a:prstGeom>
+                  <a:noFill/>
+                </p:spPr>
+                <p:txBody>
+                  <a:bodyPr wrap="none" lIns="0" tIns="0" rIns="0" bIns="0" rtlCol="0">
+                    <a:spAutoFit/>
+                  </a:bodyPr>
+                  <a:lstStyle/>
+                  <a:p>
+                    <a14:m>
+                      <m:oMathPara xmlns:m="http://schemas.openxmlformats.org/officeDocument/2006/math">
+                        <m:oMathParaPr>
+                          <m:jc m:val="centerGroup"/>
+                        </m:oMathParaPr>
+                        <m:oMath xmlns:m="http://schemas.openxmlformats.org/officeDocument/2006/math">
+                          <m:r>
+                            <a:rPr lang="en-US" sz="2000" b="0" i="1" smtClean="0">
+                              <a:latin typeface="Cambria Math" panose="02040503050406030204" pitchFamily="18" charset="0"/>
+                              <a:cs typeface="Arial" panose="020B0604020202020204" pitchFamily="34" charset="0"/>
+                            </a:rPr>
+                            <m:t>𝐶</m:t>
+                          </m:r>
+                        </m:oMath>
+                      </m:oMathPara>
+                    </a14:m>
+                    <a:endParaRPr lang="en-US" sz="2000" dirty="0" smtClean="0">
+                      <a:latin typeface="Arial" panose="020B0604020202020204" pitchFamily="34" charset="0"/>
+                      <a:cs typeface="Arial" panose="020B0604020202020204" pitchFamily="34" charset="0"/>
+                    </a:endParaRPr>
+                  </a:p>
+                </p:txBody>
+              </p:sp>
+            </mc:Choice>
+            <mc:Fallback>
+              <p:sp>
+                <p:nvSpPr>
+                  <p:cNvPr id="74" name="TextBox 73"/>
+                  <p:cNvSpPr txBox="1">
+                    <a:spLocks noRot="1" noChangeAspect="1" noMove="1" noResize="1" noEditPoints="1" noAdjustHandles="1" noChangeArrowheads="1" noChangeShapeType="1" noTextEdit="1"/>
+                  </p:cNvSpPr>
+                  <p:nvPr/>
+                </p:nvSpPr>
+                <p:spPr>
+                  <a:xfrm>
+                    <a:off x="1199496" y="4397341"/>
+                    <a:ext cx="234102" cy="307777"/>
+                  </a:xfrm>
+                  <a:prstGeom prst="rect">
+                    <a:avLst/>
+                  </a:prstGeom>
+                  <a:blipFill>
+                    <a:blip r:embed="rId32"/>
+                    <a:stretch>
+                      <a:fillRect l="-20513" r="-17949" b="-9804"/>
+                    </a:stretch>
+                  </a:blipFill>
+                </p:spPr>
+                <p:txBody>
+                  <a:bodyPr/>
+                  <a:lstStyle/>
+                  <a:p>
+                    <a:r>
+                      <a:rPr lang="en-US">
+                        <a:noFill/>
+                      </a:rPr>
+                      <a:t> </a:t>
+                    </a:r>
+                  </a:p>
+                </p:txBody>
+              </p:sp>
+            </mc:Fallback>
+          </mc:AlternateContent>
+        </p:grpSp>
+        <p:cxnSp>
+          <p:nvCxnSpPr>
+            <p:cNvPr id="84" name="Straight Arrow Connector 83"/>
+            <p:cNvCxnSpPr/>
+            <p:nvPr/>
+          </p:nvCxnSpPr>
+          <p:spPr>
+            <a:xfrm flipH="1" flipV="1">
+              <a:off x="2412103" y="3414118"/>
+              <a:ext cx="872256" cy="15272"/>
+            </a:xfrm>
+            <a:prstGeom prst="straightConnector1">
+              <a:avLst/>
+            </a:prstGeom>
+            <a:ln w="38100">
+              <a:solidFill>
+                <a:schemeClr val="tx1"/>
+              </a:solidFill>
+              <a:tailEnd type="triangle"/>
+            </a:ln>
+          </p:spPr>
+          <p:style>
+            <a:lnRef idx="1">
+              <a:schemeClr val="accent1"/>
+            </a:lnRef>
+            <a:fillRef idx="0">
+              <a:schemeClr val="accent1"/>
+            </a:fillRef>
+            <a:effectRef idx="0">
+              <a:schemeClr val="accent1"/>
+            </a:effectRef>
+            <a:fontRef idx="minor">
+              <a:schemeClr val="tx1"/>
+            </a:fontRef>
+          </p:style>
+        </p:cxnSp>
+        <p:cxnSp>
+          <p:nvCxnSpPr>
+            <p:cNvPr id="85" name="Straight Arrow Connector 84"/>
+            <p:cNvCxnSpPr/>
+            <p:nvPr/>
+          </p:nvCxnSpPr>
+          <p:spPr>
+            <a:xfrm flipV="1">
+              <a:off x="2421041" y="2810730"/>
+              <a:ext cx="5700" cy="598915"/>
+            </a:xfrm>
+            <a:prstGeom prst="straightConnector1">
+              <a:avLst/>
+            </a:prstGeom>
+            <a:ln w="38100">
+              <a:solidFill>
+                <a:schemeClr val="tx1"/>
+              </a:solidFill>
+              <a:tailEnd type="triangle"/>
+            </a:ln>
+          </p:spPr>
+          <p:style>
+            <a:lnRef idx="1">
+              <a:schemeClr val="accent1"/>
+            </a:lnRef>
+            <a:fillRef idx="0">
+              <a:schemeClr val="accent1"/>
+            </a:fillRef>
+            <a:effectRef idx="0">
+              <a:schemeClr val="accent1"/>
+            </a:effectRef>
+            <a:fontRef idx="minor">
+              <a:schemeClr val="tx1"/>
+            </a:fontRef>
+          </p:style>
+        </p:cxnSp>
+        <p:cxnSp>
+          <p:nvCxnSpPr>
+            <p:cNvPr id="88" name="Straight Arrow Connector 87"/>
+            <p:cNvCxnSpPr/>
+            <p:nvPr/>
+          </p:nvCxnSpPr>
+          <p:spPr>
+            <a:xfrm flipH="1" flipV="1">
+              <a:off x="2432564" y="2791807"/>
+              <a:ext cx="845972" cy="632982"/>
+            </a:xfrm>
+            <a:prstGeom prst="straightConnector1">
+              <a:avLst/>
+            </a:prstGeom>
+            <a:ln w="38100">
+              <a:solidFill>
+                <a:schemeClr val="tx1"/>
+              </a:solidFill>
+              <a:tailEnd type="triangle"/>
+            </a:ln>
+          </p:spPr>
+          <p:style>
+            <a:lnRef idx="1">
+              <a:schemeClr val="accent1"/>
+            </a:lnRef>
+            <a:fillRef idx="0">
+              <a:schemeClr val="accent1"/>
+            </a:fillRef>
+            <a:effectRef idx="0">
+              <a:schemeClr val="accent1"/>
+            </a:effectRef>
+            <a:fontRef idx="minor">
+              <a:schemeClr val="tx1"/>
+            </a:fontRef>
+          </p:style>
+        </p:cxnSp>
+        <mc:AlternateContent xmlns:mc="http://schemas.openxmlformats.org/markup-compatibility/2006">
+          <mc:Choice xmlns:a14="http://schemas.microsoft.com/office/drawing/2010/main" Requires="a14">
+            <p:sp>
+              <p:nvSpPr>
+                <p:cNvPr id="91" name="TextBox 90"/>
+                <p:cNvSpPr txBox="1"/>
+                <p:nvPr/>
+              </p:nvSpPr>
+              <p:spPr>
+                <a:xfrm>
+                  <a:off x="2806134" y="3414118"/>
+                  <a:ext cx="340478" cy="345159"/>
+                </a:xfrm>
+                <a:prstGeom prst="rect">
+                  <a:avLst/>
+                </a:prstGeom>
+                <a:noFill/>
+              </p:spPr>
+              <p:txBody>
+                <a:bodyPr wrap="none" lIns="0" tIns="0" rIns="0" bIns="0" rtlCol="0">
+                  <a:spAutoFit/>
+                </a:bodyPr>
+                <a:lstStyle/>
+                <a:p>
+                  <a14:m>
+                    <m:oMathPara xmlns:m="http://schemas.openxmlformats.org/officeDocument/2006/math">
+                      <m:oMathParaPr>
+                        <m:jc m:val="centerGroup"/>
+                      </m:oMathParaPr>
+                      <m:oMath xmlns:m="http://schemas.openxmlformats.org/officeDocument/2006/math">
+                        <m:sSub>
+                          <m:sSubPr>
+                            <m:ctrlPr>
+                              <a:rPr lang="en-US" sz="2000" b="0" i="1" smtClean="0">
+                                <a:latin typeface="Cambria Math" panose="02040503050406030204" pitchFamily="18" charset="0"/>
+                                <a:cs typeface="Arial" panose="020B0604020202020204" pitchFamily="34" charset="0"/>
+                              </a:rPr>
+                            </m:ctrlPr>
+                          </m:sSubPr>
+                          <m:e>
+                            <m:acc>
+                              <m:accPr>
+                                <m:chr m:val="⃗"/>
+                                <m:ctrlPr>
+                                  <a:rPr lang="en-US" sz="2000" b="0" i="1" smtClean="0">
+                                    <a:latin typeface="Cambria Math" panose="02040503050406030204" pitchFamily="18" charset="0"/>
+                                    <a:cs typeface="Arial" panose="020B0604020202020204" pitchFamily="34" charset="0"/>
+                                  </a:rPr>
+                                </m:ctrlPr>
+                              </m:accPr>
+                              <m:e>
+                                <m:r>
+                                  <a:rPr lang="en-US" sz="2000" b="0" i="1" smtClean="0">
+                                    <a:latin typeface="Cambria Math" panose="02040503050406030204" pitchFamily="18" charset="0"/>
+                                    <a:cs typeface="Arial" panose="020B0604020202020204" pitchFamily="34" charset="0"/>
+                                  </a:rPr>
+                                  <m:t>𝐹</m:t>
+                                </m:r>
+                              </m:e>
+                            </m:acc>
+                          </m:e>
+                          <m:sub>
+                            <m:r>
+                              <a:rPr lang="en-US" sz="2000" b="0" i="1" smtClean="0">
+                                <a:latin typeface="Cambria Math" panose="02040503050406030204" pitchFamily="18" charset="0"/>
+                                <a:cs typeface="Arial" panose="020B0604020202020204" pitchFamily="34" charset="0"/>
+                              </a:rPr>
+                              <m:t>𝑇</m:t>
+                            </m:r>
+                          </m:sub>
+                        </m:sSub>
+                      </m:oMath>
+                    </m:oMathPara>
+                  </a14:m>
+                  <a:endParaRPr lang="en-US" sz="2000" dirty="0" smtClean="0">
+                    <a:latin typeface="Arial" panose="020B0604020202020204" pitchFamily="34" charset="0"/>
+                    <a:cs typeface="Arial" panose="020B0604020202020204" pitchFamily="34" charset="0"/>
+                  </a:endParaRPr>
+                </a:p>
+              </p:txBody>
+            </p:sp>
+          </mc:Choice>
+          <mc:Fallback>
+            <p:sp>
+              <p:nvSpPr>
+                <p:cNvPr id="91" name="TextBox 90"/>
+                <p:cNvSpPr txBox="1">
+                  <a:spLocks noRot="1" noChangeAspect="1" noMove="1" noResize="1" noEditPoints="1" noAdjustHandles="1" noChangeArrowheads="1" noChangeShapeType="1" noTextEdit="1"/>
+                </p:cNvSpPr>
+                <p:nvPr/>
+              </p:nvSpPr>
+              <p:spPr>
+                <a:xfrm>
+                  <a:off x="2806134" y="3414118"/>
+                  <a:ext cx="340478" cy="345159"/>
+                </a:xfrm>
+                <a:prstGeom prst="rect">
+                  <a:avLst/>
+                </a:prstGeom>
+                <a:blipFill>
+                  <a:blip r:embed="rId33"/>
+                  <a:stretch>
+                    <a:fillRect l="-14286" t="-33333" r="-64286" b="-17544"/>
+                  </a:stretch>
+                </a:blipFill>
+              </p:spPr>
+              <p:txBody>
+                <a:bodyPr/>
+                <a:lstStyle/>
+                <a:p>
+                  <a:r>
+                    <a:rPr lang="en-US">
+                      <a:noFill/>
+                    </a:rPr>
+                    <a:t> </a:t>
+                  </a:r>
+                </a:p>
+              </p:txBody>
+            </p:sp>
+          </mc:Fallback>
+        </mc:AlternateContent>
+        <mc:AlternateContent xmlns:mc="http://schemas.openxmlformats.org/markup-compatibility/2006">
+          <mc:Choice xmlns:a14="http://schemas.microsoft.com/office/drawing/2010/main" Requires="a14">
+            <p:sp>
+              <p:nvSpPr>
+                <p:cNvPr id="92" name="TextBox 91"/>
+                <p:cNvSpPr txBox="1"/>
+                <p:nvPr/>
+              </p:nvSpPr>
+              <p:spPr>
+                <a:xfrm>
+                  <a:off x="2159320" y="2943108"/>
+                  <a:ext cx="237629" cy="345159"/>
+                </a:xfrm>
+                <a:prstGeom prst="rect">
+                  <a:avLst/>
+                </a:prstGeom>
+                <a:noFill/>
+              </p:spPr>
+              <p:txBody>
+                <a:bodyPr wrap="none" lIns="0" tIns="0" rIns="0" bIns="0" rtlCol="0">
+                  <a:spAutoFit/>
+                </a:bodyPr>
+                <a:lstStyle/>
+                <a:p>
+                  <a14:m>
+                    <m:oMathPara xmlns:m="http://schemas.openxmlformats.org/officeDocument/2006/math">
+                      <m:oMathParaPr>
+                        <m:jc m:val="centerGroup"/>
+                      </m:oMathParaPr>
+                      <m:oMath xmlns:m="http://schemas.openxmlformats.org/officeDocument/2006/math">
+                        <m:acc>
+                          <m:accPr>
+                            <m:chr m:val="⃗"/>
+                            <m:ctrlPr>
+                              <a:rPr lang="en-US" sz="2000" b="0" i="1" smtClean="0">
+                                <a:latin typeface="Cambria Math" panose="02040503050406030204" pitchFamily="18" charset="0"/>
+                                <a:cs typeface="Arial" panose="020B0604020202020204" pitchFamily="34" charset="0"/>
+                              </a:rPr>
+                            </m:ctrlPr>
+                          </m:accPr>
+                          <m:e>
+                            <m:r>
+                              <a:rPr lang="en-US" sz="2000" b="0" i="1" smtClean="0">
+                                <a:latin typeface="Cambria Math" panose="02040503050406030204" pitchFamily="18" charset="0"/>
+                                <a:cs typeface="Arial" panose="020B0604020202020204" pitchFamily="34" charset="0"/>
+                              </a:rPr>
+                              <m:t>𝐹</m:t>
+                            </m:r>
+                          </m:e>
+                        </m:acc>
+                      </m:oMath>
+                    </m:oMathPara>
+                  </a14:m>
+                  <a:endParaRPr lang="en-US" sz="2000" dirty="0" smtClean="0">
+                    <a:latin typeface="Arial" panose="020B0604020202020204" pitchFamily="34" charset="0"/>
+                    <a:cs typeface="Arial" panose="020B0604020202020204" pitchFamily="34" charset="0"/>
+                  </a:endParaRPr>
+                </a:p>
+              </p:txBody>
+            </p:sp>
+          </mc:Choice>
+          <mc:Fallback>
+            <p:sp>
+              <p:nvSpPr>
+                <p:cNvPr id="92" name="TextBox 91"/>
+                <p:cNvSpPr txBox="1">
+                  <a:spLocks noRot="1" noChangeAspect="1" noMove="1" noResize="1" noEditPoints="1" noAdjustHandles="1" noChangeArrowheads="1" noChangeShapeType="1" noTextEdit="1"/>
+                </p:cNvSpPr>
+                <p:nvPr/>
+              </p:nvSpPr>
+              <p:spPr>
+                <a:xfrm>
+                  <a:off x="2159320" y="2943108"/>
+                  <a:ext cx="237629" cy="345159"/>
+                </a:xfrm>
+                <a:prstGeom prst="rect">
+                  <a:avLst/>
+                </a:prstGeom>
+                <a:blipFill>
+                  <a:blip r:embed="rId34"/>
+                  <a:stretch>
+                    <a:fillRect l="-20513" t="-35714" r="-92308" b="-8929"/>
+                  </a:stretch>
+                </a:blipFill>
+              </p:spPr>
+              <p:txBody>
+                <a:bodyPr/>
+                <a:lstStyle/>
+                <a:p>
+                  <a:r>
+                    <a:rPr lang="en-US">
+                      <a:noFill/>
+                    </a:rPr>
+                    <a:t> </a:t>
+                  </a:r>
+                </a:p>
+              </p:txBody>
+            </p:sp>
+          </mc:Fallback>
+        </mc:AlternateContent>
+        <mc:AlternateContent xmlns:mc="http://schemas.openxmlformats.org/markup-compatibility/2006">
+          <mc:Choice xmlns:a14="http://schemas.microsoft.com/office/drawing/2010/main" Requires="a14">
+            <p:sp>
+              <p:nvSpPr>
+                <p:cNvPr id="93" name="TextBox 92"/>
+                <p:cNvSpPr txBox="1"/>
+                <p:nvPr/>
+              </p:nvSpPr>
+              <p:spPr>
+                <a:xfrm>
+                  <a:off x="2839639" y="2791046"/>
+                  <a:ext cx="557845" cy="345159"/>
+                </a:xfrm>
+                <a:prstGeom prst="rect">
+                  <a:avLst/>
+                </a:prstGeom>
+                <a:noFill/>
+              </p:spPr>
+              <p:txBody>
+                <a:bodyPr wrap="none" lIns="0" tIns="0" rIns="0" bIns="0" rtlCol="0">
+                  <a:spAutoFit/>
+                </a:bodyPr>
+                <a:lstStyle/>
+                <a:p>
+                  <a14:m>
+                    <m:oMathPara xmlns:m="http://schemas.openxmlformats.org/officeDocument/2006/math">
+                      <m:oMathParaPr>
+                        <m:jc m:val="centerGroup"/>
+                      </m:oMathParaPr>
+                      <m:oMath xmlns:m="http://schemas.openxmlformats.org/officeDocument/2006/math">
+                        <m:sSup>
+                          <m:sSupPr>
+                            <m:ctrlPr>
+                              <a:rPr lang="en-US" sz="2000" b="0" i="1" smtClean="0">
+                                <a:latin typeface="Cambria Math" panose="02040503050406030204" pitchFamily="18" charset="0"/>
+                                <a:cs typeface="Arial" panose="020B0604020202020204" pitchFamily="34" charset="0"/>
+                              </a:rPr>
+                            </m:ctrlPr>
+                          </m:sSupPr>
+                          <m:e>
+                            <m:acc>
+                              <m:accPr>
+                                <m:chr m:val="⃗"/>
+                                <m:ctrlPr>
+                                  <a:rPr lang="en-US" sz="2000" b="0" i="1" smtClean="0">
+                                    <a:latin typeface="Cambria Math" panose="02040503050406030204" pitchFamily="18" charset="0"/>
+                                    <a:cs typeface="Arial" panose="020B0604020202020204" pitchFamily="34" charset="0"/>
+                                  </a:rPr>
+                                </m:ctrlPr>
+                              </m:accPr>
+                              <m:e>
+                                <m:r>
+                                  <a:rPr lang="en-US" sz="2000" b="0" i="1" smtClean="0">
+                                    <a:latin typeface="Cambria Math" panose="02040503050406030204" pitchFamily="18" charset="0"/>
+                                    <a:cs typeface="Arial" panose="020B0604020202020204" pitchFamily="34" charset="0"/>
+                                  </a:rPr>
+                                  <m:t>𝐹</m:t>
+                                </m:r>
+                              </m:e>
+                            </m:acc>
+                          </m:e>
+                          <m:sup>
+                            <m:r>
+                              <a:rPr lang="en-US" sz="2000" b="0" i="1" smtClean="0">
+                                <a:latin typeface="Cambria Math" panose="02040503050406030204" pitchFamily="18" charset="0"/>
+                                <a:cs typeface="Arial" panose="020B0604020202020204" pitchFamily="34" charset="0"/>
+                              </a:rPr>
+                              <m:t>𝑛𝑒𝑡</m:t>
+                            </m:r>
+                          </m:sup>
+                        </m:sSup>
+                      </m:oMath>
+                    </m:oMathPara>
+                  </a14:m>
+                  <a:endParaRPr lang="en-US" sz="2000" dirty="0" smtClean="0">
+                    <a:latin typeface="Arial" panose="020B0604020202020204" pitchFamily="34" charset="0"/>
+                    <a:cs typeface="Arial" panose="020B0604020202020204" pitchFamily="34" charset="0"/>
+                  </a:endParaRPr>
+                </a:p>
+              </p:txBody>
+            </p:sp>
+          </mc:Choice>
+          <mc:Fallback>
+            <p:sp>
+              <p:nvSpPr>
+                <p:cNvPr id="93" name="TextBox 92"/>
+                <p:cNvSpPr txBox="1">
+                  <a:spLocks noRot="1" noChangeAspect="1" noMove="1" noResize="1" noEditPoints="1" noAdjustHandles="1" noChangeArrowheads="1" noChangeShapeType="1" noTextEdit="1"/>
+                </p:cNvSpPr>
+                <p:nvPr/>
+              </p:nvSpPr>
+              <p:spPr>
+                <a:xfrm>
+                  <a:off x="2839639" y="2791046"/>
+                  <a:ext cx="557845" cy="345159"/>
+                </a:xfrm>
+                <a:prstGeom prst="rect">
+                  <a:avLst/>
+                </a:prstGeom>
+                <a:blipFill>
+                  <a:blip r:embed="rId35"/>
+                  <a:stretch>
+                    <a:fillRect l="-9890" t="-35714" r="-8791" b="-8929"/>
+                  </a:stretch>
+                </a:blipFill>
+              </p:spPr>
+              <p:txBody>
+                <a:bodyPr/>
+                <a:lstStyle/>
+                <a:p>
+                  <a:r>
+                    <a:rPr lang="en-US">
+                      <a:noFill/>
+                    </a:rPr>
+                    <a:t> </a:t>
+                  </a:r>
+                </a:p>
+              </p:txBody>
+            </p:sp>
+          </mc:Fallback>
+        </mc:AlternateContent>
+      </p:grpSp>
     </p:spTree>
     <p:extLst>
       <p:ext uri="{BB962C8B-B14F-4D97-AF65-F5344CB8AC3E}">
@@ -11039,6 +13834,5039 @@
 </file>
 
 <file path=ppt/slides/slide5.xml><?xml version="1.0" encoding="utf-8"?>
+<p:sld xmlns:a="http://schemas.openxmlformats.org/drawingml/2006/main" xmlns:r="http://schemas.openxmlformats.org/officeDocument/2006/relationships" xmlns:p="http://schemas.openxmlformats.org/presentationml/2006/main">
+  <p:cSld>
+    <p:spTree>
+      <p:nvGrpSpPr>
+        <p:cNvPr id="1" name=""/>
+        <p:cNvGrpSpPr/>
+        <p:nvPr/>
+      </p:nvGrpSpPr>
+      <p:grpSpPr>
+        <a:xfrm>
+          <a:off x="0" y="0"/>
+          <a:ext cx="0" cy="0"/>
+          <a:chOff x="0" y="0"/>
+          <a:chExt cx="0" cy="0"/>
+        </a:xfrm>
+      </p:grpSpPr>
+      <p:grpSp>
+        <p:nvGrpSpPr>
+          <p:cNvPr id="65" name="Group 64"/>
+          <p:cNvGrpSpPr/>
+          <p:nvPr/>
+        </p:nvGrpSpPr>
+        <p:grpSpPr>
+          <a:xfrm>
+            <a:off x="687617" y="3859049"/>
+            <a:ext cx="6186140" cy="1813529"/>
+            <a:chOff x="687617" y="3859049"/>
+            <a:chExt cx="6186140" cy="1813529"/>
+          </a:xfrm>
+        </p:grpSpPr>
+        <p:grpSp>
+          <p:nvGrpSpPr>
+            <p:cNvPr id="41" name="Group 40"/>
+            <p:cNvGrpSpPr/>
+            <p:nvPr/>
+          </p:nvGrpSpPr>
+          <p:grpSpPr>
+            <a:xfrm>
+              <a:off x="687617" y="3859049"/>
+              <a:ext cx="6186140" cy="1813529"/>
+              <a:chOff x="687617" y="3859049"/>
+              <a:chExt cx="6186140" cy="1813529"/>
+            </a:xfrm>
+          </p:grpSpPr>
+          <p:sp>
+            <p:nvSpPr>
+              <p:cNvPr id="24" name="Rectangle 23"/>
+              <p:cNvSpPr/>
+              <p:nvPr/>
+            </p:nvSpPr>
+            <p:spPr>
+              <a:xfrm>
+                <a:off x="3301544" y="4753098"/>
+                <a:ext cx="45719" cy="919480"/>
+              </a:xfrm>
+              <a:prstGeom prst="rect">
+                <a:avLst/>
+              </a:prstGeom>
+              <a:solidFill>
+                <a:schemeClr val="tx1"/>
+              </a:solidFill>
+              <a:ln w="38100">
+                <a:solidFill>
+                  <a:schemeClr val="tx1"/>
+                </a:solidFill>
+              </a:ln>
+            </p:spPr>
+            <p:style>
+              <a:lnRef idx="2">
+                <a:schemeClr val="accent1">
+                  <a:shade val="50000"/>
+                </a:schemeClr>
+              </a:lnRef>
+              <a:fillRef idx="1">
+                <a:schemeClr val="accent1"/>
+              </a:fillRef>
+              <a:effectRef idx="0">
+                <a:schemeClr val="accent1"/>
+              </a:effectRef>
+              <a:fontRef idx="minor">
+                <a:schemeClr val="lt1"/>
+              </a:fontRef>
+            </p:style>
+            <p:txBody>
+              <a:bodyPr rtlCol="0" anchor="ctr"/>
+              <a:lstStyle/>
+              <a:p>
+                <a:pPr algn="ctr"/>
+                <a:endParaRPr lang="en-US"/>
+              </a:p>
+            </p:txBody>
+          </p:sp>
+          <p:sp>
+            <p:nvSpPr>
+              <p:cNvPr id="25" name="Freeform 24"/>
+              <p:cNvSpPr/>
+              <p:nvPr/>
+            </p:nvSpPr>
+            <p:spPr>
+              <a:xfrm>
+                <a:off x="687617" y="3859049"/>
+                <a:ext cx="2560320" cy="955009"/>
+              </a:xfrm>
+              <a:custGeom>
+                <a:avLst/>
+                <a:gdLst>
+                  <a:gd name="connsiteX0" fmla="*/ 0 w 2560320"/>
+                  <a:gd name="connsiteY0" fmla="*/ 752235 h 1006380"/>
+                  <a:gd name="connsiteX1" fmla="*/ 568960 w 2560320"/>
+                  <a:gd name="connsiteY1" fmla="*/ 752235 h 1006380"/>
+                  <a:gd name="connsiteX2" fmla="*/ 873760 w 2560320"/>
+                  <a:gd name="connsiteY2" fmla="*/ 395 h 1006380"/>
+                  <a:gd name="connsiteX3" fmla="*/ 1442720 w 2560320"/>
+                  <a:gd name="connsiteY3" fmla="*/ 863995 h 1006380"/>
+                  <a:gd name="connsiteX4" fmla="*/ 2560320 w 2560320"/>
+                  <a:gd name="connsiteY4" fmla="*/ 996075 h 1006380"/>
+                  <a:gd name="connsiteX0" fmla="*/ 0 w 2540000"/>
+                  <a:gd name="connsiteY0" fmla="*/ 884328 h 1006393"/>
+                  <a:gd name="connsiteX1" fmla="*/ 548640 w 2540000"/>
+                  <a:gd name="connsiteY1" fmla="*/ 752248 h 1006393"/>
+                  <a:gd name="connsiteX2" fmla="*/ 853440 w 2540000"/>
+                  <a:gd name="connsiteY2" fmla="*/ 408 h 1006393"/>
+                  <a:gd name="connsiteX3" fmla="*/ 1422400 w 2540000"/>
+                  <a:gd name="connsiteY3" fmla="*/ 864008 h 1006393"/>
+                  <a:gd name="connsiteX4" fmla="*/ 2540000 w 2540000"/>
+                  <a:gd name="connsiteY4" fmla="*/ 996088 h 1006393"/>
+                  <a:gd name="connsiteX0" fmla="*/ 0 w 2540000"/>
+                  <a:gd name="connsiteY0" fmla="*/ 884328 h 1006393"/>
+                  <a:gd name="connsiteX1" fmla="*/ 548640 w 2540000"/>
+                  <a:gd name="connsiteY1" fmla="*/ 752248 h 1006393"/>
+                  <a:gd name="connsiteX2" fmla="*/ 853440 w 2540000"/>
+                  <a:gd name="connsiteY2" fmla="*/ 408 h 1006393"/>
+                  <a:gd name="connsiteX3" fmla="*/ 1422400 w 2540000"/>
+                  <a:gd name="connsiteY3" fmla="*/ 864008 h 1006393"/>
+                  <a:gd name="connsiteX4" fmla="*/ 2540000 w 2540000"/>
+                  <a:gd name="connsiteY4" fmla="*/ 996088 h 1006393"/>
+                  <a:gd name="connsiteX0" fmla="*/ 0 w 2540000"/>
+                  <a:gd name="connsiteY0" fmla="*/ 884036 h 1006101"/>
+                  <a:gd name="connsiteX1" fmla="*/ 599440 w 2540000"/>
+                  <a:gd name="connsiteY1" fmla="*/ 802756 h 1006101"/>
+                  <a:gd name="connsiteX2" fmla="*/ 853440 w 2540000"/>
+                  <a:gd name="connsiteY2" fmla="*/ 116 h 1006101"/>
+                  <a:gd name="connsiteX3" fmla="*/ 1422400 w 2540000"/>
+                  <a:gd name="connsiteY3" fmla="*/ 863716 h 1006101"/>
+                  <a:gd name="connsiteX4" fmla="*/ 2540000 w 2540000"/>
+                  <a:gd name="connsiteY4" fmla="*/ 995796 h 1006101"/>
+                  <a:gd name="connsiteX0" fmla="*/ 0 w 2540000"/>
+                  <a:gd name="connsiteY0" fmla="*/ 884036 h 1006101"/>
+                  <a:gd name="connsiteX1" fmla="*/ 599440 w 2540000"/>
+                  <a:gd name="connsiteY1" fmla="*/ 802756 h 1006101"/>
+                  <a:gd name="connsiteX2" fmla="*/ 853440 w 2540000"/>
+                  <a:gd name="connsiteY2" fmla="*/ 116 h 1006101"/>
+                  <a:gd name="connsiteX3" fmla="*/ 1422400 w 2540000"/>
+                  <a:gd name="connsiteY3" fmla="*/ 863716 h 1006101"/>
+                  <a:gd name="connsiteX4" fmla="*/ 2540000 w 2540000"/>
+                  <a:gd name="connsiteY4" fmla="*/ 995796 h 1006101"/>
+                  <a:gd name="connsiteX0" fmla="*/ 0 w 2540000"/>
+                  <a:gd name="connsiteY0" fmla="*/ 887640 h 1009705"/>
+                  <a:gd name="connsiteX1" fmla="*/ 599440 w 2540000"/>
+                  <a:gd name="connsiteY1" fmla="*/ 806360 h 1009705"/>
+                  <a:gd name="connsiteX2" fmla="*/ 853440 w 2540000"/>
+                  <a:gd name="connsiteY2" fmla="*/ 3720 h 1009705"/>
+                  <a:gd name="connsiteX3" fmla="*/ 1422400 w 2540000"/>
+                  <a:gd name="connsiteY3" fmla="*/ 867320 h 1009705"/>
+                  <a:gd name="connsiteX4" fmla="*/ 2540000 w 2540000"/>
+                  <a:gd name="connsiteY4" fmla="*/ 999400 h 1009705"/>
+                  <a:gd name="connsiteX0" fmla="*/ 0 w 2540000"/>
+                  <a:gd name="connsiteY0" fmla="*/ 887640 h 1000306"/>
+                  <a:gd name="connsiteX1" fmla="*/ 599440 w 2540000"/>
+                  <a:gd name="connsiteY1" fmla="*/ 806360 h 1000306"/>
+                  <a:gd name="connsiteX2" fmla="*/ 853440 w 2540000"/>
+                  <a:gd name="connsiteY2" fmla="*/ 3720 h 1000306"/>
+                  <a:gd name="connsiteX3" fmla="*/ 1422400 w 2540000"/>
+                  <a:gd name="connsiteY3" fmla="*/ 867320 h 1000306"/>
+                  <a:gd name="connsiteX4" fmla="*/ 2540000 w 2540000"/>
+                  <a:gd name="connsiteY4" fmla="*/ 999400 h 1000306"/>
+                  <a:gd name="connsiteX0" fmla="*/ 0 w 2540000"/>
+                  <a:gd name="connsiteY0" fmla="*/ 887640 h 999400"/>
+                  <a:gd name="connsiteX1" fmla="*/ 599440 w 2540000"/>
+                  <a:gd name="connsiteY1" fmla="*/ 806360 h 999400"/>
+                  <a:gd name="connsiteX2" fmla="*/ 853440 w 2540000"/>
+                  <a:gd name="connsiteY2" fmla="*/ 3720 h 999400"/>
+                  <a:gd name="connsiteX3" fmla="*/ 1422400 w 2540000"/>
+                  <a:gd name="connsiteY3" fmla="*/ 867320 h 999400"/>
+                  <a:gd name="connsiteX4" fmla="*/ 2540000 w 2540000"/>
+                  <a:gd name="connsiteY4" fmla="*/ 999400 h 999400"/>
+                  <a:gd name="connsiteX0" fmla="*/ 0 w 2560320"/>
+                  <a:gd name="connsiteY0" fmla="*/ 887640 h 928280"/>
+                  <a:gd name="connsiteX1" fmla="*/ 599440 w 2560320"/>
+                  <a:gd name="connsiteY1" fmla="*/ 806360 h 928280"/>
+                  <a:gd name="connsiteX2" fmla="*/ 853440 w 2560320"/>
+                  <a:gd name="connsiteY2" fmla="*/ 3720 h 928280"/>
+                  <a:gd name="connsiteX3" fmla="*/ 1422400 w 2560320"/>
+                  <a:gd name="connsiteY3" fmla="*/ 867320 h 928280"/>
+                  <a:gd name="connsiteX4" fmla="*/ 2560320 w 2560320"/>
+                  <a:gd name="connsiteY4" fmla="*/ 928280 h 928280"/>
+                  <a:gd name="connsiteX0" fmla="*/ 0 w 2560320"/>
+                  <a:gd name="connsiteY0" fmla="*/ 887640 h 942745"/>
+                  <a:gd name="connsiteX1" fmla="*/ 599440 w 2560320"/>
+                  <a:gd name="connsiteY1" fmla="*/ 806360 h 942745"/>
+                  <a:gd name="connsiteX2" fmla="*/ 853440 w 2560320"/>
+                  <a:gd name="connsiteY2" fmla="*/ 3720 h 942745"/>
+                  <a:gd name="connsiteX3" fmla="*/ 1422400 w 2560320"/>
+                  <a:gd name="connsiteY3" fmla="*/ 867320 h 942745"/>
+                  <a:gd name="connsiteX4" fmla="*/ 2560320 w 2560320"/>
+                  <a:gd name="connsiteY4" fmla="*/ 928280 h 942745"/>
+                  <a:gd name="connsiteX0" fmla="*/ 0 w 2560320"/>
+                  <a:gd name="connsiteY0" fmla="*/ 887640 h 955041"/>
+                  <a:gd name="connsiteX1" fmla="*/ 599440 w 2560320"/>
+                  <a:gd name="connsiteY1" fmla="*/ 806360 h 955041"/>
+                  <a:gd name="connsiteX2" fmla="*/ 853440 w 2560320"/>
+                  <a:gd name="connsiteY2" fmla="*/ 3720 h 955041"/>
+                  <a:gd name="connsiteX3" fmla="*/ 1422400 w 2560320"/>
+                  <a:gd name="connsiteY3" fmla="*/ 867320 h 955041"/>
+                  <a:gd name="connsiteX4" fmla="*/ 2560320 w 2560320"/>
+                  <a:gd name="connsiteY4" fmla="*/ 928280 h 955041"/>
+                  <a:gd name="connsiteX0" fmla="*/ 0 w 2560320"/>
+                  <a:gd name="connsiteY0" fmla="*/ 907928 h 955009"/>
+                  <a:gd name="connsiteX1" fmla="*/ 599440 w 2560320"/>
+                  <a:gd name="connsiteY1" fmla="*/ 806328 h 955009"/>
+                  <a:gd name="connsiteX2" fmla="*/ 853440 w 2560320"/>
+                  <a:gd name="connsiteY2" fmla="*/ 3688 h 955009"/>
+                  <a:gd name="connsiteX3" fmla="*/ 1422400 w 2560320"/>
+                  <a:gd name="connsiteY3" fmla="*/ 867288 h 955009"/>
+                  <a:gd name="connsiteX4" fmla="*/ 2560320 w 2560320"/>
+                  <a:gd name="connsiteY4" fmla="*/ 928248 h 955009"/>
+                </a:gdLst>
+                <a:ahLst/>
+                <a:cxnLst>
+                  <a:cxn ang="0">
+                    <a:pos x="connsiteX0" y="connsiteY0"/>
+                  </a:cxn>
+                  <a:cxn ang="0">
+                    <a:pos x="connsiteX1" y="connsiteY1"/>
+                  </a:cxn>
+                  <a:cxn ang="0">
+                    <a:pos x="connsiteX2" y="connsiteY2"/>
+                  </a:cxn>
+                  <a:cxn ang="0">
+                    <a:pos x="connsiteX3" y="connsiteY3"/>
+                  </a:cxn>
+                  <a:cxn ang="0">
+                    <a:pos x="connsiteX4" y="connsiteY4"/>
+                  </a:cxn>
+                </a:cxnLst>
+                <a:rect l="l" t="t" r="r" b="b"/>
+                <a:pathLst>
+                  <a:path w="2560320" h="955009">
+                    <a:moveTo>
+                      <a:pt x="0" y="907928"/>
+                    </a:moveTo>
+                    <a:cubicBezTo>
+                      <a:pt x="231986" y="889301"/>
+                      <a:pt x="457200" y="957035"/>
+                      <a:pt x="599440" y="806328"/>
+                    </a:cubicBezTo>
+                    <a:cubicBezTo>
+                      <a:pt x="741680" y="655621"/>
+                      <a:pt x="756920" y="-57272"/>
+                      <a:pt x="853440" y="3688"/>
+                    </a:cubicBezTo>
+                    <a:cubicBezTo>
+                      <a:pt x="949960" y="64648"/>
+                      <a:pt x="1137920" y="713195"/>
+                      <a:pt x="1422400" y="867288"/>
+                    </a:cubicBezTo>
+                    <a:cubicBezTo>
+                      <a:pt x="1706880" y="1021381"/>
+                      <a:pt x="2121746" y="924861"/>
+                      <a:pt x="2560320" y="928248"/>
+                    </a:cubicBezTo>
+                  </a:path>
+                </a:pathLst>
+              </a:custGeom>
+              <a:noFill/>
+              <a:ln w="38100">
+                <a:solidFill>
+                  <a:schemeClr val="accent4">
+                    <a:lumMod val="75000"/>
+                  </a:schemeClr>
+                </a:solidFill>
+              </a:ln>
+            </p:spPr>
+            <p:style>
+              <a:lnRef idx="2">
+                <a:schemeClr val="accent1">
+                  <a:shade val="50000"/>
+                </a:schemeClr>
+              </a:lnRef>
+              <a:fillRef idx="1">
+                <a:schemeClr val="accent1"/>
+              </a:fillRef>
+              <a:effectRef idx="0">
+                <a:schemeClr val="accent1"/>
+              </a:effectRef>
+              <a:fontRef idx="minor">
+                <a:schemeClr val="lt1"/>
+              </a:fontRef>
+            </p:style>
+            <p:txBody>
+              <a:bodyPr rtlCol="0" anchor="ctr"/>
+              <a:lstStyle/>
+              <a:p>
+                <a:pPr algn="ctr"/>
+                <a:endParaRPr lang="en-US"/>
+              </a:p>
+            </p:txBody>
+          </p:sp>
+          <p:cxnSp>
+            <p:nvCxnSpPr>
+              <p:cNvPr id="26" name="Straight Arrow Connector 25"/>
+              <p:cNvCxnSpPr/>
+              <p:nvPr/>
+            </p:nvCxnSpPr>
+            <p:spPr>
+              <a:xfrm flipV="1">
+                <a:off x="1537082" y="3859049"/>
+                <a:ext cx="859321" cy="10160"/>
+              </a:xfrm>
+              <a:prstGeom prst="straightConnector1">
+                <a:avLst/>
+              </a:prstGeom>
+              <a:ln w="38100">
+                <a:solidFill>
+                  <a:schemeClr val="tx1"/>
+                </a:solidFill>
+                <a:tailEnd type="triangle"/>
+              </a:ln>
+            </p:spPr>
+            <p:style>
+              <a:lnRef idx="1">
+                <a:schemeClr val="accent1"/>
+              </a:lnRef>
+              <a:fillRef idx="0">
+                <a:schemeClr val="accent1"/>
+              </a:fillRef>
+              <a:effectRef idx="0">
+                <a:schemeClr val="accent1"/>
+              </a:effectRef>
+              <a:fontRef idx="minor">
+                <a:schemeClr val="tx1"/>
+              </a:fontRef>
+            </p:style>
+          </p:cxnSp>
+          <p:cxnSp>
+            <p:nvCxnSpPr>
+              <p:cNvPr id="30" name="Straight Arrow Connector 29"/>
+              <p:cNvCxnSpPr/>
+              <p:nvPr/>
+            </p:nvCxnSpPr>
+            <p:spPr>
+              <a:xfrm flipH="1" flipV="1">
+                <a:off x="4939612" y="3885663"/>
+                <a:ext cx="859320" cy="3174"/>
+              </a:xfrm>
+              <a:prstGeom prst="straightConnector1">
+                <a:avLst/>
+              </a:prstGeom>
+              <a:ln w="38100">
+                <a:solidFill>
+                  <a:schemeClr val="tx1"/>
+                </a:solidFill>
+                <a:tailEnd type="triangle"/>
+              </a:ln>
+            </p:spPr>
+            <p:style>
+              <a:lnRef idx="1">
+                <a:schemeClr val="accent1"/>
+              </a:lnRef>
+              <a:fillRef idx="0">
+                <a:schemeClr val="accent1"/>
+              </a:fillRef>
+              <a:effectRef idx="0">
+                <a:schemeClr val="accent1"/>
+              </a:effectRef>
+              <a:fontRef idx="minor">
+                <a:schemeClr val="tx1"/>
+              </a:fontRef>
+            </p:style>
+          </p:cxnSp>
+          <p:sp>
+            <p:nvSpPr>
+              <p:cNvPr id="34" name="Freeform 33"/>
+              <p:cNvSpPr/>
+              <p:nvPr/>
+            </p:nvSpPr>
+            <p:spPr>
+              <a:xfrm flipH="1">
+                <a:off x="4089112" y="3891980"/>
+                <a:ext cx="2560320" cy="955009"/>
+              </a:xfrm>
+              <a:custGeom>
+                <a:avLst/>
+                <a:gdLst>
+                  <a:gd name="connsiteX0" fmla="*/ 0 w 2560320"/>
+                  <a:gd name="connsiteY0" fmla="*/ 752235 h 1006380"/>
+                  <a:gd name="connsiteX1" fmla="*/ 568960 w 2560320"/>
+                  <a:gd name="connsiteY1" fmla="*/ 752235 h 1006380"/>
+                  <a:gd name="connsiteX2" fmla="*/ 873760 w 2560320"/>
+                  <a:gd name="connsiteY2" fmla="*/ 395 h 1006380"/>
+                  <a:gd name="connsiteX3" fmla="*/ 1442720 w 2560320"/>
+                  <a:gd name="connsiteY3" fmla="*/ 863995 h 1006380"/>
+                  <a:gd name="connsiteX4" fmla="*/ 2560320 w 2560320"/>
+                  <a:gd name="connsiteY4" fmla="*/ 996075 h 1006380"/>
+                  <a:gd name="connsiteX0" fmla="*/ 0 w 2540000"/>
+                  <a:gd name="connsiteY0" fmla="*/ 884328 h 1006393"/>
+                  <a:gd name="connsiteX1" fmla="*/ 548640 w 2540000"/>
+                  <a:gd name="connsiteY1" fmla="*/ 752248 h 1006393"/>
+                  <a:gd name="connsiteX2" fmla="*/ 853440 w 2540000"/>
+                  <a:gd name="connsiteY2" fmla="*/ 408 h 1006393"/>
+                  <a:gd name="connsiteX3" fmla="*/ 1422400 w 2540000"/>
+                  <a:gd name="connsiteY3" fmla="*/ 864008 h 1006393"/>
+                  <a:gd name="connsiteX4" fmla="*/ 2540000 w 2540000"/>
+                  <a:gd name="connsiteY4" fmla="*/ 996088 h 1006393"/>
+                  <a:gd name="connsiteX0" fmla="*/ 0 w 2540000"/>
+                  <a:gd name="connsiteY0" fmla="*/ 884328 h 1006393"/>
+                  <a:gd name="connsiteX1" fmla="*/ 548640 w 2540000"/>
+                  <a:gd name="connsiteY1" fmla="*/ 752248 h 1006393"/>
+                  <a:gd name="connsiteX2" fmla="*/ 853440 w 2540000"/>
+                  <a:gd name="connsiteY2" fmla="*/ 408 h 1006393"/>
+                  <a:gd name="connsiteX3" fmla="*/ 1422400 w 2540000"/>
+                  <a:gd name="connsiteY3" fmla="*/ 864008 h 1006393"/>
+                  <a:gd name="connsiteX4" fmla="*/ 2540000 w 2540000"/>
+                  <a:gd name="connsiteY4" fmla="*/ 996088 h 1006393"/>
+                  <a:gd name="connsiteX0" fmla="*/ 0 w 2540000"/>
+                  <a:gd name="connsiteY0" fmla="*/ 884036 h 1006101"/>
+                  <a:gd name="connsiteX1" fmla="*/ 599440 w 2540000"/>
+                  <a:gd name="connsiteY1" fmla="*/ 802756 h 1006101"/>
+                  <a:gd name="connsiteX2" fmla="*/ 853440 w 2540000"/>
+                  <a:gd name="connsiteY2" fmla="*/ 116 h 1006101"/>
+                  <a:gd name="connsiteX3" fmla="*/ 1422400 w 2540000"/>
+                  <a:gd name="connsiteY3" fmla="*/ 863716 h 1006101"/>
+                  <a:gd name="connsiteX4" fmla="*/ 2540000 w 2540000"/>
+                  <a:gd name="connsiteY4" fmla="*/ 995796 h 1006101"/>
+                  <a:gd name="connsiteX0" fmla="*/ 0 w 2540000"/>
+                  <a:gd name="connsiteY0" fmla="*/ 884036 h 1006101"/>
+                  <a:gd name="connsiteX1" fmla="*/ 599440 w 2540000"/>
+                  <a:gd name="connsiteY1" fmla="*/ 802756 h 1006101"/>
+                  <a:gd name="connsiteX2" fmla="*/ 853440 w 2540000"/>
+                  <a:gd name="connsiteY2" fmla="*/ 116 h 1006101"/>
+                  <a:gd name="connsiteX3" fmla="*/ 1422400 w 2540000"/>
+                  <a:gd name="connsiteY3" fmla="*/ 863716 h 1006101"/>
+                  <a:gd name="connsiteX4" fmla="*/ 2540000 w 2540000"/>
+                  <a:gd name="connsiteY4" fmla="*/ 995796 h 1006101"/>
+                  <a:gd name="connsiteX0" fmla="*/ 0 w 2540000"/>
+                  <a:gd name="connsiteY0" fmla="*/ 887640 h 1009705"/>
+                  <a:gd name="connsiteX1" fmla="*/ 599440 w 2540000"/>
+                  <a:gd name="connsiteY1" fmla="*/ 806360 h 1009705"/>
+                  <a:gd name="connsiteX2" fmla="*/ 853440 w 2540000"/>
+                  <a:gd name="connsiteY2" fmla="*/ 3720 h 1009705"/>
+                  <a:gd name="connsiteX3" fmla="*/ 1422400 w 2540000"/>
+                  <a:gd name="connsiteY3" fmla="*/ 867320 h 1009705"/>
+                  <a:gd name="connsiteX4" fmla="*/ 2540000 w 2540000"/>
+                  <a:gd name="connsiteY4" fmla="*/ 999400 h 1009705"/>
+                  <a:gd name="connsiteX0" fmla="*/ 0 w 2540000"/>
+                  <a:gd name="connsiteY0" fmla="*/ 887640 h 1000306"/>
+                  <a:gd name="connsiteX1" fmla="*/ 599440 w 2540000"/>
+                  <a:gd name="connsiteY1" fmla="*/ 806360 h 1000306"/>
+                  <a:gd name="connsiteX2" fmla="*/ 853440 w 2540000"/>
+                  <a:gd name="connsiteY2" fmla="*/ 3720 h 1000306"/>
+                  <a:gd name="connsiteX3" fmla="*/ 1422400 w 2540000"/>
+                  <a:gd name="connsiteY3" fmla="*/ 867320 h 1000306"/>
+                  <a:gd name="connsiteX4" fmla="*/ 2540000 w 2540000"/>
+                  <a:gd name="connsiteY4" fmla="*/ 999400 h 1000306"/>
+                  <a:gd name="connsiteX0" fmla="*/ 0 w 2540000"/>
+                  <a:gd name="connsiteY0" fmla="*/ 887640 h 999400"/>
+                  <a:gd name="connsiteX1" fmla="*/ 599440 w 2540000"/>
+                  <a:gd name="connsiteY1" fmla="*/ 806360 h 999400"/>
+                  <a:gd name="connsiteX2" fmla="*/ 853440 w 2540000"/>
+                  <a:gd name="connsiteY2" fmla="*/ 3720 h 999400"/>
+                  <a:gd name="connsiteX3" fmla="*/ 1422400 w 2540000"/>
+                  <a:gd name="connsiteY3" fmla="*/ 867320 h 999400"/>
+                  <a:gd name="connsiteX4" fmla="*/ 2540000 w 2540000"/>
+                  <a:gd name="connsiteY4" fmla="*/ 999400 h 999400"/>
+                  <a:gd name="connsiteX0" fmla="*/ 0 w 2560320"/>
+                  <a:gd name="connsiteY0" fmla="*/ 887640 h 928280"/>
+                  <a:gd name="connsiteX1" fmla="*/ 599440 w 2560320"/>
+                  <a:gd name="connsiteY1" fmla="*/ 806360 h 928280"/>
+                  <a:gd name="connsiteX2" fmla="*/ 853440 w 2560320"/>
+                  <a:gd name="connsiteY2" fmla="*/ 3720 h 928280"/>
+                  <a:gd name="connsiteX3" fmla="*/ 1422400 w 2560320"/>
+                  <a:gd name="connsiteY3" fmla="*/ 867320 h 928280"/>
+                  <a:gd name="connsiteX4" fmla="*/ 2560320 w 2560320"/>
+                  <a:gd name="connsiteY4" fmla="*/ 928280 h 928280"/>
+                  <a:gd name="connsiteX0" fmla="*/ 0 w 2560320"/>
+                  <a:gd name="connsiteY0" fmla="*/ 887640 h 942745"/>
+                  <a:gd name="connsiteX1" fmla="*/ 599440 w 2560320"/>
+                  <a:gd name="connsiteY1" fmla="*/ 806360 h 942745"/>
+                  <a:gd name="connsiteX2" fmla="*/ 853440 w 2560320"/>
+                  <a:gd name="connsiteY2" fmla="*/ 3720 h 942745"/>
+                  <a:gd name="connsiteX3" fmla="*/ 1422400 w 2560320"/>
+                  <a:gd name="connsiteY3" fmla="*/ 867320 h 942745"/>
+                  <a:gd name="connsiteX4" fmla="*/ 2560320 w 2560320"/>
+                  <a:gd name="connsiteY4" fmla="*/ 928280 h 942745"/>
+                  <a:gd name="connsiteX0" fmla="*/ 0 w 2560320"/>
+                  <a:gd name="connsiteY0" fmla="*/ 887640 h 955041"/>
+                  <a:gd name="connsiteX1" fmla="*/ 599440 w 2560320"/>
+                  <a:gd name="connsiteY1" fmla="*/ 806360 h 955041"/>
+                  <a:gd name="connsiteX2" fmla="*/ 853440 w 2560320"/>
+                  <a:gd name="connsiteY2" fmla="*/ 3720 h 955041"/>
+                  <a:gd name="connsiteX3" fmla="*/ 1422400 w 2560320"/>
+                  <a:gd name="connsiteY3" fmla="*/ 867320 h 955041"/>
+                  <a:gd name="connsiteX4" fmla="*/ 2560320 w 2560320"/>
+                  <a:gd name="connsiteY4" fmla="*/ 928280 h 955041"/>
+                  <a:gd name="connsiteX0" fmla="*/ 0 w 2560320"/>
+                  <a:gd name="connsiteY0" fmla="*/ 907928 h 955009"/>
+                  <a:gd name="connsiteX1" fmla="*/ 599440 w 2560320"/>
+                  <a:gd name="connsiteY1" fmla="*/ 806328 h 955009"/>
+                  <a:gd name="connsiteX2" fmla="*/ 853440 w 2560320"/>
+                  <a:gd name="connsiteY2" fmla="*/ 3688 h 955009"/>
+                  <a:gd name="connsiteX3" fmla="*/ 1422400 w 2560320"/>
+                  <a:gd name="connsiteY3" fmla="*/ 867288 h 955009"/>
+                  <a:gd name="connsiteX4" fmla="*/ 2560320 w 2560320"/>
+                  <a:gd name="connsiteY4" fmla="*/ 928248 h 955009"/>
+                </a:gdLst>
+                <a:ahLst/>
+                <a:cxnLst>
+                  <a:cxn ang="0">
+                    <a:pos x="connsiteX0" y="connsiteY0"/>
+                  </a:cxn>
+                  <a:cxn ang="0">
+                    <a:pos x="connsiteX1" y="connsiteY1"/>
+                  </a:cxn>
+                  <a:cxn ang="0">
+                    <a:pos x="connsiteX2" y="connsiteY2"/>
+                  </a:cxn>
+                  <a:cxn ang="0">
+                    <a:pos x="connsiteX3" y="connsiteY3"/>
+                  </a:cxn>
+                  <a:cxn ang="0">
+                    <a:pos x="connsiteX4" y="connsiteY4"/>
+                  </a:cxn>
+                </a:cxnLst>
+                <a:rect l="l" t="t" r="r" b="b"/>
+                <a:pathLst>
+                  <a:path w="2560320" h="955009">
+                    <a:moveTo>
+                      <a:pt x="0" y="907928"/>
+                    </a:moveTo>
+                    <a:cubicBezTo>
+                      <a:pt x="231986" y="889301"/>
+                      <a:pt x="457200" y="957035"/>
+                      <a:pt x="599440" y="806328"/>
+                    </a:cubicBezTo>
+                    <a:cubicBezTo>
+                      <a:pt x="741680" y="655621"/>
+                      <a:pt x="756920" y="-57272"/>
+                      <a:pt x="853440" y="3688"/>
+                    </a:cubicBezTo>
+                    <a:cubicBezTo>
+                      <a:pt x="949960" y="64648"/>
+                      <a:pt x="1137920" y="713195"/>
+                      <a:pt x="1422400" y="867288"/>
+                    </a:cubicBezTo>
+                    <a:cubicBezTo>
+                      <a:pt x="1706880" y="1021381"/>
+                      <a:pt x="2121746" y="924861"/>
+                      <a:pt x="2560320" y="928248"/>
+                    </a:cubicBezTo>
+                  </a:path>
+                </a:pathLst>
+              </a:custGeom>
+              <a:noFill/>
+              <a:ln w="38100">
+                <a:solidFill>
+                  <a:schemeClr val="accent4">
+                    <a:lumMod val="75000"/>
+                  </a:schemeClr>
+                </a:solidFill>
+              </a:ln>
+            </p:spPr>
+            <p:style>
+              <a:lnRef idx="2">
+                <a:schemeClr val="accent1">
+                  <a:shade val="50000"/>
+                </a:schemeClr>
+              </a:lnRef>
+              <a:fillRef idx="1">
+                <a:schemeClr val="accent1"/>
+              </a:fillRef>
+              <a:effectRef idx="0">
+                <a:schemeClr val="accent1"/>
+              </a:effectRef>
+              <a:fontRef idx="minor">
+                <a:schemeClr val="lt1"/>
+              </a:fontRef>
+            </p:style>
+            <p:txBody>
+              <a:bodyPr rtlCol="0" anchor="ctr"/>
+              <a:lstStyle/>
+              <a:p>
+                <a:pPr algn="ctr"/>
+                <a:endParaRPr lang="en-US"/>
+              </a:p>
+            </p:txBody>
+          </p:sp>
+          <p:sp>
+            <p:nvSpPr>
+              <p:cNvPr id="35" name="Oval 34"/>
+              <p:cNvSpPr/>
+              <p:nvPr/>
+            </p:nvSpPr>
+            <p:spPr>
+              <a:xfrm>
+                <a:off x="3202751" y="4753098"/>
+                <a:ext cx="243840" cy="81280"/>
+              </a:xfrm>
+              <a:prstGeom prst="ellipse">
+                <a:avLst/>
+              </a:prstGeom>
+              <a:noFill/>
+              <a:ln w="38100">
+                <a:solidFill>
+                  <a:schemeClr val="accent4">
+                    <a:lumMod val="75000"/>
+                  </a:schemeClr>
+                </a:solidFill>
+              </a:ln>
+            </p:spPr>
+            <p:style>
+              <a:lnRef idx="2">
+                <a:schemeClr val="accent1">
+                  <a:shade val="50000"/>
+                </a:schemeClr>
+              </a:lnRef>
+              <a:fillRef idx="1">
+                <a:schemeClr val="accent1"/>
+              </a:fillRef>
+              <a:effectRef idx="0">
+                <a:schemeClr val="accent1"/>
+              </a:effectRef>
+              <a:fontRef idx="minor">
+                <a:schemeClr val="lt1"/>
+              </a:fontRef>
+            </p:style>
+            <p:txBody>
+              <a:bodyPr rtlCol="0" anchor="ctr"/>
+              <a:lstStyle/>
+              <a:p>
+                <a:pPr algn="ctr"/>
+                <a:endParaRPr lang="en-US"/>
+              </a:p>
+            </p:txBody>
+          </p:sp>
+          <p:sp>
+            <p:nvSpPr>
+              <p:cNvPr id="36" name="Rectangle 35"/>
+              <p:cNvSpPr/>
+              <p:nvPr/>
+            </p:nvSpPr>
+            <p:spPr>
+              <a:xfrm>
+                <a:off x="3301544" y="3869209"/>
+                <a:ext cx="45719" cy="919480"/>
+              </a:xfrm>
+              <a:prstGeom prst="rect">
+                <a:avLst/>
+              </a:prstGeom>
+              <a:solidFill>
+                <a:schemeClr val="tx1"/>
+              </a:solidFill>
+              <a:ln w="38100">
+                <a:solidFill>
+                  <a:schemeClr val="tx1"/>
+                </a:solidFill>
+              </a:ln>
+            </p:spPr>
+            <p:style>
+              <a:lnRef idx="2">
+                <a:schemeClr val="accent1">
+                  <a:shade val="50000"/>
+                </a:schemeClr>
+              </a:lnRef>
+              <a:fillRef idx="1">
+                <a:schemeClr val="accent1"/>
+              </a:fillRef>
+              <a:effectRef idx="0">
+                <a:schemeClr val="accent1"/>
+              </a:effectRef>
+              <a:fontRef idx="minor">
+                <a:schemeClr val="lt1"/>
+              </a:fontRef>
+            </p:style>
+            <p:txBody>
+              <a:bodyPr rtlCol="0" anchor="ctr"/>
+              <a:lstStyle/>
+              <a:p>
+                <a:pPr algn="ctr"/>
+                <a:endParaRPr lang="en-US"/>
+              </a:p>
+            </p:txBody>
+          </p:sp>
+          <p:sp>
+            <p:nvSpPr>
+              <p:cNvPr id="37" name="Rectangle 36"/>
+              <p:cNvSpPr/>
+              <p:nvPr/>
+            </p:nvSpPr>
+            <p:spPr>
+              <a:xfrm>
+                <a:off x="6728710" y="4753098"/>
+                <a:ext cx="45719" cy="919480"/>
+              </a:xfrm>
+              <a:prstGeom prst="rect">
+                <a:avLst/>
+              </a:prstGeom>
+              <a:solidFill>
+                <a:schemeClr val="tx1"/>
+              </a:solidFill>
+              <a:ln w="38100">
+                <a:solidFill>
+                  <a:schemeClr val="tx1"/>
+                </a:solidFill>
+              </a:ln>
+            </p:spPr>
+            <p:style>
+              <a:lnRef idx="2">
+                <a:schemeClr val="accent1">
+                  <a:shade val="50000"/>
+                </a:schemeClr>
+              </a:lnRef>
+              <a:fillRef idx="1">
+                <a:schemeClr val="accent1"/>
+              </a:fillRef>
+              <a:effectRef idx="0">
+                <a:schemeClr val="accent1"/>
+              </a:effectRef>
+              <a:fontRef idx="minor">
+                <a:schemeClr val="lt1"/>
+              </a:fontRef>
+            </p:style>
+            <p:txBody>
+              <a:bodyPr rtlCol="0" anchor="ctr"/>
+              <a:lstStyle/>
+              <a:p>
+                <a:pPr algn="ctr"/>
+                <a:endParaRPr lang="en-US"/>
+              </a:p>
+            </p:txBody>
+          </p:sp>
+          <p:sp>
+            <p:nvSpPr>
+              <p:cNvPr id="38" name="Oval 37"/>
+              <p:cNvSpPr/>
+              <p:nvPr/>
+            </p:nvSpPr>
+            <p:spPr>
+              <a:xfrm>
+                <a:off x="6629917" y="4753098"/>
+                <a:ext cx="243840" cy="81280"/>
+              </a:xfrm>
+              <a:prstGeom prst="ellipse">
+                <a:avLst/>
+              </a:prstGeom>
+              <a:noFill/>
+              <a:ln w="38100">
+                <a:solidFill>
+                  <a:schemeClr val="accent4">
+                    <a:lumMod val="75000"/>
+                  </a:schemeClr>
+                </a:solidFill>
+              </a:ln>
+            </p:spPr>
+            <p:style>
+              <a:lnRef idx="2">
+                <a:schemeClr val="accent1">
+                  <a:shade val="50000"/>
+                </a:schemeClr>
+              </a:lnRef>
+              <a:fillRef idx="1">
+                <a:schemeClr val="accent1"/>
+              </a:fillRef>
+              <a:effectRef idx="0">
+                <a:schemeClr val="accent1"/>
+              </a:effectRef>
+              <a:fontRef idx="minor">
+                <a:schemeClr val="lt1"/>
+              </a:fontRef>
+            </p:style>
+            <p:txBody>
+              <a:bodyPr rtlCol="0" anchor="ctr"/>
+              <a:lstStyle/>
+              <a:p>
+                <a:pPr algn="ctr"/>
+                <a:endParaRPr lang="en-US"/>
+              </a:p>
+            </p:txBody>
+          </p:sp>
+          <p:sp>
+            <p:nvSpPr>
+              <p:cNvPr id="39" name="Rectangle 38"/>
+              <p:cNvSpPr/>
+              <p:nvPr/>
+            </p:nvSpPr>
+            <p:spPr>
+              <a:xfrm>
+                <a:off x="6728710" y="3869209"/>
+                <a:ext cx="45719" cy="919480"/>
+              </a:xfrm>
+              <a:prstGeom prst="rect">
+                <a:avLst/>
+              </a:prstGeom>
+              <a:solidFill>
+                <a:schemeClr val="tx1"/>
+              </a:solidFill>
+              <a:ln w="38100">
+                <a:solidFill>
+                  <a:schemeClr val="tx1"/>
+                </a:solidFill>
+              </a:ln>
+            </p:spPr>
+            <p:style>
+              <a:lnRef idx="2">
+                <a:schemeClr val="accent1">
+                  <a:shade val="50000"/>
+                </a:schemeClr>
+              </a:lnRef>
+              <a:fillRef idx="1">
+                <a:schemeClr val="accent1"/>
+              </a:fillRef>
+              <a:effectRef idx="0">
+                <a:schemeClr val="accent1"/>
+              </a:effectRef>
+              <a:fontRef idx="minor">
+                <a:schemeClr val="lt1"/>
+              </a:fontRef>
+            </p:style>
+            <p:txBody>
+              <a:bodyPr rtlCol="0" anchor="ctr"/>
+              <a:lstStyle/>
+              <a:p>
+                <a:pPr algn="ctr"/>
+                <a:endParaRPr lang="en-US"/>
+              </a:p>
+            </p:txBody>
+          </p:sp>
+        </p:grpSp>
+        <mc:AlternateContent xmlns:mc="http://schemas.openxmlformats.org/markup-compatibility/2006">
+          <mc:Choice xmlns:a14="http://schemas.microsoft.com/office/drawing/2010/main" Requires="a14">
+            <p:sp>
+              <p:nvSpPr>
+                <p:cNvPr id="58" name="TextBox 57"/>
+                <p:cNvSpPr txBox="1"/>
+                <p:nvPr/>
+              </p:nvSpPr>
+              <p:spPr>
+                <a:xfrm>
+                  <a:off x="1367147" y="5273261"/>
+                  <a:ext cx="1029256" cy="307777"/>
+                </a:xfrm>
+                <a:prstGeom prst="rect">
+                  <a:avLst/>
+                </a:prstGeom>
+                <a:noFill/>
+              </p:spPr>
+              <p:txBody>
+                <a:bodyPr wrap="none" lIns="0" tIns="0" rIns="0" bIns="0" rtlCol="0">
+                  <a:spAutoFit/>
+                </a:bodyPr>
+                <a:lstStyle/>
+                <a:p>
+                  <a14:m>
+                    <m:oMathPara xmlns:m="http://schemas.openxmlformats.org/officeDocument/2006/math">
+                      <m:oMathParaPr>
+                        <m:jc m:val="centerGroup"/>
+                      </m:oMathParaPr>
+                      <m:oMath xmlns:m="http://schemas.openxmlformats.org/officeDocument/2006/math">
+                        <m:r>
+                          <a:rPr lang="en-US" sz="2000" b="0" i="1" smtClean="0">
+                            <a:latin typeface="Cambria Math" panose="02040503050406030204" pitchFamily="18" charset="0"/>
+                            <a:cs typeface="Arial" panose="020B0604020202020204" pitchFamily="34" charset="0"/>
+                          </a:rPr>
+                          <m:t>𝑜𝑟𝑖𝑔𝑖𝑛𝑎𝑙</m:t>
+                        </m:r>
+                      </m:oMath>
+                    </m:oMathPara>
+                  </a14:m>
+                  <a:endParaRPr lang="en-US" sz="2000" dirty="0" smtClean="0">
+                    <a:latin typeface="Arial" panose="020B0604020202020204" pitchFamily="34" charset="0"/>
+                    <a:cs typeface="Arial" panose="020B0604020202020204" pitchFamily="34" charset="0"/>
+                  </a:endParaRPr>
+                </a:p>
+              </p:txBody>
+            </p:sp>
+          </mc:Choice>
+          <mc:Fallback>
+            <p:sp>
+              <p:nvSpPr>
+                <p:cNvPr id="58" name="TextBox 57"/>
+                <p:cNvSpPr txBox="1">
+                  <a:spLocks noRot="1" noChangeAspect="1" noMove="1" noResize="1" noEditPoints="1" noAdjustHandles="1" noChangeArrowheads="1" noChangeShapeType="1" noTextEdit="1"/>
+                </p:cNvSpPr>
+                <p:nvPr/>
+              </p:nvSpPr>
+              <p:spPr>
+                <a:xfrm>
+                  <a:off x="1367147" y="5273261"/>
+                  <a:ext cx="1029256" cy="307777"/>
+                </a:xfrm>
+                <a:prstGeom prst="rect">
+                  <a:avLst/>
+                </a:prstGeom>
+                <a:blipFill>
+                  <a:blip r:embed="rId2"/>
+                  <a:stretch>
+                    <a:fillRect l="-7101" r="-7101" b="-37255"/>
+                  </a:stretch>
+                </a:blipFill>
+              </p:spPr>
+              <p:txBody>
+                <a:bodyPr/>
+                <a:lstStyle/>
+                <a:p>
+                  <a:r>
+                    <a:rPr lang="en-US">
+                      <a:noFill/>
+                    </a:rPr>
+                    <a:t> </a:t>
+                  </a:r>
+                </a:p>
+              </p:txBody>
+            </p:sp>
+          </mc:Fallback>
+        </mc:AlternateContent>
+        <mc:AlternateContent xmlns:mc="http://schemas.openxmlformats.org/markup-compatibility/2006">
+          <mc:Choice xmlns:a14="http://schemas.microsoft.com/office/drawing/2010/main" Requires="a14">
+            <p:sp>
+              <p:nvSpPr>
+                <p:cNvPr id="59" name="TextBox 58"/>
+                <p:cNvSpPr txBox="1"/>
+                <p:nvPr/>
+              </p:nvSpPr>
+              <p:spPr>
+                <a:xfrm>
+                  <a:off x="4592320" y="5274970"/>
+                  <a:ext cx="1193632" cy="307777"/>
+                </a:xfrm>
+                <a:prstGeom prst="rect">
+                  <a:avLst/>
+                </a:prstGeom>
+                <a:noFill/>
+              </p:spPr>
+              <p:txBody>
+                <a:bodyPr wrap="square" lIns="0" tIns="0" rIns="0" bIns="0" rtlCol="0">
+                  <a:spAutoFit/>
+                </a:bodyPr>
+                <a:lstStyle/>
+                <a:p>
+                  <a14:m>
+                    <m:oMathPara xmlns:m="http://schemas.openxmlformats.org/officeDocument/2006/math">
+                      <m:oMathParaPr>
+                        <m:jc m:val="centerGroup"/>
+                      </m:oMathParaPr>
+                      <m:oMath xmlns:m="http://schemas.openxmlformats.org/officeDocument/2006/math">
+                        <m:r>
+                          <a:rPr lang="en-US" sz="2000" b="0" i="1" smtClean="0">
+                            <a:latin typeface="Cambria Math" panose="02040503050406030204" pitchFamily="18" charset="0"/>
+                            <a:cs typeface="Arial" panose="020B0604020202020204" pitchFamily="34" charset="0"/>
+                          </a:rPr>
+                          <m:t>𝑟𝑒𝑓𝑙𝑒𝑐𝑡𝑒𝑑</m:t>
+                        </m:r>
+                      </m:oMath>
+                    </m:oMathPara>
+                  </a14:m>
+                  <a:endParaRPr lang="en-US" sz="2000" dirty="0" smtClean="0">
+                    <a:latin typeface="Arial" panose="020B0604020202020204" pitchFamily="34" charset="0"/>
+                    <a:cs typeface="Arial" panose="020B0604020202020204" pitchFamily="34" charset="0"/>
+                  </a:endParaRPr>
+                </a:p>
+              </p:txBody>
+            </p:sp>
+          </mc:Choice>
+          <mc:Fallback>
+            <p:sp>
+              <p:nvSpPr>
+                <p:cNvPr id="59" name="TextBox 58"/>
+                <p:cNvSpPr txBox="1">
+                  <a:spLocks noRot="1" noChangeAspect="1" noMove="1" noResize="1" noEditPoints="1" noAdjustHandles="1" noChangeArrowheads="1" noChangeShapeType="1" noTextEdit="1"/>
+                </p:cNvSpPr>
+                <p:nvPr/>
+              </p:nvSpPr>
+              <p:spPr>
+                <a:xfrm>
+                  <a:off x="4592320" y="5274970"/>
+                  <a:ext cx="1193632" cy="307777"/>
+                </a:xfrm>
+                <a:prstGeom prst="rect">
+                  <a:avLst/>
+                </a:prstGeom>
+                <a:blipFill>
+                  <a:blip r:embed="rId3"/>
+                  <a:stretch>
+                    <a:fillRect l="-5612" r="-5612" b="-37255"/>
+                  </a:stretch>
+                </a:blipFill>
+              </p:spPr>
+              <p:txBody>
+                <a:bodyPr/>
+                <a:lstStyle/>
+                <a:p>
+                  <a:r>
+                    <a:rPr lang="en-US">
+                      <a:noFill/>
+                    </a:rPr>
+                    <a:t> </a:t>
+                  </a:r>
+                </a:p>
+              </p:txBody>
+            </p:sp>
+          </mc:Fallback>
+        </mc:AlternateContent>
+      </p:grpSp>
+      <p:grpSp>
+        <p:nvGrpSpPr>
+          <p:cNvPr id="62" name="Group 61"/>
+          <p:cNvGrpSpPr/>
+          <p:nvPr/>
+        </p:nvGrpSpPr>
+        <p:grpSpPr>
+          <a:xfrm>
+            <a:off x="389576" y="616586"/>
+            <a:ext cx="6114030" cy="1987342"/>
+            <a:chOff x="389576" y="616586"/>
+            <a:chExt cx="6114030" cy="1987342"/>
+          </a:xfrm>
+        </p:grpSpPr>
+        <p:grpSp>
+          <p:nvGrpSpPr>
+            <p:cNvPr id="40" name="Group 39"/>
+            <p:cNvGrpSpPr/>
+            <p:nvPr/>
+          </p:nvGrpSpPr>
+          <p:grpSpPr>
+            <a:xfrm>
+              <a:off x="389576" y="616586"/>
+              <a:ext cx="6114030" cy="1987342"/>
+              <a:chOff x="686606" y="1063626"/>
+              <a:chExt cx="6114030" cy="1987342"/>
+            </a:xfrm>
+          </p:grpSpPr>
+          <p:sp>
+            <p:nvSpPr>
+              <p:cNvPr id="5" name="Rectangle 4"/>
+              <p:cNvSpPr/>
+              <p:nvPr/>
+            </p:nvSpPr>
+            <p:spPr>
+              <a:xfrm>
+                <a:off x="3275337" y="1063626"/>
+                <a:ext cx="71926" cy="1920240"/>
+              </a:xfrm>
+              <a:prstGeom prst="rect">
+                <a:avLst/>
+              </a:prstGeom>
+              <a:solidFill>
+                <a:schemeClr val="tx1"/>
+              </a:solidFill>
+              <a:ln w="38100">
+                <a:solidFill>
+                  <a:schemeClr val="tx1"/>
+                </a:solidFill>
+              </a:ln>
+            </p:spPr>
+            <p:style>
+              <a:lnRef idx="2">
+                <a:schemeClr val="accent1">
+                  <a:shade val="50000"/>
+                </a:schemeClr>
+              </a:lnRef>
+              <a:fillRef idx="1">
+                <a:schemeClr val="accent1"/>
+              </a:fillRef>
+              <a:effectRef idx="0">
+                <a:schemeClr val="accent1"/>
+              </a:effectRef>
+              <a:fontRef idx="minor">
+                <a:schemeClr val="lt1"/>
+              </a:fontRef>
+            </p:style>
+            <p:txBody>
+              <a:bodyPr rtlCol="0" anchor="ctr"/>
+              <a:lstStyle/>
+              <a:p>
+                <a:pPr algn="ctr"/>
+                <a:endParaRPr lang="en-US"/>
+              </a:p>
+            </p:txBody>
+          </p:sp>
+          <p:sp>
+            <p:nvSpPr>
+              <p:cNvPr id="6" name="Freeform 5"/>
+              <p:cNvSpPr/>
+              <p:nvPr/>
+            </p:nvSpPr>
+            <p:spPr>
+              <a:xfrm>
+                <a:off x="686606" y="1099217"/>
+                <a:ext cx="2560320" cy="955009"/>
+              </a:xfrm>
+              <a:custGeom>
+                <a:avLst/>
+                <a:gdLst>
+                  <a:gd name="connsiteX0" fmla="*/ 0 w 2560320"/>
+                  <a:gd name="connsiteY0" fmla="*/ 752235 h 1006380"/>
+                  <a:gd name="connsiteX1" fmla="*/ 568960 w 2560320"/>
+                  <a:gd name="connsiteY1" fmla="*/ 752235 h 1006380"/>
+                  <a:gd name="connsiteX2" fmla="*/ 873760 w 2560320"/>
+                  <a:gd name="connsiteY2" fmla="*/ 395 h 1006380"/>
+                  <a:gd name="connsiteX3" fmla="*/ 1442720 w 2560320"/>
+                  <a:gd name="connsiteY3" fmla="*/ 863995 h 1006380"/>
+                  <a:gd name="connsiteX4" fmla="*/ 2560320 w 2560320"/>
+                  <a:gd name="connsiteY4" fmla="*/ 996075 h 1006380"/>
+                  <a:gd name="connsiteX0" fmla="*/ 0 w 2540000"/>
+                  <a:gd name="connsiteY0" fmla="*/ 884328 h 1006393"/>
+                  <a:gd name="connsiteX1" fmla="*/ 548640 w 2540000"/>
+                  <a:gd name="connsiteY1" fmla="*/ 752248 h 1006393"/>
+                  <a:gd name="connsiteX2" fmla="*/ 853440 w 2540000"/>
+                  <a:gd name="connsiteY2" fmla="*/ 408 h 1006393"/>
+                  <a:gd name="connsiteX3" fmla="*/ 1422400 w 2540000"/>
+                  <a:gd name="connsiteY3" fmla="*/ 864008 h 1006393"/>
+                  <a:gd name="connsiteX4" fmla="*/ 2540000 w 2540000"/>
+                  <a:gd name="connsiteY4" fmla="*/ 996088 h 1006393"/>
+                  <a:gd name="connsiteX0" fmla="*/ 0 w 2540000"/>
+                  <a:gd name="connsiteY0" fmla="*/ 884328 h 1006393"/>
+                  <a:gd name="connsiteX1" fmla="*/ 548640 w 2540000"/>
+                  <a:gd name="connsiteY1" fmla="*/ 752248 h 1006393"/>
+                  <a:gd name="connsiteX2" fmla="*/ 853440 w 2540000"/>
+                  <a:gd name="connsiteY2" fmla="*/ 408 h 1006393"/>
+                  <a:gd name="connsiteX3" fmla="*/ 1422400 w 2540000"/>
+                  <a:gd name="connsiteY3" fmla="*/ 864008 h 1006393"/>
+                  <a:gd name="connsiteX4" fmla="*/ 2540000 w 2540000"/>
+                  <a:gd name="connsiteY4" fmla="*/ 996088 h 1006393"/>
+                  <a:gd name="connsiteX0" fmla="*/ 0 w 2540000"/>
+                  <a:gd name="connsiteY0" fmla="*/ 884036 h 1006101"/>
+                  <a:gd name="connsiteX1" fmla="*/ 599440 w 2540000"/>
+                  <a:gd name="connsiteY1" fmla="*/ 802756 h 1006101"/>
+                  <a:gd name="connsiteX2" fmla="*/ 853440 w 2540000"/>
+                  <a:gd name="connsiteY2" fmla="*/ 116 h 1006101"/>
+                  <a:gd name="connsiteX3" fmla="*/ 1422400 w 2540000"/>
+                  <a:gd name="connsiteY3" fmla="*/ 863716 h 1006101"/>
+                  <a:gd name="connsiteX4" fmla="*/ 2540000 w 2540000"/>
+                  <a:gd name="connsiteY4" fmla="*/ 995796 h 1006101"/>
+                  <a:gd name="connsiteX0" fmla="*/ 0 w 2540000"/>
+                  <a:gd name="connsiteY0" fmla="*/ 884036 h 1006101"/>
+                  <a:gd name="connsiteX1" fmla="*/ 599440 w 2540000"/>
+                  <a:gd name="connsiteY1" fmla="*/ 802756 h 1006101"/>
+                  <a:gd name="connsiteX2" fmla="*/ 853440 w 2540000"/>
+                  <a:gd name="connsiteY2" fmla="*/ 116 h 1006101"/>
+                  <a:gd name="connsiteX3" fmla="*/ 1422400 w 2540000"/>
+                  <a:gd name="connsiteY3" fmla="*/ 863716 h 1006101"/>
+                  <a:gd name="connsiteX4" fmla="*/ 2540000 w 2540000"/>
+                  <a:gd name="connsiteY4" fmla="*/ 995796 h 1006101"/>
+                  <a:gd name="connsiteX0" fmla="*/ 0 w 2540000"/>
+                  <a:gd name="connsiteY0" fmla="*/ 887640 h 1009705"/>
+                  <a:gd name="connsiteX1" fmla="*/ 599440 w 2540000"/>
+                  <a:gd name="connsiteY1" fmla="*/ 806360 h 1009705"/>
+                  <a:gd name="connsiteX2" fmla="*/ 853440 w 2540000"/>
+                  <a:gd name="connsiteY2" fmla="*/ 3720 h 1009705"/>
+                  <a:gd name="connsiteX3" fmla="*/ 1422400 w 2540000"/>
+                  <a:gd name="connsiteY3" fmla="*/ 867320 h 1009705"/>
+                  <a:gd name="connsiteX4" fmla="*/ 2540000 w 2540000"/>
+                  <a:gd name="connsiteY4" fmla="*/ 999400 h 1009705"/>
+                  <a:gd name="connsiteX0" fmla="*/ 0 w 2540000"/>
+                  <a:gd name="connsiteY0" fmla="*/ 887640 h 1000306"/>
+                  <a:gd name="connsiteX1" fmla="*/ 599440 w 2540000"/>
+                  <a:gd name="connsiteY1" fmla="*/ 806360 h 1000306"/>
+                  <a:gd name="connsiteX2" fmla="*/ 853440 w 2540000"/>
+                  <a:gd name="connsiteY2" fmla="*/ 3720 h 1000306"/>
+                  <a:gd name="connsiteX3" fmla="*/ 1422400 w 2540000"/>
+                  <a:gd name="connsiteY3" fmla="*/ 867320 h 1000306"/>
+                  <a:gd name="connsiteX4" fmla="*/ 2540000 w 2540000"/>
+                  <a:gd name="connsiteY4" fmla="*/ 999400 h 1000306"/>
+                  <a:gd name="connsiteX0" fmla="*/ 0 w 2540000"/>
+                  <a:gd name="connsiteY0" fmla="*/ 887640 h 999400"/>
+                  <a:gd name="connsiteX1" fmla="*/ 599440 w 2540000"/>
+                  <a:gd name="connsiteY1" fmla="*/ 806360 h 999400"/>
+                  <a:gd name="connsiteX2" fmla="*/ 853440 w 2540000"/>
+                  <a:gd name="connsiteY2" fmla="*/ 3720 h 999400"/>
+                  <a:gd name="connsiteX3" fmla="*/ 1422400 w 2540000"/>
+                  <a:gd name="connsiteY3" fmla="*/ 867320 h 999400"/>
+                  <a:gd name="connsiteX4" fmla="*/ 2540000 w 2540000"/>
+                  <a:gd name="connsiteY4" fmla="*/ 999400 h 999400"/>
+                  <a:gd name="connsiteX0" fmla="*/ 0 w 2560320"/>
+                  <a:gd name="connsiteY0" fmla="*/ 887640 h 928280"/>
+                  <a:gd name="connsiteX1" fmla="*/ 599440 w 2560320"/>
+                  <a:gd name="connsiteY1" fmla="*/ 806360 h 928280"/>
+                  <a:gd name="connsiteX2" fmla="*/ 853440 w 2560320"/>
+                  <a:gd name="connsiteY2" fmla="*/ 3720 h 928280"/>
+                  <a:gd name="connsiteX3" fmla="*/ 1422400 w 2560320"/>
+                  <a:gd name="connsiteY3" fmla="*/ 867320 h 928280"/>
+                  <a:gd name="connsiteX4" fmla="*/ 2560320 w 2560320"/>
+                  <a:gd name="connsiteY4" fmla="*/ 928280 h 928280"/>
+                  <a:gd name="connsiteX0" fmla="*/ 0 w 2560320"/>
+                  <a:gd name="connsiteY0" fmla="*/ 887640 h 942745"/>
+                  <a:gd name="connsiteX1" fmla="*/ 599440 w 2560320"/>
+                  <a:gd name="connsiteY1" fmla="*/ 806360 h 942745"/>
+                  <a:gd name="connsiteX2" fmla="*/ 853440 w 2560320"/>
+                  <a:gd name="connsiteY2" fmla="*/ 3720 h 942745"/>
+                  <a:gd name="connsiteX3" fmla="*/ 1422400 w 2560320"/>
+                  <a:gd name="connsiteY3" fmla="*/ 867320 h 942745"/>
+                  <a:gd name="connsiteX4" fmla="*/ 2560320 w 2560320"/>
+                  <a:gd name="connsiteY4" fmla="*/ 928280 h 942745"/>
+                  <a:gd name="connsiteX0" fmla="*/ 0 w 2560320"/>
+                  <a:gd name="connsiteY0" fmla="*/ 887640 h 955041"/>
+                  <a:gd name="connsiteX1" fmla="*/ 599440 w 2560320"/>
+                  <a:gd name="connsiteY1" fmla="*/ 806360 h 955041"/>
+                  <a:gd name="connsiteX2" fmla="*/ 853440 w 2560320"/>
+                  <a:gd name="connsiteY2" fmla="*/ 3720 h 955041"/>
+                  <a:gd name="connsiteX3" fmla="*/ 1422400 w 2560320"/>
+                  <a:gd name="connsiteY3" fmla="*/ 867320 h 955041"/>
+                  <a:gd name="connsiteX4" fmla="*/ 2560320 w 2560320"/>
+                  <a:gd name="connsiteY4" fmla="*/ 928280 h 955041"/>
+                  <a:gd name="connsiteX0" fmla="*/ 0 w 2560320"/>
+                  <a:gd name="connsiteY0" fmla="*/ 907928 h 955009"/>
+                  <a:gd name="connsiteX1" fmla="*/ 599440 w 2560320"/>
+                  <a:gd name="connsiteY1" fmla="*/ 806328 h 955009"/>
+                  <a:gd name="connsiteX2" fmla="*/ 853440 w 2560320"/>
+                  <a:gd name="connsiteY2" fmla="*/ 3688 h 955009"/>
+                  <a:gd name="connsiteX3" fmla="*/ 1422400 w 2560320"/>
+                  <a:gd name="connsiteY3" fmla="*/ 867288 h 955009"/>
+                  <a:gd name="connsiteX4" fmla="*/ 2560320 w 2560320"/>
+                  <a:gd name="connsiteY4" fmla="*/ 928248 h 955009"/>
+                </a:gdLst>
+                <a:ahLst/>
+                <a:cxnLst>
+                  <a:cxn ang="0">
+                    <a:pos x="connsiteX0" y="connsiteY0"/>
+                  </a:cxn>
+                  <a:cxn ang="0">
+                    <a:pos x="connsiteX1" y="connsiteY1"/>
+                  </a:cxn>
+                  <a:cxn ang="0">
+                    <a:pos x="connsiteX2" y="connsiteY2"/>
+                  </a:cxn>
+                  <a:cxn ang="0">
+                    <a:pos x="connsiteX3" y="connsiteY3"/>
+                  </a:cxn>
+                  <a:cxn ang="0">
+                    <a:pos x="connsiteX4" y="connsiteY4"/>
+                  </a:cxn>
+                </a:cxnLst>
+                <a:rect l="l" t="t" r="r" b="b"/>
+                <a:pathLst>
+                  <a:path w="2560320" h="955009">
+                    <a:moveTo>
+                      <a:pt x="0" y="907928"/>
+                    </a:moveTo>
+                    <a:cubicBezTo>
+                      <a:pt x="231986" y="889301"/>
+                      <a:pt x="457200" y="957035"/>
+                      <a:pt x="599440" y="806328"/>
+                    </a:cubicBezTo>
+                    <a:cubicBezTo>
+                      <a:pt x="741680" y="655621"/>
+                      <a:pt x="756920" y="-57272"/>
+                      <a:pt x="853440" y="3688"/>
+                    </a:cubicBezTo>
+                    <a:cubicBezTo>
+                      <a:pt x="949960" y="64648"/>
+                      <a:pt x="1137920" y="713195"/>
+                      <a:pt x="1422400" y="867288"/>
+                    </a:cubicBezTo>
+                    <a:cubicBezTo>
+                      <a:pt x="1706880" y="1021381"/>
+                      <a:pt x="2121746" y="924861"/>
+                      <a:pt x="2560320" y="928248"/>
+                    </a:cubicBezTo>
+                  </a:path>
+                </a:pathLst>
+              </a:custGeom>
+              <a:noFill/>
+              <a:ln w="38100">
+                <a:solidFill>
+                  <a:schemeClr val="accent4">
+                    <a:lumMod val="75000"/>
+                  </a:schemeClr>
+                </a:solidFill>
+              </a:ln>
+            </p:spPr>
+            <p:style>
+              <a:lnRef idx="2">
+                <a:schemeClr val="accent1">
+                  <a:shade val="50000"/>
+                </a:schemeClr>
+              </a:lnRef>
+              <a:fillRef idx="1">
+                <a:schemeClr val="accent1"/>
+              </a:fillRef>
+              <a:effectRef idx="0">
+                <a:schemeClr val="accent1"/>
+              </a:effectRef>
+              <a:fontRef idx="minor">
+                <a:schemeClr val="lt1"/>
+              </a:fontRef>
+            </p:style>
+            <p:txBody>
+              <a:bodyPr rtlCol="0" anchor="ctr"/>
+              <a:lstStyle/>
+              <a:p>
+                <a:pPr algn="ctr"/>
+                <a:endParaRPr lang="en-US"/>
+              </a:p>
+            </p:txBody>
+          </p:sp>
+          <p:cxnSp>
+            <p:nvCxnSpPr>
+              <p:cNvPr id="7" name="Straight Arrow Connector 6"/>
+              <p:cNvCxnSpPr/>
+              <p:nvPr/>
+            </p:nvCxnSpPr>
+            <p:spPr>
+              <a:xfrm flipV="1">
+                <a:off x="1536071" y="1099217"/>
+                <a:ext cx="859321" cy="10160"/>
+              </a:xfrm>
+              <a:prstGeom prst="straightConnector1">
+                <a:avLst/>
+              </a:prstGeom>
+              <a:ln w="38100">
+                <a:solidFill>
+                  <a:schemeClr val="tx1"/>
+                </a:solidFill>
+                <a:tailEnd type="triangle"/>
+              </a:ln>
+            </p:spPr>
+            <p:style>
+              <a:lnRef idx="1">
+                <a:schemeClr val="accent1"/>
+              </a:lnRef>
+              <a:fillRef idx="0">
+                <a:schemeClr val="accent1"/>
+              </a:fillRef>
+              <a:effectRef idx="0">
+                <a:schemeClr val="accent1"/>
+              </a:effectRef>
+              <a:fontRef idx="minor">
+                <a:schemeClr val="tx1"/>
+              </a:fontRef>
+            </p:style>
+          </p:cxnSp>
+          <p:sp>
+            <p:nvSpPr>
+              <p:cNvPr id="9" name="Rectangle 8"/>
+              <p:cNvSpPr/>
+              <p:nvPr/>
+            </p:nvSpPr>
+            <p:spPr>
+              <a:xfrm>
+                <a:off x="6728710" y="1130728"/>
+                <a:ext cx="71926" cy="1920240"/>
+              </a:xfrm>
+              <a:prstGeom prst="rect">
+                <a:avLst/>
+              </a:prstGeom>
+              <a:solidFill>
+                <a:schemeClr val="tx1"/>
+              </a:solidFill>
+              <a:ln w="38100">
+                <a:solidFill>
+                  <a:schemeClr val="tx1"/>
+                </a:solidFill>
+              </a:ln>
+            </p:spPr>
+            <p:style>
+              <a:lnRef idx="2">
+                <a:schemeClr val="accent1">
+                  <a:shade val="50000"/>
+                </a:schemeClr>
+              </a:lnRef>
+              <a:fillRef idx="1">
+                <a:schemeClr val="accent1"/>
+              </a:fillRef>
+              <a:effectRef idx="0">
+                <a:schemeClr val="accent1"/>
+              </a:effectRef>
+              <a:fontRef idx="minor">
+                <a:schemeClr val="lt1"/>
+              </a:fontRef>
+            </p:style>
+            <p:txBody>
+              <a:bodyPr rtlCol="0" anchor="ctr"/>
+              <a:lstStyle/>
+              <a:p>
+                <a:pPr algn="ctr"/>
+                <a:endParaRPr lang="en-US"/>
+              </a:p>
+            </p:txBody>
+          </p:sp>
+          <p:sp>
+            <p:nvSpPr>
+              <p:cNvPr id="10" name="Freeform 9"/>
+              <p:cNvSpPr/>
+              <p:nvPr/>
+            </p:nvSpPr>
+            <p:spPr>
+              <a:xfrm flipH="1" flipV="1">
+                <a:off x="4125768" y="2028997"/>
+                <a:ext cx="2586743" cy="973454"/>
+              </a:xfrm>
+              <a:custGeom>
+                <a:avLst/>
+                <a:gdLst>
+                  <a:gd name="connsiteX0" fmla="*/ 0 w 2560320"/>
+                  <a:gd name="connsiteY0" fmla="*/ 752235 h 1006380"/>
+                  <a:gd name="connsiteX1" fmla="*/ 568960 w 2560320"/>
+                  <a:gd name="connsiteY1" fmla="*/ 752235 h 1006380"/>
+                  <a:gd name="connsiteX2" fmla="*/ 873760 w 2560320"/>
+                  <a:gd name="connsiteY2" fmla="*/ 395 h 1006380"/>
+                  <a:gd name="connsiteX3" fmla="*/ 1442720 w 2560320"/>
+                  <a:gd name="connsiteY3" fmla="*/ 863995 h 1006380"/>
+                  <a:gd name="connsiteX4" fmla="*/ 2560320 w 2560320"/>
+                  <a:gd name="connsiteY4" fmla="*/ 996075 h 1006380"/>
+                  <a:gd name="connsiteX0" fmla="*/ 0 w 2540000"/>
+                  <a:gd name="connsiteY0" fmla="*/ 884328 h 1006393"/>
+                  <a:gd name="connsiteX1" fmla="*/ 548640 w 2540000"/>
+                  <a:gd name="connsiteY1" fmla="*/ 752248 h 1006393"/>
+                  <a:gd name="connsiteX2" fmla="*/ 853440 w 2540000"/>
+                  <a:gd name="connsiteY2" fmla="*/ 408 h 1006393"/>
+                  <a:gd name="connsiteX3" fmla="*/ 1422400 w 2540000"/>
+                  <a:gd name="connsiteY3" fmla="*/ 864008 h 1006393"/>
+                  <a:gd name="connsiteX4" fmla="*/ 2540000 w 2540000"/>
+                  <a:gd name="connsiteY4" fmla="*/ 996088 h 1006393"/>
+                  <a:gd name="connsiteX0" fmla="*/ 0 w 2540000"/>
+                  <a:gd name="connsiteY0" fmla="*/ 884328 h 1006393"/>
+                  <a:gd name="connsiteX1" fmla="*/ 548640 w 2540000"/>
+                  <a:gd name="connsiteY1" fmla="*/ 752248 h 1006393"/>
+                  <a:gd name="connsiteX2" fmla="*/ 853440 w 2540000"/>
+                  <a:gd name="connsiteY2" fmla="*/ 408 h 1006393"/>
+                  <a:gd name="connsiteX3" fmla="*/ 1422400 w 2540000"/>
+                  <a:gd name="connsiteY3" fmla="*/ 864008 h 1006393"/>
+                  <a:gd name="connsiteX4" fmla="*/ 2540000 w 2540000"/>
+                  <a:gd name="connsiteY4" fmla="*/ 996088 h 1006393"/>
+                  <a:gd name="connsiteX0" fmla="*/ 0 w 2540000"/>
+                  <a:gd name="connsiteY0" fmla="*/ 884036 h 1006101"/>
+                  <a:gd name="connsiteX1" fmla="*/ 599440 w 2540000"/>
+                  <a:gd name="connsiteY1" fmla="*/ 802756 h 1006101"/>
+                  <a:gd name="connsiteX2" fmla="*/ 853440 w 2540000"/>
+                  <a:gd name="connsiteY2" fmla="*/ 116 h 1006101"/>
+                  <a:gd name="connsiteX3" fmla="*/ 1422400 w 2540000"/>
+                  <a:gd name="connsiteY3" fmla="*/ 863716 h 1006101"/>
+                  <a:gd name="connsiteX4" fmla="*/ 2540000 w 2540000"/>
+                  <a:gd name="connsiteY4" fmla="*/ 995796 h 1006101"/>
+                  <a:gd name="connsiteX0" fmla="*/ 0 w 2540000"/>
+                  <a:gd name="connsiteY0" fmla="*/ 884036 h 1006101"/>
+                  <a:gd name="connsiteX1" fmla="*/ 599440 w 2540000"/>
+                  <a:gd name="connsiteY1" fmla="*/ 802756 h 1006101"/>
+                  <a:gd name="connsiteX2" fmla="*/ 853440 w 2540000"/>
+                  <a:gd name="connsiteY2" fmla="*/ 116 h 1006101"/>
+                  <a:gd name="connsiteX3" fmla="*/ 1422400 w 2540000"/>
+                  <a:gd name="connsiteY3" fmla="*/ 863716 h 1006101"/>
+                  <a:gd name="connsiteX4" fmla="*/ 2540000 w 2540000"/>
+                  <a:gd name="connsiteY4" fmla="*/ 995796 h 1006101"/>
+                  <a:gd name="connsiteX0" fmla="*/ 0 w 2540000"/>
+                  <a:gd name="connsiteY0" fmla="*/ 887640 h 1009705"/>
+                  <a:gd name="connsiteX1" fmla="*/ 599440 w 2540000"/>
+                  <a:gd name="connsiteY1" fmla="*/ 806360 h 1009705"/>
+                  <a:gd name="connsiteX2" fmla="*/ 853440 w 2540000"/>
+                  <a:gd name="connsiteY2" fmla="*/ 3720 h 1009705"/>
+                  <a:gd name="connsiteX3" fmla="*/ 1422400 w 2540000"/>
+                  <a:gd name="connsiteY3" fmla="*/ 867320 h 1009705"/>
+                  <a:gd name="connsiteX4" fmla="*/ 2540000 w 2540000"/>
+                  <a:gd name="connsiteY4" fmla="*/ 999400 h 1009705"/>
+                  <a:gd name="connsiteX0" fmla="*/ 0 w 2540000"/>
+                  <a:gd name="connsiteY0" fmla="*/ 887640 h 1000306"/>
+                  <a:gd name="connsiteX1" fmla="*/ 599440 w 2540000"/>
+                  <a:gd name="connsiteY1" fmla="*/ 806360 h 1000306"/>
+                  <a:gd name="connsiteX2" fmla="*/ 853440 w 2540000"/>
+                  <a:gd name="connsiteY2" fmla="*/ 3720 h 1000306"/>
+                  <a:gd name="connsiteX3" fmla="*/ 1422400 w 2540000"/>
+                  <a:gd name="connsiteY3" fmla="*/ 867320 h 1000306"/>
+                  <a:gd name="connsiteX4" fmla="*/ 2540000 w 2540000"/>
+                  <a:gd name="connsiteY4" fmla="*/ 999400 h 1000306"/>
+                  <a:gd name="connsiteX0" fmla="*/ 0 w 2540000"/>
+                  <a:gd name="connsiteY0" fmla="*/ 887640 h 999400"/>
+                  <a:gd name="connsiteX1" fmla="*/ 599440 w 2540000"/>
+                  <a:gd name="connsiteY1" fmla="*/ 806360 h 999400"/>
+                  <a:gd name="connsiteX2" fmla="*/ 853440 w 2540000"/>
+                  <a:gd name="connsiteY2" fmla="*/ 3720 h 999400"/>
+                  <a:gd name="connsiteX3" fmla="*/ 1422400 w 2540000"/>
+                  <a:gd name="connsiteY3" fmla="*/ 867320 h 999400"/>
+                  <a:gd name="connsiteX4" fmla="*/ 2540000 w 2540000"/>
+                  <a:gd name="connsiteY4" fmla="*/ 999400 h 999400"/>
+                  <a:gd name="connsiteX0" fmla="*/ 0 w 2560320"/>
+                  <a:gd name="connsiteY0" fmla="*/ 887640 h 928280"/>
+                  <a:gd name="connsiteX1" fmla="*/ 599440 w 2560320"/>
+                  <a:gd name="connsiteY1" fmla="*/ 806360 h 928280"/>
+                  <a:gd name="connsiteX2" fmla="*/ 853440 w 2560320"/>
+                  <a:gd name="connsiteY2" fmla="*/ 3720 h 928280"/>
+                  <a:gd name="connsiteX3" fmla="*/ 1422400 w 2560320"/>
+                  <a:gd name="connsiteY3" fmla="*/ 867320 h 928280"/>
+                  <a:gd name="connsiteX4" fmla="*/ 2560320 w 2560320"/>
+                  <a:gd name="connsiteY4" fmla="*/ 928280 h 928280"/>
+                  <a:gd name="connsiteX0" fmla="*/ 0 w 2560320"/>
+                  <a:gd name="connsiteY0" fmla="*/ 887640 h 942745"/>
+                  <a:gd name="connsiteX1" fmla="*/ 599440 w 2560320"/>
+                  <a:gd name="connsiteY1" fmla="*/ 806360 h 942745"/>
+                  <a:gd name="connsiteX2" fmla="*/ 853440 w 2560320"/>
+                  <a:gd name="connsiteY2" fmla="*/ 3720 h 942745"/>
+                  <a:gd name="connsiteX3" fmla="*/ 1422400 w 2560320"/>
+                  <a:gd name="connsiteY3" fmla="*/ 867320 h 942745"/>
+                  <a:gd name="connsiteX4" fmla="*/ 2560320 w 2560320"/>
+                  <a:gd name="connsiteY4" fmla="*/ 928280 h 942745"/>
+                  <a:gd name="connsiteX0" fmla="*/ 0 w 2560320"/>
+                  <a:gd name="connsiteY0" fmla="*/ 887640 h 955041"/>
+                  <a:gd name="connsiteX1" fmla="*/ 599440 w 2560320"/>
+                  <a:gd name="connsiteY1" fmla="*/ 806360 h 955041"/>
+                  <a:gd name="connsiteX2" fmla="*/ 853440 w 2560320"/>
+                  <a:gd name="connsiteY2" fmla="*/ 3720 h 955041"/>
+                  <a:gd name="connsiteX3" fmla="*/ 1422400 w 2560320"/>
+                  <a:gd name="connsiteY3" fmla="*/ 867320 h 955041"/>
+                  <a:gd name="connsiteX4" fmla="*/ 2560320 w 2560320"/>
+                  <a:gd name="connsiteY4" fmla="*/ 928280 h 955041"/>
+                  <a:gd name="connsiteX0" fmla="*/ 0 w 2560320"/>
+                  <a:gd name="connsiteY0" fmla="*/ 907928 h 955009"/>
+                  <a:gd name="connsiteX1" fmla="*/ 599440 w 2560320"/>
+                  <a:gd name="connsiteY1" fmla="*/ 806328 h 955009"/>
+                  <a:gd name="connsiteX2" fmla="*/ 853440 w 2560320"/>
+                  <a:gd name="connsiteY2" fmla="*/ 3688 h 955009"/>
+                  <a:gd name="connsiteX3" fmla="*/ 1422400 w 2560320"/>
+                  <a:gd name="connsiteY3" fmla="*/ 867288 h 955009"/>
+                  <a:gd name="connsiteX4" fmla="*/ 2560320 w 2560320"/>
+                  <a:gd name="connsiteY4" fmla="*/ 928248 h 955009"/>
+                </a:gdLst>
+                <a:ahLst/>
+                <a:cxnLst>
+                  <a:cxn ang="0">
+                    <a:pos x="connsiteX0" y="connsiteY0"/>
+                  </a:cxn>
+                  <a:cxn ang="0">
+                    <a:pos x="connsiteX1" y="connsiteY1"/>
+                  </a:cxn>
+                  <a:cxn ang="0">
+                    <a:pos x="connsiteX2" y="connsiteY2"/>
+                  </a:cxn>
+                  <a:cxn ang="0">
+                    <a:pos x="connsiteX3" y="connsiteY3"/>
+                  </a:cxn>
+                  <a:cxn ang="0">
+                    <a:pos x="connsiteX4" y="connsiteY4"/>
+                  </a:cxn>
+                </a:cxnLst>
+                <a:rect l="l" t="t" r="r" b="b"/>
+                <a:pathLst>
+                  <a:path w="2560320" h="955009">
+                    <a:moveTo>
+                      <a:pt x="0" y="907928"/>
+                    </a:moveTo>
+                    <a:cubicBezTo>
+                      <a:pt x="231986" y="889301"/>
+                      <a:pt x="457200" y="957035"/>
+                      <a:pt x="599440" y="806328"/>
+                    </a:cubicBezTo>
+                    <a:cubicBezTo>
+                      <a:pt x="741680" y="655621"/>
+                      <a:pt x="756920" y="-57272"/>
+                      <a:pt x="853440" y="3688"/>
+                    </a:cubicBezTo>
+                    <a:cubicBezTo>
+                      <a:pt x="949960" y="64648"/>
+                      <a:pt x="1137920" y="713195"/>
+                      <a:pt x="1422400" y="867288"/>
+                    </a:cubicBezTo>
+                    <a:cubicBezTo>
+                      <a:pt x="1706880" y="1021381"/>
+                      <a:pt x="2121746" y="924861"/>
+                      <a:pt x="2560320" y="928248"/>
+                    </a:cubicBezTo>
+                  </a:path>
+                </a:pathLst>
+              </a:custGeom>
+              <a:noFill/>
+              <a:ln w="38100">
+                <a:solidFill>
+                  <a:schemeClr val="accent4">
+                    <a:lumMod val="75000"/>
+                  </a:schemeClr>
+                </a:solidFill>
+              </a:ln>
+            </p:spPr>
+            <p:style>
+              <a:lnRef idx="2">
+                <a:schemeClr val="accent1">
+                  <a:shade val="50000"/>
+                </a:schemeClr>
+              </a:lnRef>
+              <a:fillRef idx="1">
+                <a:schemeClr val="accent1"/>
+              </a:fillRef>
+              <a:effectRef idx="0">
+                <a:schemeClr val="accent1"/>
+              </a:effectRef>
+              <a:fontRef idx="minor">
+                <a:schemeClr val="lt1"/>
+              </a:fontRef>
+            </p:style>
+            <p:txBody>
+              <a:bodyPr rtlCol="0" anchor="ctr"/>
+              <a:lstStyle/>
+              <a:p>
+                <a:pPr algn="ctr"/>
+                <a:endParaRPr lang="en-US"/>
+              </a:p>
+            </p:txBody>
+          </p:sp>
+          <p:cxnSp>
+            <p:nvCxnSpPr>
+              <p:cNvPr id="11" name="Straight Arrow Connector 10"/>
+              <p:cNvCxnSpPr/>
+              <p:nvPr/>
+            </p:nvCxnSpPr>
+            <p:spPr>
+              <a:xfrm flipH="1" flipV="1">
+                <a:off x="3474720" y="1371600"/>
+                <a:ext cx="4454" cy="652146"/>
+              </a:xfrm>
+              <a:prstGeom prst="straightConnector1">
+                <a:avLst/>
+              </a:prstGeom>
+              <a:ln w="38100">
+                <a:solidFill>
+                  <a:schemeClr val="tx1"/>
+                </a:solidFill>
+                <a:tailEnd type="triangle"/>
+              </a:ln>
+            </p:spPr>
+            <p:style>
+              <a:lnRef idx="1">
+                <a:schemeClr val="accent1"/>
+              </a:lnRef>
+              <a:fillRef idx="0">
+                <a:schemeClr val="accent1"/>
+              </a:fillRef>
+              <a:effectRef idx="0">
+                <a:schemeClr val="accent1"/>
+              </a:effectRef>
+              <a:fontRef idx="minor">
+                <a:schemeClr val="tx1"/>
+              </a:fontRef>
+            </p:style>
+          </p:cxnSp>
+          <p:cxnSp>
+            <p:nvCxnSpPr>
+              <p:cNvPr id="14" name="Straight Arrow Connector 13"/>
+              <p:cNvCxnSpPr/>
+              <p:nvPr/>
+            </p:nvCxnSpPr>
+            <p:spPr>
+              <a:xfrm flipH="1" flipV="1">
+                <a:off x="5023253" y="2992960"/>
+                <a:ext cx="859320" cy="3174"/>
+              </a:xfrm>
+              <a:prstGeom prst="straightConnector1">
+                <a:avLst/>
+              </a:prstGeom>
+              <a:ln w="38100">
+                <a:solidFill>
+                  <a:schemeClr val="tx1"/>
+                </a:solidFill>
+                <a:tailEnd type="triangle"/>
+              </a:ln>
+            </p:spPr>
+            <p:style>
+              <a:lnRef idx="1">
+                <a:schemeClr val="accent1"/>
+              </a:lnRef>
+              <a:fillRef idx="0">
+                <a:schemeClr val="accent1"/>
+              </a:fillRef>
+              <a:effectRef idx="0">
+                <a:schemeClr val="accent1"/>
+              </a:effectRef>
+              <a:fontRef idx="minor">
+                <a:schemeClr val="tx1"/>
+              </a:fontRef>
+            </p:style>
+          </p:cxnSp>
+          <mc:AlternateContent xmlns:mc="http://schemas.openxmlformats.org/markup-compatibility/2006">
+            <mc:Choice xmlns:a14="http://schemas.microsoft.com/office/drawing/2010/main" Requires="a14">
+              <p:sp>
+                <p:nvSpPr>
+                  <p:cNvPr id="19" name="TextBox 18"/>
+                  <p:cNvSpPr txBox="1"/>
+                  <p:nvPr/>
+                </p:nvSpPr>
+                <p:spPr>
+                  <a:xfrm>
+                    <a:off x="3502613" y="1063626"/>
+                    <a:ext cx="1171795" cy="376898"/>
+                  </a:xfrm>
+                  <a:prstGeom prst="rect">
+                    <a:avLst/>
+                  </a:prstGeom>
+                  <a:noFill/>
+                </p:spPr>
+                <p:txBody>
+                  <a:bodyPr wrap="none" lIns="0" tIns="0" rIns="0" bIns="0" rtlCol="0">
+                    <a:spAutoFit/>
+                  </a:bodyPr>
+                  <a:lstStyle/>
+                  <a:p>
+                    <a14:m>
+                      <m:oMathPara xmlns:m="http://schemas.openxmlformats.org/officeDocument/2006/math">
+                        <m:oMathParaPr>
+                          <m:jc m:val="centerGroup"/>
+                        </m:oMathParaPr>
+                        <m:oMath xmlns:m="http://schemas.openxmlformats.org/officeDocument/2006/math">
+                          <m:sSub>
+                            <m:sSubPr>
+                              <m:ctrlPr>
+                                <a:rPr lang="en-US" sz="2000" b="0" i="1" smtClean="0">
+                                  <a:latin typeface="Cambria Math" panose="02040503050406030204" pitchFamily="18" charset="0"/>
+                                  <a:cs typeface="Arial" panose="020B0604020202020204" pitchFamily="34" charset="0"/>
+                                </a:rPr>
+                              </m:ctrlPr>
+                            </m:sSubPr>
+                            <m:e>
+                              <m:acc>
+                                <m:accPr>
+                                  <m:chr m:val="⃗"/>
+                                  <m:ctrlPr>
+                                    <a:rPr lang="en-US" sz="2000" b="0" i="1" smtClean="0">
+                                      <a:latin typeface="Cambria Math" panose="02040503050406030204" pitchFamily="18" charset="0"/>
+                                      <a:cs typeface="Arial" panose="020B0604020202020204" pitchFamily="34" charset="0"/>
+                                    </a:rPr>
+                                  </m:ctrlPr>
+                                </m:accPr>
+                                <m:e>
+                                  <m:r>
+                                    <a:rPr lang="en-US" sz="2000" b="0" i="1" smtClean="0">
+                                      <a:latin typeface="Cambria Math" panose="02040503050406030204" pitchFamily="18" charset="0"/>
+                                      <a:cs typeface="Arial" panose="020B0604020202020204" pitchFamily="34" charset="0"/>
+                                    </a:rPr>
+                                    <m:t>𝐹</m:t>
+                                  </m:r>
+                                </m:e>
+                              </m:acc>
+                            </m:e>
+                            <m:sub>
+                              <m:r>
+                                <a:rPr lang="en-US" sz="2000" b="0" i="1" smtClean="0">
+                                  <a:latin typeface="Cambria Math" panose="02040503050406030204" pitchFamily="18" charset="0"/>
+                                  <a:cs typeface="Arial" panose="020B0604020202020204" pitchFamily="34" charset="0"/>
+                                </a:rPr>
+                                <m:t>𝑓𝑟𝑜𝑚</m:t>
+                              </m:r>
+                              <m:r>
+                                <a:rPr lang="en-US" sz="2000" b="0" i="1" smtClean="0">
+                                  <a:latin typeface="Cambria Math" panose="02040503050406030204" pitchFamily="18" charset="0"/>
+                                  <a:cs typeface="Arial" panose="020B0604020202020204" pitchFamily="34" charset="0"/>
+                                </a:rPr>
+                                <m:t> </m:t>
+                              </m:r>
+                              <m:r>
+                                <a:rPr lang="en-US" sz="2000" b="0" i="1" smtClean="0">
+                                  <a:latin typeface="Cambria Math" panose="02040503050406030204" pitchFamily="18" charset="0"/>
+                                  <a:cs typeface="Arial" panose="020B0604020202020204" pitchFamily="34" charset="0"/>
+                                </a:rPr>
+                                <m:t>𝑟𝑜𝑝𝑒</m:t>
+                              </m:r>
+                            </m:sub>
+                          </m:sSub>
+                        </m:oMath>
+                      </m:oMathPara>
+                    </a14:m>
+                    <a:endParaRPr lang="en-US" sz="2000" dirty="0" smtClean="0">
+                      <a:latin typeface="Arial" panose="020B0604020202020204" pitchFamily="34" charset="0"/>
+                      <a:cs typeface="Arial" panose="020B0604020202020204" pitchFamily="34" charset="0"/>
+                    </a:endParaRPr>
+                  </a:p>
+                </p:txBody>
+              </p:sp>
+            </mc:Choice>
+            <mc:Fallback>
+              <p:sp>
+                <p:nvSpPr>
+                  <p:cNvPr id="19" name="TextBox 18"/>
+                  <p:cNvSpPr txBox="1">
+                    <a:spLocks noRot="1" noChangeAspect="1" noMove="1" noResize="1" noEditPoints="1" noAdjustHandles="1" noChangeArrowheads="1" noChangeShapeType="1" noTextEdit="1"/>
+                  </p:cNvSpPr>
+                  <p:nvPr/>
+                </p:nvSpPr>
+                <p:spPr>
+                  <a:xfrm>
+                    <a:off x="3502613" y="1063626"/>
+                    <a:ext cx="1171795" cy="376898"/>
+                  </a:xfrm>
+                  <a:prstGeom prst="rect">
+                    <a:avLst/>
+                  </a:prstGeom>
+                  <a:blipFill>
+                    <a:blip r:embed="rId4"/>
+                    <a:stretch>
+                      <a:fillRect l="-4167" t="-30645" r="-1563" b="-22581"/>
+                    </a:stretch>
+                  </a:blipFill>
+                </p:spPr>
+                <p:txBody>
+                  <a:bodyPr/>
+                  <a:lstStyle/>
+                  <a:p>
+                    <a:r>
+                      <a:rPr lang="en-US">
+                        <a:noFill/>
+                      </a:rPr>
+                      <a:t> </a:t>
+                    </a:r>
+                  </a:p>
+                </p:txBody>
+              </p:sp>
+            </mc:Fallback>
+          </mc:AlternateContent>
+          <mc:AlternateContent xmlns:mc="http://schemas.openxmlformats.org/markup-compatibility/2006">
+            <mc:Choice xmlns:a14="http://schemas.microsoft.com/office/drawing/2010/main" Requires="a14">
+              <p:sp>
+                <p:nvSpPr>
+                  <p:cNvPr id="20" name="TextBox 19"/>
+                  <p:cNvSpPr txBox="1"/>
+                  <p:nvPr/>
+                </p:nvSpPr>
+                <p:spPr>
+                  <a:xfrm>
+                    <a:off x="3529094" y="2606968"/>
+                    <a:ext cx="1145314" cy="376898"/>
+                  </a:xfrm>
+                  <a:prstGeom prst="rect">
+                    <a:avLst/>
+                  </a:prstGeom>
+                  <a:noFill/>
+                </p:spPr>
+                <p:txBody>
+                  <a:bodyPr wrap="none" lIns="0" tIns="0" rIns="0" bIns="0" rtlCol="0">
+                    <a:spAutoFit/>
+                  </a:bodyPr>
+                  <a:lstStyle/>
+                  <a:p>
+                    <a14:m>
+                      <m:oMathPara xmlns:m="http://schemas.openxmlformats.org/officeDocument/2006/math">
+                        <m:oMathParaPr>
+                          <m:jc m:val="centerGroup"/>
+                        </m:oMathParaPr>
+                        <m:oMath xmlns:m="http://schemas.openxmlformats.org/officeDocument/2006/math">
+                          <m:sSub>
+                            <m:sSubPr>
+                              <m:ctrlPr>
+                                <a:rPr lang="en-US" sz="2000" b="0" i="1" smtClean="0">
+                                  <a:latin typeface="Cambria Math" panose="02040503050406030204" pitchFamily="18" charset="0"/>
+                                  <a:cs typeface="Arial" panose="020B0604020202020204" pitchFamily="34" charset="0"/>
+                                </a:rPr>
+                              </m:ctrlPr>
+                            </m:sSubPr>
+                            <m:e>
+                              <m:acc>
+                                <m:accPr>
+                                  <m:chr m:val="⃗"/>
+                                  <m:ctrlPr>
+                                    <a:rPr lang="en-US" sz="2000" b="0" i="1" smtClean="0">
+                                      <a:latin typeface="Cambria Math" panose="02040503050406030204" pitchFamily="18" charset="0"/>
+                                      <a:cs typeface="Arial" panose="020B0604020202020204" pitchFamily="34" charset="0"/>
+                                    </a:rPr>
+                                  </m:ctrlPr>
+                                </m:accPr>
+                                <m:e>
+                                  <m:r>
+                                    <a:rPr lang="en-US" sz="2000" b="0" i="1" smtClean="0">
+                                      <a:latin typeface="Cambria Math" panose="02040503050406030204" pitchFamily="18" charset="0"/>
+                                      <a:cs typeface="Arial" panose="020B0604020202020204" pitchFamily="34" charset="0"/>
+                                    </a:rPr>
+                                    <m:t>𝐹</m:t>
+                                  </m:r>
+                                </m:e>
+                              </m:acc>
+                            </m:e>
+                            <m:sub>
+                              <m:r>
+                                <a:rPr lang="en-US" sz="2000" b="0" i="1" smtClean="0">
+                                  <a:latin typeface="Cambria Math" panose="02040503050406030204" pitchFamily="18" charset="0"/>
+                                  <a:cs typeface="Arial" panose="020B0604020202020204" pitchFamily="34" charset="0"/>
+                                </a:rPr>
+                                <m:t>𝑓𝑟𝑜𝑚</m:t>
+                              </m:r>
+                              <m:r>
+                                <a:rPr lang="en-US" sz="2000" b="0" i="1" smtClean="0">
+                                  <a:latin typeface="Cambria Math" panose="02040503050406030204" pitchFamily="18" charset="0"/>
+                                  <a:cs typeface="Arial" panose="020B0604020202020204" pitchFamily="34" charset="0"/>
+                                </a:rPr>
+                                <m:t> </m:t>
+                              </m:r>
+                              <m:r>
+                                <a:rPr lang="en-US" sz="2000" b="0" i="1" smtClean="0">
+                                  <a:latin typeface="Cambria Math" panose="02040503050406030204" pitchFamily="18" charset="0"/>
+                                  <a:cs typeface="Arial" panose="020B0604020202020204" pitchFamily="34" charset="0"/>
+                                </a:rPr>
+                                <m:t>𝑤𝑎𝑙𝑙</m:t>
+                              </m:r>
+                            </m:sub>
+                          </m:sSub>
+                        </m:oMath>
+                      </m:oMathPara>
+                    </a14:m>
+                    <a:endParaRPr lang="en-US" sz="2000" dirty="0" smtClean="0">
+                      <a:latin typeface="Arial" panose="020B0604020202020204" pitchFamily="34" charset="0"/>
+                      <a:cs typeface="Arial" panose="020B0604020202020204" pitchFamily="34" charset="0"/>
+                    </a:endParaRPr>
+                  </a:p>
+                </p:txBody>
+              </p:sp>
+            </mc:Choice>
+            <mc:Fallback>
+              <p:sp>
+                <p:nvSpPr>
+                  <p:cNvPr id="20" name="TextBox 19"/>
+                  <p:cNvSpPr txBox="1">
+                    <a:spLocks noRot="1" noChangeAspect="1" noMove="1" noResize="1" noEditPoints="1" noAdjustHandles="1" noChangeArrowheads="1" noChangeShapeType="1" noTextEdit="1"/>
+                  </p:cNvSpPr>
+                  <p:nvPr/>
+                </p:nvSpPr>
+                <p:spPr>
+                  <a:xfrm>
+                    <a:off x="3529094" y="2606968"/>
+                    <a:ext cx="1145314" cy="376898"/>
+                  </a:xfrm>
+                  <a:prstGeom prst="rect">
+                    <a:avLst/>
+                  </a:prstGeom>
+                  <a:blipFill>
+                    <a:blip r:embed="rId5"/>
+                    <a:stretch>
+                      <a:fillRect l="-3723" t="-30645" r="-1064" b="-22581"/>
+                    </a:stretch>
+                  </a:blipFill>
+                </p:spPr>
+                <p:txBody>
+                  <a:bodyPr/>
+                  <a:lstStyle/>
+                  <a:p>
+                    <a:r>
+                      <a:rPr lang="en-US">
+                        <a:noFill/>
+                      </a:rPr>
+                      <a:t> </a:t>
+                    </a:r>
+                  </a:p>
+                </p:txBody>
+              </p:sp>
+            </mc:Fallback>
+          </mc:AlternateContent>
+          <p:cxnSp>
+            <p:nvCxnSpPr>
+              <p:cNvPr id="21" name="Straight Arrow Connector 20"/>
+              <p:cNvCxnSpPr/>
+              <p:nvPr/>
+            </p:nvCxnSpPr>
+            <p:spPr>
+              <a:xfrm>
+                <a:off x="3484956" y="2054226"/>
+                <a:ext cx="1824" cy="672002"/>
+              </a:xfrm>
+              <a:prstGeom prst="straightConnector1">
+                <a:avLst/>
+              </a:prstGeom>
+              <a:ln w="38100">
+                <a:solidFill>
+                  <a:schemeClr val="tx1"/>
+                </a:solidFill>
+                <a:tailEnd type="triangle"/>
+              </a:ln>
+            </p:spPr>
+            <p:style>
+              <a:lnRef idx="1">
+                <a:schemeClr val="accent1"/>
+              </a:lnRef>
+              <a:fillRef idx="0">
+                <a:schemeClr val="accent1"/>
+              </a:fillRef>
+              <a:effectRef idx="0">
+                <a:schemeClr val="accent1"/>
+              </a:effectRef>
+              <a:fontRef idx="minor">
+                <a:schemeClr val="tx1"/>
+              </a:fontRef>
+            </p:style>
+          </p:cxnSp>
+        </p:grpSp>
+        <mc:AlternateContent xmlns:mc="http://schemas.openxmlformats.org/markup-compatibility/2006">
+          <mc:Choice xmlns:a14="http://schemas.microsoft.com/office/drawing/2010/main" Requires="a14">
+            <p:sp>
+              <p:nvSpPr>
+                <p:cNvPr id="60" name="TextBox 59"/>
+                <p:cNvSpPr txBox="1"/>
+                <p:nvPr/>
+              </p:nvSpPr>
+              <p:spPr>
+                <a:xfrm>
+                  <a:off x="959472" y="1984560"/>
+                  <a:ext cx="1029256" cy="307777"/>
+                </a:xfrm>
+                <a:prstGeom prst="rect">
+                  <a:avLst/>
+                </a:prstGeom>
+                <a:noFill/>
+              </p:spPr>
+              <p:txBody>
+                <a:bodyPr wrap="none" lIns="0" tIns="0" rIns="0" bIns="0" rtlCol="0">
+                  <a:spAutoFit/>
+                </a:bodyPr>
+                <a:lstStyle/>
+                <a:p>
+                  <a14:m>
+                    <m:oMathPara xmlns:m="http://schemas.openxmlformats.org/officeDocument/2006/math">
+                      <m:oMathParaPr>
+                        <m:jc m:val="centerGroup"/>
+                      </m:oMathParaPr>
+                      <m:oMath xmlns:m="http://schemas.openxmlformats.org/officeDocument/2006/math">
+                        <m:r>
+                          <a:rPr lang="en-US" sz="2000" b="0" i="1" smtClean="0">
+                            <a:latin typeface="Cambria Math" panose="02040503050406030204" pitchFamily="18" charset="0"/>
+                            <a:cs typeface="Arial" panose="020B0604020202020204" pitchFamily="34" charset="0"/>
+                          </a:rPr>
+                          <m:t>𝑜𝑟𝑖𝑔𝑖𝑛𝑎𝑙</m:t>
+                        </m:r>
+                      </m:oMath>
+                    </m:oMathPara>
+                  </a14:m>
+                  <a:endParaRPr lang="en-US" sz="2000" dirty="0" smtClean="0">
+                    <a:latin typeface="Arial" panose="020B0604020202020204" pitchFamily="34" charset="0"/>
+                    <a:cs typeface="Arial" panose="020B0604020202020204" pitchFamily="34" charset="0"/>
+                  </a:endParaRPr>
+                </a:p>
+              </p:txBody>
+            </p:sp>
+          </mc:Choice>
+          <mc:Fallback>
+            <p:sp>
+              <p:nvSpPr>
+                <p:cNvPr id="60" name="TextBox 59"/>
+                <p:cNvSpPr txBox="1">
+                  <a:spLocks noRot="1" noChangeAspect="1" noMove="1" noResize="1" noEditPoints="1" noAdjustHandles="1" noChangeArrowheads="1" noChangeShapeType="1" noTextEdit="1"/>
+                </p:cNvSpPr>
+                <p:nvPr/>
+              </p:nvSpPr>
+              <p:spPr>
+                <a:xfrm>
+                  <a:off x="959472" y="1984560"/>
+                  <a:ext cx="1029256" cy="307777"/>
+                </a:xfrm>
+                <a:prstGeom prst="rect">
+                  <a:avLst/>
+                </a:prstGeom>
+                <a:blipFill>
+                  <a:blip r:embed="rId6"/>
+                  <a:stretch>
+                    <a:fillRect l="-7101" r="-7101" b="-38000"/>
+                  </a:stretch>
+                </a:blipFill>
+              </p:spPr>
+              <p:txBody>
+                <a:bodyPr/>
+                <a:lstStyle/>
+                <a:p>
+                  <a:r>
+                    <a:rPr lang="en-US">
+                      <a:noFill/>
+                    </a:rPr>
+                    <a:t> </a:t>
+                  </a:r>
+                </a:p>
+              </p:txBody>
+            </p:sp>
+          </mc:Fallback>
+        </mc:AlternateContent>
+        <mc:AlternateContent xmlns:mc="http://schemas.openxmlformats.org/markup-compatibility/2006">
+          <mc:Choice xmlns:a14="http://schemas.microsoft.com/office/drawing/2010/main" Requires="a14">
+            <p:sp>
+              <p:nvSpPr>
+                <p:cNvPr id="61" name="TextBox 60"/>
+                <p:cNvSpPr txBox="1"/>
+                <p:nvPr/>
+              </p:nvSpPr>
+              <p:spPr>
+                <a:xfrm>
+                  <a:off x="4939612" y="975792"/>
+                  <a:ext cx="1193632" cy="307777"/>
+                </a:xfrm>
+                <a:prstGeom prst="rect">
+                  <a:avLst/>
+                </a:prstGeom>
+                <a:noFill/>
+              </p:spPr>
+              <p:txBody>
+                <a:bodyPr wrap="square" lIns="0" tIns="0" rIns="0" bIns="0" rtlCol="0">
+                  <a:spAutoFit/>
+                </a:bodyPr>
+                <a:lstStyle/>
+                <a:p>
+                  <a14:m>
+                    <m:oMathPara xmlns:m="http://schemas.openxmlformats.org/officeDocument/2006/math">
+                      <m:oMathParaPr>
+                        <m:jc m:val="centerGroup"/>
+                      </m:oMathParaPr>
+                      <m:oMath xmlns:m="http://schemas.openxmlformats.org/officeDocument/2006/math">
+                        <m:r>
+                          <a:rPr lang="en-US" sz="2000" b="0" i="1" smtClean="0">
+                            <a:latin typeface="Cambria Math" panose="02040503050406030204" pitchFamily="18" charset="0"/>
+                            <a:cs typeface="Arial" panose="020B0604020202020204" pitchFamily="34" charset="0"/>
+                          </a:rPr>
+                          <m:t>𝑟𝑒𝑓𝑙𝑒𝑐𝑡𝑒𝑑</m:t>
+                        </m:r>
+                      </m:oMath>
+                    </m:oMathPara>
+                  </a14:m>
+                  <a:endParaRPr lang="en-US" sz="2000" dirty="0" smtClean="0">
+                    <a:latin typeface="Arial" panose="020B0604020202020204" pitchFamily="34" charset="0"/>
+                    <a:cs typeface="Arial" panose="020B0604020202020204" pitchFamily="34" charset="0"/>
+                  </a:endParaRPr>
+                </a:p>
+              </p:txBody>
+            </p:sp>
+          </mc:Choice>
+          <mc:Fallback>
+            <p:sp>
+              <p:nvSpPr>
+                <p:cNvPr id="61" name="TextBox 60"/>
+                <p:cNvSpPr txBox="1">
+                  <a:spLocks noRot="1" noChangeAspect="1" noMove="1" noResize="1" noEditPoints="1" noAdjustHandles="1" noChangeArrowheads="1" noChangeShapeType="1" noTextEdit="1"/>
+                </p:cNvSpPr>
+                <p:nvPr/>
+              </p:nvSpPr>
+              <p:spPr>
+                <a:xfrm>
+                  <a:off x="4939612" y="975792"/>
+                  <a:ext cx="1193632" cy="307777"/>
+                </a:xfrm>
+                <a:prstGeom prst="rect">
+                  <a:avLst/>
+                </a:prstGeom>
+                <a:blipFill>
+                  <a:blip r:embed="rId7"/>
+                  <a:stretch>
+                    <a:fillRect l="-5612" r="-5612" b="-37255"/>
+                  </a:stretch>
+                </a:blipFill>
+              </p:spPr>
+              <p:txBody>
+                <a:bodyPr/>
+                <a:lstStyle/>
+                <a:p>
+                  <a:r>
+                    <a:rPr lang="en-US">
+                      <a:noFill/>
+                    </a:rPr>
+                    <a:t> </a:t>
+                  </a:r>
+                </a:p>
+              </p:txBody>
+            </p:sp>
+          </mc:Fallback>
+        </mc:AlternateContent>
+      </p:grpSp>
+      <p:grpSp>
+        <p:nvGrpSpPr>
+          <p:cNvPr id="64" name="Group 63"/>
+          <p:cNvGrpSpPr/>
+          <p:nvPr/>
+        </p:nvGrpSpPr>
+        <p:grpSpPr>
+          <a:xfrm>
+            <a:off x="7211534" y="718287"/>
+            <a:ext cx="4480771" cy="3140762"/>
+            <a:chOff x="7211534" y="718287"/>
+            <a:chExt cx="4480771" cy="3140762"/>
+          </a:xfrm>
+        </p:grpSpPr>
+        <p:grpSp>
+          <p:nvGrpSpPr>
+            <p:cNvPr id="57" name="Group 56"/>
+            <p:cNvGrpSpPr/>
+            <p:nvPr/>
+          </p:nvGrpSpPr>
+          <p:grpSpPr>
+            <a:xfrm>
+              <a:off x="7211534" y="1244939"/>
+              <a:ext cx="4480771" cy="2614110"/>
+              <a:chOff x="7211534" y="1244939"/>
+              <a:chExt cx="4480771" cy="2614110"/>
+            </a:xfrm>
+          </p:grpSpPr>
+          <p:grpSp>
+            <p:nvGrpSpPr>
+              <p:cNvPr id="52" name="Group 51"/>
+              <p:cNvGrpSpPr/>
+              <p:nvPr/>
+            </p:nvGrpSpPr>
+            <p:grpSpPr>
+              <a:xfrm>
+                <a:off x="7211534" y="1261107"/>
+                <a:ext cx="4480771" cy="2597942"/>
+                <a:chOff x="7211534" y="1261107"/>
+                <a:chExt cx="4480771" cy="2597942"/>
+              </a:xfrm>
+            </p:grpSpPr>
+            <p:sp>
+              <p:nvSpPr>
+                <p:cNvPr id="42" name="Freeform 41"/>
+                <p:cNvSpPr/>
+                <p:nvPr/>
+              </p:nvSpPr>
+              <p:spPr>
+                <a:xfrm>
+                  <a:off x="7211534" y="1261107"/>
+                  <a:ext cx="2560320" cy="955009"/>
+                </a:xfrm>
+                <a:custGeom>
+                  <a:avLst/>
+                  <a:gdLst>
+                    <a:gd name="connsiteX0" fmla="*/ 0 w 2560320"/>
+                    <a:gd name="connsiteY0" fmla="*/ 752235 h 1006380"/>
+                    <a:gd name="connsiteX1" fmla="*/ 568960 w 2560320"/>
+                    <a:gd name="connsiteY1" fmla="*/ 752235 h 1006380"/>
+                    <a:gd name="connsiteX2" fmla="*/ 873760 w 2560320"/>
+                    <a:gd name="connsiteY2" fmla="*/ 395 h 1006380"/>
+                    <a:gd name="connsiteX3" fmla="*/ 1442720 w 2560320"/>
+                    <a:gd name="connsiteY3" fmla="*/ 863995 h 1006380"/>
+                    <a:gd name="connsiteX4" fmla="*/ 2560320 w 2560320"/>
+                    <a:gd name="connsiteY4" fmla="*/ 996075 h 1006380"/>
+                    <a:gd name="connsiteX0" fmla="*/ 0 w 2540000"/>
+                    <a:gd name="connsiteY0" fmla="*/ 884328 h 1006393"/>
+                    <a:gd name="connsiteX1" fmla="*/ 548640 w 2540000"/>
+                    <a:gd name="connsiteY1" fmla="*/ 752248 h 1006393"/>
+                    <a:gd name="connsiteX2" fmla="*/ 853440 w 2540000"/>
+                    <a:gd name="connsiteY2" fmla="*/ 408 h 1006393"/>
+                    <a:gd name="connsiteX3" fmla="*/ 1422400 w 2540000"/>
+                    <a:gd name="connsiteY3" fmla="*/ 864008 h 1006393"/>
+                    <a:gd name="connsiteX4" fmla="*/ 2540000 w 2540000"/>
+                    <a:gd name="connsiteY4" fmla="*/ 996088 h 1006393"/>
+                    <a:gd name="connsiteX0" fmla="*/ 0 w 2540000"/>
+                    <a:gd name="connsiteY0" fmla="*/ 884328 h 1006393"/>
+                    <a:gd name="connsiteX1" fmla="*/ 548640 w 2540000"/>
+                    <a:gd name="connsiteY1" fmla="*/ 752248 h 1006393"/>
+                    <a:gd name="connsiteX2" fmla="*/ 853440 w 2540000"/>
+                    <a:gd name="connsiteY2" fmla="*/ 408 h 1006393"/>
+                    <a:gd name="connsiteX3" fmla="*/ 1422400 w 2540000"/>
+                    <a:gd name="connsiteY3" fmla="*/ 864008 h 1006393"/>
+                    <a:gd name="connsiteX4" fmla="*/ 2540000 w 2540000"/>
+                    <a:gd name="connsiteY4" fmla="*/ 996088 h 1006393"/>
+                    <a:gd name="connsiteX0" fmla="*/ 0 w 2540000"/>
+                    <a:gd name="connsiteY0" fmla="*/ 884036 h 1006101"/>
+                    <a:gd name="connsiteX1" fmla="*/ 599440 w 2540000"/>
+                    <a:gd name="connsiteY1" fmla="*/ 802756 h 1006101"/>
+                    <a:gd name="connsiteX2" fmla="*/ 853440 w 2540000"/>
+                    <a:gd name="connsiteY2" fmla="*/ 116 h 1006101"/>
+                    <a:gd name="connsiteX3" fmla="*/ 1422400 w 2540000"/>
+                    <a:gd name="connsiteY3" fmla="*/ 863716 h 1006101"/>
+                    <a:gd name="connsiteX4" fmla="*/ 2540000 w 2540000"/>
+                    <a:gd name="connsiteY4" fmla="*/ 995796 h 1006101"/>
+                    <a:gd name="connsiteX0" fmla="*/ 0 w 2540000"/>
+                    <a:gd name="connsiteY0" fmla="*/ 884036 h 1006101"/>
+                    <a:gd name="connsiteX1" fmla="*/ 599440 w 2540000"/>
+                    <a:gd name="connsiteY1" fmla="*/ 802756 h 1006101"/>
+                    <a:gd name="connsiteX2" fmla="*/ 853440 w 2540000"/>
+                    <a:gd name="connsiteY2" fmla="*/ 116 h 1006101"/>
+                    <a:gd name="connsiteX3" fmla="*/ 1422400 w 2540000"/>
+                    <a:gd name="connsiteY3" fmla="*/ 863716 h 1006101"/>
+                    <a:gd name="connsiteX4" fmla="*/ 2540000 w 2540000"/>
+                    <a:gd name="connsiteY4" fmla="*/ 995796 h 1006101"/>
+                    <a:gd name="connsiteX0" fmla="*/ 0 w 2540000"/>
+                    <a:gd name="connsiteY0" fmla="*/ 887640 h 1009705"/>
+                    <a:gd name="connsiteX1" fmla="*/ 599440 w 2540000"/>
+                    <a:gd name="connsiteY1" fmla="*/ 806360 h 1009705"/>
+                    <a:gd name="connsiteX2" fmla="*/ 853440 w 2540000"/>
+                    <a:gd name="connsiteY2" fmla="*/ 3720 h 1009705"/>
+                    <a:gd name="connsiteX3" fmla="*/ 1422400 w 2540000"/>
+                    <a:gd name="connsiteY3" fmla="*/ 867320 h 1009705"/>
+                    <a:gd name="connsiteX4" fmla="*/ 2540000 w 2540000"/>
+                    <a:gd name="connsiteY4" fmla="*/ 999400 h 1009705"/>
+                    <a:gd name="connsiteX0" fmla="*/ 0 w 2540000"/>
+                    <a:gd name="connsiteY0" fmla="*/ 887640 h 1000306"/>
+                    <a:gd name="connsiteX1" fmla="*/ 599440 w 2540000"/>
+                    <a:gd name="connsiteY1" fmla="*/ 806360 h 1000306"/>
+                    <a:gd name="connsiteX2" fmla="*/ 853440 w 2540000"/>
+                    <a:gd name="connsiteY2" fmla="*/ 3720 h 1000306"/>
+                    <a:gd name="connsiteX3" fmla="*/ 1422400 w 2540000"/>
+                    <a:gd name="connsiteY3" fmla="*/ 867320 h 1000306"/>
+                    <a:gd name="connsiteX4" fmla="*/ 2540000 w 2540000"/>
+                    <a:gd name="connsiteY4" fmla="*/ 999400 h 1000306"/>
+                    <a:gd name="connsiteX0" fmla="*/ 0 w 2540000"/>
+                    <a:gd name="connsiteY0" fmla="*/ 887640 h 999400"/>
+                    <a:gd name="connsiteX1" fmla="*/ 599440 w 2540000"/>
+                    <a:gd name="connsiteY1" fmla="*/ 806360 h 999400"/>
+                    <a:gd name="connsiteX2" fmla="*/ 853440 w 2540000"/>
+                    <a:gd name="connsiteY2" fmla="*/ 3720 h 999400"/>
+                    <a:gd name="connsiteX3" fmla="*/ 1422400 w 2540000"/>
+                    <a:gd name="connsiteY3" fmla="*/ 867320 h 999400"/>
+                    <a:gd name="connsiteX4" fmla="*/ 2540000 w 2540000"/>
+                    <a:gd name="connsiteY4" fmla="*/ 999400 h 999400"/>
+                    <a:gd name="connsiteX0" fmla="*/ 0 w 2560320"/>
+                    <a:gd name="connsiteY0" fmla="*/ 887640 h 928280"/>
+                    <a:gd name="connsiteX1" fmla="*/ 599440 w 2560320"/>
+                    <a:gd name="connsiteY1" fmla="*/ 806360 h 928280"/>
+                    <a:gd name="connsiteX2" fmla="*/ 853440 w 2560320"/>
+                    <a:gd name="connsiteY2" fmla="*/ 3720 h 928280"/>
+                    <a:gd name="connsiteX3" fmla="*/ 1422400 w 2560320"/>
+                    <a:gd name="connsiteY3" fmla="*/ 867320 h 928280"/>
+                    <a:gd name="connsiteX4" fmla="*/ 2560320 w 2560320"/>
+                    <a:gd name="connsiteY4" fmla="*/ 928280 h 928280"/>
+                    <a:gd name="connsiteX0" fmla="*/ 0 w 2560320"/>
+                    <a:gd name="connsiteY0" fmla="*/ 887640 h 942745"/>
+                    <a:gd name="connsiteX1" fmla="*/ 599440 w 2560320"/>
+                    <a:gd name="connsiteY1" fmla="*/ 806360 h 942745"/>
+                    <a:gd name="connsiteX2" fmla="*/ 853440 w 2560320"/>
+                    <a:gd name="connsiteY2" fmla="*/ 3720 h 942745"/>
+                    <a:gd name="connsiteX3" fmla="*/ 1422400 w 2560320"/>
+                    <a:gd name="connsiteY3" fmla="*/ 867320 h 942745"/>
+                    <a:gd name="connsiteX4" fmla="*/ 2560320 w 2560320"/>
+                    <a:gd name="connsiteY4" fmla="*/ 928280 h 942745"/>
+                    <a:gd name="connsiteX0" fmla="*/ 0 w 2560320"/>
+                    <a:gd name="connsiteY0" fmla="*/ 887640 h 955041"/>
+                    <a:gd name="connsiteX1" fmla="*/ 599440 w 2560320"/>
+                    <a:gd name="connsiteY1" fmla="*/ 806360 h 955041"/>
+                    <a:gd name="connsiteX2" fmla="*/ 853440 w 2560320"/>
+                    <a:gd name="connsiteY2" fmla="*/ 3720 h 955041"/>
+                    <a:gd name="connsiteX3" fmla="*/ 1422400 w 2560320"/>
+                    <a:gd name="connsiteY3" fmla="*/ 867320 h 955041"/>
+                    <a:gd name="connsiteX4" fmla="*/ 2560320 w 2560320"/>
+                    <a:gd name="connsiteY4" fmla="*/ 928280 h 955041"/>
+                    <a:gd name="connsiteX0" fmla="*/ 0 w 2560320"/>
+                    <a:gd name="connsiteY0" fmla="*/ 907928 h 955009"/>
+                    <a:gd name="connsiteX1" fmla="*/ 599440 w 2560320"/>
+                    <a:gd name="connsiteY1" fmla="*/ 806328 h 955009"/>
+                    <a:gd name="connsiteX2" fmla="*/ 853440 w 2560320"/>
+                    <a:gd name="connsiteY2" fmla="*/ 3688 h 955009"/>
+                    <a:gd name="connsiteX3" fmla="*/ 1422400 w 2560320"/>
+                    <a:gd name="connsiteY3" fmla="*/ 867288 h 955009"/>
+                    <a:gd name="connsiteX4" fmla="*/ 2560320 w 2560320"/>
+                    <a:gd name="connsiteY4" fmla="*/ 928248 h 955009"/>
+                  </a:gdLst>
+                  <a:ahLst/>
+                  <a:cxnLst>
+                    <a:cxn ang="0">
+                      <a:pos x="connsiteX0" y="connsiteY0"/>
+                    </a:cxn>
+                    <a:cxn ang="0">
+                      <a:pos x="connsiteX1" y="connsiteY1"/>
+                    </a:cxn>
+                    <a:cxn ang="0">
+                      <a:pos x="connsiteX2" y="connsiteY2"/>
+                    </a:cxn>
+                    <a:cxn ang="0">
+                      <a:pos x="connsiteX3" y="connsiteY3"/>
+                    </a:cxn>
+                    <a:cxn ang="0">
+                      <a:pos x="connsiteX4" y="connsiteY4"/>
+                    </a:cxn>
+                  </a:cxnLst>
+                  <a:rect l="l" t="t" r="r" b="b"/>
+                  <a:pathLst>
+                    <a:path w="2560320" h="955009">
+                      <a:moveTo>
+                        <a:pt x="0" y="907928"/>
+                      </a:moveTo>
+                      <a:cubicBezTo>
+                        <a:pt x="231986" y="889301"/>
+                        <a:pt x="457200" y="957035"/>
+                        <a:pt x="599440" y="806328"/>
+                      </a:cubicBezTo>
+                      <a:cubicBezTo>
+                        <a:pt x="741680" y="655621"/>
+                        <a:pt x="756920" y="-57272"/>
+                        <a:pt x="853440" y="3688"/>
+                      </a:cubicBezTo>
+                      <a:cubicBezTo>
+                        <a:pt x="949960" y="64648"/>
+                        <a:pt x="1137920" y="713195"/>
+                        <a:pt x="1422400" y="867288"/>
+                      </a:cubicBezTo>
+                      <a:cubicBezTo>
+                        <a:pt x="1706880" y="1021381"/>
+                        <a:pt x="2121746" y="924861"/>
+                        <a:pt x="2560320" y="928248"/>
+                      </a:cubicBezTo>
+                    </a:path>
+                  </a:pathLst>
+                </a:custGeom>
+                <a:noFill/>
+                <a:ln w="38100">
+                  <a:solidFill>
+                    <a:schemeClr val="accent4">
+                      <a:lumMod val="75000"/>
+                    </a:schemeClr>
+                  </a:solidFill>
+                </a:ln>
+              </p:spPr>
+              <p:style>
+                <a:lnRef idx="2">
+                  <a:schemeClr val="accent1">
+                    <a:shade val="50000"/>
+                  </a:schemeClr>
+                </a:lnRef>
+                <a:fillRef idx="1">
+                  <a:schemeClr val="accent1"/>
+                </a:fillRef>
+                <a:effectRef idx="0">
+                  <a:schemeClr val="accent1"/>
+                </a:effectRef>
+                <a:fontRef idx="minor">
+                  <a:schemeClr val="lt1"/>
+                </a:fontRef>
+              </p:style>
+              <p:txBody>
+                <a:bodyPr rtlCol="0" anchor="ctr"/>
+                <a:lstStyle/>
+                <a:p>
+                  <a:pPr algn="ctr"/>
+                  <a:endParaRPr lang="en-US"/>
+                </a:p>
+              </p:txBody>
+            </p:sp>
+            <p:cxnSp>
+              <p:nvCxnSpPr>
+                <p:cNvPr id="44" name="Straight Connector 43"/>
+                <p:cNvCxnSpPr/>
+                <p:nvPr/>
+              </p:nvCxnSpPr>
+              <p:spPr>
+                <a:xfrm>
+                  <a:off x="9796928" y="2169465"/>
+                  <a:ext cx="1895377" cy="5871"/>
+                </a:xfrm>
+                <a:prstGeom prst="line">
+                  <a:avLst/>
+                </a:prstGeom>
+                <a:ln w="76200">
+                  <a:solidFill>
+                    <a:schemeClr val="accent4">
+                      <a:lumMod val="75000"/>
+                    </a:schemeClr>
+                  </a:solidFill>
+                </a:ln>
+              </p:spPr>
+              <p:style>
+                <a:lnRef idx="1">
+                  <a:schemeClr val="accent1"/>
+                </a:lnRef>
+                <a:fillRef idx="0">
+                  <a:schemeClr val="accent1"/>
+                </a:fillRef>
+                <a:effectRef idx="0">
+                  <a:schemeClr val="accent1"/>
+                </a:effectRef>
+                <a:fontRef idx="minor">
+                  <a:schemeClr val="tx1"/>
+                </a:fontRef>
+              </p:style>
+            </p:cxnSp>
+            <p:sp>
+              <p:nvSpPr>
+                <p:cNvPr id="46" name="Freeform 45"/>
+                <p:cNvSpPr/>
+                <p:nvPr/>
+              </p:nvSpPr>
+              <p:spPr>
+                <a:xfrm flipH="1">
+                  <a:off x="7312966" y="3144364"/>
+                  <a:ext cx="2560320" cy="277020"/>
+                </a:xfrm>
+                <a:custGeom>
+                  <a:avLst/>
+                  <a:gdLst>
+                    <a:gd name="connsiteX0" fmla="*/ 0 w 2560320"/>
+                    <a:gd name="connsiteY0" fmla="*/ 752235 h 1006380"/>
+                    <a:gd name="connsiteX1" fmla="*/ 568960 w 2560320"/>
+                    <a:gd name="connsiteY1" fmla="*/ 752235 h 1006380"/>
+                    <a:gd name="connsiteX2" fmla="*/ 873760 w 2560320"/>
+                    <a:gd name="connsiteY2" fmla="*/ 395 h 1006380"/>
+                    <a:gd name="connsiteX3" fmla="*/ 1442720 w 2560320"/>
+                    <a:gd name="connsiteY3" fmla="*/ 863995 h 1006380"/>
+                    <a:gd name="connsiteX4" fmla="*/ 2560320 w 2560320"/>
+                    <a:gd name="connsiteY4" fmla="*/ 996075 h 1006380"/>
+                    <a:gd name="connsiteX0" fmla="*/ 0 w 2540000"/>
+                    <a:gd name="connsiteY0" fmla="*/ 884328 h 1006393"/>
+                    <a:gd name="connsiteX1" fmla="*/ 548640 w 2540000"/>
+                    <a:gd name="connsiteY1" fmla="*/ 752248 h 1006393"/>
+                    <a:gd name="connsiteX2" fmla="*/ 853440 w 2540000"/>
+                    <a:gd name="connsiteY2" fmla="*/ 408 h 1006393"/>
+                    <a:gd name="connsiteX3" fmla="*/ 1422400 w 2540000"/>
+                    <a:gd name="connsiteY3" fmla="*/ 864008 h 1006393"/>
+                    <a:gd name="connsiteX4" fmla="*/ 2540000 w 2540000"/>
+                    <a:gd name="connsiteY4" fmla="*/ 996088 h 1006393"/>
+                    <a:gd name="connsiteX0" fmla="*/ 0 w 2540000"/>
+                    <a:gd name="connsiteY0" fmla="*/ 884328 h 1006393"/>
+                    <a:gd name="connsiteX1" fmla="*/ 548640 w 2540000"/>
+                    <a:gd name="connsiteY1" fmla="*/ 752248 h 1006393"/>
+                    <a:gd name="connsiteX2" fmla="*/ 853440 w 2540000"/>
+                    <a:gd name="connsiteY2" fmla="*/ 408 h 1006393"/>
+                    <a:gd name="connsiteX3" fmla="*/ 1422400 w 2540000"/>
+                    <a:gd name="connsiteY3" fmla="*/ 864008 h 1006393"/>
+                    <a:gd name="connsiteX4" fmla="*/ 2540000 w 2540000"/>
+                    <a:gd name="connsiteY4" fmla="*/ 996088 h 1006393"/>
+                    <a:gd name="connsiteX0" fmla="*/ 0 w 2540000"/>
+                    <a:gd name="connsiteY0" fmla="*/ 884036 h 1006101"/>
+                    <a:gd name="connsiteX1" fmla="*/ 599440 w 2540000"/>
+                    <a:gd name="connsiteY1" fmla="*/ 802756 h 1006101"/>
+                    <a:gd name="connsiteX2" fmla="*/ 853440 w 2540000"/>
+                    <a:gd name="connsiteY2" fmla="*/ 116 h 1006101"/>
+                    <a:gd name="connsiteX3" fmla="*/ 1422400 w 2540000"/>
+                    <a:gd name="connsiteY3" fmla="*/ 863716 h 1006101"/>
+                    <a:gd name="connsiteX4" fmla="*/ 2540000 w 2540000"/>
+                    <a:gd name="connsiteY4" fmla="*/ 995796 h 1006101"/>
+                    <a:gd name="connsiteX0" fmla="*/ 0 w 2540000"/>
+                    <a:gd name="connsiteY0" fmla="*/ 884036 h 1006101"/>
+                    <a:gd name="connsiteX1" fmla="*/ 599440 w 2540000"/>
+                    <a:gd name="connsiteY1" fmla="*/ 802756 h 1006101"/>
+                    <a:gd name="connsiteX2" fmla="*/ 853440 w 2540000"/>
+                    <a:gd name="connsiteY2" fmla="*/ 116 h 1006101"/>
+                    <a:gd name="connsiteX3" fmla="*/ 1422400 w 2540000"/>
+                    <a:gd name="connsiteY3" fmla="*/ 863716 h 1006101"/>
+                    <a:gd name="connsiteX4" fmla="*/ 2540000 w 2540000"/>
+                    <a:gd name="connsiteY4" fmla="*/ 995796 h 1006101"/>
+                    <a:gd name="connsiteX0" fmla="*/ 0 w 2540000"/>
+                    <a:gd name="connsiteY0" fmla="*/ 887640 h 1009705"/>
+                    <a:gd name="connsiteX1" fmla="*/ 599440 w 2540000"/>
+                    <a:gd name="connsiteY1" fmla="*/ 806360 h 1009705"/>
+                    <a:gd name="connsiteX2" fmla="*/ 853440 w 2540000"/>
+                    <a:gd name="connsiteY2" fmla="*/ 3720 h 1009705"/>
+                    <a:gd name="connsiteX3" fmla="*/ 1422400 w 2540000"/>
+                    <a:gd name="connsiteY3" fmla="*/ 867320 h 1009705"/>
+                    <a:gd name="connsiteX4" fmla="*/ 2540000 w 2540000"/>
+                    <a:gd name="connsiteY4" fmla="*/ 999400 h 1009705"/>
+                    <a:gd name="connsiteX0" fmla="*/ 0 w 2540000"/>
+                    <a:gd name="connsiteY0" fmla="*/ 887640 h 1000306"/>
+                    <a:gd name="connsiteX1" fmla="*/ 599440 w 2540000"/>
+                    <a:gd name="connsiteY1" fmla="*/ 806360 h 1000306"/>
+                    <a:gd name="connsiteX2" fmla="*/ 853440 w 2540000"/>
+                    <a:gd name="connsiteY2" fmla="*/ 3720 h 1000306"/>
+                    <a:gd name="connsiteX3" fmla="*/ 1422400 w 2540000"/>
+                    <a:gd name="connsiteY3" fmla="*/ 867320 h 1000306"/>
+                    <a:gd name="connsiteX4" fmla="*/ 2540000 w 2540000"/>
+                    <a:gd name="connsiteY4" fmla="*/ 999400 h 1000306"/>
+                    <a:gd name="connsiteX0" fmla="*/ 0 w 2540000"/>
+                    <a:gd name="connsiteY0" fmla="*/ 887640 h 999400"/>
+                    <a:gd name="connsiteX1" fmla="*/ 599440 w 2540000"/>
+                    <a:gd name="connsiteY1" fmla="*/ 806360 h 999400"/>
+                    <a:gd name="connsiteX2" fmla="*/ 853440 w 2540000"/>
+                    <a:gd name="connsiteY2" fmla="*/ 3720 h 999400"/>
+                    <a:gd name="connsiteX3" fmla="*/ 1422400 w 2540000"/>
+                    <a:gd name="connsiteY3" fmla="*/ 867320 h 999400"/>
+                    <a:gd name="connsiteX4" fmla="*/ 2540000 w 2540000"/>
+                    <a:gd name="connsiteY4" fmla="*/ 999400 h 999400"/>
+                    <a:gd name="connsiteX0" fmla="*/ 0 w 2560320"/>
+                    <a:gd name="connsiteY0" fmla="*/ 887640 h 928280"/>
+                    <a:gd name="connsiteX1" fmla="*/ 599440 w 2560320"/>
+                    <a:gd name="connsiteY1" fmla="*/ 806360 h 928280"/>
+                    <a:gd name="connsiteX2" fmla="*/ 853440 w 2560320"/>
+                    <a:gd name="connsiteY2" fmla="*/ 3720 h 928280"/>
+                    <a:gd name="connsiteX3" fmla="*/ 1422400 w 2560320"/>
+                    <a:gd name="connsiteY3" fmla="*/ 867320 h 928280"/>
+                    <a:gd name="connsiteX4" fmla="*/ 2560320 w 2560320"/>
+                    <a:gd name="connsiteY4" fmla="*/ 928280 h 928280"/>
+                    <a:gd name="connsiteX0" fmla="*/ 0 w 2560320"/>
+                    <a:gd name="connsiteY0" fmla="*/ 887640 h 942745"/>
+                    <a:gd name="connsiteX1" fmla="*/ 599440 w 2560320"/>
+                    <a:gd name="connsiteY1" fmla="*/ 806360 h 942745"/>
+                    <a:gd name="connsiteX2" fmla="*/ 853440 w 2560320"/>
+                    <a:gd name="connsiteY2" fmla="*/ 3720 h 942745"/>
+                    <a:gd name="connsiteX3" fmla="*/ 1422400 w 2560320"/>
+                    <a:gd name="connsiteY3" fmla="*/ 867320 h 942745"/>
+                    <a:gd name="connsiteX4" fmla="*/ 2560320 w 2560320"/>
+                    <a:gd name="connsiteY4" fmla="*/ 928280 h 942745"/>
+                    <a:gd name="connsiteX0" fmla="*/ 0 w 2560320"/>
+                    <a:gd name="connsiteY0" fmla="*/ 887640 h 955041"/>
+                    <a:gd name="connsiteX1" fmla="*/ 599440 w 2560320"/>
+                    <a:gd name="connsiteY1" fmla="*/ 806360 h 955041"/>
+                    <a:gd name="connsiteX2" fmla="*/ 853440 w 2560320"/>
+                    <a:gd name="connsiteY2" fmla="*/ 3720 h 955041"/>
+                    <a:gd name="connsiteX3" fmla="*/ 1422400 w 2560320"/>
+                    <a:gd name="connsiteY3" fmla="*/ 867320 h 955041"/>
+                    <a:gd name="connsiteX4" fmla="*/ 2560320 w 2560320"/>
+                    <a:gd name="connsiteY4" fmla="*/ 928280 h 955041"/>
+                    <a:gd name="connsiteX0" fmla="*/ 0 w 2560320"/>
+                    <a:gd name="connsiteY0" fmla="*/ 907928 h 955009"/>
+                    <a:gd name="connsiteX1" fmla="*/ 599440 w 2560320"/>
+                    <a:gd name="connsiteY1" fmla="*/ 806328 h 955009"/>
+                    <a:gd name="connsiteX2" fmla="*/ 853440 w 2560320"/>
+                    <a:gd name="connsiteY2" fmla="*/ 3688 h 955009"/>
+                    <a:gd name="connsiteX3" fmla="*/ 1422400 w 2560320"/>
+                    <a:gd name="connsiteY3" fmla="*/ 867288 h 955009"/>
+                    <a:gd name="connsiteX4" fmla="*/ 2560320 w 2560320"/>
+                    <a:gd name="connsiteY4" fmla="*/ 928248 h 955009"/>
+                  </a:gdLst>
+                  <a:ahLst/>
+                  <a:cxnLst>
+                    <a:cxn ang="0">
+                      <a:pos x="connsiteX0" y="connsiteY0"/>
+                    </a:cxn>
+                    <a:cxn ang="0">
+                      <a:pos x="connsiteX1" y="connsiteY1"/>
+                    </a:cxn>
+                    <a:cxn ang="0">
+                      <a:pos x="connsiteX2" y="connsiteY2"/>
+                    </a:cxn>
+                    <a:cxn ang="0">
+                      <a:pos x="connsiteX3" y="connsiteY3"/>
+                    </a:cxn>
+                    <a:cxn ang="0">
+                      <a:pos x="connsiteX4" y="connsiteY4"/>
+                    </a:cxn>
+                  </a:cxnLst>
+                  <a:rect l="l" t="t" r="r" b="b"/>
+                  <a:pathLst>
+                    <a:path w="2560320" h="955009">
+                      <a:moveTo>
+                        <a:pt x="0" y="907928"/>
+                      </a:moveTo>
+                      <a:cubicBezTo>
+                        <a:pt x="231986" y="889301"/>
+                        <a:pt x="457200" y="957035"/>
+                        <a:pt x="599440" y="806328"/>
+                      </a:cubicBezTo>
+                      <a:cubicBezTo>
+                        <a:pt x="741680" y="655621"/>
+                        <a:pt x="756920" y="-57272"/>
+                        <a:pt x="853440" y="3688"/>
+                      </a:cubicBezTo>
+                      <a:cubicBezTo>
+                        <a:pt x="949960" y="64648"/>
+                        <a:pt x="1137920" y="713195"/>
+                        <a:pt x="1422400" y="867288"/>
+                      </a:cubicBezTo>
+                      <a:cubicBezTo>
+                        <a:pt x="1706880" y="1021381"/>
+                        <a:pt x="2121746" y="924861"/>
+                        <a:pt x="2560320" y="928248"/>
+                      </a:cubicBezTo>
+                    </a:path>
+                  </a:pathLst>
+                </a:custGeom>
+                <a:noFill/>
+                <a:ln w="38100">
+                  <a:solidFill>
+                    <a:schemeClr val="accent4">
+                      <a:lumMod val="75000"/>
+                    </a:schemeClr>
+                  </a:solidFill>
+                </a:ln>
+              </p:spPr>
+              <p:style>
+                <a:lnRef idx="2">
+                  <a:schemeClr val="accent1">
+                    <a:shade val="50000"/>
+                  </a:schemeClr>
+                </a:lnRef>
+                <a:fillRef idx="1">
+                  <a:schemeClr val="accent1"/>
+                </a:fillRef>
+                <a:effectRef idx="0">
+                  <a:schemeClr val="accent1"/>
+                </a:effectRef>
+                <a:fontRef idx="minor">
+                  <a:schemeClr val="lt1"/>
+                </a:fontRef>
+              </p:style>
+              <p:txBody>
+                <a:bodyPr rtlCol="0" anchor="ctr"/>
+                <a:lstStyle/>
+                <a:p>
+                  <a:pPr algn="ctr"/>
+                  <a:endParaRPr lang="en-US"/>
+                </a:p>
+              </p:txBody>
+            </p:sp>
+            <p:sp>
+              <p:nvSpPr>
+                <p:cNvPr id="47" name="Freeform 46"/>
+                <p:cNvSpPr/>
+                <p:nvPr/>
+              </p:nvSpPr>
+              <p:spPr>
+                <a:xfrm>
+                  <a:off x="9873286" y="3054388"/>
+                  <a:ext cx="1770490" cy="366996"/>
+                </a:xfrm>
+                <a:custGeom>
+                  <a:avLst/>
+                  <a:gdLst>
+                    <a:gd name="connsiteX0" fmla="*/ 0 w 2560320"/>
+                    <a:gd name="connsiteY0" fmla="*/ 752235 h 1006380"/>
+                    <a:gd name="connsiteX1" fmla="*/ 568960 w 2560320"/>
+                    <a:gd name="connsiteY1" fmla="*/ 752235 h 1006380"/>
+                    <a:gd name="connsiteX2" fmla="*/ 873760 w 2560320"/>
+                    <a:gd name="connsiteY2" fmla="*/ 395 h 1006380"/>
+                    <a:gd name="connsiteX3" fmla="*/ 1442720 w 2560320"/>
+                    <a:gd name="connsiteY3" fmla="*/ 863995 h 1006380"/>
+                    <a:gd name="connsiteX4" fmla="*/ 2560320 w 2560320"/>
+                    <a:gd name="connsiteY4" fmla="*/ 996075 h 1006380"/>
+                    <a:gd name="connsiteX0" fmla="*/ 0 w 2540000"/>
+                    <a:gd name="connsiteY0" fmla="*/ 884328 h 1006393"/>
+                    <a:gd name="connsiteX1" fmla="*/ 548640 w 2540000"/>
+                    <a:gd name="connsiteY1" fmla="*/ 752248 h 1006393"/>
+                    <a:gd name="connsiteX2" fmla="*/ 853440 w 2540000"/>
+                    <a:gd name="connsiteY2" fmla="*/ 408 h 1006393"/>
+                    <a:gd name="connsiteX3" fmla="*/ 1422400 w 2540000"/>
+                    <a:gd name="connsiteY3" fmla="*/ 864008 h 1006393"/>
+                    <a:gd name="connsiteX4" fmla="*/ 2540000 w 2540000"/>
+                    <a:gd name="connsiteY4" fmla="*/ 996088 h 1006393"/>
+                    <a:gd name="connsiteX0" fmla="*/ 0 w 2540000"/>
+                    <a:gd name="connsiteY0" fmla="*/ 884328 h 1006393"/>
+                    <a:gd name="connsiteX1" fmla="*/ 548640 w 2540000"/>
+                    <a:gd name="connsiteY1" fmla="*/ 752248 h 1006393"/>
+                    <a:gd name="connsiteX2" fmla="*/ 853440 w 2540000"/>
+                    <a:gd name="connsiteY2" fmla="*/ 408 h 1006393"/>
+                    <a:gd name="connsiteX3" fmla="*/ 1422400 w 2540000"/>
+                    <a:gd name="connsiteY3" fmla="*/ 864008 h 1006393"/>
+                    <a:gd name="connsiteX4" fmla="*/ 2540000 w 2540000"/>
+                    <a:gd name="connsiteY4" fmla="*/ 996088 h 1006393"/>
+                    <a:gd name="connsiteX0" fmla="*/ 0 w 2540000"/>
+                    <a:gd name="connsiteY0" fmla="*/ 884036 h 1006101"/>
+                    <a:gd name="connsiteX1" fmla="*/ 599440 w 2540000"/>
+                    <a:gd name="connsiteY1" fmla="*/ 802756 h 1006101"/>
+                    <a:gd name="connsiteX2" fmla="*/ 853440 w 2540000"/>
+                    <a:gd name="connsiteY2" fmla="*/ 116 h 1006101"/>
+                    <a:gd name="connsiteX3" fmla="*/ 1422400 w 2540000"/>
+                    <a:gd name="connsiteY3" fmla="*/ 863716 h 1006101"/>
+                    <a:gd name="connsiteX4" fmla="*/ 2540000 w 2540000"/>
+                    <a:gd name="connsiteY4" fmla="*/ 995796 h 1006101"/>
+                    <a:gd name="connsiteX0" fmla="*/ 0 w 2540000"/>
+                    <a:gd name="connsiteY0" fmla="*/ 884036 h 1006101"/>
+                    <a:gd name="connsiteX1" fmla="*/ 599440 w 2540000"/>
+                    <a:gd name="connsiteY1" fmla="*/ 802756 h 1006101"/>
+                    <a:gd name="connsiteX2" fmla="*/ 853440 w 2540000"/>
+                    <a:gd name="connsiteY2" fmla="*/ 116 h 1006101"/>
+                    <a:gd name="connsiteX3" fmla="*/ 1422400 w 2540000"/>
+                    <a:gd name="connsiteY3" fmla="*/ 863716 h 1006101"/>
+                    <a:gd name="connsiteX4" fmla="*/ 2540000 w 2540000"/>
+                    <a:gd name="connsiteY4" fmla="*/ 995796 h 1006101"/>
+                    <a:gd name="connsiteX0" fmla="*/ 0 w 2540000"/>
+                    <a:gd name="connsiteY0" fmla="*/ 887640 h 1009705"/>
+                    <a:gd name="connsiteX1" fmla="*/ 599440 w 2540000"/>
+                    <a:gd name="connsiteY1" fmla="*/ 806360 h 1009705"/>
+                    <a:gd name="connsiteX2" fmla="*/ 853440 w 2540000"/>
+                    <a:gd name="connsiteY2" fmla="*/ 3720 h 1009705"/>
+                    <a:gd name="connsiteX3" fmla="*/ 1422400 w 2540000"/>
+                    <a:gd name="connsiteY3" fmla="*/ 867320 h 1009705"/>
+                    <a:gd name="connsiteX4" fmla="*/ 2540000 w 2540000"/>
+                    <a:gd name="connsiteY4" fmla="*/ 999400 h 1009705"/>
+                    <a:gd name="connsiteX0" fmla="*/ 0 w 2540000"/>
+                    <a:gd name="connsiteY0" fmla="*/ 887640 h 1000306"/>
+                    <a:gd name="connsiteX1" fmla="*/ 599440 w 2540000"/>
+                    <a:gd name="connsiteY1" fmla="*/ 806360 h 1000306"/>
+                    <a:gd name="connsiteX2" fmla="*/ 853440 w 2540000"/>
+                    <a:gd name="connsiteY2" fmla="*/ 3720 h 1000306"/>
+                    <a:gd name="connsiteX3" fmla="*/ 1422400 w 2540000"/>
+                    <a:gd name="connsiteY3" fmla="*/ 867320 h 1000306"/>
+                    <a:gd name="connsiteX4" fmla="*/ 2540000 w 2540000"/>
+                    <a:gd name="connsiteY4" fmla="*/ 999400 h 1000306"/>
+                    <a:gd name="connsiteX0" fmla="*/ 0 w 2540000"/>
+                    <a:gd name="connsiteY0" fmla="*/ 887640 h 999400"/>
+                    <a:gd name="connsiteX1" fmla="*/ 599440 w 2540000"/>
+                    <a:gd name="connsiteY1" fmla="*/ 806360 h 999400"/>
+                    <a:gd name="connsiteX2" fmla="*/ 853440 w 2540000"/>
+                    <a:gd name="connsiteY2" fmla="*/ 3720 h 999400"/>
+                    <a:gd name="connsiteX3" fmla="*/ 1422400 w 2540000"/>
+                    <a:gd name="connsiteY3" fmla="*/ 867320 h 999400"/>
+                    <a:gd name="connsiteX4" fmla="*/ 2540000 w 2540000"/>
+                    <a:gd name="connsiteY4" fmla="*/ 999400 h 999400"/>
+                    <a:gd name="connsiteX0" fmla="*/ 0 w 2560320"/>
+                    <a:gd name="connsiteY0" fmla="*/ 887640 h 928280"/>
+                    <a:gd name="connsiteX1" fmla="*/ 599440 w 2560320"/>
+                    <a:gd name="connsiteY1" fmla="*/ 806360 h 928280"/>
+                    <a:gd name="connsiteX2" fmla="*/ 853440 w 2560320"/>
+                    <a:gd name="connsiteY2" fmla="*/ 3720 h 928280"/>
+                    <a:gd name="connsiteX3" fmla="*/ 1422400 w 2560320"/>
+                    <a:gd name="connsiteY3" fmla="*/ 867320 h 928280"/>
+                    <a:gd name="connsiteX4" fmla="*/ 2560320 w 2560320"/>
+                    <a:gd name="connsiteY4" fmla="*/ 928280 h 928280"/>
+                    <a:gd name="connsiteX0" fmla="*/ 0 w 2560320"/>
+                    <a:gd name="connsiteY0" fmla="*/ 887640 h 942745"/>
+                    <a:gd name="connsiteX1" fmla="*/ 599440 w 2560320"/>
+                    <a:gd name="connsiteY1" fmla="*/ 806360 h 942745"/>
+                    <a:gd name="connsiteX2" fmla="*/ 853440 w 2560320"/>
+                    <a:gd name="connsiteY2" fmla="*/ 3720 h 942745"/>
+                    <a:gd name="connsiteX3" fmla="*/ 1422400 w 2560320"/>
+                    <a:gd name="connsiteY3" fmla="*/ 867320 h 942745"/>
+                    <a:gd name="connsiteX4" fmla="*/ 2560320 w 2560320"/>
+                    <a:gd name="connsiteY4" fmla="*/ 928280 h 942745"/>
+                    <a:gd name="connsiteX0" fmla="*/ 0 w 2560320"/>
+                    <a:gd name="connsiteY0" fmla="*/ 887640 h 955041"/>
+                    <a:gd name="connsiteX1" fmla="*/ 599440 w 2560320"/>
+                    <a:gd name="connsiteY1" fmla="*/ 806360 h 955041"/>
+                    <a:gd name="connsiteX2" fmla="*/ 853440 w 2560320"/>
+                    <a:gd name="connsiteY2" fmla="*/ 3720 h 955041"/>
+                    <a:gd name="connsiteX3" fmla="*/ 1422400 w 2560320"/>
+                    <a:gd name="connsiteY3" fmla="*/ 867320 h 955041"/>
+                    <a:gd name="connsiteX4" fmla="*/ 2560320 w 2560320"/>
+                    <a:gd name="connsiteY4" fmla="*/ 928280 h 955041"/>
+                    <a:gd name="connsiteX0" fmla="*/ 0 w 2560320"/>
+                    <a:gd name="connsiteY0" fmla="*/ 907928 h 955009"/>
+                    <a:gd name="connsiteX1" fmla="*/ 599440 w 2560320"/>
+                    <a:gd name="connsiteY1" fmla="*/ 806328 h 955009"/>
+                    <a:gd name="connsiteX2" fmla="*/ 853440 w 2560320"/>
+                    <a:gd name="connsiteY2" fmla="*/ 3688 h 955009"/>
+                    <a:gd name="connsiteX3" fmla="*/ 1422400 w 2560320"/>
+                    <a:gd name="connsiteY3" fmla="*/ 867288 h 955009"/>
+                    <a:gd name="connsiteX4" fmla="*/ 2560320 w 2560320"/>
+                    <a:gd name="connsiteY4" fmla="*/ 928248 h 955009"/>
+                  </a:gdLst>
+                  <a:ahLst/>
+                  <a:cxnLst>
+                    <a:cxn ang="0">
+                      <a:pos x="connsiteX0" y="connsiteY0"/>
+                    </a:cxn>
+                    <a:cxn ang="0">
+                      <a:pos x="connsiteX1" y="connsiteY1"/>
+                    </a:cxn>
+                    <a:cxn ang="0">
+                      <a:pos x="connsiteX2" y="connsiteY2"/>
+                    </a:cxn>
+                    <a:cxn ang="0">
+                      <a:pos x="connsiteX3" y="connsiteY3"/>
+                    </a:cxn>
+                    <a:cxn ang="0">
+                      <a:pos x="connsiteX4" y="connsiteY4"/>
+                    </a:cxn>
+                  </a:cxnLst>
+                  <a:rect l="l" t="t" r="r" b="b"/>
+                  <a:pathLst>
+                    <a:path w="2560320" h="955009">
+                      <a:moveTo>
+                        <a:pt x="0" y="907928"/>
+                      </a:moveTo>
+                      <a:cubicBezTo>
+                        <a:pt x="231986" y="889301"/>
+                        <a:pt x="457200" y="957035"/>
+                        <a:pt x="599440" y="806328"/>
+                      </a:cubicBezTo>
+                      <a:cubicBezTo>
+                        <a:pt x="741680" y="655621"/>
+                        <a:pt x="756920" y="-57272"/>
+                        <a:pt x="853440" y="3688"/>
+                      </a:cubicBezTo>
+                      <a:cubicBezTo>
+                        <a:pt x="949960" y="64648"/>
+                        <a:pt x="1137920" y="713195"/>
+                        <a:pt x="1422400" y="867288"/>
+                      </a:cubicBezTo>
+                      <a:cubicBezTo>
+                        <a:pt x="1706880" y="1021381"/>
+                        <a:pt x="2121746" y="924861"/>
+                        <a:pt x="2560320" y="928248"/>
+                      </a:cubicBezTo>
+                    </a:path>
+                  </a:pathLst>
+                </a:custGeom>
+                <a:noFill/>
+                <a:ln w="76200">
+                  <a:solidFill>
+                    <a:schemeClr val="accent4">
+                      <a:lumMod val="75000"/>
+                    </a:schemeClr>
+                  </a:solidFill>
+                </a:ln>
+              </p:spPr>
+              <p:style>
+                <a:lnRef idx="2">
+                  <a:schemeClr val="accent1">
+                    <a:shade val="50000"/>
+                  </a:schemeClr>
+                </a:lnRef>
+                <a:fillRef idx="1">
+                  <a:schemeClr val="accent1"/>
+                </a:fillRef>
+                <a:effectRef idx="0">
+                  <a:schemeClr val="accent1"/>
+                </a:effectRef>
+                <a:fontRef idx="minor">
+                  <a:schemeClr val="lt1"/>
+                </a:fontRef>
+              </p:style>
+              <p:txBody>
+                <a:bodyPr rtlCol="0" anchor="ctr"/>
+                <a:lstStyle/>
+                <a:p>
+                  <a:pPr algn="ctr"/>
+                  <a:endParaRPr lang="en-US"/>
+                </a:p>
+              </p:txBody>
+            </p:sp>
+            <p:sp>
+              <p:nvSpPr>
+                <p:cNvPr id="48" name="Oval 47"/>
+                <p:cNvSpPr/>
+                <p:nvPr/>
+              </p:nvSpPr>
+              <p:spPr>
+                <a:xfrm>
+                  <a:off x="9748399" y="2112518"/>
+                  <a:ext cx="120943" cy="119766"/>
+                </a:xfrm>
+                <a:prstGeom prst="ellipse">
+                  <a:avLst/>
+                </a:prstGeom>
+                <a:solidFill>
+                  <a:schemeClr val="tx1"/>
+                </a:solidFill>
+                <a:ln w="38100">
+                  <a:solidFill>
+                    <a:schemeClr val="tx1"/>
+                  </a:solidFill>
+                </a:ln>
+              </p:spPr>
+              <p:style>
+                <a:lnRef idx="2">
+                  <a:schemeClr val="accent1">
+                    <a:shade val="50000"/>
+                  </a:schemeClr>
+                </a:lnRef>
+                <a:fillRef idx="1">
+                  <a:schemeClr val="accent1"/>
+                </a:fillRef>
+                <a:effectRef idx="0">
+                  <a:schemeClr val="accent1"/>
+                </a:effectRef>
+                <a:fontRef idx="minor">
+                  <a:schemeClr val="lt1"/>
+                </a:fontRef>
+              </p:style>
+              <p:txBody>
+                <a:bodyPr rtlCol="0" anchor="ctr"/>
+                <a:lstStyle/>
+                <a:p>
+                  <a:pPr algn="ctr"/>
+                  <a:endParaRPr lang="en-US"/>
+                </a:p>
+              </p:txBody>
+            </p:sp>
+            <p:sp>
+              <p:nvSpPr>
+                <p:cNvPr id="49" name="Oval 48"/>
+                <p:cNvSpPr/>
+                <p:nvPr/>
+              </p:nvSpPr>
+              <p:spPr>
+                <a:xfrm>
+                  <a:off x="9808870" y="3361501"/>
+                  <a:ext cx="120943" cy="119766"/>
+                </a:xfrm>
+                <a:prstGeom prst="ellipse">
+                  <a:avLst/>
+                </a:prstGeom>
+                <a:solidFill>
+                  <a:schemeClr val="tx1"/>
+                </a:solidFill>
+                <a:ln w="38100">
+                  <a:solidFill>
+                    <a:schemeClr val="tx1"/>
+                  </a:solidFill>
+                </a:ln>
+              </p:spPr>
+              <p:style>
+                <a:lnRef idx="2">
+                  <a:schemeClr val="accent1">
+                    <a:shade val="50000"/>
+                  </a:schemeClr>
+                </a:lnRef>
+                <a:fillRef idx="1">
+                  <a:schemeClr val="accent1"/>
+                </a:fillRef>
+                <a:effectRef idx="0">
+                  <a:schemeClr val="accent1"/>
+                </a:effectRef>
+                <a:fontRef idx="minor">
+                  <a:schemeClr val="lt1"/>
+                </a:fontRef>
+              </p:style>
+              <p:txBody>
+                <a:bodyPr rtlCol="0" anchor="ctr"/>
+                <a:lstStyle/>
+                <a:p>
+                  <a:pPr algn="ctr"/>
+                  <a:endParaRPr lang="en-US"/>
+                </a:p>
+              </p:txBody>
+            </p:sp>
+            <mc:AlternateContent xmlns:mc="http://schemas.openxmlformats.org/markup-compatibility/2006">
+              <mc:Choice xmlns:a14="http://schemas.microsoft.com/office/drawing/2010/main" Requires="a14">
+                <p:sp>
+                  <p:nvSpPr>
+                    <p:cNvPr id="50" name="TextBox 49"/>
+                    <p:cNvSpPr txBox="1"/>
+                    <p:nvPr/>
+                  </p:nvSpPr>
+                  <p:spPr>
+                    <a:xfrm>
+                      <a:off x="8321040" y="3525236"/>
+                      <a:ext cx="1171924" cy="307777"/>
+                    </a:xfrm>
+                    <a:prstGeom prst="rect">
+                      <a:avLst/>
+                    </a:prstGeom>
+                    <a:noFill/>
+                  </p:spPr>
+                  <p:txBody>
+                    <a:bodyPr wrap="none" lIns="0" tIns="0" rIns="0" bIns="0" rtlCol="0">
+                      <a:spAutoFit/>
+                    </a:bodyPr>
+                    <a:lstStyle/>
+                    <a:p>
+                      <a14:m>
+                        <m:oMathPara xmlns:m="http://schemas.openxmlformats.org/officeDocument/2006/math">
+                          <m:oMathParaPr>
+                            <m:jc m:val="centerGroup"/>
+                          </m:oMathParaPr>
+                          <m:oMath xmlns:m="http://schemas.openxmlformats.org/officeDocument/2006/math">
+                            <m:r>
+                              <a:rPr lang="en-US" sz="2000" b="0" i="1" smtClean="0">
+                                <a:latin typeface="Cambria Math" panose="02040503050406030204" pitchFamily="18" charset="0"/>
+                                <a:cs typeface="Arial" panose="020B0604020202020204" pitchFamily="34" charset="0"/>
+                              </a:rPr>
+                              <m:t>𝑟𝑒𝑓𝑙𝑒𝑐𝑡𝑒𝑑</m:t>
+                            </m:r>
+                          </m:oMath>
+                        </m:oMathPara>
+                      </a14:m>
+                      <a:endParaRPr lang="en-US" sz="2000" dirty="0" smtClean="0">
+                        <a:latin typeface="Arial" panose="020B0604020202020204" pitchFamily="34" charset="0"/>
+                        <a:cs typeface="Arial" panose="020B0604020202020204" pitchFamily="34" charset="0"/>
+                      </a:endParaRPr>
+                    </a:p>
+                  </p:txBody>
+                </p:sp>
+              </mc:Choice>
+              <mc:Fallback>
+                <p:sp>
+                  <p:nvSpPr>
+                    <p:cNvPr id="50" name="TextBox 49"/>
+                    <p:cNvSpPr txBox="1">
+                      <a:spLocks noRot="1" noChangeAspect="1" noMove="1" noResize="1" noEditPoints="1" noAdjustHandles="1" noChangeArrowheads="1" noChangeShapeType="1" noTextEdit="1"/>
+                    </p:cNvSpPr>
+                    <p:nvPr/>
+                  </p:nvSpPr>
+                  <p:spPr>
+                    <a:xfrm>
+                      <a:off x="8321040" y="3525236"/>
+                      <a:ext cx="1171924" cy="307777"/>
+                    </a:xfrm>
+                    <a:prstGeom prst="rect">
+                      <a:avLst/>
+                    </a:prstGeom>
+                    <a:blipFill>
+                      <a:blip r:embed="rId8"/>
+                      <a:stretch>
+                        <a:fillRect l="-6250" r="-6250" b="-37255"/>
+                      </a:stretch>
+                    </a:blipFill>
+                  </p:spPr>
+                  <p:txBody>
+                    <a:bodyPr/>
+                    <a:lstStyle/>
+                    <a:p>
+                      <a:r>
+                        <a:rPr lang="en-US">
+                          <a:noFill/>
+                        </a:rPr>
+                        <a:t> </a:t>
+                      </a:r>
+                    </a:p>
+                  </p:txBody>
+                </p:sp>
+              </mc:Fallback>
+            </mc:AlternateContent>
+            <mc:AlternateContent xmlns:mc="http://schemas.openxmlformats.org/markup-compatibility/2006">
+              <mc:Choice xmlns:a14="http://schemas.microsoft.com/office/drawing/2010/main" Requires="a14">
+                <p:sp>
+                  <p:nvSpPr>
+                    <p:cNvPr id="51" name="TextBox 50"/>
+                    <p:cNvSpPr txBox="1"/>
+                    <p:nvPr/>
+                  </p:nvSpPr>
+                  <p:spPr>
+                    <a:xfrm>
+                      <a:off x="10172569" y="3551272"/>
+                      <a:ext cx="1484509" cy="307777"/>
+                    </a:xfrm>
+                    <a:prstGeom prst="rect">
+                      <a:avLst/>
+                    </a:prstGeom>
+                    <a:noFill/>
+                  </p:spPr>
+                  <p:txBody>
+                    <a:bodyPr wrap="none" lIns="0" tIns="0" rIns="0" bIns="0" rtlCol="0">
+                      <a:spAutoFit/>
+                    </a:bodyPr>
+                    <a:lstStyle/>
+                    <a:p>
+                      <a14:m>
+                        <m:oMathPara xmlns:m="http://schemas.openxmlformats.org/officeDocument/2006/math">
+                          <m:oMathParaPr>
+                            <m:jc m:val="centerGroup"/>
+                          </m:oMathParaPr>
+                          <m:oMath xmlns:m="http://schemas.openxmlformats.org/officeDocument/2006/math">
+                            <m:r>
+                              <a:rPr lang="en-US" sz="2000" b="0" i="1" smtClean="0">
+                                <a:latin typeface="Cambria Math" panose="02040503050406030204" pitchFamily="18" charset="0"/>
+                                <a:cs typeface="Arial" panose="020B0604020202020204" pitchFamily="34" charset="0"/>
+                              </a:rPr>
+                              <m:t>𝑡𝑟𝑎𝑛𝑠𝑚𝑖𝑡𝑡𝑒𝑑</m:t>
+                            </m:r>
+                          </m:oMath>
+                        </m:oMathPara>
+                      </a14:m>
+                      <a:endParaRPr lang="en-US" sz="2000" dirty="0" smtClean="0">
+                        <a:latin typeface="Arial" panose="020B0604020202020204" pitchFamily="34" charset="0"/>
+                        <a:cs typeface="Arial" panose="020B0604020202020204" pitchFamily="34" charset="0"/>
+                      </a:endParaRPr>
+                    </a:p>
+                  </p:txBody>
+                </p:sp>
+              </mc:Choice>
+              <mc:Fallback>
+                <p:sp>
+                  <p:nvSpPr>
+                    <p:cNvPr id="51" name="TextBox 50"/>
+                    <p:cNvSpPr txBox="1">
+                      <a:spLocks noRot="1" noChangeAspect="1" noMove="1" noResize="1" noEditPoints="1" noAdjustHandles="1" noChangeArrowheads="1" noChangeShapeType="1" noTextEdit="1"/>
+                    </p:cNvSpPr>
+                    <p:nvPr/>
+                  </p:nvSpPr>
+                  <p:spPr>
+                    <a:xfrm>
+                      <a:off x="10172569" y="3551272"/>
+                      <a:ext cx="1484509" cy="307777"/>
+                    </a:xfrm>
+                    <a:prstGeom prst="rect">
+                      <a:avLst/>
+                    </a:prstGeom>
+                    <a:blipFill>
+                      <a:blip r:embed="rId9"/>
+                      <a:stretch>
+                        <a:fillRect l="-3292" r="-3292" b="-12000"/>
+                      </a:stretch>
+                    </a:blipFill>
+                  </p:spPr>
+                  <p:txBody>
+                    <a:bodyPr/>
+                    <a:lstStyle/>
+                    <a:p>
+                      <a:r>
+                        <a:rPr lang="en-US">
+                          <a:noFill/>
+                        </a:rPr>
+                        <a:t> </a:t>
+                      </a:r>
+                    </a:p>
+                  </p:txBody>
+                </p:sp>
+              </mc:Fallback>
+            </mc:AlternateContent>
+          </p:grpSp>
+          <p:cxnSp>
+            <p:nvCxnSpPr>
+              <p:cNvPr id="53" name="Straight Arrow Connector 52"/>
+              <p:cNvCxnSpPr/>
+              <p:nvPr/>
+            </p:nvCxnSpPr>
+            <p:spPr>
+              <a:xfrm flipV="1">
+                <a:off x="8062033" y="1244939"/>
+                <a:ext cx="859321" cy="10160"/>
+              </a:xfrm>
+              <a:prstGeom prst="straightConnector1">
+                <a:avLst/>
+              </a:prstGeom>
+              <a:ln w="38100">
+                <a:solidFill>
+                  <a:schemeClr val="tx1"/>
+                </a:solidFill>
+                <a:tailEnd type="triangle"/>
+              </a:ln>
+            </p:spPr>
+            <p:style>
+              <a:lnRef idx="1">
+                <a:schemeClr val="accent1"/>
+              </a:lnRef>
+              <a:fillRef idx="0">
+                <a:schemeClr val="accent1"/>
+              </a:fillRef>
+              <a:effectRef idx="0">
+                <a:schemeClr val="accent1"/>
+              </a:effectRef>
+              <a:fontRef idx="minor">
+                <a:schemeClr val="tx1"/>
+              </a:fontRef>
+            </p:style>
+          </p:cxnSp>
+          <p:cxnSp>
+            <p:nvCxnSpPr>
+              <p:cNvPr id="54" name="Straight Arrow Connector 53"/>
+              <p:cNvCxnSpPr/>
+              <p:nvPr/>
+            </p:nvCxnSpPr>
+            <p:spPr>
+              <a:xfrm>
+                <a:off x="10485162" y="3054388"/>
+                <a:ext cx="568918" cy="0"/>
+              </a:xfrm>
+              <a:prstGeom prst="straightConnector1">
+                <a:avLst/>
+              </a:prstGeom>
+              <a:ln w="38100">
+                <a:solidFill>
+                  <a:schemeClr val="tx1"/>
+                </a:solidFill>
+                <a:tailEnd type="triangle"/>
+              </a:ln>
+            </p:spPr>
+            <p:style>
+              <a:lnRef idx="1">
+                <a:schemeClr val="accent1"/>
+              </a:lnRef>
+              <a:fillRef idx="0">
+                <a:schemeClr val="accent1"/>
+              </a:fillRef>
+              <a:effectRef idx="0">
+                <a:schemeClr val="accent1"/>
+              </a:effectRef>
+              <a:fontRef idx="minor">
+                <a:schemeClr val="tx1"/>
+              </a:fontRef>
+            </p:style>
+          </p:cxnSp>
+          <p:cxnSp>
+            <p:nvCxnSpPr>
+              <p:cNvPr id="56" name="Straight Arrow Connector 55"/>
+              <p:cNvCxnSpPr/>
+              <p:nvPr/>
+            </p:nvCxnSpPr>
+            <p:spPr>
+              <a:xfrm flipH="1" flipV="1">
+                <a:off x="8188578" y="3144364"/>
+                <a:ext cx="859320" cy="3174"/>
+              </a:xfrm>
+              <a:prstGeom prst="straightConnector1">
+                <a:avLst/>
+              </a:prstGeom>
+              <a:ln w="38100">
+                <a:solidFill>
+                  <a:schemeClr val="tx1"/>
+                </a:solidFill>
+                <a:tailEnd type="triangle"/>
+              </a:ln>
+            </p:spPr>
+            <p:style>
+              <a:lnRef idx="1">
+                <a:schemeClr val="accent1"/>
+              </a:lnRef>
+              <a:fillRef idx="0">
+                <a:schemeClr val="accent1"/>
+              </a:fillRef>
+              <a:effectRef idx="0">
+                <a:schemeClr val="accent1"/>
+              </a:effectRef>
+              <a:fontRef idx="minor">
+                <a:schemeClr val="tx1"/>
+              </a:fontRef>
+            </p:style>
+          </p:cxnSp>
+        </p:grpSp>
+        <mc:AlternateContent xmlns:mc="http://schemas.openxmlformats.org/markup-compatibility/2006">
+          <mc:Choice xmlns:a14="http://schemas.microsoft.com/office/drawing/2010/main" Requires="a14">
+            <p:sp>
+              <p:nvSpPr>
+                <p:cNvPr id="63" name="TextBox 62"/>
+                <p:cNvSpPr txBox="1"/>
+                <p:nvPr/>
+              </p:nvSpPr>
+              <p:spPr>
+                <a:xfrm>
+                  <a:off x="7806412" y="718287"/>
+                  <a:ext cx="1029256" cy="307777"/>
+                </a:xfrm>
+                <a:prstGeom prst="rect">
+                  <a:avLst/>
+                </a:prstGeom>
+                <a:noFill/>
+              </p:spPr>
+              <p:txBody>
+                <a:bodyPr wrap="none" lIns="0" tIns="0" rIns="0" bIns="0" rtlCol="0">
+                  <a:spAutoFit/>
+                </a:bodyPr>
+                <a:lstStyle/>
+                <a:p>
+                  <a14:m>
+                    <m:oMathPara xmlns:m="http://schemas.openxmlformats.org/officeDocument/2006/math">
+                      <m:oMathParaPr>
+                        <m:jc m:val="centerGroup"/>
+                      </m:oMathParaPr>
+                      <m:oMath xmlns:m="http://schemas.openxmlformats.org/officeDocument/2006/math">
+                        <m:r>
+                          <a:rPr lang="en-US" sz="2000" b="0" i="1" smtClean="0">
+                            <a:latin typeface="Cambria Math" panose="02040503050406030204" pitchFamily="18" charset="0"/>
+                            <a:cs typeface="Arial" panose="020B0604020202020204" pitchFamily="34" charset="0"/>
+                          </a:rPr>
+                          <m:t>𝑜𝑟𝑖𝑔𝑖𝑛𝑎𝑙</m:t>
+                        </m:r>
+                      </m:oMath>
+                    </m:oMathPara>
+                  </a14:m>
+                  <a:endParaRPr lang="en-US" sz="2000" dirty="0" smtClean="0">
+                    <a:latin typeface="Arial" panose="020B0604020202020204" pitchFamily="34" charset="0"/>
+                    <a:cs typeface="Arial" panose="020B0604020202020204" pitchFamily="34" charset="0"/>
+                  </a:endParaRPr>
+                </a:p>
+              </p:txBody>
+            </p:sp>
+          </mc:Choice>
+          <mc:Fallback>
+            <p:sp>
+              <p:nvSpPr>
+                <p:cNvPr id="63" name="TextBox 62"/>
+                <p:cNvSpPr txBox="1">
+                  <a:spLocks noRot="1" noChangeAspect="1" noMove="1" noResize="1" noEditPoints="1" noAdjustHandles="1" noChangeArrowheads="1" noChangeShapeType="1" noTextEdit="1"/>
+                </p:cNvSpPr>
+                <p:nvPr/>
+              </p:nvSpPr>
+              <p:spPr>
+                <a:xfrm>
+                  <a:off x="7806412" y="718287"/>
+                  <a:ext cx="1029256" cy="307777"/>
+                </a:xfrm>
+                <a:prstGeom prst="rect">
+                  <a:avLst/>
+                </a:prstGeom>
+                <a:blipFill>
+                  <a:blip r:embed="rId10"/>
+                  <a:stretch>
+                    <a:fillRect l="-7738" r="-7143" b="-38000"/>
+                  </a:stretch>
+                </a:blipFill>
+              </p:spPr>
+              <p:txBody>
+                <a:bodyPr/>
+                <a:lstStyle/>
+                <a:p>
+                  <a:r>
+                    <a:rPr lang="en-US">
+                      <a:noFill/>
+                    </a:rPr>
+                    <a:t> </a:t>
+                  </a:r>
+                </a:p>
+              </p:txBody>
+            </p:sp>
+          </mc:Fallback>
+        </mc:AlternateContent>
+      </p:grpSp>
+    </p:spTree>
+    <p:extLst>
+      <p:ext uri="{BB962C8B-B14F-4D97-AF65-F5344CB8AC3E}">
+        <p14:creationId xmlns:p14="http://schemas.microsoft.com/office/powerpoint/2010/main" val="2517186713"/>
+      </p:ext>
+    </p:extLst>
+  </p:cSld>
+  <p:clrMapOvr>
+    <a:masterClrMapping/>
+  </p:clrMapOvr>
+</p:sld>
+</file>
+
+<file path=ppt/slides/slide6.xml><?xml version="1.0" encoding="utf-8"?>
+<p:sld xmlns:a="http://schemas.openxmlformats.org/drawingml/2006/main" xmlns:r="http://schemas.openxmlformats.org/officeDocument/2006/relationships" xmlns:p="http://schemas.openxmlformats.org/presentationml/2006/main">
+  <p:cSld>
+    <p:spTree>
+      <p:nvGrpSpPr>
+        <p:cNvPr id="1" name=""/>
+        <p:cNvGrpSpPr/>
+        <p:nvPr/>
+      </p:nvGrpSpPr>
+      <p:grpSpPr>
+        <a:xfrm>
+          <a:off x="0" y="0"/>
+          <a:ext cx="0" cy="0"/>
+          <a:chOff x="0" y="0"/>
+          <a:chExt cx="0" cy="0"/>
+        </a:xfrm>
+      </p:grpSpPr>
+      <p:grpSp>
+        <p:nvGrpSpPr>
+          <p:cNvPr id="43" name="Group 42"/>
+          <p:cNvGrpSpPr/>
+          <p:nvPr/>
+        </p:nvGrpSpPr>
+        <p:grpSpPr>
+          <a:xfrm>
+            <a:off x="983165" y="774914"/>
+            <a:ext cx="4150131" cy="2160723"/>
+            <a:chOff x="983165" y="774914"/>
+            <a:chExt cx="4150131" cy="2160723"/>
+          </a:xfrm>
+        </p:grpSpPr>
+        <p:grpSp>
+          <p:nvGrpSpPr>
+            <p:cNvPr id="40" name="Group 39"/>
+            <p:cNvGrpSpPr/>
+            <p:nvPr/>
+          </p:nvGrpSpPr>
+          <p:grpSpPr>
+            <a:xfrm>
+              <a:off x="983165" y="1044130"/>
+              <a:ext cx="4150131" cy="1891507"/>
+              <a:chOff x="1917885" y="1247330"/>
+              <a:chExt cx="4150131" cy="1891507"/>
+            </a:xfrm>
+          </p:grpSpPr>
+          <p:sp>
+            <p:nvSpPr>
+              <p:cNvPr id="5" name="Freeform 4"/>
+              <p:cNvSpPr/>
+              <p:nvPr/>
+            </p:nvSpPr>
+            <p:spPr>
+              <a:xfrm>
+                <a:off x="2600960" y="1656081"/>
+                <a:ext cx="3322320" cy="1127760"/>
+              </a:xfrm>
+              <a:custGeom>
+                <a:avLst/>
+                <a:gdLst>
+                  <a:gd name="connsiteX0" fmla="*/ 0 w 3789680"/>
+                  <a:gd name="connsiteY0" fmla="*/ 1147089 h 1147089"/>
+                  <a:gd name="connsiteX1" fmla="*/ 1503680 w 3789680"/>
+                  <a:gd name="connsiteY1" fmla="*/ 19329 h 1147089"/>
+                  <a:gd name="connsiteX2" fmla="*/ 3789680 w 3789680"/>
+                  <a:gd name="connsiteY2" fmla="*/ 405409 h 1147089"/>
+                  <a:gd name="connsiteX3" fmla="*/ 3789680 w 3789680"/>
+                  <a:gd name="connsiteY3" fmla="*/ 405409 h 1147089"/>
+                  <a:gd name="connsiteX0" fmla="*/ 0 w 3789680"/>
+                  <a:gd name="connsiteY0" fmla="*/ 918872 h 918872"/>
+                  <a:gd name="connsiteX1" fmla="*/ 1737360 w 3789680"/>
+                  <a:gd name="connsiteY1" fmla="*/ 34952 h 918872"/>
+                  <a:gd name="connsiteX2" fmla="*/ 3789680 w 3789680"/>
+                  <a:gd name="connsiteY2" fmla="*/ 177192 h 918872"/>
+                  <a:gd name="connsiteX3" fmla="*/ 3789680 w 3789680"/>
+                  <a:gd name="connsiteY3" fmla="*/ 177192 h 918872"/>
+                  <a:gd name="connsiteX0" fmla="*/ 0 w 3926754"/>
+                  <a:gd name="connsiteY0" fmla="*/ 1270000 h 1270000"/>
+                  <a:gd name="connsiteX1" fmla="*/ 1737360 w 3926754"/>
+                  <a:gd name="connsiteY1" fmla="*/ 386080 h 1270000"/>
+                  <a:gd name="connsiteX2" fmla="*/ 3789680 w 3926754"/>
+                  <a:gd name="connsiteY2" fmla="*/ 528320 h 1270000"/>
+                  <a:gd name="connsiteX3" fmla="*/ 3728720 w 3926754"/>
+                  <a:gd name="connsiteY3" fmla="*/ 0 h 1270000"/>
+                  <a:gd name="connsiteX0" fmla="*/ 0 w 3729522"/>
+                  <a:gd name="connsiteY0" fmla="*/ 1270000 h 1270000"/>
+                  <a:gd name="connsiteX1" fmla="*/ 1737360 w 3729522"/>
+                  <a:gd name="connsiteY1" fmla="*/ 386080 h 1270000"/>
+                  <a:gd name="connsiteX2" fmla="*/ 3048000 w 3729522"/>
+                  <a:gd name="connsiteY2" fmla="*/ 243840 h 1270000"/>
+                  <a:gd name="connsiteX3" fmla="*/ 3728720 w 3729522"/>
+                  <a:gd name="connsiteY3" fmla="*/ 0 h 1270000"/>
+                  <a:gd name="connsiteX0" fmla="*/ 0 w 3728720"/>
+                  <a:gd name="connsiteY0" fmla="*/ 1270000 h 1270000"/>
+                  <a:gd name="connsiteX1" fmla="*/ 1737360 w 3728720"/>
+                  <a:gd name="connsiteY1" fmla="*/ 386080 h 1270000"/>
+                  <a:gd name="connsiteX2" fmla="*/ 3728720 w 3728720"/>
+                  <a:gd name="connsiteY2" fmla="*/ 0 h 1270000"/>
+                  <a:gd name="connsiteX0" fmla="*/ 0 w 3718560"/>
+                  <a:gd name="connsiteY0" fmla="*/ 1239520 h 1239520"/>
+                  <a:gd name="connsiteX1" fmla="*/ 1737360 w 3718560"/>
+                  <a:gd name="connsiteY1" fmla="*/ 355600 h 1239520"/>
+                  <a:gd name="connsiteX2" fmla="*/ 3718560 w 3718560"/>
+                  <a:gd name="connsiteY2" fmla="*/ 0 h 1239520"/>
+                  <a:gd name="connsiteX0" fmla="*/ 0 w 3718560"/>
+                  <a:gd name="connsiteY0" fmla="*/ 1241303 h 1241303"/>
+                  <a:gd name="connsiteX1" fmla="*/ 1737360 w 3718560"/>
+                  <a:gd name="connsiteY1" fmla="*/ 357383 h 1241303"/>
+                  <a:gd name="connsiteX2" fmla="*/ 3718560 w 3718560"/>
+                  <a:gd name="connsiteY2" fmla="*/ 1783 h 1241303"/>
+                  <a:gd name="connsiteX0" fmla="*/ 0 w 3718560"/>
+                  <a:gd name="connsiteY0" fmla="*/ 1241627 h 1241627"/>
+                  <a:gd name="connsiteX1" fmla="*/ 1737360 w 3718560"/>
+                  <a:gd name="connsiteY1" fmla="*/ 357707 h 1241627"/>
+                  <a:gd name="connsiteX2" fmla="*/ 3718560 w 3718560"/>
+                  <a:gd name="connsiteY2" fmla="*/ 2107 h 1241627"/>
+                  <a:gd name="connsiteX0" fmla="*/ 0 w 3718560"/>
+                  <a:gd name="connsiteY0" fmla="*/ 1241627 h 1241627"/>
+                  <a:gd name="connsiteX1" fmla="*/ 1737360 w 3718560"/>
+                  <a:gd name="connsiteY1" fmla="*/ 357707 h 1241627"/>
+                  <a:gd name="connsiteX2" fmla="*/ 3718560 w 3718560"/>
+                  <a:gd name="connsiteY2" fmla="*/ 2107 h 1241627"/>
+                  <a:gd name="connsiteX0" fmla="*/ 0 w 3718560"/>
+                  <a:gd name="connsiteY0" fmla="*/ 1243144 h 1243144"/>
+                  <a:gd name="connsiteX1" fmla="*/ 1554480 w 3718560"/>
+                  <a:gd name="connsiteY1" fmla="*/ 288104 h 1243144"/>
+                  <a:gd name="connsiteX2" fmla="*/ 3718560 w 3718560"/>
+                  <a:gd name="connsiteY2" fmla="*/ 3624 h 1243144"/>
+                  <a:gd name="connsiteX0" fmla="*/ 0 w 3718560"/>
+                  <a:gd name="connsiteY0" fmla="*/ 1243144 h 1243144"/>
+                  <a:gd name="connsiteX1" fmla="*/ 1554480 w 3718560"/>
+                  <a:gd name="connsiteY1" fmla="*/ 288104 h 1243144"/>
+                  <a:gd name="connsiteX2" fmla="*/ 3718560 w 3718560"/>
+                  <a:gd name="connsiteY2" fmla="*/ 3624 h 1243144"/>
+                  <a:gd name="connsiteX0" fmla="*/ 0 w 3312160"/>
+                  <a:gd name="connsiteY0" fmla="*/ 1183153 h 1183153"/>
+                  <a:gd name="connsiteX1" fmla="*/ 1554480 w 3312160"/>
+                  <a:gd name="connsiteY1" fmla="*/ 228113 h 1183153"/>
+                  <a:gd name="connsiteX2" fmla="*/ 3312160 w 3312160"/>
+                  <a:gd name="connsiteY2" fmla="*/ 4593 h 1183153"/>
+                  <a:gd name="connsiteX0" fmla="*/ 0 w 3312160"/>
+                  <a:gd name="connsiteY0" fmla="*/ 1178560 h 1178560"/>
+                  <a:gd name="connsiteX1" fmla="*/ 1554480 w 3312160"/>
+                  <a:gd name="connsiteY1" fmla="*/ 223520 h 1178560"/>
+                  <a:gd name="connsiteX2" fmla="*/ 3312160 w 3312160"/>
+                  <a:gd name="connsiteY2" fmla="*/ 0 h 1178560"/>
+                  <a:gd name="connsiteX0" fmla="*/ 0 w 3322320"/>
+                  <a:gd name="connsiteY0" fmla="*/ 1127760 h 1127760"/>
+                  <a:gd name="connsiteX1" fmla="*/ 1554480 w 3322320"/>
+                  <a:gd name="connsiteY1" fmla="*/ 172720 h 1127760"/>
+                  <a:gd name="connsiteX2" fmla="*/ 3322320 w 3322320"/>
+                  <a:gd name="connsiteY2" fmla="*/ 0 h 1127760"/>
+                  <a:gd name="connsiteX0" fmla="*/ 0 w 3322320"/>
+                  <a:gd name="connsiteY0" fmla="*/ 1127760 h 1127760"/>
+                  <a:gd name="connsiteX1" fmla="*/ 1554480 w 3322320"/>
+                  <a:gd name="connsiteY1" fmla="*/ 172720 h 1127760"/>
+                  <a:gd name="connsiteX2" fmla="*/ 3322320 w 3322320"/>
+                  <a:gd name="connsiteY2" fmla="*/ 0 h 1127760"/>
+                  <a:gd name="connsiteX0" fmla="*/ 0 w 3322320"/>
+                  <a:gd name="connsiteY0" fmla="*/ 1127760 h 1127760"/>
+                  <a:gd name="connsiteX1" fmla="*/ 1554480 w 3322320"/>
+                  <a:gd name="connsiteY1" fmla="*/ 172720 h 1127760"/>
+                  <a:gd name="connsiteX2" fmla="*/ 3322320 w 3322320"/>
+                  <a:gd name="connsiteY2" fmla="*/ 0 h 1127760"/>
+                  <a:gd name="connsiteX0" fmla="*/ 0 w 3322320"/>
+                  <a:gd name="connsiteY0" fmla="*/ 1127760 h 1127760"/>
+                  <a:gd name="connsiteX1" fmla="*/ 1554480 w 3322320"/>
+                  <a:gd name="connsiteY1" fmla="*/ 172720 h 1127760"/>
+                  <a:gd name="connsiteX2" fmla="*/ 3322320 w 3322320"/>
+                  <a:gd name="connsiteY2" fmla="*/ 0 h 1127760"/>
+                  <a:gd name="connsiteX0" fmla="*/ 0 w 3322320"/>
+                  <a:gd name="connsiteY0" fmla="*/ 1127760 h 1127760"/>
+                  <a:gd name="connsiteX1" fmla="*/ 1554480 w 3322320"/>
+                  <a:gd name="connsiteY1" fmla="*/ 172720 h 1127760"/>
+                  <a:gd name="connsiteX2" fmla="*/ 3322320 w 3322320"/>
+                  <a:gd name="connsiteY2" fmla="*/ 0 h 1127760"/>
+                  <a:gd name="connsiteX0" fmla="*/ 0 w 3322320"/>
+                  <a:gd name="connsiteY0" fmla="*/ 1127760 h 1127760"/>
+                  <a:gd name="connsiteX1" fmla="*/ 1554480 w 3322320"/>
+                  <a:gd name="connsiteY1" fmla="*/ 172720 h 1127760"/>
+                  <a:gd name="connsiteX2" fmla="*/ 3322320 w 3322320"/>
+                  <a:gd name="connsiteY2" fmla="*/ 0 h 1127760"/>
+                </a:gdLst>
+                <a:ahLst/>
+                <a:cxnLst>
+                  <a:cxn ang="0">
+                    <a:pos x="connsiteX0" y="connsiteY0"/>
+                  </a:cxn>
+                  <a:cxn ang="0">
+                    <a:pos x="connsiteX1" y="connsiteY1"/>
+                  </a:cxn>
+                  <a:cxn ang="0">
+                    <a:pos x="connsiteX2" y="connsiteY2"/>
+                  </a:cxn>
+                </a:cxnLst>
+                <a:rect l="l" t="t" r="r" b="b"/>
+                <a:pathLst>
+                  <a:path w="3322320" h="1127760">
+                    <a:moveTo>
+                      <a:pt x="0" y="1127760"/>
+                    </a:moveTo>
+                    <a:cubicBezTo>
+                      <a:pt x="547793" y="1052406"/>
+                      <a:pt x="1000760" y="360680"/>
+                      <a:pt x="1554480" y="172720"/>
+                    </a:cubicBezTo>
+                    <a:cubicBezTo>
+                      <a:pt x="2108200" y="-15240"/>
+                      <a:pt x="2856653" y="9313"/>
+                      <a:pt x="3322320" y="0"/>
+                    </a:cubicBezTo>
+                  </a:path>
+                </a:pathLst>
+              </a:custGeom>
+              <a:noFill/>
+              <a:ln w="28575">
+                <a:solidFill>
+                  <a:schemeClr val="accent4">
+                    <a:lumMod val="75000"/>
+                  </a:schemeClr>
+                </a:solidFill>
+              </a:ln>
+            </p:spPr>
+            <p:style>
+              <a:lnRef idx="2">
+                <a:schemeClr val="accent1">
+                  <a:shade val="50000"/>
+                </a:schemeClr>
+              </a:lnRef>
+              <a:fillRef idx="1">
+                <a:schemeClr val="accent1"/>
+              </a:fillRef>
+              <a:effectRef idx="0">
+                <a:schemeClr val="accent1"/>
+              </a:effectRef>
+              <a:fontRef idx="minor">
+                <a:schemeClr val="lt1"/>
+              </a:fontRef>
+            </p:style>
+            <p:txBody>
+              <a:bodyPr rtlCol="0" anchor="ctr"/>
+              <a:lstStyle/>
+              <a:p>
+                <a:pPr algn="ctr"/>
+                <a:endParaRPr lang="en-US"/>
+              </a:p>
+            </p:txBody>
+          </p:sp>
+          <p:cxnSp>
+            <p:nvCxnSpPr>
+              <p:cNvPr id="7" name="Straight Connector 6"/>
+              <p:cNvCxnSpPr/>
+              <p:nvPr/>
+            </p:nvCxnSpPr>
+            <p:spPr>
+              <a:xfrm flipH="1">
+                <a:off x="3921760" y="1737360"/>
+                <a:ext cx="538480" cy="203200"/>
+              </a:xfrm>
+              <a:prstGeom prst="line">
+                <a:avLst/>
+              </a:prstGeom>
+              <a:ln w="76200">
+                <a:solidFill>
+                  <a:schemeClr val="tx1"/>
+                </a:solidFill>
+              </a:ln>
+            </p:spPr>
+            <p:style>
+              <a:lnRef idx="1">
+                <a:schemeClr val="accent1"/>
+              </a:lnRef>
+              <a:fillRef idx="0">
+                <a:schemeClr val="accent1"/>
+              </a:fillRef>
+              <a:effectRef idx="0">
+                <a:schemeClr val="accent1"/>
+              </a:effectRef>
+              <a:fontRef idx="minor">
+                <a:schemeClr val="tx1"/>
+              </a:fontRef>
+            </p:style>
+          </p:cxnSp>
+          <p:grpSp>
+            <p:nvGrpSpPr>
+              <p:cNvPr id="10" name="Group 9"/>
+              <p:cNvGrpSpPr/>
+              <p:nvPr/>
+            </p:nvGrpSpPr>
+            <p:grpSpPr>
+              <a:xfrm>
+                <a:off x="1917885" y="2428842"/>
+                <a:ext cx="898789" cy="709995"/>
+                <a:chOff x="758520" y="708040"/>
+                <a:chExt cx="2596102" cy="2135605"/>
+              </a:xfrm>
+            </p:grpSpPr>
+            <p:grpSp>
+              <p:nvGrpSpPr>
+                <p:cNvPr id="11" name="Group 10"/>
+                <p:cNvGrpSpPr/>
+                <p:nvPr/>
+              </p:nvGrpSpPr>
+              <p:grpSpPr>
+                <a:xfrm>
+                  <a:off x="758520" y="708040"/>
+                  <a:ext cx="2596102" cy="2135605"/>
+                  <a:chOff x="785815" y="680744"/>
+                  <a:chExt cx="2596102" cy="2135605"/>
+                </a:xfrm>
+              </p:grpSpPr>
+              <p:cxnSp>
+                <p:nvCxnSpPr>
+                  <p:cNvPr id="13" name="Straight Arrow Connector 12"/>
+                  <p:cNvCxnSpPr/>
+                  <p:nvPr/>
+                </p:nvCxnSpPr>
+                <p:spPr>
+                  <a:xfrm flipV="1">
+                    <a:off x="1516583" y="680744"/>
+                    <a:ext cx="7683" cy="1859535"/>
+                  </a:xfrm>
+                  <a:prstGeom prst="straightConnector1">
+                    <a:avLst/>
+                  </a:prstGeom>
+                  <a:ln w="38100">
+                    <a:solidFill>
+                      <a:schemeClr val="tx1"/>
+                    </a:solidFill>
+                    <a:tailEnd type="triangle"/>
+                  </a:ln>
+                </p:spPr>
+                <p:style>
+                  <a:lnRef idx="1">
+                    <a:schemeClr val="accent1"/>
+                  </a:lnRef>
+                  <a:fillRef idx="0">
+                    <a:schemeClr val="accent1"/>
+                  </a:fillRef>
+                  <a:effectRef idx="0">
+                    <a:schemeClr val="accent1"/>
+                  </a:effectRef>
+                  <a:fontRef idx="minor">
+                    <a:schemeClr val="tx1"/>
+                  </a:fontRef>
+                </p:style>
+              </p:cxnSp>
+              <p:cxnSp>
+                <p:nvCxnSpPr>
+                  <p:cNvPr id="14" name="Straight Arrow Connector 13"/>
+                  <p:cNvCxnSpPr/>
+                  <p:nvPr/>
+                </p:nvCxnSpPr>
+                <p:spPr>
+                  <a:xfrm flipV="1">
+                    <a:off x="1507013" y="2535259"/>
+                    <a:ext cx="1874904" cy="1"/>
+                  </a:xfrm>
+                  <a:prstGeom prst="straightConnector1">
+                    <a:avLst/>
+                  </a:prstGeom>
+                  <a:ln w="38100">
+                    <a:solidFill>
+                      <a:schemeClr val="tx1"/>
+                    </a:solidFill>
+                    <a:tailEnd type="triangle"/>
+                  </a:ln>
+                </p:spPr>
+                <p:style>
+                  <a:lnRef idx="1">
+                    <a:schemeClr val="accent1"/>
+                  </a:lnRef>
+                  <a:fillRef idx="0">
+                    <a:schemeClr val="accent1"/>
+                  </a:fillRef>
+                  <a:effectRef idx="0">
+                    <a:schemeClr val="accent1"/>
+                  </a:effectRef>
+                  <a:fontRef idx="minor">
+                    <a:schemeClr val="tx1"/>
+                  </a:fontRef>
+                </p:style>
+              </p:cxnSp>
+              <mc:AlternateContent xmlns:mc="http://schemas.openxmlformats.org/markup-compatibility/2006" xmlns:a14="http://schemas.microsoft.com/office/drawing/2010/main">
+                <mc:Choice Requires="a14">
+                  <p:sp>
+                    <p:nvSpPr>
+                      <p:cNvPr id="15" name="Rectangle 14"/>
+                      <p:cNvSpPr/>
+                      <p:nvPr/>
+                    </p:nvSpPr>
+                    <p:spPr>
+                      <a:xfrm>
+                        <a:off x="2697555" y="2447016"/>
+                        <a:ext cx="367985" cy="369333"/>
+                      </a:xfrm>
+                      <a:prstGeom prst="rect">
+                        <a:avLst/>
+                      </a:prstGeom>
+                    </p:spPr>
+                    <p:txBody>
+                      <a:bodyPr wrap="none">
+                        <a:spAutoFit/>
+                      </a:bodyPr>
+                      <a:lstStyle/>
+                      <a:p>
+                        <a:pPr/>
+                        <a14:m>
+                          <m:oMathPara xmlns:m="http://schemas.openxmlformats.org/officeDocument/2006/math">
+                            <m:oMathParaPr>
+                              <m:jc m:val="centerGroup"/>
+                            </m:oMathParaPr>
+                            <m:oMath xmlns:m="http://schemas.openxmlformats.org/officeDocument/2006/math">
+                              <m:r>
+                                <a:rPr lang="en-US" i="1">
+                                  <a:latin typeface="Cambria Math" panose="02040503050406030204" pitchFamily="18" charset="0"/>
+                                  <a:cs typeface="Arial" panose="020B0604020202020204" pitchFamily="34" charset="0"/>
+                                </a:rPr>
+                                <m:t>𝑥</m:t>
+                              </m:r>
+                            </m:oMath>
+                          </m:oMathPara>
+                        </a14:m>
+                        <a:endParaRPr lang="en-CA" dirty="0"/>
+                      </a:p>
+                    </p:txBody>
+                  </p:sp>
+                </mc:Choice>
+                <mc:Fallback xmlns="">
+                  <p:sp>
+                    <p:nvSpPr>
+                      <p:cNvPr id="107" name="Rectangle 106"/>
+                      <p:cNvSpPr>
+                        <a:spLocks noRot="1" noChangeAspect="1" noMove="1" noResize="1" noEditPoints="1" noAdjustHandles="1" noChangeArrowheads="1" noChangeShapeType="1" noTextEdit="1"/>
+                      </p:cNvSpPr>
+                      <p:nvPr/>
+                    </p:nvSpPr>
+                    <p:spPr>
+                      <a:xfrm>
+                        <a:off x="2697555" y="2447016"/>
+                        <a:ext cx="367985" cy="369333"/>
+                      </a:xfrm>
+                      <a:prstGeom prst="rect">
+                        <a:avLst/>
+                      </a:prstGeom>
+                      <a:blipFill>
+                        <a:blip r:embed="rId27"/>
+                        <a:stretch>
+                          <a:fillRect r="-95238" b="-160000"/>
+                        </a:stretch>
+                      </a:blipFill>
+                    </p:spPr>
+                    <p:txBody>
+                      <a:bodyPr/>
+                      <a:lstStyle/>
+                      <a:p>
+                        <a:r>
+                          <a:rPr lang="en-US">
+                            <a:noFill/>
+                          </a:rPr>
+                          <a:t> </a:t>
+                        </a:r>
+                      </a:p>
+                    </p:txBody>
+                  </p:sp>
+                </mc:Fallback>
+              </mc:AlternateContent>
+              <mc:AlternateContent xmlns:mc="http://schemas.openxmlformats.org/markup-compatibility/2006" xmlns:a14="http://schemas.microsoft.com/office/drawing/2010/main">
+                <mc:Choice Requires="a14">
+                  <p:sp>
+                    <p:nvSpPr>
+                      <p:cNvPr id="16" name="Rectangle 15"/>
+                      <p:cNvSpPr/>
+                      <p:nvPr/>
+                    </p:nvSpPr>
+                    <p:spPr>
+                      <a:xfrm>
+                        <a:off x="785815" y="912420"/>
+                        <a:ext cx="371385" cy="369333"/>
+                      </a:xfrm>
+                      <a:prstGeom prst="rect">
+                        <a:avLst/>
+                      </a:prstGeom>
+                    </p:spPr>
+                    <p:txBody>
+                      <a:bodyPr wrap="none">
+                        <a:spAutoFit/>
+                      </a:bodyPr>
+                      <a:lstStyle/>
+                      <a:p>
+                        <a:pPr/>
+                        <a14:m>
+                          <m:oMathPara xmlns:m="http://schemas.openxmlformats.org/officeDocument/2006/math">
+                            <m:oMathParaPr>
+                              <m:jc m:val="centerGroup"/>
+                            </m:oMathParaPr>
+                            <m:oMath xmlns:m="http://schemas.openxmlformats.org/officeDocument/2006/math">
+                              <m:r>
+                                <a:rPr lang="en-US" b="0" i="1" smtClean="0">
+                                  <a:latin typeface="Cambria Math" panose="02040503050406030204" pitchFamily="18" charset="0"/>
+                                </a:rPr>
+                                <m:t>𝑦</m:t>
+                              </m:r>
+                            </m:oMath>
+                          </m:oMathPara>
+                        </a14:m>
+                        <a:endParaRPr lang="en-CA" dirty="0"/>
+                      </a:p>
+                    </p:txBody>
+                  </p:sp>
+                </mc:Choice>
+                <mc:Fallback xmlns="">
+                  <p:sp>
+                    <p:nvSpPr>
+                      <p:cNvPr id="108" name="Rectangle 107"/>
+                      <p:cNvSpPr>
+                        <a:spLocks noRot="1" noChangeAspect="1" noMove="1" noResize="1" noEditPoints="1" noAdjustHandles="1" noChangeArrowheads="1" noChangeShapeType="1" noTextEdit="1"/>
+                      </p:cNvSpPr>
+                      <p:nvPr/>
+                    </p:nvSpPr>
+                    <p:spPr>
+                      <a:xfrm>
+                        <a:off x="785815" y="912420"/>
+                        <a:ext cx="371385" cy="369333"/>
+                      </a:xfrm>
+                      <a:prstGeom prst="rect">
+                        <a:avLst/>
+                      </a:prstGeom>
+                      <a:blipFill>
+                        <a:blip r:embed="rId28"/>
+                        <a:stretch>
+                          <a:fillRect l="-19048" r="-114286" b="-220000"/>
+                        </a:stretch>
+                      </a:blipFill>
+                    </p:spPr>
+                    <p:txBody>
+                      <a:bodyPr/>
+                      <a:lstStyle/>
+                      <a:p>
+                        <a:r>
+                          <a:rPr lang="en-US">
+                            <a:noFill/>
+                          </a:rPr>
+                          <a:t> </a:t>
+                        </a:r>
+                      </a:p>
+                    </p:txBody>
+                  </p:sp>
+                </mc:Fallback>
+              </mc:AlternateContent>
+              <mc:AlternateContent xmlns:mc="http://schemas.openxmlformats.org/markup-compatibility/2006" xmlns:a14="http://schemas.microsoft.com/office/drawing/2010/main">
+                <mc:Choice Requires="a14">
+                  <p:sp>
+                    <p:nvSpPr>
+                      <p:cNvPr id="17" name="Rectangle 16"/>
+                      <p:cNvSpPr/>
+                      <p:nvPr/>
+                    </p:nvSpPr>
+                    <p:spPr>
+                      <a:xfrm>
+                        <a:off x="1006642" y="2350591"/>
+                        <a:ext cx="367985" cy="369333"/>
+                      </a:xfrm>
+                      <a:prstGeom prst="rect">
+                        <a:avLst/>
+                      </a:prstGeom>
+                    </p:spPr>
+                    <p:txBody>
+                      <a:bodyPr wrap="none">
+                        <a:spAutoFit/>
+                      </a:bodyPr>
+                      <a:lstStyle/>
+                      <a:p>
+                        <a:pPr/>
+                        <a14:m>
+                          <m:oMathPara xmlns:m="http://schemas.openxmlformats.org/officeDocument/2006/math">
+                            <m:oMathParaPr>
+                              <m:jc m:val="centerGroup"/>
+                            </m:oMathParaPr>
+                            <m:oMath xmlns:m="http://schemas.openxmlformats.org/officeDocument/2006/math">
+                              <m:r>
+                                <a:rPr lang="en-US" b="0" i="1" smtClean="0">
+                                  <a:latin typeface="Cambria Math" panose="02040503050406030204" pitchFamily="18" charset="0"/>
+                                  <a:cs typeface="Arial" panose="020B0604020202020204" pitchFamily="34" charset="0"/>
+                                </a:rPr>
+                                <m:t>0</m:t>
+                              </m:r>
+                            </m:oMath>
+                          </m:oMathPara>
+                        </a14:m>
+                        <a:endParaRPr lang="en-CA" dirty="0"/>
+                      </a:p>
+                    </p:txBody>
+                  </p:sp>
+                </mc:Choice>
+                <mc:Fallback xmlns="">
+                  <p:sp>
+                    <p:nvSpPr>
+                      <p:cNvPr id="109" name="Rectangle 108"/>
+                      <p:cNvSpPr>
+                        <a:spLocks noRot="1" noChangeAspect="1" noMove="1" noResize="1" noEditPoints="1" noAdjustHandles="1" noChangeArrowheads="1" noChangeShapeType="1" noTextEdit="1"/>
+                      </p:cNvSpPr>
+                      <p:nvPr/>
+                    </p:nvSpPr>
+                    <p:spPr>
+                      <a:xfrm>
+                        <a:off x="1006642" y="2350591"/>
+                        <a:ext cx="367985" cy="369333"/>
+                      </a:xfrm>
+                      <a:prstGeom prst="rect">
+                        <a:avLst/>
+                      </a:prstGeom>
+                      <a:blipFill>
+                        <a:blip r:embed="rId29"/>
+                        <a:stretch>
+                          <a:fillRect l="-14286" r="-114286" b="-180000"/>
+                        </a:stretch>
+                      </a:blipFill>
+                    </p:spPr>
+                    <p:txBody>
+                      <a:bodyPr/>
+                      <a:lstStyle/>
+                      <a:p>
+                        <a:r>
+                          <a:rPr lang="en-US">
+                            <a:noFill/>
+                          </a:rPr>
+                          <a:t> </a:t>
+                        </a:r>
+                      </a:p>
+                    </p:txBody>
+                  </p:sp>
+                </mc:Fallback>
+              </mc:AlternateContent>
+            </p:grpSp>
+            <p:sp>
+              <p:nvSpPr>
+                <p:cNvPr id="12" name="Rectangle 11"/>
+                <p:cNvSpPr/>
+                <p:nvPr/>
+              </p:nvSpPr>
+              <p:spPr>
+                <a:xfrm>
+                  <a:off x="1129904" y="1614682"/>
+                  <a:ext cx="184731" cy="369332"/>
+                </a:xfrm>
+                <a:prstGeom prst="rect">
+                  <a:avLst/>
+                </a:prstGeom>
+              </p:spPr>
+              <p:txBody>
+                <a:bodyPr wrap="none">
+                  <a:spAutoFit/>
+                </a:bodyPr>
+                <a:lstStyle/>
+                <a:p>
+                  <a:endParaRPr lang="en-CA" dirty="0"/>
+                </a:p>
+              </p:txBody>
+            </p:sp>
+          </p:grpSp>
+          <p:cxnSp>
+            <p:nvCxnSpPr>
+              <p:cNvPr id="19" name="Straight Arrow Connector 18"/>
+              <p:cNvCxnSpPr/>
+              <p:nvPr/>
+            </p:nvCxnSpPr>
+            <p:spPr>
+              <a:xfrm flipV="1">
+                <a:off x="4460240" y="1412240"/>
+                <a:ext cx="762000" cy="325120"/>
+              </a:xfrm>
+              <a:prstGeom prst="straightConnector1">
+                <a:avLst/>
+              </a:prstGeom>
+              <a:ln w="38100">
+                <a:solidFill>
+                  <a:schemeClr val="tx1"/>
+                </a:solidFill>
+                <a:tailEnd type="triangle"/>
+              </a:ln>
+            </p:spPr>
+            <p:style>
+              <a:lnRef idx="1">
+                <a:schemeClr val="accent1"/>
+              </a:lnRef>
+              <a:fillRef idx="0">
+                <a:schemeClr val="accent1"/>
+              </a:fillRef>
+              <a:effectRef idx="0">
+                <a:schemeClr val="accent1"/>
+              </a:effectRef>
+              <a:fontRef idx="minor">
+                <a:schemeClr val="tx1"/>
+              </a:fontRef>
+            </p:style>
+          </p:cxnSp>
+          <p:cxnSp>
+            <p:nvCxnSpPr>
+              <p:cNvPr id="20" name="Straight Arrow Connector 19"/>
+              <p:cNvCxnSpPr/>
+              <p:nvPr/>
+            </p:nvCxnSpPr>
+            <p:spPr>
+              <a:xfrm flipH="1">
+                <a:off x="3302000" y="1940560"/>
+                <a:ext cx="619760" cy="406400"/>
+              </a:xfrm>
+              <a:prstGeom prst="straightConnector1">
+                <a:avLst/>
+              </a:prstGeom>
+              <a:ln w="38100">
+                <a:solidFill>
+                  <a:schemeClr val="tx1"/>
+                </a:solidFill>
+                <a:tailEnd type="triangle"/>
+              </a:ln>
+            </p:spPr>
+            <p:style>
+              <a:lnRef idx="1">
+                <a:schemeClr val="accent1"/>
+              </a:lnRef>
+              <a:fillRef idx="0">
+                <a:schemeClr val="accent1"/>
+              </a:fillRef>
+              <a:effectRef idx="0">
+                <a:schemeClr val="accent1"/>
+              </a:effectRef>
+              <a:fontRef idx="minor">
+                <a:schemeClr val="tx1"/>
+              </a:fontRef>
+            </p:style>
+          </p:cxnSp>
+          <p:cxnSp>
+            <p:nvCxnSpPr>
+              <p:cNvPr id="24" name="Straight Connector 23"/>
+              <p:cNvCxnSpPr/>
+              <p:nvPr/>
+            </p:nvCxnSpPr>
+            <p:spPr>
+              <a:xfrm flipV="1">
+                <a:off x="4460240" y="1737360"/>
+                <a:ext cx="1607776" cy="5395"/>
+              </a:xfrm>
+              <a:prstGeom prst="line">
+                <a:avLst/>
+              </a:prstGeom>
+              <a:ln w="19050">
+                <a:solidFill>
+                  <a:schemeClr val="tx1"/>
+                </a:solidFill>
+                <a:prstDash val="sysDot"/>
+              </a:ln>
+            </p:spPr>
+            <p:style>
+              <a:lnRef idx="1">
+                <a:schemeClr val="accent1"/>
+              </a:lnRef>
+              <a:fillRef idx="0">
+                <a:schemeClr val="accent1"/>
+              </a:fillRef>
+              <a:effectRef idx="0">
+                <a:schemeClr val="accent1"/>
+              </a:effectRef>
+              <a:fontRef idx="minor">
+                <a:schemeClr val="tx1"/>
+              </a:fontRef>
+            </p:style>
+          </p:cxnSp>
+          <p:cxnSp>
+            <p:nvCxnSpPr>
+              <p:cNvPr id="28" name="Straight Connector 27"/>
+              <p:cNvCxnSpPr/>
+              <p:nvPr/>
+            </p:nvCxnSpPr>
+            <p:spPr>
+              <a:xfrm flipV="1">
+                <a:off x="2284403" y="1938892"/>
+                <a:ext cx="1607776" cy="5395"/>
+              </a:xfrm>
+              <a:prstGeom prst="line">
+                <a:avLst/>
+              </a:prstGeom>
+              <a:ln w="19050">
+                <a:solidFill>
+                  <a:schemeClr val="tx1"/>
+                </a:solidFill>
+                <a:prstDash val="sysDot"/>
+              </a:ln>
+            </p:spPr>
+            <p:style>
+              <a:lnRef idx="1">
+                <a:schemeClr val="accent1"/>
+              </a:lnRef>
+              <a:fillRef idx="0">
+                <a:schemeClr val="accent1"/>
+              </a:fillRef>
+              <a:effectRef idx="0">
+                <a:schemeClr val="accent1"/>
+              </a:effectRef>
+              <a:fontRef idx="minor">
+                <a:schemeClr val="tx1"/>
+              </a:fontRef>
+            </p:style>
+          </p:cxnSp>
+          <p:cxnSp>
+            <p:nvCxnSpPr>
+              <p:cNvPr id="30" name="Straight Arrow Connector 29"/>
+              <p:cNvCxnSpPr/>
+              <p:nvPr/>
+            </p:nvCxnSpPr>
+            <p:spPr>
+              <a:xfrm>
+                <a:off x="4191000" y="1909555"/>
+                <a:ext cx="0" cy="1167888"/>
+              </a:xfrm>
+              <a:prstGeom prst="straightConnector1">
+                <a:avLst/>
+              </a:prstGeom>
+              <a:ln w="38100">
+                <a:solidFill>
+                  <a:schemeClr val="tx1"/>
+                </a:solidFill>
+                <a:headEnd type="triangle"/>
+                <a:tailEnd type="triangle"/>
+              </a:ln>
+            </p:spPr>
+            <p:style>
+              <a:lnRef idx="1">
+                <a:schemeClr val="accent1"/>
+              </a:lnRef>
+              <a:fillRef idx="0">
+                <a:schemeClr val="accent1"/>
+              </a:fillRef>
+              <a:effectRef idx="0">
+                <a:schemeClr val="accent1"/>
+              </a:effectRef>
+              <a:fontRef idx="minor">
+                <a:schemeClr val="tx1"/>
+              </a:fontRef>
+            </p:style>
+          </p:cxnSp>
+          <mc:AlternateContent xmlns:mc="http://schemas.openxmlformats.org/markup-compatibility/2006">
+            <mc:Choice xmlns:a14="http://schemas.microsoft.com/office/drawing/2010/main" Requires="a14">
+              <p:sp>
+                <p:nvSpPr>
+                  <p:cNvPr id="31" name="TextBox 30"/>
+                  <p:cNvSpPr txBox="1"/>
+                  <p:nvPr/>
+                </p:nvSpPr>
+                <p:spPr>
+                  <a:xfrm>
+                    <a:off x="4278059" y="2339610"/>
+                    <a:ext cx="814518" cy="307777"/>
+                  </a:xfrm>
+                  <a:prstGeom prst="rect">
+                    <a:avLst/>
+                  </a:prstGeom>
+                  <a:noFill/>
+                </p:spPr>
+                <p:txBody>
+                  <a:bodyPr wrap="none" lIns="0" tIns="0" rIns="0" bIns="0" rtlCol="0">
+                    <a:spAutoFit/>
+                  </a:bodyPr>
+                  <a:lstStyle/>
+                  <a:p>
+                    <a14:m>
+                      <m:oMathPara xmlns:m="http://schemas.openxmlformats.org/officeDocument/2006/math">
+                        <m:oMathParaPr>
+                          <m:jc m:val="centerGroup"/>
+                        </m:oMathParaPr>
+                        <m:oMath xmlns:m="http://schemas.openxmlformats.org/officeDocument/2006/math">
+                          <m:r>
+                            <a:rPr lang="en-US" sz="2000" b="0" i="1" smtClean="0">
+                              <a:latin typeface="Cambria Math" panose="02040503050406030204" pitchFamily="18" charset="0"/>
+                              <a:cs typeface="Arial" panose="020B0604020202020204" pitchFamily="34" charset="0"/>
+                            </a:rPr>
+                            <m:t>𝐷</m:t>
+                          </m:r>
+                          <m:r>
+                            <a:rPr lang="en-US" sz="2000" b="0" i="1" smtClean="0">
+                              <a:latin typeface="Cambria Math" panose="02040503050406030204" pitchFamily="18" charset="0"/>
+                              <a:cs typeface="Arial" panose="020B0604020202020204" pitchFamily="34" charset="0"/>
+                            </a:rPr>
+                            <m:t>(</m:t>
+                          </m:r>
+                          <m:r>
+                            <a:rPr lang="en-US" sz="2000" b="0" i="1" smtClean="0">
+                              <a:latin typeface="Cambria Math" panose="02040503050406030204" pitchFamily="18" charset="0"/>
+                              <a:cs typeface="Arial" panose="020B0604020202020204" pitchFamily="34" charset="0"/>
+                            </a:rPr>
+                            <m:t>𝑥</m:t>
+                          </m:r>
+                          <m:r>
+                            <a:rPr lang="en-US" sz="2000" b="0" i="1" smtClean="0">
+                              <a:latin typeface="Cambria Math" panose="02040503050406030204" pitchFamily="18" charset="0"/>
+                              <a:cs typeface="Arial" panose="020B0604020202020204" pitchFamily="34" charset="0"/>
+                            </a:rPr>
+                            <m:t>,</m:t>
+                          </m:r>
+                          <m:r>
+                            <a:rPr lang="en-US" sz="2000" b="0" i="1" smtClean="0">
+                              <a:latin typeface="Cambria Math" panose="02040503050406030204" pitchFamily="18" charset="0"/>
+                              <a:cs typeface="Arial" panose="020B0604020202020204" pitchFamily="34" charset="0"/>
+                            </a:rPr>
+                            <m:t>𝑡</m:t>
+                          </m:r>
+                          <m:r>
+                            <a:rPr lang="en-US" sz="2000" b="0" i="1" smtClean="0">
+                              <a:latin typeface="Cambria Math" panose="02040503050406030204" pitchFamily="18" charset="0"/>
+                              <a:cs typeface="Arial" panose="020B0604020202020204" pitchFamily="34" charset="0"/>
+                            </a:rPr>
+                            <m:t>)</m:t>
+                          </m:r>
+                        </m:oMath>
+                      </m:oMathPara>
+                    </a14:m>
+                    <a:endParaRPr lang="en-US" sz="2000" dirty="0" smtClean="0">
+                      <a:latin typeface="Arial" panose="020B0604020202020204" pitchFamily="34" charset="0"/>
+                      <a:cs typeface="Arial" panose="020B0604020202020204" pitchFamily="34" charset="0"/>
+                    </a:endParaRPr>
+                  </a:p>
+                </p:txBody>
+              </p:sp>
+            </mc:Choice>
+            <mc:Fallback>
+              <p:sp>
+                <p:nvSpPr>
+                  <p:cNvPr id="31" name="TextBox 30"/>
+                  <p:cNvSpPr txBox="1">
+                    <a:spLocks noRot="1" noChangeAspect="1" noMove="1" noResize="1" noEditPoints="1" noAdjustHandles="1" noChangeArrowheads="1" noChangeShapeType="1" noTextEdit="1"/>
+                  </p:cNvSpPr>
+                  <p:nvPr/>
+                </p:nvSpPr>
+                <p:spPr>
+                  <a:xfrm>
+                    <a:off x="4278059" y="2339610"/>
+                    <a:ext cx="814518" cy="307777"/>
+                  </a:xfrm>
+                  <a:prstGeom prst="rect">
+                    <a:avLst/>
+                  </a:prstGeom>
+                  <a:blipFill>
+                    <a:blip r:embed="rId30"/>
+                    <a:stretch>
+                      <a:fillRect l="-5970" r="-9701" b="-37255"/>
+                    </a:stretch>
+                  </a:blipFill>
+                </p:spPr>
+                <p:txBody>
+                  <a:bodyPr/>
+                  <a:lstStyle/>
+                  <a:p>
+                    <a:r>
+                      <a:rPr lang="en-US">
+                        <a:noFill/>
+                      </a:rPr>
+                      <a:t> </a:t>
+                    </a:r>
+                  </a:p>
+                </p:txBody>
+              </p:sp>
+            </mc:Fallback>
+          </mc:AlternateContent>
+          <mc:AlternateContent xmlns:mc="http://schemas.openxmlformats.org/markup-compatibility/2006">
+            <mc:Choice xmlns:a14="http://schemas.microsoft.com/office/drawing/2010/main" Requires="a14">
+              <p:sp>
+                <p:nvSpPr>
+                  <p:cNvPr id="32" name="TextBox 31"/>
+                  <p:cNvSpPr txBox="1"/>
+                  <p:nvPr/>
+                </p:nvSpPr>
+                <p:spPr>
+                  <a:xfrm>
+                    <a:off x="3914433" y="1247330"/>
+                    <a:ext cx="363626" cy="307777"/>
+                  </a:xfrm>
+                  <a:prstGeom prst="rect">
+                    <a:avLst/>
+                  </a:prstGeom>
+                  <a:noFill/>
+                </p:spPr>
+                <p:txBody>
+                  <a:bodyPr wrap="none" lIns="0" tIns="0" rIns="0" bIns="0" rtlCol="0">
+                    <a:spAutoFit/>
+                  </a:bodyPr>
+                  <a:lstStyle/>
+                  <a:p>
+                    <a14:m>
+                      <m:oMathPara xmlns:m="http://schemas.openxmlformats.org/officeDocument/2006/math">
+                        <m:oMathParaPr>
+                          <m:jc m:val="centerGroup"/>
+                        </m:oMathParaPr>
+                        <m:oMath xmlns:m="http://schemas.openxmlformats.org/officeDocument/2006/math">
+                          <m:r>
+                            <a:rPr lang="en-US" sz="2000" b="0" i="1" smtClean="0">
+                              <a:latin typeface="Cambria Math" panose="02040503050406030204" pitchFamily="18" charset="0"/>
+                              <a:cs typeface="Arial" panose="020B0604020202020204" pitchFamily="34" charset="0"/>
+                            </a:rPr>
+                            <m:t>𝑑𝑥</m:t>
+                          </m:r>
+                        </m:oMath>
+                      </m:oMathPara>
+                    </a14:m>
+                    <a:endParaRPr lang="en-US" sz="2000" dirty="0" smtClean="0">
+                      <a:latin typeface="Arial" panose="020B0604020202020204" pitchFamily="34" charset="0"/>
+                      <a:cs typeface="Arial" panose="020B0604020202020204" pitchFamily="34" charset="0"/>
+                    </a:endParaRPr>
+                  </a:p>
+                </p:txBody>
+              </p:sp>
+            </mc:Choice>
+            <mc:Fallback>
+              <p:sp>
+                <p:nvSpPr>
+                  <p:cNvPr id="32" name="TextBox 31"/>
+                  <p:cNvSpPr txBox="1">
+                    <a:spLocks noRot="1" noChangeAspect="1" noMove="1" noResize="1" noEditPoints="1" noAdjustHandles="1" noChangeArrowheads="1" noChangeShapeType="1" noTextEdit="1"/>
+                  </p:cNvSpPr>
+                  <p:nvPr/>
+                </p:nvSpPr>
+                <p:spPr>
+                  <a:xfrm>
+                    <a:off x="3914433" y="1247330"/>
+                    <a:ext cx="363626" cy="307777"/>
+                  </a:xfrm>
+                  <a:prstGeom prst="rect">
+                    <a:avLst/>
+                  </a:prstGeom>
+                  <a:blipFill>
+                    <a:blip r:embed="rId31"/>
+                    <a:stretch>
+                      <a:fillRect l="-15254" r="-13559" b="-9804"/>
+                    </a:stretch>
+                  </a:blipFill>
+                </p:spPr>
+                <p:txBody>
+                  <a:bodyPr/>
+                  <a:lstStyle/>
+                  <a:p>
+                    <a:r>
+                      <a:rPr lang="en-US">
+                        <a:noFill/>
+                      </a:rPr>
+                      <a:t> </a:t>
+                    </a:r>
+                  </a:p>
+                </p:txBody>
+              </p:sp>
+            </mc:Fallback>
+          </mc:AlternateContent>
+          <p:cxnSp>
+            <p:nvCxnSpPr>
+              <p:cNvPr id="33" name="Straight Arrow Connector 32"/>
+              <p:cNvCxnSpPr/>
+              <p:nvPr/>
+            </p:nvCxnSpPr>
+            <p:spPr>
+              <a:xfrm flipV="1">
+                <a:off x="3876939" y="1532321"/>
+                <a:ext cx="583301" cy="246132"/>
+              </a:xfrm>
+              <a:prstGeom prst="straightConnector1">
+                <a:avLst/>
+              </a:prstGeom>
+              <a:ln w="38100">
+                <a:solidFill>
+                  <a:schemeClr val="tx1"/>
+                </a:solidFill>
+                <a:headEnd type="triangle"/>
+                <a:tailEnd type="triangle"/>
+              </a:ln>
+            </p:spPr>
+            <p:style>
+              <a:lnRef idx="1">
+                <a:schemeClr val="accent1"/>
+              </a:lnRef>
+              <a:fillRef idx="0">
+                <a:schemeClr val="accent1"/>
+              </a:fillRef>
+              <a:effectRef idx="0">
+                <a:schemeClr val="accent1"/>
+              </a:effectRef>
+              <a:fontRef idx="minor">
+                <a:schemeClr val="tx1"/>
+              </a:fontRef>
+            </p:style>
+          </p:cxnSp>
+          <mc:AlternateContent xmlns:mc="http://schemas.openxmlformats.org/markup-compatibility/2006">
+            <mc:Choice xmlns:a14="http://schemas.microsoft.com/office/drawing/2010/main" Requires="a14">
+              <p:sp>
+                <p:nvSpPr>
+                  <p:cNvPr id="36" name="TextBox 35"/>
+                  <p:cNvSpPr txBox="1"/>
+                  <p:nvPr/>
+                </p:nvSpPr>
+                <p:spPr>
+                  <a:xfrm>
+                    <a:off x="3058817" y="1912184"/>
+                    <a:ext cx="319446" cy="307777"/>
+                  </a:xfrm>
+                  <a:prstGeom prst="rect">
+                    <a:avLst/>
+                  </a:prstGeom>
+                  <a:noFill/>
+                </p:spPr>
+                <p:txBody>
+                  <a:bodyPr wrap="none" lIns="0" tIns="0" rIns="0" bIns="0" rtlCol="0">
+                    <a:spAutoFit/>
+                  </a:bodyPr>
+                  <a:lstStyle/>
+                  <a:p>
+                    <a14:m>
+                      <m:oMathPara xmlns:m="http://schemas.openxmlformats.org/officeDocument/2006/math">
+                        <m:oMathParaPr>
+                          <m:jc m:val="centerGroup"/>
+                        </m:oMathParaPr>
+                        <m:oMath xmlns:m="http://schemas.openxmlformats.org/officeDocument/2006/math">
+                          <m:sSub>
+                            <m:sSubPr>
+                              <m:ctrlPr>
+                                <a:rPr lang="en-US" sz="2000" b="0" i="1" smtClean="0">
+                                  <a:latin typeface="Cambria Math" panose="02040503050406030204" pitchFamily="18" charset="0"/>
+                                  <a:cs typeface="Arial" panose="020B0604020202020204" pitchFamily="34" charset="0"/>
+                                </a:rPr>
+                              </m:ctrlPr>
+                            </m:sSubPr>
+                            <m:e>
+                              <m:r>
+                                <a:rPr lang="en-US" sz="2000" b="0" i="1" smtClean="0">
+                                  <a:latin typeface="Cambria Math" panose="02040503050406030204" pitchFamily="18" charset="0"/>
+                                  <a:cs typeface="Arial" panose="020B0604020202020204" pitchFamily="34" charset="0"/>
+                                </a:rPr>
+                                <m:t>𝜃</m:t>
+                              </m:r>
+                            </m:e>
+                            <m:sub>
+                              <m:r>
+                                <a:rPr lang="en-US" sz="2000" b="0" i="1" smtClean="0">
+                                  <a:latin typeface="Cambria Math" panose="02040503050406030204" pitchFamily="18" charset="0"/>
+                                  <a:cs typeface="Arial" panose="020B0604020202020204" pitchFamily="34" charset="0"/>
+                                </a:rPr>
+                                <m:t>1</m:t>
+                              </m:r>
+                            </m:sub>
+                          </m:sSub>
+                        </m:oMath>
+                      </m:oMathPara>
+                    </a14:m>
+                    <a:endParaRPr lang="en-US" sz="2000" dirty="0" smtClean="0">
+                      <a:latin typeface="Arial" panose="020B0604020202020204" pitchFamily="34" charset="0"/>
+                      <a:cs typeface="Arial" panose="020B0604020202020204" pitchFamily="34" charset="0"/>
+                    </a:endParaRPr>
+                  </a:p>
+                </p:txBody>
+              </p:sp>
+            </mc:Choice>
+            <mc:Fallback>
+              <p:sp>
+                <p:nvSpPr>
+                  <p:cNvPr id="36" name="TextBox 35"/>
+                  <p:cNvSpPr txBox="1">
+                    <a:spLocks noRot="1" noChangeAspect="1" noMove="1" noResize="1" noEditPoints="1" noAdjustHandles="1" noChangeArrowheads="1" noChangeShapeType="1" noTextEdit="1"/>
+                  </p:cNvSpPr>
+                  <p:nvPr/>
+                </p:nvSpPr>
+                <p:spPr>
+                  <a:xfrm>
+                    <a:off x="3058817" y="1912184"/>
+                    <a:ext cx="319446" cy="307777"/>
+                  </a:xfrm>
+                  <a:prstGeom prst="rect">
+                    <a:avLst/>
+                  </a:prstGeom>
+                  <a:blipFill>
+                    <a:blip r:embed="rId32"/>
+                    <a:stretch>
+                      <a:fillRect l="-16981" r="-5660" b="-17647"/>
+                    </a:stretch>
+                  </a:blipFill>
+                </p:spPr>
+                <p:txBody>
+                  <a:bodyPr/>
+                  <a:lstStyle/>
+                  <a:p>
+                    <a:r>
+                      <a:rPr lang="en-US">
+                        <a:noFill/>
+                      </a:rPr>
+                      <a:t> </a:t>
+                    </a:r>
+                  </a:p>
+                </p:txBody>
+              </p:sp>
+            </mc:Fallback>
+          </mc:AlternateContent>
+          <mc:AlternateContent xmlns:mc="http://schemas.openxmlformats.org/markup-compatibility/2006">
+            <mc:Choice xmlns:a14="http://schemas.microsoft.com/office/drawing/2010/main" Requires="a14">
+              <p:sp>
+                <p:nvSpPr>
+                  <p:cNvPr id="37" name="TextBox 36"/>
+                  <p:cNvSpPr txBox="1"/>
+                  <p:nvPr/>
+                </p:nvSpPr>
+                <p:spPr>
+                  <a:xfrm>
+                    <a:off x="5222240" y="1342909"/>
+                    <a:ext cx="325409" cy="307777"/>
+                  </a:xfrm>
+                  <a:prstGeom prst="rect">
+                    <a:avLst/>
+                  </a:prstGeom>
+                  <a:noFill/>
+                </p:spPr>
+                <p:txBody>
+                  <a:bodyPr wrap="none" lIns="0" tIns="0" rIns="0" bIns="0" rtlCol="0">
+                    <a:spAutoFit/>
+                  </a:bodyPr>
+                  <a:lstStyle/>
+                  <a:p>
+                    <a14:m>
+                      <m:oMathPara xmlns:m="http://schemas.openxmlformats.org/officeDocument/2006/math">
+                        <m:oMathParaPr>
+                          <m:jc m:val="centerGroup"/>
+                        </m:oMathParaPr>
+                        <m:oMath xmlns:m="http://schemas.openxmlformats.org/officeDocument/2006/math">
+                          <m:sSub>
+                            <m:sSubPr>
+                              <m:ctrlPr>
+                                <a:rPr lang="en-US" sz="2000" b="0" i="1" smtClean="0">
+                                  <a:latin typeface="Cambria Math" panose="02040503050406030204" pitchFamily="18" charset="0"/>
+                                  <a:cs typeface="Arial" panose="020B0604020202020204" pitchFamily="34" charset="0"/>
+                                </a:rPr>
+                              </m:ctrlPr>
+                            </m:sSubPr>
+                            <m:e>
+                              <m:r>
+                                <a:rPr lang="en-US" sz="2000" b="0" i="1" smtClean="0">
+                                  <a:latin typeface="Cambria Math" panose="02040503050406030204" pitchFamily="18" charset="0"/>
+                                  <a:cs typeface="Arial" panose="020B0604020202020204" pitchFamily="34" charset="0"/>
+                                </a:rPr>
+                                <m:t>𝜃</m:t>
+                              </m:r>
+                            </m:e>
+                            <m:sub>
+                              <m:r>
+                                <a:rPr lang="en-US" sz="2000" b="0" i="1" smtClean="0">
+                                  <a:latin typeface="Cambria Math" panose="02040503050406030204" pitchFamily="18" charset="0"/>
+                                  <a:cs typeface="Arial" panose="020B0604020202020204" pitchFamily="34" charset="0"/>
+                                </a:rPr>
+                                <m:t>2</m:t>
+                              </m:r>
+                            </m:sub>
+                          </m:sSub>
+                        </m:oMath>
+                      </m:oMathPara>
+                    </a14:m>
+                    <a:endParaRPr lang="en-US" sz="2000" dirty="0" smtClean="0">
+                      <a:latin typeface="Arial" panose="020B0604020202020204" pitchFamily="34" charset="0"/>
+                      <a:cs typeface="Arial" panose="020B0604020202020204" pitchFamily="34" charset="0"/>
+                    </a:endParaRPr>
+                  </a:p>
+                </p:txBody>
+              </p:sp>
+            </mc:Choice>
+            <mc:Fallback>
+              <p:sp>
+                <p:nvSpPr>
+                  <p:cNvPr id="37" name="TextBox 36"/>
+                  <p:cNvSpPr txBox="1">
+                    <a:spLocks noRot="1" noChangeAspect="1" noMove="1" noResize="1" noEditPoints="1" noAdjustHandles="1" noChangeArrowheads="1" noChangeShapeType="1" noTextEdit="1"/>
+                  </p:cNvSpPr>
+                  <p:nvPr/>
+                </p:nvSpPr>
+                <p:spPr>
+                  <a:xfrm>
+                    <a:off x="5222240" y="1342909"/>
+                    <a:ext cx="325409" cy="307777"/>
+                  </a:xfrm>
+                  <a:prstGeom prst="rect">
+                    <a:avLst/>
+                  </a:prstGeom>
+                  <a:blipFill>
+                    <a:blip r:embed="rId33"/>
+                    <a:stretch>
+                      <a:fillRect l="-16667" r="-7407" b="-20000"/>
+                    </a:stretch>
+                  </a:blipFill>
+                </p:spPr>
+                <p:txBody>
+                  <a:bodyPr/>
+                  <a:lstStyle/>
+                  <a:p>
+                    <a:r>
+                      <a:rPr lang="en-US">
+                        <a:noFill/>
+                      </a:rPr>
+                      <a:t> </a:t>
+                    </a:r>
+                  </a:p>
+                </p:txBody>
+              </p:sp>
+            </mc:Fallback>
+          </mc:AlternateContent>
+          <p:sp>
+            <p:nvSpPr>
+              <p:cNvPr id="38" name="Arc 37"/>
+              <p:cNvSpPr/>
+              <p:nvPr/>
+            </p:nvSpPr>
+            <p:spPr>
+              <a:xfrm>
+                <a:off x="4579735" y="1554559"/>
+                <a:ext cx="354996" cy="354996"/>
+              </a:xfrm>
+              <a:prstGeom prst="arc">
+                <a:avLst>
+                  <a:gd name="adj1" fmla="val 18046559"/>
+                  <a:gd name="adj2" fmla="val 0"/>
+                </a:avLst>
+              </a:prstGeom>
+              <a:ln w="38100">
+                <a:solidFill>
+                  <a:schemeClr val="tx1"/>
+                </a:solidFill>
+              </a:ln>
+            </p:spPr>
+            <p:style>
+              <a:lnRef idx="1">
+                <a:schemeClr val="accent1"/>
+              </a:lnRef>
+              <a:fillRef idx="0">
+                <a:schemeClr val="accent1"/>
+              </a:fillRef>
+              <a:effectRef idx="0">
+                <a:schemeClr val="accent1"/>
+              </a:effectRef>
+              <a:fontRef idx="minor">
+                <a:schemeClr val="tx1"/>
+              </a:fontRef>
+            </p:style>
+            <p:txBody>
+              <a:bodyPr rtlCol="0" anchor="ctr"/>
+              <a:lstStyle/>
+              <a:p>
+                <a:pPr algn="ctr"/>
+                <a:endParaRPr lang="en-US"/>
+              </a:p>
+            </p:txBody>
+          </p:sp>
+          <p:sp>
+            <p:nvSpPr>
+              <p:cNvPr id="39" name="Arc 38"/>
+              <p:cNvSpPr/>
+              <p:nvPr/>
+            </p:nvSpPr>
+            <p:spPr>
+              <a:xfrm>
+                <a:off x="3506049" y="1920677"/>
+                <a:ext cx="354996" cy="354996"/>
+              </a:xfrm>
+              <a:prstGeom prst="arc">
+                <a:avLst>
+                  <a:gd name="adj1" fmla="val 8910892"/>
+                  <a:gd name="adj2" fmla="val 14199046"/>
+                </a:avLst>
+              </a:prstGeom>
+              <a:ln w="38100">
+                <a:solidFill>
+                  <a:schemeClr val="tx1"/>
+                </a:solidFill>
+              </a:ln>
+            </p:spPr>
+            <p:style>
+              <a:lnRef idx="1">
+                <a:schemeClr val="accent1"/>
+              </a:lnRef>
+              <a:fillRef idx="0">
+                <a:schemeClr val="accent1"/>
+              </a:fillRef>
+              <a:effectRef idx="0">
+                <a:schemeClr val="accent1"/>
+              </a:effectRef>
+              <a:fontRef idx="minor">
+                <a:schemeClr val="tx1"/>
+              </a:fontRef>
+            </p:style>
+            <p:txBody>
+              <a:bodyPr rtlCol="0" anchor="ctr"/>
+              <a:lstStyle/>
+              <a:p>
+                <a:pPr algn="ctr"/>
+                <a:endParaRPr lang="en-US"/>
+              </a:p>
+            </p:txBody>
+          </p:sp>
+        </p:grpSp>
+        <mc:AlternateContent xmlns:mc="http://schemas.openxmlformats.org/markup-compatibility/2006">
+          <mc:Choice xmlns:a14="http://schemas.microsoft.com/office/drawing/2010/main" Requires="a14">
+            <p:sp>
+              <p:nvSpPr>
+                <p:cNvPr id="41" name="TextBox 40"/>
+                <p:cNvSpPr txBox="1"/>
+                <p:nvPr/>
+              </p:nvSpPr>
+              <p:spPr>
+                <a:xfrm>
+                  <a:off x="2560922" y="2017041"/>
+                  <a:ext cx="443839" cy="345159"/>
+                </a:xfrm>
+                <a:prstGeom prst="rect">
+                  <a:avLst/>
+                </a:prstGeom>
+                <a:noFill/>
+              </p:spPr>
+              <p:txBody>
+                <a:bodyPr wrap="none" lIns="0" tIns="0" rIns="0" bIns="0" rtlCol="0">
+                  <a:spAutoFit/>
+                </a:bodyPr>
+                <a:lstStyle/>
+                <a:p>
+                  <a14:m>
+                    <m:oMathPara xmlns:m="http://schemas.openxmlformats.org/officeDocument/2006/math">
+                      <m:oMathParaPr>
+                        <m:jc m:val="centerGroup"/>
+                      </m:oMathParaPr>
+                      <m:oMath xmlns:m="http://schemas.openxmlformats.org/officeDocument/2006/math">
+                        <m:sSub>
+                          <m:sSubPr>
+                            <m:ctrlPr>
+                              <a:rPr lang="en-US" sz="2000" b="0" i="1" smtClean="0">
+                                <a:latin typeface="Cambria Math" panose="02040503050406030204" pitchFamily="18" charset="0"/>
+                                <a:cs typeface="Arial" panose="020B0604020202020204" pitchFamily="34" charset="0"/>
+                              </a:rPr>
+                            </m:ctrlPr>
+                          </m:sSubPr>
+                          <m:e>
+                            <m:acc>
+                              <m:accPr>
+                                <m:chr m:val="⃗"/>
+                                <m:ctrlPr>
+                                  <a:rPr lang="en-US" sz="2000" b="0" i="1" smtClean="0">
+                                    <a:latin typeface="Cambria Math" panose="02040503050406030204" pitchFamily="18" charset="0"/>
+                                    <a:cs typeface="Arial" panose="020B0604020202020204" pitchFamily="34" charset="0"/>
+                                  </a:rPr>
+                                </m:ctrlPr>
+                              </m:accPr>
+                              <m:e>
+                                <m:r>
+                                  <a:rPr lang="en-US" sz="2000" b="0" i="1" smtClean="0">
+                                    <a:latin typeface="Cambria Math" panose="02040503050406030204" pitchFamily="18" charset="0"/>
+                                    <a:cs typeface="Arial" panose="020B0604020202020204" pitchFamily="34" charset="0"/>
+                                  </a:rPr>
+                                  <m:t>𝐹</m:t>
+                                </m:r>
+                              </m:e>
+                            </m:acc>
+                          </m:e>
+                          <m:sub>
+                            <m:r>
+                              <a:rPr lang="en-US" sz="2000" b="0" i="1" smtClean="0">
+                                <a:latin typeface="Cambria Math" panose="02040503050406030204" pitchFamily="18" charset="0"/>
+                                <a:cs typeface="Arial" panose="020B0604020202020204" pitchFamily="34" charset="0"/>
+                              </a:rPr>
+                              <m:t>𝑇</m:t>
+                            </m:r>
+                            <m:r>
+                              <a:rPr lang="en-US" sz="2000" b="0" i="1" smtClean="0">
+                                <a:latin typeface="Cambria Math" panose="02040503050406030204" pitchFamily="18" charset="0"/>
+                                <a:cs typeface="Arial" panose="020B0604020202020204" pitchFamily="34" charset="0"/>
+                              </a:rPr>
+                              <m:t>1</m:t>
+                            </m:r>
+                          </m:sub>
+                        </m:sSub>
+                      </m:oMath>
+                    </m:oMathPara>
+                  </a14:m>
+                  <a:endParaRPr lang="en-US" sz="2000" dirty="0" smtClean="0">
+                    <a:latin typeface="Arial" panose="020B0604020202020204" pitchFamily="34" charset="0"/>
+                    <a:cs typeface="Arial" panose="020B0604020202020204" pitchFamily="34" charset="0"/>
+                  </a:endParaRPr>
+                </a:p>
+              </p:txBody>
+            </p:sp>
+          </mc:Choice>
+          <mc:Fallback>
+            <p:sp>
+              <p:nvSpPr>
+                <p:cNvPr id="41" name="TextBox 40"/>
+                <p:cNvSpPr txBox="1">
+                  <a:spLocks noRot="1" noChangeAspect="1" noMove="1" noResize="1" noEditPoints="1" noAdjustHandles="1" noChangeArrowheads="1" noChangeShapeType="1" noTextEdit="1"/>
+                </p:cNvSpPr>
+                <p:nvPr/>
+              </p:nvSpPr>
+              <p:spPr>
+                <a:xfrm>
+                  <a:off x="2560922" y="2017041"/>
+                  <a:ext cx="443839" cy="345159"/>
+                </a:xfrm>
+                <a:prstGeom prst="rect">
+                  <a:avLst/>
+                </a:prstGeom>
+                <a:blipFill>
+                  <a:blip r:embed="rId34"/>
+                  <a:stretch>
+                    <a:fillRect l="-10959" t="-35088" r="-36986" b="-15789"/>
+                  </a:stretch>
+                </a:blipFill>
+              </p:spPr>
+              <p:txBody>
+                <a:bodyPr/>
+                <a:lstStyle/>
+                <a:p>
+                  <a:r>
+                    <a:rPr lang="en-US">
+                      <a:noFill/>
+                    </a:rPr>
+                    <a:t> </a:t>
+                  </a:r>
+                </a:p>
+              </p:txBody>
+            </p:sp>
+          </mc:Fallback>
+        </mc:AlternateContent>
+        <mc:AlternateContent xmlns:mc="http://schemas.openxmlformats.org/markup-compatibility/2006">
+          <mc:Choice xmlns:a14="http://schemas.microsoft.com/office/drawing/2010/main" Requires="a14">
+            <p:sp>
+              <p:nvSpPr>
+                <p:cNvPr id="42" name="TextBox 41"/>
+                <p:cNvSpPr txBox="1"/>
+                <p:nvPr/>
+              </p:nvSpPr>
+              <p:spPr>
+                <a:xfrm>
+                  <a:off x="4157857" y="774914"/>
+                  <a:ext cx="443839" cy="345159"/>
+                </a:xfrm>
+                <a:prstGeom prst="rect">
+                  <a:avLst/>
+                </a:prstGeom>
+                <a:noFill/>
+              </p:spPr>
+              <p:txBody>
+                <a:bodyPr wrap="none" lIns="0" tIns="0" rIns="0" bIns="0" rtlCol="0">
+                  <a:spAutoFit/>
+                </a:bodyPr>
+                <a:lstStyle/>
+                <a:p>
+                  <a14:m>
+                    <m:oMathPara xmlns:m="http://schemas.openxmlformats.org/officeDocument/2006/math">
+                      <m:oMathParaPr>
+                        <m:jc m:val="centerGroup"/>
+                      </m:oMathParaPr>
+                      <m:oMath xmlns:m="http://schemas.openxmlformats.org/officeDocument/2006/math">
+                        <m:sSub>
+                          <m:sSubPr>
+                            <m:ctrlPr>
+                              <a:rPr lang="en-US" sz="2000" b="0" i="1" smtClean="0">
+                                <a:latin typeface="Cambria Math" panose="02040503050406030204" pitchFamily="18" charset="0"/>
+                                <a:cs typeface="Arial" panose="020B0604020202020204" pitchFamily="34" charset="0"/>
+                              </a:rPr>
+                            </m:ctrlPr>
+                          </m:sSubPr>
+                          <m:e>
+                            <m:acc>
+                              <m:accPr>
+                                <m:chr m:val="⃗"/>
+                                <m:ctrlPr>
+                                  <a:rPr lang="en-US" sz="2000" b="0" i="1" smtClean="0">
+                                    <a:latin typeface="Cambria Math" panose="02040503050406030204" pitchFamily="18" charset="0"/>
+                                    <a:cs typeface="Arial" panose="020B0604020202020204" pitchFamily="34" charset="0"/>
+                                  </a:rPr>
+                                </m:ctrlPr>
+                              </m:accPr>
+                              <m:e>
+                                <m:r>
+                                  <a:rPr lang="en-US" sz="2000" b="0" i="1" smtClean="0">
+                                    <a:latin typeface="Cambria Math" panose="02040503050406030204" pitchFamily="18" charset="0"/>
+                                    <a:cs typeface="Arial" panose="020B0604020202020204" pitchFamily="34" charset="0"/>
+                                  </a:rPr>
+                                  <m:t>𝐹</m:t>
+                                </m:r>
+                              </m:e>
+                            </m:acc>
+                          </m:e>
+                          <m:sub>
+                            <m:r>
+                              <a:rPr lang="en-US" sz="2000" b="0" i="1" smtClean="0">
+                                <a:latin typeface="Cambria Math" panose="02040503050406030204" pitchFamily="18" charset="0"/>
+                                <a:cs typeface="Arial" panose="020B0604020202020204" pitchFamily="34" charset="0"/>
+                              </a:rPr>
+                              <m:t>𝑇</m:t>
+                            </m:r>
+                            <m:r>
+                              <a:rPr lang="en-US" sz="2000" b="0" i="1" smtClean="0">
+                                <a:latin typeface="Cambria Math" panose="02040503050406030204" pitchFamily="18" charset="0"/>
+                                <a:cs typeface="Arial" panose="020B0604020202020204" pitchFamily="34" charset="0"/>
+                              </a:rPr>
+                              <m:t>2</m:t>
+                            </m:r>
+                          </m:sub>
+                        </m:sSub>
+                      </m:oMath>
+                    </m:oMathPara>
+                  </a14:m>
+                  <a:endParaRPr lang="en-US" sz="2000" dirty="0" smtClean="0">
+                    <a:latin typeface="Arial" panose="020B0604020202020204" pitchFamily="34" charset="0"/>
+                    <a:cs typeface="Arial" panose="020B0604020202020204" pitchFamily="34" charset="0"/>
+                  </a:endParaRPr>
+                </a:p>
+              </p:txBody>
+            </p:sp>
+          </mc:Choice>
+          <mc:Fallback>
+            <p:sp>
+              <p:nvSpPr>
+                <p:cNvPr id="42" name="TextBox 41"/>
+                <p:cNvSpPr txBox="1">
+                  <a:spLocks noRot="1" noChangeAspect="1" noMove="1" noResize="1" noEditPoints="1" noAdjustHandles="1" noChangeArrowheads="1" noChangeShapeType="1" noTextEdit="1"/>
+                </p:cNvSpPr>
+                <p:nvPr/>
+              </p:nvSpPr>
+              <p:spPr>
+                <a:xfrm>
+                  <a:off x="4157857" y="774914"/>
+                  <a:ext cx="443839" cy="345159"/>
+                </a:xfrm>
+                <a:prstGeom prst="rect">
+                  <a:avLst/>
+                </a:prstGeom>
+                <a:blipFill>
+                  <a:blip r:embed="rId35"/>
+                  <a:stretch>
+                    <a:fillRect l="-10959" t="-33333" r="-36986" b="-17544"/>
+                  </a:stretch>
+                </a:blipFill>
+              </p:spPr>
+              <p:txBody>
+                <a:bodyPr/>
+                <a:lstStyle/>
+                <a:p>
+                  <a:r>
+                    <a:rPr lang="en-US">
+                      <a:noFill/>
+                    </a:rPr>
+                    <a:t> </a:t>
+                  </a:r>
+                </a:p>
+              </p:txBody>
+            </p:sp>
+          </mc:Fallback>
+        </mc:AlternateContent>
+      </p:grpSp>
+    </p:spTree>
+    <p:extLst>
+      <p:ext uri="{BB962C8B-B14F-4D97-AF65-F5344CB8AC3E}">
+        <p14:creationId xmlns:p14="http://schemas.microsoft.com/office/powerpoint/2010/main" val="1767966999"/>
+      </p:ext>
+    </p:extLst>
+  </p:cSld>
+  <p:clrMapOvr>
+    <a:masterClrMapping/>
+  </p:clrMapOvr>
+</p:sld>
+</file>
+
+<file path=ppt/slides/slide7.xml><?xml version="1.0" encoding="utf-8"?>
 <p:sld xmlns:a="http://schemas.openxmlformats.org/drawingml/2006/main" xmlns:r="http://schemas.openxmlformats.org/officeDocument/2006/relationships" xmlns:p="http://schemas.openxmlformats.org/presentationml/2006/main">
   <p:cSld>
     <p:spTree>
@@ -14240,7 +22068,7 @@
 </p:sld>
 </file>
 
-<file path=ppt/slides/slide6.xml><?xml version="1.0" encoding="utf-8"?>
+<file path=ppt/slides/slide8.xml><?xml version="1.0" encoding="utf-8"?>
 <p:sld xmlns:a="http://schemas.openxmlformats.org/drawingml/2006/main" xmlns:r="http://schemas.openxmlformats.org/officeDocument/2006/relationships" xmlns:p="http://schemas.openxmlformats.org/presentationml/2006/main">
   <p:cSld>
     <p:spTree>
@@ -17439,6 +25267,1112 @@
   <p:clrMapOvr>
     <a:masterClrMapping/>
   </p:clrMapOvr>
+  <p:timing>
+    <p:tnLst>
+      <p:par>
+        <p:cTn id="1" dur="indefinite" restart="never" nodeType="tmRoot"/>
+      </p:par>
+    </p:tnLst>
+  </p:timing>
+</p:sld>
+</file>
+
+<file path=ppt/slides/slide9.xml><?xml version="1.0" encoding="utf-8"?>
+<p:sld xmlns:a="http://schemas.openxmlformats.org/drawingml/2006/main" xmlns:r="http://schemas.openxmlformats.org/officeDocument/2006/relationships" xmlns:p="http://schemas.openxmlformats.org/presentationml/2006/main">
+  <p:cSld>
+    <p:spTree>
+      <p:nvGrpSpPr>
+        <p:cNvPr id="1" name=""/>
+        <p:cNvGrpSpPr/>
+        <p:nvPr/>
+      </p:nvGrpSpPr>
+      <p:grpSpPr>
+        <a:xfrm>
+          <a:off x="0" y="0"/>
+          <a:ext cx="0" cy="0"/>
+          <a:chOff x="0" y="0"/>
+          <a:chExt cx="0" cy="0"/>
+        </a:xfrm>
+      </p:grpSpPr>
+      <p:grpSp>
+        <p:nvGrpSpPr>
+          <p:cNvPr id="92" name="Group 91"/>
+          <p:cNvGrpSpPr/>
+          <p:nvPr/>
+        </p:nvGrpSpPr>
+        <p:grpSpPr>
+          <a:xfrm>
+            <a:off x="370518" y="165793"/>
+            <a:ext cx="6233482" cy="6226569"/>
+            <a:chOff x="370518" y="165793"/>
+            <a:chExt cx="6233482" cy="6226569"/>
+          </a:xfrm>
+        </p:grpSpPr>
+        <p:pic>
+          <p:nvPicPr>
+            <p:cNvPr id="64" name="Picture 6" descr="Image result for cartoon fist transparent background"/>
+            <p:cNvPicPr>
+              <a:picLocks noChangeAspect="1" noChangeArrowheads="1"/>
+            </p:cNvPicPr>
+            <p:nvPr/>
+          </p:nvPicPr>
+          <p:blipFill>
+            <a:blip r:embed="rId2" cstate="print">
+              <a:extLst>
+                <a:ext uri="{28A0092B-C50C-407E-A947-70E740481C1C}">
+                  <a14:useLocalDpi xmlns:a14="http://schemas.microsoft.com/office/drawing/2010/main" val="0"/>
+                </a:ext>
+              </a:extLst>
+            </a:blip>
+            <a:srcRect/>
+            <a:stretch>
+              <a:fillRect/>
+            </a:stretch>
+          </p:blipFill>
+          <p:spPr bwMode="auto">
+            <a:xfrm>
+              <a:off x="375598" y="885235"/>
+              <a:ext cx="528963" cy="481356"/>
+            </a:xfrm>
+            <a:prstGeom prst="rect">
+              <a:avLst/>
+            </a:prstGeom>
+            <a:noFill/>
+            <a:extLst>
+              <a:ext uri="{909E8E84-426E-40DD-AFC4-6F175D3DCCD1}">
+                <a14:hiddenFill xmlns:a14="http://schemas.microsoft.com/office/drawing/2010/main">
+                  <a:solidFill>
+                    <a:srgbClr val="FFFFFF"/>
+                  </a:solidFill>
+                </a14:hiddenFill>
+              </a:ext>
+            </a:extLst>
+          </p:spPr>
+        </p:pic>
+        <p:sp>
+          <p:nvSpPr>
+            <p:cNvPr id="67" name="Rectangle 66"/>
+            <p:cNvSpPr/>
+            <p:nvPr/>
+          </p:nvSpPr>
+          <p:spPr>
+            <a:xfrm>
+              <a:off x="6370320" y="165793"/>
+              <a:ext cx="233680" cy="1920240"/>
+            </a:xfrm>
+            <a:prstGeom prst="rect">
+              <a:avLst/>
+            </a:prstGeom>
+            <a:solidFill>
+              <a:schemeClr val="tx1"/>
+            </a:solidFill>
+            <a:ln w="38100">
+              <a:solidFill>
+                <a:schemeClr val="tx1"/>
+              </a:solidFill>
+            </a:ln>
+          </p:spPr>
+          <p:style>
+            <a:lnRef idx="2">
+              <a:schemeClr val="accent1">
+                <a:shade val="50000"/>
+              </a:schemeClr>
+            </a:lnRef>
+            <a:fillRef idx="1">
+              <a:schemeClr val="accent1"/>
+            </a:fillRef>
+            <a:effectRef idx="0">
+              <a:schemeClr val="accent1"/>
+            </a:effectRef>
+            <a:fontRef idx="minor">
+              <a:schemeClr val="lt1"/>
+            </a:fontRef>
+          </p:style>
+          <p:txBody>
+            <a:bodyPr rtlCol="0" anchor="ctr"/>
+            <a:lstStyle/>
+            <a:p>
+              <a:pPr algn="ctr"/>
+              <a:endParaRPr lang="en-US"/>
+            </a:p>
+          </p:txBody>
+        </p:sp>
+        <p:sp>
+          <p:nvSpPr>
+            <p:cNvPr id="74" name="Freeform 73"/>
+            <p:cNvSpPr/>
+            <p:nvPr/>
+          </p:nvSpPr>
+          <p:spPr>
+            <a:xfrm>
+              <a:off x="873760" y="170868"/>
+              <a:ext cx="5496560" cy="955045"/>
+            </a:xfrm>
+            <a:custGeom>
+              <a:avLst/>
+              <a:gdLst>
+                <a:gd name="connsiteX0" fmla="*/ 0 w 4978400"/>
+                <a:gd name="connsiteY0" fmla="*/ 944884 h 944884"/>
+                <a:gd name="connsiteX1" fmla="*/ 2286000 w 4978400"/>
+                <a:gd name="connsiteY1" fmla="*/ 4 h 944884"/>
+                <a:gd name="connsiteX2" fmla="*/ 4978400 w 4978400"/>
+                <a:gd name="connsiteY2" fmla="*/ 934724 h 944884"/>
+                <a:gd name="connsiteX0" fmla="*/ 0 w 4978400"/>
+                <a:gd name="connsiteY0" fmla="*/ 965204 h 965204"/>
+                <a:gd name="connsiteX1" fmla="*/ 2387600 w 4978400"/>
+                <a:gd name="connsiteY1" fmla="*/ 4 h 965204"/>
+                <a:gd name="connsiteX2" fmla="*/ 4978400 w 4978400"/>
+                <a:gd name="connsiteY2" fmla="*/ 955044 h 965204"/>
+                <a:gd name="connsiteX0" fmla="*/ 0 w 4978400"/>
+                <a:gd name="connsiteY0" fmla="*/ 955045 h 955045"/>
+                <a:gd name="connsiteX1" fmla="*/ 2458720 w 4978400"/>
+                <a:gd name="connsiteY1" fmla="*/ 5 h 955045"/>
+                <a:gd name="connsiteX2" fmla="*/ 4978400 w 4978400"/>
+                <a:gd name="connsiteY2" fmla="*/ 944885 h 955045"/>
+              </a:gdLst>
+              <a:ahLst/>
+              <a:cxnLst>
+                <a:cxn ang="0">
+                  <a:pos x="connsiteX0" y="connsiteY0"/>
+                </a:cxn>
+                <a:cxn ang="0">
+                  <a:pos x="connsiteX1" y="connsiteY1"/>
+                </a:cxn>
+                <a:cxn ang="0">
+                  <a:pos x="connsiteX2" y="connsiteY2"/>
+                </a:cxn>
+              </a:cxnLst>
+              <a:rect l="l" t="t" r="r" b="b"/>
+              <a:pathLst>
+                <a:path w="4978400" h="955045">
+                  <a:moveTo>
+                    <a:pt x="0" y="955045"/>
+                  </a:moveTo>
+                  <a:cubicBezTo>
+                    <a:pt x="728133" y="483451"/>
+                    <a:pt x="1628987" y="1698"/>
+                    <a:pt x="2458720" y="5"/>
+                  </a:cubicBezTo>
+                  <a:cubicBezTo>
+                    <a:pt x="3288453" y="-1688"/>
+                    <a:pt x="4047066" y="476678"/>
+                    <a:pt x="4978400" y="944885"/>
+                  </a:cubicBezTo>
+                </a:path>
+              </a:pathLst>
+            </a:custGeom>
+            <a:noFill/>
+            <a:ln w="38100">
+              <a:solidFill>
+                <a:schemeClr val="accent4">
+                  <a:lumMod val="75000"/>
+                </a:schemeClr>
+              </a:solidFill>
+            </a:ln>
+          </p:spPr>
+          <p:style>
+            <a:lnRef idx="2">
+              <a:schemeClr val="accent1">
+                <a:shade val="50000"/>
+              </a:schemeClr>
+            </a:lnRef>
+            <a:fillRef idx="1">
+              <a:schemeClr val="accent1"/>
+            </a:fillRef>
+            <a:effectRef idx="0">
+              <a:schemeClr val="accent1"/>
+            </a:effectRef>
+            <a:fontRef idx="minor">
+              <a:schemeClr val="lt1"/>
+            </a:fontRef>
+          </p:style>
+          <p:txBody>
+            <a:bodyPr rtlCol="0" anchor="ctr"/>
+            <a:lstStyle/>
+            <a:p>
+              <a:pPr algn="ctr"/>
+              <a:endParaRPr lang="en-US"/>
+            </a:p>
+          </p:txBody>
+        </p:sp>
+        <p:sp>
+          <p:nvSpPr>
+            <p:cNvPr id="75" name="Freeform 74"/>
+            <p:cNvSpPr/>
+            <p:nvPr/>
+          </p:nvSpPr>
+          <p:spPr>
+            <a:xfrm flipV="1">
+              <a:off x="873760" y="1116458"/>
+              <a:ext cx="5496560" cy="960120"/>
+            </a:xfrm>
+            <a:custGeom>
+              <a:avLst/>
+              <a:gdLst>
+                <a:gd name="connsiteX0" fmla="*/ 0 w 4978400"/>
+                <a:gd name="connsiteY0" fmla="*/ 944884 h 944884"/>
+                <a:gd name="connsiteX1" fmla="*/ 2286000 w 4978400"/>
+                <a:gd name="connsiteY1" fmla="*/ 4 h 944884"/>
+                <a:gd name="connsiteX2" fmla="*/ 4978400 w 4978400"/>
+                <a:gd name="connsiteY2" fmla="*/ 934724 h 944884"/>
+                <a:gd name="connsiteX0" fmla="*/ 0 w 4978400"/>
+                <a:gd name="connsiteY0" fmla="*/ 965204 h 965204"/>
+                <a:gd name="connsiteX1" fmla="*/ 2387600 w 4978400"/>
+                <a:gd name="connsiteY1" fmla="*/ 4 h 965204"/>
+                <a:gd name="connsiteX2" fmla="*/ 4978400 w 4978400"/>
+                <a:gd name="connsiteY2" fmla="*/ 955044 h 965204"/>
+                <a:gd name="connsiteX0" fmla="*/ 0 w 4978400"/>
+                <a:gd name="connsiteY0" fmla="*/ 955045 h 955045"/>
+                <a:gd name="connsiteX1" fmla="*/ 2458720 w 4978400"/>
+                <a:gd name="connsiteY1" fmla="*/ 5 h 955045"/>
+                <a:gd name="connsiteX2" fmla="*/ 4978400 w 4978400"/>
+                <a:gd name="connsiteY2" fmla="*/ 944885 h 955045"/>
+              </a:gdLst>
+              <a:ahLst/>
+              <a:cxnLst>
+                <a:cxn ang="0">
+                  <a:pos x="connsiteX0" y="connsiteY0"/>
+                </a:cxn>
+                <a:cxn ang="0">
+                  <a:pos x="connsiteX1" y="connsiteY1"/>
+                </a:cxn>
+                <a:cxn ang="0">
+                  <a:pos x="connsiteX2" y="connsiteY2"/>
+                </a:cxn>
+              </a:cxnLst>
+              <a:rect l="l" t="t" r="r" b="b"/>
+              <a:pathLst>
+                <a:path w="4978400" h="955045">
+                  <a:moveTo>
+                    <a:pt x="0" y="955045"/>
+                  </a:moveTo>
+                  <a:cubicBezTo>
+                    <a:pt x="728133" y="483451"/>
+                    <a:pt x="1628987" y="1698"/>
+                    <a:pt x="2458720" y="5"/>
+                  </a:cubicBezTo>
+                  <a:cubicBezTo>
+                    <a:pt x="3288453" y="-1688"/>
+                    <a:pt x="4047066" y="476678"/>
+                    <a:pt x="4978400" y="944885"/>
+                  </a:cubicBezTo>
+                </a:path>
+              </a:pathLst>
+            </a:custGeom>
+            <a:noFill/>
+            <a:ln w="38100">
+              <a:solidFill>
+                <a:schemeClr val="accent4">
+                  <a:lumMod val="75000"/>
+                </a:schemeClr>
+              </a:solidFill>
+              <a:prstDash val="dash"/>
+            </a:ln>
+          </p:spPr>
+          <p:style>
+            <a:lnRef idx="2">
+              <a:schemeClr val="accent1">
+                <a:shade val="50000"/>
+              </a:schemeClr>
+            </a:lnRef>
+            <a:fillRef idx="1">
+              <a:schemeClr val="accent1"/>
+            </a:fillRef>
+            <a:effectRef idx="0">
+              <a:schemeClr val="accent1"/>
+            </a:effectRef>
+            <a:fontRef idx="minor">
+              <a:schemeClr val="lt1"/>
+            </a:fontRef>
+          </p:style>
+          <p:txBody>
+            <a:bodyPr rtlCol="0" anchor="ctr"/>
+            <a:lstStyle/>
+            <a:p>
+              <a:pPr algn="ctr"/>
+              <a:endParaRPr lang="en-US"/>
+            </a:p>
+          </p:txBody>
+        </p:sp>
+        <p:cxnSp>
+          <p:nvCxnSpPr>
+            <p:cNvPr id="77" name="Straight Connector 76"/>
+            <p:cNvCxnSpPr>
+              <a:stCxn id="75" idx="2"/>
+              <a:endCxn id="74" idx="0"/>
+            </p:cNvCxnSpPr>
+            <p:nvPr/>
+          </p:nvCxnSpPr>
+          <p:spPr>
+            <a:xfrm flipH="1" flipV="1">
+              <a:off x="873760" y="1125913"/>
+              <a:ext cx="5496560" cy="759"/>
+            </a:xfrm>
+            <a:prstGeom prst="line">
+              <a:avLst/>
+            </a:prstGeom>
+            <a:ln w="38100">
+              <a:solidFill>
+                <a:schemeClr val="accent4">
+                  <a:lumMod val="75000"/>
+                </a:schemeClr>
+              </a:solidFill>
+              <a:prstDash val="dash"/>
+            </a:ln>
+          </p:spPr>
+          <p:style>
+            <a:lnRef idx="1">
+              <a:schemeClr val="accent1"/>
+            </a:lnRef>
+            <a:fillRef idx="0">
+              <a:schemeClr val="accent1"/>
+            </a:fillRef>
+            <a:effectRef idx="0">
+              <a:schemeClr val="accent1"/>
+            </a:effectRef>
+            <a:fontRef idx="minor">
+              <a:schemeClr val="tx1"/>
+            </a:fontRef>
+          </p:style>
+        </p:cxnSp>
+        <p:pic>
+          <p:nvPicPr>
+            <p:cNvPr id="78" name="Picture 6" descr="Image result for cartoon fist transparent background"/>
+            <p:cNvPicPr>
+              <a:picLocks noChangeAspect="1" noChangeArrowheads="1"/>
+            </p:cNvPicPr>
+            <p:nvPr/>
+          </p:nvPicPr>
+          <p:blipFill>
+            <a:blip r:embed="rId2" cstate="print">
+              <a:extLst>
+                <a:ext uri="{28A0092B-C50C-407E-A947-70E740481C1C}">
+                  <a14:useLocalDpi xmlns:a14="http://schemas.microsoft.com/office/drawing/2010/main" val="0"/>
+                </a:ext>
+              </a:extLst>
+            </a:blip>
+            <a:srcRect/>
+            <a:stretch>
+              <a:fillRect/>
+            </a:stretch>
+          </p:blipFill>
+          <p:spPr bwMode="auto">
+            <a:xfrm>
+              <a:off x="375598" y="3036699"/>
+              <a:ext cx="528963" cy="481356"/>
+            </a:xfrm>
+            <a:prstGeom prst="rect">
+              <a:avLst/>
+            </a:prstGeom>
+            <a:noFill/>
+            <a:extLst>
+              <a:ext uri="{909E8E84-426E-40DD-AFC4-6F175D3DCCD1}">
+                <a14:hiddenFill xmlns:a14="http://schemas.microsoft.com/office/drawing/2010/main">
+                  <a:solidFill>
+                    <a:srgbClr val="FFFFFF"/>
+                  </a:solidFill>
+                </a14:hiddenFill>
+              </a:ext>
+            </a:extLst>
+          </p:spPr>
+        </p:pic>
+        <p:sp>
+          <p:nvSpPr>
+            <p:cNvPr id="79" name="Rectangle 78"/>
+            <p:cNvSpPr/>
+            <p:nvPr/>
+          </p:nvSpPr>
+          <p:spPr>
+            <a:xfrm>
+              <a:off x="6370320" y="2317257"/>
+              <a:ext cx="233680" cy="1920240"/>
+            </a:xfrm>
+            <a:prstGeom prst="rect">
+              <a:avLst/>
+            </a:prstGeom>
+            <a:solidFill>
+              <a:schemeClr val="tx1"/>
+            </a:solidFill>
+            <a:ln w="38100">
+              <a:solidFill>
+                <a:schemeClr val="tx1"/>
+              </a:solidFill>
+            </a:ln>
+          </p:spPr>
+          <p:style>
+            <a:lnRef idx="2">
+              <a:schemeClr val="accent1">
+                <a:shade val="50000"/>
+              </a:schemeClr>
+            </a:lnRef>
+            <a:fillRef idx="1">
+              <a:schemeClr val="accent1"/>
+            </a:fillRef>
+            <a:effectRef idx="0">
+              <a:schemeClr val="accent1"/>
+            </a:effectRef>
+            <a:fontRef idx="minor">
+              <a:schemeClr val="lt1"/>
+            </a:fontRef>
+          </p:style>
+          <p:txBody>
+            <a:bodyPr rtlCol="0" anchor="ctr"/>
+            <a:lstStyle/>
+            <a:p>
+              <a:pPr algn="ctr"/>
+              <a:endParaRPr lang="en-US"/>
+            </a:p>
+          </p:txBody>
+        </p:sp>
+        <p:cxnSp>
+          <p:nvCxnSpPr>
+            <p:cNvPr id="82" name="Straight Connector 81"/>
+            <p:cNvCxnSpPr/>
+            <p:nvPr/>
+          </p:nvCxnSpPr>
+          <p:spPr>
+            <a:xfrm flipH="1" flipV="1">
+              <a:off x="873760" y="3277377"/>
+              <a:ext cx="5496560" cy="759"/>
+            </a:xfrm>
+            <a:prstGeom prst="line">
+              <a:avLst/>
+            </a:prstGeom>
+            <a:ln w="38100">
+              <a:solidFill>
+                <a:schemeClr val="accent4">
+                  <a:lumMod val="75000"/>
+                </a:schemeClr>
+              </a:solidFill>
+              <a:prstDash val="dash"/>
+            </a:ln>
+          </p:spPr>
+          <p:style>
+            <a:lnRef idx="1">
+              <a:schemeClr val="accent1"/>
+            </a:lnRef>
+            <a:fillRef idx="0">
+              <a:schemeClr val="accent1"/>
+            </a:fillRef>
+            <a:effectRef idx="0">
+              <a:schemeClr val="accent1"/>
+            </a:effectRef>
+            <a:fontRef idx="minor">
+              <a:schemeClr val="tx1"/>
+            </a:fontRef>
+          </p:style>
+        </p:cxnSp>
+        <p:sp>
+          <p:nvSpPr>
+            <p:cNvPr id="83" name="Freeform 82"/>
+            <p:cNvSpPr/>
+            <p:nvPr/>
+          </p:nvSpPr>
+          <p:spPr>
+            <a:xfrm>
+              <a:off x="782320" y="2349476"/>
+              <a:ext cx="5577840" cy="1828850"/>
+            </a:xfrm>
+            <a:custGeom>
+              <a:avLst/>
+              <a:gdLst>
+                <a:gd name="connsiteX0" fmla="*/ 5577840 w 5577840"/>
+                <a:gd name="connsiteY0" fmla="*/ 914418 h 1828850"/>
+                <a:gd name="connsiteX1" fmla="*/ 4185920 w 5577840"/>
+                <a:gd name="connsiteY1" fmla="*/ 18 h 1828850"/>
+                <a:gd name="connsiteX2" fmla="*/ 2804160 w 5577840"/>
+                <a:gd name="connsiteY2" fmla="*/ 934738 h 1828850"/>
+                <a:gd name="connsiteX3" fmla="*/ 1524000 w 5577840"/>
+                <a:gd name="connsiteY3" fmla="*/ 1828818 h 1828850"/>
+                <a:gd name="connsiteX4" fmla="*/ 0 w 5577840"/>
+                <a:gd name="connsiteY4" fmla="*/ 904258 h 1828850"/>
+              </a:gdLst>
+              <a:ahLst/>
+              <a:cxnLst>
+                <a:cxn ang="0">
+                  <a:pos x="connsiteX0" y="connsiteY0"/>
+                </a:cxn>
+                <a:cxn ang="0">
+                  <a:pos x="connsiteX1" y="connsiteY1"/>
+                </a:cxn>
+                <a:cxn ang="0">
+                  <a:pos x="connsiteX2" y="connsiteY2"/>
+                </a:cxn>
+                <a:cxn ang="0">
+                  <a:pos x="connsiteX3" y="connsiteY3"/>
+                </a:cxn>
+                <a:cxn ang="0">
+                  <a:pos x="connsiteX4" y="connsiteY4"/>
+                </a:cxn>
+              </a:cxnLst>
+              <a:rect l="l" t="t" r="r" b="b"/>
+              <a:pathLst>
+                <a:path w="5577840" h="1828850">
+                  <a:moveTo>
+                    <a:pt x="5577840" y="914418"/>
+                  </a:moveTo>
+                  <a:cubicBezTo>
+                    <a:pt x="5113020" y="455524"/>
+                    <a:pt x="4648200" y="-3369"/>
+                    <a:pt x="4185920" y="18"/>
+                  </a:cubicBezTo>
+                  <a:cubicBezTo>
+                    <a:pt x="3723640" y="3405"/>
+                    <a:pt x="3247813" y="629938"/>
+                    <a:pt x="2804160" y="934738"/>
+                  </a:cubicBezTo>
+                  <a:cubicBezTo>
+                    <a:pt x="2360507" y="1239538"/>
+                    <a:pt x="1991360" y="1833898"/>
+                    <a:pt x="1524000" y="1828818"/>
+                  </a:cubicBezTo>
+                  <a:cubicBezTo>
+                    <a:pt x="1056640" y="1823738"/>
+                    <a:pt x="182880" y="1043111"/>
+                    <a:pt x="0" y="904258"/>
+                  </a:cubicBezTo>
+                </a:path>
+              </a:pathLst>
+            </a:custGeom>
+            <a:noFill/>
+            <a:ln w="38100">
+              <a:solidFill>
+                <a:schemeClr val="accent4">
+                  <a:lumMod val="75000"/>
+                </a:schemeClr>
+              </a:solidFill>
+            </a:ln>
+          </p:spPr>
+          <p:style>
+            <a:lnRef idx="2">
+              <a:schemeClr val="accent1">
+                <a:shade val="50000"/>
+              </a:schemeClr>
+            </a:lnRef>
+            <a:fillRef idx="1">
+              <a:schemeClr val="accent1"/>
+            </a:fillRef>
+            <a:effectRef idx="0">
+              <a:schemeClr val="accent1"/>
+            </a:effectRef>
+            <a:fontRef idx="minor">
+              <a:schemeClr val="lt1"/>
+            </a:fontRef>
+          </p:style>
+          <p:txBody>
+            <a:bodyPr rtlCol="0" anchor="ctr"/>
+            <a:lstStyle/>
+            <a:p>
+              <a:pPr algn="ctr"/>
+              <a:endParaRPr lang="en-US"/>
+            </a:p>
+          </p:txBody>
+        </p:sp>
+        <p:sp>
+          <p:nvSpPr>
+            <p:cNvPr id="84" name="Freeform 83"/>
+            <p:cNvSpPr/>
+            <p:nvPr/>
+          </p:nvSpPr>
+          <p:spPr>
+            <a:xfrm flipV="1">
+              <a:off x="746760" y="2317256"/>
+              <a:ext cx="5577840" cy="1930326"/>
+            </a:xfrm>
+            <a:custGeom>
+              <a:avLst/>
+              <a:gdLst>
+                <a:gd name="connsiteX0" fmla="*/ 5577840 w 5577840"/>
+                <a:gd name="connsiteY0" fmla="*/ 914418 h 1828850"/>
+                <a:gd name="connsiteX1" fmla="*/ 4185920 w 5577840"/>
+                <a:gd name="connsiteY1" fmla="*/ 18 h 1828850"/>
+                <a:gd name="connsiteX2" fmla="*/ 2804160 w 5577840"/>
+                <a:gd name="connsiteY2" fmla="*/ 934738 h 1828850"/>
+                <a:gd name="connsiteX3" fmla="*/ 1524000 w 5577840"/>
+                <a:gd name="connsiteY3" fmla="*/ 1828818 h 1828850"/>
+                <a:gd name="connsiteX4" fmla="*/ 0 w 5577840"/>
+                <a:gd name="connsiteY4" fmla="*/ 904258 h 1828850"/>
+              </a:gdLst>
+              <a:ahLst/>
+              <a:cxnLst>
+                <a:cxn ang="0">
+                  <a:pos x="connsiteX0" y="connsiteY0"/>
+                </a:cxn>
+                <a:cxn ang="0">
+                  <a:pos x="connsiteX1" y="connsiteY1"/>
+                </a:cxn>
+                <a:cxn ang="0">
+                  <a:pos x="connsiteX2" y="connsiteY2"/>
+                </a:cxn>
+                <a:cxn ang="0">
+                  <a:pos x="connsiteX3" y="connsiteY3"/>
+                </a:cxn>
+                <a:cxn ang="0">
+                  <a:pos x="connsiteX4" y="connsiteY4"/>
+                </a:cxn>
+              </a:cxnLst>
+              <a:rect l="l" t="t" r="r" b="b"/>
+              <a:pathLst>
+                <a:path w="5577840" h="1828850">
+                  <a:moveTo>
+                    <a:pt x="5577840" y="914418"/>
+                  </a:moveTo>
+                  <a:cubicBezTo>
+                    <a:pt x="5113020" y="455524"/>
+                    <a:pt x="4648200" y="-3369"/>
+                    <a:pt x="4185920" y="18"/>
+                  </a:cubicBezTo>
+                  <a:cubicBezTo>
+                    <a:pt x="3723640" y="3405"/>
+                    <a:pt x="3247813" y="629938"/>
+                    <a:pt x="2804160" y="934738"/>
+                  </a:cubicBezTo>
+                  <a:cubicBezTo>
+                    <a:pt x="2360507" y="1239538"/>
+                    <a:pt x="1991360" y="1833898"/>
+                    <a:pt x="1524000" y="1828818"/>
+                  </a:cubicBezTo>
+                  <a:cubicBezTo>
+                    <a:pt x="1056640" y="1823738"/>
+                    <a:pt x="182880" y="1043111"/>
+                    <a:pt x="0" y="904258"/>
+                  </a:cubicBezTo>
+                </a:path>
+              </a:pathLst>
+            </a:custGeom>
+            <a:noFill/>
+            <a:ln w="38100">
+              <a:solidFill>
+                <a:schemeClr val="accent4">
+                  <a:lumMod val="75000"/>
+                </a:schemeClr>
+              </a:solidFill>
+              <a:prstDash val="dash"/>
+            </a:ln>
+          </p:spPr>
+          <p:style>
+            <a:lnRef idx="2">
+              <a:schemeClr val="accent1">
+                <a:shade val="50000"/>
+              </a:schemeClr>
+            </a:lnRef>
+            <a:fillRef idx="1">
+              <a:schemeClr val="accent1"/>
+            </a:fillRef>
+            <a:effectRef idx="0">
+              <a:schemeClr val="accent1"/>
+            </a:effectRef>
+            <a:fontRef idx="minor">
+              <a:schemeClr val="lt1"/>
+            </a:fontRef>
+          </p:style>
+          <p:txBody>
+            <a:bodyPr rtlCol="0" anchor="ctr"/>
+            <a:lstStyle/>
+            <a:p>
+              <a:pPr algn="ctr"/>
+              <a:endParaRPr lang="en-US"/>
+            </a:p>
+          </p:txBody>
+        </p:sp>
+        <p:pic>
+          <p:nvPicPr>
+            <p:cNvPr id="85" name="Picture 6" descr="Image result for cartoon fist transparent background"/>
+            <p:cNvPicPr>
+              <a:picLocks noChangeAspect="1" noChangeArrowheads="1"/>
+            </p:cNvPicPr>
+            <p:nvPr/>
+          </p:nvPicPr>
+          <p:blipFill>
+            <a:blip r:embed="rId2" cstate="print">
+              <a:extLst>
+                <a:ext uri="{28A0092B-C50C-407E-A947-70E740481C1C}">
+                  <a14:useLocalDpi xmlns:a14="http://schemas.microsoft.com/office/drawing/2010/main" val="0"/>
+                </a:ext>
+              </a:extLst>
+            </a:blip>
+            <a:srcRect/>
+            <a:stretch>
+              <a:fillRect/>
+            </a:stretch>
+          </p:blipFill>
+          <p:spPr bwMode="auto">
+            <a:xfrm>
+              <a:off x="370518" y="5191564"/>
+              <a:ext cx="528963" cy="481356"/>
+            </a:xfrm>
+            <a:prstGeom prst="rect">
+              <a:avLst/>
+            </a:prstGeom>
+            <a:noFill/>
+            <a:extLst>
+              <a:ext uri="{909E8E84-426E-40DD-AFC4-6F175D3DCCD1}">
+                <a14:hiddenFill xmlns:a14="http://schemas.microsoft.com/office/drawing/2010/main">
+                  <a:solidFill>
+                    <a:srgbClr val="FFFFFF"/>
+                  </a:solidFill>
+                </a14:hiddenFill>
+              </a:ext>
+            </a:extLst>
+          </p:spPr>
+        </p:pic>
+        <p:sp>
+          <p:nvSpPr>
+            <p:cNvPr id="86" name="Rectangle 85"/>
+            <p:cNvSpPr/>
+            <p:nvPr/>
+          </p:nvSpPr>
+          <p:spPr>
+            <a:xfrm>
+              <a:off x="6365240" y="4472122"/>
+              <a:ext cx="233680" cy="1920240"/>
+            </a:xfrm>
+            <a:prstGeom prst="rect">
+              <a:avLst/>
+            </a:prstGeom>
+            <a:solidFill>
+              <a:schemeClr val="tx1"/>
+            </a:solidFill>
+            <a:ln w="38100">
+              <a:solidFill>
+                <a:schemeClr val="tx1"/>
+              </a:solidFill>
+            </a:ln>
+          </p:spPr>
+          <p:style>
+            <a:lnRef idx="2">
+              <a:schemeClr val="accent1">
+                <a:shade val="50000"/>
+              </a:schemeClr>
+            </a:lnRef>
+            <a:fillRef idx="1">
+              <a:schemeClr val="accent1"/>
+            </a:fillRef>
+            <a:effectRef idx="0">
+              <a:schemeClr val="accent1"/>
+            </a:effectRef>
+            <a:fontRef idx="minor">
+              <a:schemeClr val="lt1"/>
+            </a:fontRef>
+          </p:style>
+          <p:txBody>
+            <a:bodyPr rtlCol="0" anchor="ctr"/>
+            <a:lstStyle/>
+            <a:p>
+              <a:pPr algn="ctr"/>
+              <a:endParaRPr lang="en-US"/>
+            </a:p>
+          </p:txBody>
+        </p:sp>
+        <p:cxnSp>
+          <p:nvCxnSpPr>
+            <p:cNvPr id="87" name="Straight Connector 86"/>
+            <p:cNvCxnSpPr/>
+            <p:nvPr/>
+          </p:nvCxnSpPr>
+          <p:spPr>
+            <a:xfrm flipH="1" flipV="1">
+              <a:off x="868680" y="5432242"/>
+              <a:ext cx="5496560" cy="759"/>
+            </a:xfrm>
+            <a:prstGeom prst="line">
+              <a:avLst/>
+            </a:prstGeom>
+            <a:ln w="38100">
+              <a:solidFill>
+                <a:schemeClr val="accent4">
+                  <a:lumMod val="75000"/>
+                </a:schemeClr>
+              </a:solidFill>
+              <a:prstDash val="dash"/>
+            </a:ln>
+          </p:spPr>
+          <p:style>
+            <a:lnRef idx="1">
+              <a:schemeClr val="accent1"/>
+            </a:lnRef>
+            <a:fillRef idx="0">
+              <a:schemeClr val="accent1"/>
+            </a:fillRef>
+            <a:effectRef idx="0">
+              <a:schemeClr val="accent1"/>
+            </a:effectRef>
+            <a:fontRef idx="minor">
+              <a:schemeClr val="tx1"/>
+            </a:fontRef>
+          </p:style>
+        </p:cxnSp>
+        <p:sp>
+          <p:nvSpPr>
+            <p:cNvPr id="90" name="Freeform 89"/>
+            <p:cNvSpPr/>
+            <p:nvPr/>
+          </p:nvSpPr>
+          <p:spPr>
+            <a:xfrm>
+              <a:off x="822960" y="4512638"/>
+              <a:ext cx="5537200" cy="1859349"/>
+            </a:xfrm>
+            <a:custGeom>
+              <a:avLst/>
+              <a:gdLst>
+                <a:gd name="connsiteX0" fmla="*/ 5537200 w 5537200"/>
+                <a:gd name="connsiteY0" fmla="*/ 914414 h 1859349"/>
+                <a:gd name="connsiteX1" fmla="*/ 4602480 w 5537200"/>
+                <a:gd name="connsiteY1" fmla="*/ 10174 h 1859349"/>
+                <a:gd name="connsiteX2" fmla="*/ 3677920 w 5537200"/>
+                <a:gd name="connsiteY2" fmla="*/ 944894 h 1859349"/>
+                <a:gd name="connsiteX3" fmla="*/ 2773680 w 5537200"/>
+                <a:gd name="connsiteY3" fmla="*/ 1859294 h 1859349"/>
+                <a:gd name="connsiteX4" fmla="*/ 1838960 w 5537200"/>
+                <a:gd name="connsiteY4" fmla="*/ 904254 h 1859349"/>
+                <a:gd name="connsiteX5" fmla="*/ 955040 w 5537200"/>
+                <a:gd name="connsiteY5" fmla="*/ 14 h 1859349"/>
+                <a:gd name="connsiteX6" fmla="*/ 0 w 5537200"/>
+                <a:gd name="connsiteY6" fmla="*/ 924574 h 1859349"/>
+              </a:gdLst>
+              <a:ahLst/>
+              <a:cxnLst>
+                <a:cxn ang="0">
+                  <a:pos x="connsiteX0" y="connsiteY0"/>
+                </a:cxn>
+                <a:cxn ang="0">
+                  <a:pos x="connsiteX1" y="connsiteY1"/>
+                </a:cxn>
+                <a:cxn ang="0">
+                  <a:pos x="connsiteX2" y="connsiteY2"/>
+                </a:cxn>
+                <a:cxn ang="0">
+                  <a:pos x="connsiteX3" y="connsiteY3"/>
+                </a:cxn>
+                <a:cxn ang="0">
+                  <a:pos x="connsiteX4" y="connsiteY4"/>
+                </a:cxn>
+                <a:cxn ang="0">
+                  <a:pos x="connsiteX5" y="connsiteY5"/>
+                </a:cxn>
+                <a:cxn ang="0">
+                  <a:pos x="connsiteX6" y="connsiteY6"/>
+                </a:cxn>
+              </a:cxnLst>
+              <a:rect l="l" t="t" r="r" b="b"/>
+              <a:pathLst>
+                <a:path w="5537200" h="1859349">
+                  <a:moveTo>
+                    <a:pt x="5537200" y="914414"/>
+                  </a:moveTo>
+                  <a:cubicBezTo>
+                    <a:pt x="5224780" y="459754"/>
+                    <a:pt x="4912360" y="5094"/>
+                    <a:pt x="4602480" y="10174"/>
+                  </a:cubicBezTo>
+                  <a:cubicBezTo>
+                    <a:pt x="4292600" y="15254"/>
+                    <a:pt x="3677920" y="944894"/>
+                    <a:pt x="3677920" y="944894"/>
+                  </a:cubicBezTo>
+                  <a:cubicBezTo>
+                    <a:pt x="3373120" y="1253081"/>
+                    <a:pt x="3080173" y="1866067"/>
+                    <a:pt x="2773680" y="1859294"/>
+                  </a:cubicBezTo>
+                  <a:cubicBezTo>
+                    <a:pt x="2467187" y="1852521"/>
+                    <a:pt x="1838960" y="904254"/>
+                    <a:pt x="1838960" y="904254"/>
+                  </a:cubicBezTo>
+                  <a:cubicBezTo>
+                    <a:pt x="1535853" y="594374"/>
+                    <a:pt x="1261533" y="-3373"/>
+                    <a:pt x="955040" y="14"/>
+                  </a:cubicBezTo>
+                  <a:cubicBezTo>
+                    <a:pt x="648547" y="3401"/>
+                    <a:pt x="324273" y="463987"/>
+                    <a:pt x="0" y="924574"/>
+                  </a:cubicBezTo>
+                </a:path>
+              </a:pathLst>
+            </a:custGeom>
+            <a:noFill/>
+            <a:ln w="38100">
+              <a:solidFill>
+                <a:schemeClr val="accent4">
+                  <a:lumMod val="75000"/>
+                </a:schemeClr>
+              </a:solidFill>
+            </a:ln>
+          </p:spPr>
+          <p:style>
+            <a:lnRef idx="2">
+              <a:schemeClr val="accent1">
+                <a:shade val="50000"/>
+              </a:schemeClr>
+            </a:lnRef>
+            <a:fillRef idx="1">
+              <a:schemeClr val="accent1"/>
+            </a:fillRef>
+            <a:effectRef idx="0">
+              <a:schemeClr val="accent1"/>
+            </a:effectRef>
+            <a:fontRef idx="minor">
+              <a:schemeClr val="lt1"/>
+            </a:fontRef>
+          </p:style>
+          <p:txBody>
+            <a:bodyPr rtlCol="0" anchor="ctr"/>
+            <a:lstStyle/>
+            <a:p>
+              <a:pPr algn="ctr"/>
+              <a:endParaRPr lang="en-US"/>
+            </a:p>
+          </p:txBody>
+        </p:sp>
+        <p:sp>
+          <p:nvSpPr>
+            <p:cNvPr id="91" name="Freeform 90"/>
+            <p:cNvSpPr/>
+            <p:nvPr/>
+          </p:nvSpPr>
+          <p:spPr>
+            <a:xfrm flipV="1">
+              <a:off x="822960" y="4472122"/>
+              <a:ext cx="5537200" cy="1822308"/>
+            </a:xfrm>
+            <a:custGeom>
+              <a:avLst/>
+              <a:gdLst>
+                <a:gd name="connsiteX0" fmla="*/ 5537200 w 5537200"/>
+                <a:gd name="connsiteY0" fmla="*/ 914414 h 1859349"/>
+                <a:gd name="connsiteX1" fmla="*/ 4602480 w 5537200"/>
+                <a:gd name="connsiteY1" fmla="*/ 10174 h 1859349"/>
+                <a:gd name="connsiteX2" fmla="*/ 3677920 w 5537200"/>
+                <a:gd name="connsiteY2" fmla="*/ 944894 h 1859349"/>
+                <a:gd name="connsiteX3" fmla="*/ 2773680 w 5537200"/>
+                <a:gd name="connsiteY3" fmla="*/ 1859294 h 1859349"/>
+                <a:gd name="connsiteX4" fmla="*/ 1838960 w 5537200"/>
+                <a:gd name="connsiteY4" fmla="*/ 904254 h 1859349"/>
+                <a:gd name="connsiteX5" fmla="*/ 955040 w 5537200"/>
+                <a:gd name="connsiteY5" fmla="*/ 14 h 1859349"/>
+                <a:gd name="connsiteX6" fmla="*/ 0 w 5537200"/>
+                <a:gd name="connsiteY6" fmla="*/ 924574 h 1859349"/>
+              </a:gdLst>
+              <a:ahLst/>
+              <a:cxnLst>
+                <a:cxn ang="0">
+                  <a:pos x="connsiteX0" y="connsiteY0"/>
+                </a:cxn>
+                <a:cxn ang="0">
+                  <a:pos x="connsiteX1" y="connsiteY1"/>
+                </a:cxn>
+                <a:cxn ang="0">
+                  <a:pos x="connsiteX2" y="connsiteY2"/>
+                </a:cxn>
+                <a:cxn ang="0">
+                  <a:pos x="connsiteX3" y="connsiteY3"/>
+                </a:cxn>
+                <a:cxn ang="0">
+                  <a:pos x="connsiteX4" y="connsiteY4"/>
+                </a:cxn>
+                <a:cxn ang="0">
+                  <a:pos x="connsiteX5" y="connsiteY5"/>
+                </a:cxn>
+                <a:cxn ang="0">
+                  <a:pos x="connsiteX6" y="connsiteY6"/>
+                </a:cxn>
+              </a:cxnLst>
+              <a:rect l="l" t="t" r="r" b="b"/>
+              <a:pathLst>
+                <a:path w="5537200" h="1859349">
+                  <a:moveTo>
+                    <a:pt x="5537200" y="914414"/>
+                  </a:moveTo>
+                  <a:cubicBezTo>
+                    <a:pt x="5224780" y="459754"/>
+                    <a:pt x="4912360" y="5094"/>
+                    <a:pt x="4602480" y="10174"/>
+                  </a:cubicBezTo>
+                  <a:cubicBezTo>
+                    <a:pt x="4292600" y="15254"/>
+                    <a:pt x="3677920" y="944894"/>
+                    <a:pt x="3677920" y="944894"/>
+                  </a:cubicBezTo>
+                  <a:cubicBezTo>
+                    <a:pt x="3373120" y="1253081"/>
+                    <a:pt x="3080173" y="1866067"/>
+                    <a:pt x="2773680" y="1859294"/>
+                  </a:cubicBezTo>
+                  <a:cubicBezTo>
+                    <a:pt x="2467187" y="1852521"/>
+                    <a:pt x="1838960" y="904254"/>
+                    <a:pt x="1838960" y="904254"/>
+                  </a:cubicBezTo>
+                  <a:cubicBezTo>
+                    <a:pt x="1535853" y="594374"/>
+                    <a:pt x="1261533" y="-3373"/>
+                    <a:pt x="955040" y="14"/>
+                  </a:cubicBezTo>
+                  <a:cubicBezTo>
+                    <a:pt x="648547" y="3401"/>
+                    <a:pt x="324273" y="463987"/>
+                    <a:pt x="0" y="924574"/>
+                  </a:cubicBezTo>
+                </a:path>
+              </a:pathLst>
+            </a:custGeom>
+            <a:noFill/>
+            <a:ln w="38100">
+              <a:solidFill>
+                <a:schemeClr val="accent4">
+                  <a:lumMod val="75000"/>
+                </a:schemeClr>
+              </a:solidFill>
+              <a:prstDash val="dash"/>
+            </a:ln>
+          </p:spPr>
+          <p:style>
+            <a:lnRef idx="2">
+              <a:schemeClr val="accent1">
+                <a:shade val="50000"/>
+              </a:schemeClr>
+            </a:lnRef>
+            <a:fillRef idx="1">
+              <a:schemeClr val="accent1"/>
+            </a:fillRef>
+            <a:effectRef idx="0">
+              <a:schemeClr val="accent1"/>
+            </a:effectRef>
+            <a:fontRef idx="minor">
+              <a:schemeClr val="lt1"/>
+            </a:fontRef>
+          </p:style>
+          <p:txBody>
+            <a:bodyPr rtlCol="0" anchor="ctr"/>
+            <a:lstStyle/>
+            <a:p>
+              <a:pPr algn="ctr"/>
+              <a:endParaRPr lang="en-US"/>
+            </a:p>
+          </p:txBody>
+        </p:sp>
+      </p:grpSp>
+    </p:spTree>
+    <p:extLst>
+      <p:ext uri="{BB962C8B-B14F-4D97-AF65-F5344CB8AC3E}">
+        <p14:creationId xmlns:p14="http://schemas.microsoft.com/office/powerpoint/2010/main" val="3729072214"/>
+      </p:ext>
+    </p:extLst>
+  </p:cSld>
+  <p:clrMapOvr>
+    <a:masterClrMapping/>
+  </p:clrMapOvr>
+  <p:timing>
+    <p:tnLst>
+      <p:par>
+        <p:cTn id="1" dur="indefinite" restart="never" nodeType="tmRoot"/>
+      </p:par>
+    </p:tnLst>
+  </p:timing>
 </p:sld>
 </file>
 

--- a/tex/figures/Waves/Figures.pptx
+++ b/tex/figures/Waves/Figures.pptx
@@ -251,7 +251,7 @@
           <a:p>
             <a:fld id="{F7249F8D-641B-4CAF-BAE5-10524742F6F1}" type="datetimeFigureOut">
               <a:rPr lang="en-CA" smtClean="0"/>
-              <a:t>2018-07-17</a:t>
+              <a:t>2018-07-18</a:t>
             </a:fld>
             <a:endParaRPr lang="en-CA"/>
           </a:p>
@@ -421,7 +421,7 @@
           <a:p>
             <a:fld id="{F7249F8D-641B-4CAF-BAE5-10524742F6F1}" type="datetimeFigureOut">
               <a:rPr lang="en-CA" smtClean="0"/>
-              <a:t>2018-07-17</a:t>
+              <a:t>2018-07-18</a:t>
             </a:fld>
             <a:endParaRPr lang="en-CA"/>
           </a:p>
@@ -601,7 +601,7 @@
           <a:p>
             <a:fld id="{F7249F8D-641B-4CAF-BAE5-10524742F6F1}" type="datetimeFigureOut">
               <a:rPr lang="en-CA" smtClean="0"/>
-              <a:t>2018-07-17</a:t>
+              <a:t>2018-07-18</a:t>
             </a:fld>
             <a:endParaRPr lang="en-CA"/>
           </a:p>
@@ -771,7 +771,7 @@
           <a:p>
             <a:fld id="{F7249F8D-641B-4CAF-BAE5-10524742F6F1}" type="datetimeFigureOut">
               <a:rPr lang="en-CA" smtClean="0"/>
-              <a:t>2018-07-17</a:t>
+              <a:t>2018-07-18</a:t>
             </a:fld>
             <a:endParaRPr lang="en-CA"/>
           </a:p>
@@ -1017,7 +1017,7 @@
           <a:p>
             <a:fld id="{F7249F8D-641B-4CAF-BAE5-10524742F6F1}" type="datetimeFigureOut">
               <a:rPr lang="en-CA" smtClean="0"/>
-              <a:t>2018-07-17</a:t>
+              <a:t>2018-07-18</a:t>
             </a:fld>
             <a:endParaRPr lang="en-CA"/>
           </a:p>
@@ -1249,7 +1249,7 @@
           <a:p>
             <a:fld id="{F7249F8D-641B-4CAF-BAE5-10524742F6F1}" type="datetimeFigureOut">
               <a:rPr lang="en-CA" smtClean="0"/>
-              <a:t>2018-07-17</a:t>
+              <a:t>2018-07-18</a:t>
             </a:fld>
             <a:endParaRPr lang="en-CA"/>
           </a:p>
@@ -1616,7 +1616,7 @@
           <a:p>
             <a:fld id="{F7249F8D-641B-4CAF-BAE5-10524742F6F1}" type="datetimeFigureOut">
               <a:rPr lang="en-CA" smtClean="0"/>
-              <a:t>2018-07-17</a:t>
+              <a:t>2018-07-18</a:t>
             </a:fld>
             <a:endParaRPr lang="en-CA"/>
           </a:p>
@@ -1734,7 +1734,7 @@
           <a:p>
             <a:fld id="{F7249F8D-641B-4CAF-BAE5-10524742F6F1}" type="datetimeFigureOut">
               <a:rPr lang="en-CA" smtClean="0"/>
-              <a:t>2018-07-17</a:t>
+              <a:t>2018-07-18</a:t>
             </a:fld>
             <a:endParaRPr lang="en-CA"/>
           </a:p>
@@ -1829,7 +1829,7 @@
           <a:p>
             <a:fld id="{F7249F8D-641B-4CAF-BAE5-10524742F6F1}" type="datetimeFigureOut">
               <a:rPr lang="en-CA" smtClean="0"/>
-              <a:t>2018-07-17</a:t>
+              <a:t>2018-07-18</a:t>
             </a:fld>
             <a:endParaRPr lang="en-CA"/>
           </a:p>
@@ -2106,7 +2106,7 @@
           <a:p>
             <a:fld id="{F7249F8D-641B-4CAF-BAE5-10524742F6F1}" type="datetimeFigureOut">
               <a:rPr lang="en-CA" smtClean="0"/>
-              <a:t>2018-07-17</a:t>
+              <a:t>2018-07-18</a:t>
             </a:fld>
             <a:endParaRPr lang="en-CA"/>
           </a:p>
@@ -2359,7 +2359,7 @@
           <a:p>
             <a:fld id="{F7249F8D-641B-4CAF-BAE5-10524742F6F1}" type="datetimeFigureOut">
               <a:rPr lang="en-CA" smtClean="0"/>
-              <a:t>2018-07-17</a:t>
+              <a:t>2018-07-18</a:t>
             </a:fld>
             <a:endParaRPr lang="en-CA"/>
           </a:p>
@@ -2572,7 +2572,7 @@
           <a:p>
             <a:fld id="{F7249F8D-641B-4CAF-BAE5-10524742F6F1}" type="datetimeFigureOut">
               <a:rPr lang="en-CA" smtClean="0"/>
-              <a:t>2018-07-17</a:t>
+              <a:t>2018-07-18</a:t>
             </a:fld>
             <a:endParaRPr lang="en-CA"/>
           </a:p>
@@ -11452,8 +11452,8 @@
                     </a:fontRef>
                   </p:style>
                 </p:cxnSp>
-                <mc:AlternateContent xmlns:mc="http://schemas.openxmlformats.org/markup-compatibility/2006">
-                  <mc:Choice xmlns:a14="http://schemas.microsoft.com/office/drawing/2010/main" Requires="a14">
+                <mc:AlternateContent xmlns:mc="http://schemas.openxmlformats.org/markup-compatibility/2006" xmlns:a14="http://schemas.microsoft.com/office/drawing/2010/main">
+                  <mc:Choice Requires="a14">
                     <p:sp>
                       <p:nvSpPr>
                         <p:cNvPr id="30" name="TextBox 29"/>
@@ -11514,7 +11514,7 @@
                       </p:txBody>
                     </p:sp>
                   </mc:Choice>
-                  <mc:Fallback>
+                  <mc:Fallback xmlns="">
                     <p:sp>
                       <p:nvSpPr>
                         <p:cNvPr id="30" name="TextBox 29"/>
@@ -11767,8 +11767,8 @@
                     </a:fontRef>
                   </p:style>
                 </p:cxnSp>
-                <mc:AlternateContent xmlns:mc="http://schemas.openxmlformats.org/markup-compatibility/2006">
-                  <mc:Choice xmlns:a14="http://schemas.microsoft.com/office/drawing/2010/main" Requires="a14">
+                <mc:AlternateContent xmlns:mc="http://schemas.openxmlformats.org/markup-compatibility/2006" xmlns:a14="http://schemas.microsoft.com/office/drawing/2010/main">
+                  <mc:Choice Requires="a14">
                     <p:sp>
                       <p:nvSpPr>
                         <p:cNvPr id="37" name="TextBox 36"/>
@@ -11829,7 +11829,7 @@
                       </p:txBody>
                     </p:sp>
                   </mc:Choice>
-                  <mc:Fallback>
+                  <mc:Fallback xmlns="">
                     <p:sp>
                       <p:nvSpPr>
                         <p:cNvPr id="37" name="TextBox 36"/>
@@ -11952,8 +11952,8 @@
                     </a:fontRef>
                   </p:style>
                 </p:cxnSp>
-                <mc:AlternateContent xmlns:mc="http://schemas.openxmlformats.org/markup-compatibility/2006">
-                  <mc:Choice xmlns:a14="http://schemas.microsoft.com/office/drawing/2010/main" Requires="a14">
+                <mc:AlternateContent xmlns:mc="http://schemas.openxmlformats.org/markup-compatibility/2006" xmlns:a14="http://schemas.microsoft.com/office/drawing/2010/main">
+                  <mc:Choice Requires="a14">
                     <p:sp>
                       <p:nvSpPr>
                         <p:cNvPr id="41" name="TextBox 40"/>
@@ -11976,6 +11976,7 @@
                         </a:bodyPr>
                         <a:lstStyle/>
                         <a:p>
+                          <a:pPr/>
                           <a14:m>
                             <m:oMathPara xmlns:m="http://schemas.openxmlformats.org/officeDocument/2006/math">
                               <m:oMathParaPr>
@@ -12034,7 +12035,7 @@
                       </p:txBody>
                     </p:sp>
                   </mc:Choice>
-                  <mc:Fallback>
+                  <mc:Fallback xmlns="">
                     <p:sp>
                       <p:nvSpPr>
                         <p:cNvPr id="41" name="TextBox 40"/>
@@ -12159,8 +12160,8 @@
                     </a:fontRef>
                   </p:style>
                 </p:cxnSp>
-                <mc:AlternateContent xmlns:mc="http://schemas.openxmlformats.org/markup-compatibility/2006">
-                  <mc:Choice xmlns:a14="http://schemas.microsoft.com/office/drawing/2010/main" Requires="a14">
+                <mc:AlternateContent xmlns:mc="http://schemas.openxmlformats.org/markup-compatibility/2006" xmlns:a14="http://schemas.microsoft.com/office/drawing/2010/main">
+                  <mc:Choice Requires="a14">
                     <p:sp>
                       <p:nvSpPr>
                         <p:cNvPr id="45" name="TextBox 44"/>
@@ -12183,6 +12184,7 @@
                         </a:bodyPr>
                         <a:lstStyle/>
                         <a:p>
+                          <a:pPr/>
                           <a14:m>
                             <m:oMathPara xmlns:m="http://schemas.openxmlformats.org/officeDocument/2006/math">
                               <m:oMathParaPr>
@@ -12227,7 +12229,7 @@
                       </p:txBody>
                     </p:sp>
                   </mc:Choice>
-                  <mc:Fallback>
+                  <mc:Fallback xmlns="">
                     <p:sp>
                       <p:nvSpPr>
                         <p:cNvPr id="45" name="TextBox 44"/>
@@ -12340,8 +12342,8 @@
                     </a:fontRef>
                   </p:style>
                 </p:cxnSp>
-                <mc:AlternateContent xmlns:mc="http://schemas.openxmlformats.org/markup-compatibility/2006">
-                  <mc:Choice xmlns:a14="http://schemas.microsoft.com/office/drawing/2010/main" Requires="a14">
+                <mc:AlternateContent xmlns:mc="http://schemas.openxmlformats.org/markup-compatibility/2006" xmlns:a14="http://schemas.microsoft.com/office/drawing/2010/main">
+                  <mc:Choice Requires="a14">
                     <p:sp>
                       <p:nvSpPr>
                         <p:cNvPr id="53" name="TextBox 52"/>
@@ -12364,6 +12366,7 @@
                         </a:bodyPr>
                         <a:lstStyle/>
                         <a:p>
+                          <a:pPr/>
                           <a14:m>
                             <m:oMathPara xmlns:m="http://schemas.openxmlformats.org/officeDocument/2006/math">
                               <m:oMathParaPr>
@@ -12416,7 +12419,7 @@
                       </p:txBody>
                     </p:sp>
                   </mc:Choice>
-                  <mc:Fallback>
+                  <mc:Fallback xmlns="">
                     <p:sp>
                       <p:nvSpPr>
                         <p:cNvPr id="53" name="TextBox 52"/>
@@ -12455,8 +12458,8 @@
                     </p:sp>
                   </mc:Fallback>
                 </mc:AlternateContent>
-                <mc:AlternateContent xmlns:mc="http://schemas.openxmlformats.org/markup-compatibility/2006">
-                  <mc:Choice xmlns:a14="http://schemas.microsoft.com/office/drawing/2010/main" Requires="a14">
+                <mc:AlternateContent xmlns:mc="http://schemas.openxmlformats.org/markup-compatibility/2006" xmlns:a14="http://schemas.microsoft.com/office/drawing/2010/main">
+                  <mc:Choice Requires="a14">
                     <p:sp>
                       <p:nvSpPr>
                         <p:cNvPr id="54" name="TextBox 53"/>
@@ -12479,6 +12482,7 @@
                         </a:bodyPr>
                         <a:lstStyle/>
                         <a:p>
+                          <a:pPr/>
                           <a14:m>
                             <m:oMathPara xmlns:m="http://schemas.openxmlformats.org/officeDocument/2006/math">
                               <m:oMathParaPr>
@@ -12503,7 +12507,7 @@
                       </p:txBody>
                     </p:sp>
                   </mc:Choice>
-                  <mc:Fallback>
+                  <mc:Fallback xmlns="">
                     <p:sp>
                       <p:nvSpPr>
                         <p:cNvPr id="54" name="TextBox 53"/>
@@ -12578,8 +12582,8 @@
                     </a:fontRef>
                   </p:style>
                 </p:cxnSp>
-                <mc:AlternateContent xmlns:mc="http://schemas.openxmlformats.org/markup-compatibility/2006">
-                  <mc:Choice xmlns:a14="http://schemas.microsoft.com/office/drawing/2010/main" Requires="a14">
+                <mc:AlternateContent xmlns:mc="http://schemas.openxmlformats.org/markup-compatibility/2006" xmlns:a14="http://schemas.microsoft.com/office/drawing/2010/main">
+                  <mc:Choice Requires="a14">
                     <p:sp>
                       <p:nvSpPr>
                         <p:cNvPr id="58" name="TextBox 57"/>
@@ -12602,6 +12606,7 @@
                         </a:bodyPr>
                         <a:lstStyle/>
                         <a:p>
+                          <a:pPr/>
                           <a14:m>
                             <m:oMathPara xmlns:m="http://schemas.openxmlformats.org/officeDocument/2006/math">
                               <m:oMathParaPr>
@@ -12639,7 +12644,7 @@
                       </p:txBody>
                     </p:sp>
                   </mc:Choice>
-                  <mc:Fallback>
+                  <mc:Fallback xmlns="">
                     <p:sp>
                       <p:nvSpPr>
                         <p:cNvPr id="58" name="TextBox 57"/>
@@ -13058,8 +13063,8 @@
                 </p:grpSp>
               </p:grpSp>
             </p:grpSp>
-            <mc:AlternateContent xmlns:mc="http://schemas.openxmlformats.org/markup-compatibility/2006">
-              <mc:Choice xmlns:a14="http://schemas.microsoft.com/office/drawing/2010/main" Requires="a14">
+            <mc:AlternateContent xmlns:mc="http://schemas.openxmlformats.org/markup-compatibility/2006" xmlns:a14="http://schemas.microsoft.com/office/drawing/2010/main">
+              <mc:Choice Requires="a14">
                 <p:sp>
                   <p:nvSpPr>
                     <p:cNvPr id="70" name="TextBox 69"/>
@@ -13082,6 +13087,7 @@
                     </a:bodyPr>
                     <a:lstStyle/>
                     <a:p>
+                      <a:pPr/>
                       <a14:m>
                         <m:oMathPara xmlns:m="http://schemas.openxmlformats.org/officeDocument/2006/math">
                           <m:oMathParaPr>
@@ -13106,7 +13112,7 @@
                   </p:txBody>
                 </p:sp>
               </mc:Choice>
-              <mc:Fallback>
+              <mc:Fallback xmlns="">
                 <p:sp>
                   <p:nvSpPr>
                     <p:cNvPr id="70" name="TextBox 69"/>
@@ -13145,8 +13151,8 @@
                 </p:sp>
               </mc:Fallback>
             </mc:AlternateContent>
-            <mc:AlternateContent xmlns:mc="http://schemas.openxmlformats.org/markup-compatibility/2006">
-              <mc:Choice xmlns:a14="http://schemas.microsoft.com/office/drawing/2010/main" Requires="a14">
+            <mc:AlternateContent xmlns:mc="http://schemas.openxmlformats.org/markup-compatibility/2006" xmlns:a14="http://schemas.microsoft.com/office/drawing/2010/main">
+              <mc:Choice Requires="a14">
                 <p:sp>
                   <p:nvSpPr>
                     <p:cNvPr id="71" name="TextBox 70"/>
@@ -13169,6 +13175,7 @@
                     </a:bodyPr>
                     <a:lstStyle/>
                     <a:p>
+                      <a:pPr/>
                       <a14:m>
                         <m:oMathPara xmlns:m="http://schemas.openxmlformats.org/officeDocument/2006/math">
                           <m:oMathParaPr>
@@ -13193,7 +13200,7 @@
                   </p:txBody>
                 </p:sp>
               </mc:Choice>
-              <mc:Fallback>
+              <mc:Fallback xmlns="">
                 <p:sp>
                   <p:nvSpPr>
                     <p:cNvPr id="71" name="TextBox 70"/>
@@ -13281,8 +13288,8 @@
               </a:p>
             </p:txBody>
           </p:sp>
-          <mc:AlternateContent xmlns:mc="http://schemas.openxmlformats.org/markup-compatibility/2006">
-            <mc:Choice xmlns:a14="http://schemas.microsoft.com/office/drawing/2010/main" Requires="a14">
+          <mc:AlternateContent xmlns:mc="http://schemas.openxmlformats.org/markup-compatibility/2006" xmlns:a14="http://schemas.microsoft.com/office/drawing/2010/main">
+            <mc:Choice Requires="a14">
               <p:sp>
                 <p:nvSpPr>
                   <p:cNvPr id="74" name="TextBox 73"/>
@@ -13305,6 +13312,7 @@
                   </a:bodyPr>
                   <a:lstStyle/>
                   <a:p>
+                    <a:pPr/>
                     <a14:m>
                       <m:oMathPara xmlns:m="http://schemas.openxmlformats.org/officeDocument/2006/math">
                         <m:oMathParaPr>
@@ -13329,7 +13337,7 @@
                 </p:txBody>
               </p:sp>
             </mc:Choice>
-            <mc:Fallback>
+            <mc:Fallback xmlns="">
               <p:sp>
                 <p:nvSpPr>
                   <p:cNvPr id="74" name="TextBox 73"/>
@@ -13477,8 +13485,8 @@
             </a:fontRef>
           </p:style>
         </p:cxnSp>
-        <mc:AlternateContent xmlns:mc="http://schemas.openxmlformats.org/markup-compatibility/2006">
-          <mc:Choice xmlns:a14="http://schemas.microsoft.com/office/drawing/2010/main" Requires="a14">
+        <mc:AlternateContent xmlns:mc="http://schemas.openxmlformats.org/markup-compatibility/2006" xmlns:a14="http://schemas.microsoft.com/office/drawing/2010/main">
+          <mc:Choice Requires="a14">
             <p:sp>
               <p:nvSpPr>
                 <p:cNvPr id="91" name="TextBox 90"/>
@@ -13501,6 +13509,7 @@
                 </a:bodyPr>
                 <a:lstStyle/>
                 <a:p>
+                  <a:pPr/>
                   <a14:m>
                     <m:oMathPara xmlns:m="http://schemas.openxmlformats.org/officeDocument/2006/math">
                       <m:oMathParaPr>
@@ -13559,7 +13568,7 @@
               </p:txBody>
             </p:sp>
           </mc:Choice>
-          <mc:Fallback>
+          <mc:Fallback xmlns="">
             <p:sp>
               <p:nvSpPr>
                 <p:cNvPr id="91" name="TextBox 90"/>
@@ -13598,8 +13607,8 @@
             </p:sp>
           </mc:Fallback>
         </mc:AlternateContent>
-        <mc:AlternateContent xmlns:mc="http://schemas.openxmlformats.org/markup-compatibility/2006">
-          <mc:Choice xmlns:a14="http://schemas.microsoft.com/office/drawing/2010/main" Requires="a14">
+        <mc:AlternateContent xmlns:mc="http://schemas.openxmlformats.org/markup-compatibility/2006" xmlns:a14="http://schemas.microsoft.com/office/drawing/2010/main">
+          <mc:Choice Requires="a14">
             <p:sp>
               <p:nvSpPr>
                 <p:cNvPr id="92" name="TextBox 91"/>
@@ -13622,6 +13631,7 @@
                 </a:bodyPr>
                 <a:lstStyle/>
                 <a:p>
+                  <a:pPr/>
                   <a14:m>
                     <m:oMathPara xmlns:m="http://schemas.openxmlformats.org/officeDocument/2006/math">
                       <m:oMathParaPr>
@@ -13659,7 +13669,7 @@
               </p:txBody>
             </p:sp>
           </mc:Choice>
-          <mc:Fallback>
+          <mc:Fallback xmlns="">
             <p:sp>
               <p:nvSpPr>
                 <p:cNvPr id="92" name="TextBox 91"/>
@@ -13698,8 +13708,8 @@
             </p:sp>
           </mc:Fallback>
         </mc:AlternateContent>
-        <mc:AlternateContent xmlns:mc="http://schemas.openxmlformats.org/markup-compatibility/2006">
-          <mc:Choice xmlns:a14="http://schemas.microsoft.com/office/drawing/2010/main" Requires="a14">
+        <mc:AlternateContent xmlns:mc="http://schemas.openxmlformats.org/markup-compatibility/2006" xmlns:a14="http://schemas.microsoft.com/office/drawing/2010/main">
+          <mc:Choice Requires="a14">
             <p:sp>
               <p:nvSpPr>
                 <p:cNvPr id="93" name="TextBox 92"/>
@@ -13722,6 +13732,7 @@
                 </a:bodyPr>
                 <a:lstStyle/>
                 <a:p>
+                  <a:pPr/>
                   <a14:m>
                     <m:oMathPara xmlns:m="http://schemas.openxmlformats.org/officeDocument/2006/math">
                       <m:oMathParaPr>
@@ -13780,7 +13791,7 @@
               </p:txBody>
             </p:sp>
           </mc:Choice>
-          <mc:Fallback>
+          <mc:Fallback xmlns="">
             <p:sp>
               <p:nvSpPr>
                 <p:cNvPr id="93" name="TextBox 92"/>
@@ -14671,8 +14682,8 @@
             </p:txBody>
           </p:sp>
         </p:grpSp>
-        <mc:AlternateContent xmlns:mc="http://schemas.openxmlformats.org/markup-compatibility/2006">
-          <mc:Choice xmlns:a14="http://schemas.microsoft.com/office/drawing/2010/main" Requires="a14">
+        <mc:AlternateContent xmlns:mc="http://schemas.openxmlformats.org/markup-compatibility/2006" xmlns:a14="http://schemas.microsoft.com/office/drawing/2010/main">
+          <mc:Choice Requires="a14">
             <p:sp>
               <p:nvSpPr>
                 <p:cNvPr id="58" name="TextBox 57"/>
@@ -14695,6 +14706,7 @@
                 </a:bodyPr>
                 <a:lstStyle/>
                 <a:p>
+                  <a:pPr/>
                   <a14:m>
                     <m:oMathPara xmlns:m="http://schemas.openxmlformats.org/officeDocument/2006/math">
                       <m:oMathParaPr>
@@ -14719,7 +14731,7 @@
               </p:txBody>
             </p:sp>
           </mc:Choice>
-          <mc:Fallback>
+          <mc:Fallback xmlns="">
             <p:sp>
               <p:nvSpPr>
                 <p:cNvPr id="58" name="TextBox 57"/>
@@ -14758,8 +14770,8 @@
             </p:sp>
           </mc:Fallback>
         </mc:AlternateContent>
-        <mc:AlternateContent xmlns:mc="http://schemas.openxmlformats.org/markup-compatibility/2006">
-          <mc:Choice xmlns:a14="http://schemas.microsoft.com/office/drawing/2010/main" Requires="a14">
+        <mc:AlternateContent xmlns:mc="http://schemas.openxmlformats.org/markup-compatibility/2006" xmlns:a14="http://schemas.microsoft.com/office/drawing/2010/main">
+          <mc:Choice Requires="a14">
             <p:sp>
               <p:nvSpPr>
                 <p:cNvPr id="59" name="TextBox 58"/>
@@ -14782,6 +14794,7 @@
                 </a:bodyPr>
                 <a:lstStyle/>
                 <a:p>
+                  <a:pPr/>
                   <a14:m>
                     <m:oMathPara xmlns:m="http://schemas.openxmlformats.org/officeDocument/2006/math">
                       <m:oMathParaPr>
@@ -14806,7 +14819,7 @@
               </p:txBody>
             </p:sp>
           </mc:Choice>
-          <mc:Fallback>
+          <mc:Fallback xmlns="">
             <p:sp>
               <p:nvSpPr>
                 <p:cNvPr id="59" name="TextBox 58"/>
@@ -15510,8 +15523,8 @@
               </a:fontRef>
             </p:style>
           </p:cxnSp>
-          <mc:AlternateContent xmlns:mc="http://schemas.openxmlformats.org/markup-compatibility/2006">
-            <mc:Choice xmlns:a14="http://schemas.microsoft.com/office/drawing/2010/main" Requires="a14">
+          <mc:AlternateContent xmlns:mc="http://schemas.openxmlformats.org/markup-compatibility/2006" xmlns:a14="http://schemas.microsoft.com/office/drawing/2010/main">
+            <mc:Choice Requires="a14">
               <p:sp>
                 <p:nvSpPr>
                   <p:cNvPr id="19" name="TextBox 18"/>
@@ -15534,6 +15547,7 @@
                   </a:bodyPr>
                   <a:lstStyle/>
                   <a:p>
+                    <a:pPr/>
                     <a14:m>
                       <m:oMathPara xmlns:m="http://schemas.openxmlformats.org/officeDocument/2006/math">
                         <m:oMathParaPr>
@@ -15606,7 +15620,7 @@
                 </p:txBody>
               </p:sp>
             </mc:Choice>
-            <mc:Fallback>
+            <mc:Fallback xmlns="">
               <p:sp>
                 <p:nvSpPr>
                   <p:cNvPr id="19" name="TextBox 18"/>
@@ -15645,8 +15659,8 @@
               </p:sp>
             </mc:Fallback>
           </mc:AlternateContent>
-          <mc:AlternateContent xmlns:mc="http://schemas.openxmlformats.org/markup-compatibility/2006">
-            <mc:Choice xmlns:a14="http://schemas.microsoft.com/office/drawing/2010/main" Requires="a14">
+          <mc:AlternateContent xmlns:mc="http://schemas.openxmlformats.org/markup-compatibility/2006" xmlns:a14="http://schemas.microsoft.com/office/drawing/2010/main">
+            <mc:Choice Requires="a14">
               <p:sp>
                 <p:nvSpPr>
                   <p:cNvPr id="20" name="TextBox 19"/>
@@ -15669,6 +15683,7 @@
                   </a:bodyPr>
                   <a:lstStyle/>
                   <a:p>
+                    <a:pPr/>
                     <a14:m>
                       <m:oMathPara xmlns:m="http://schemas.openxmlformats.org/officeDocument/2006/math">
                         <m:oMathParaPr>
@@ -15741,7 +15756,7 @@
                 </p:txBody>
               </p:sp>
             </mc:Choice>
-            <mc:Fallback>
+            <mc:Fallback xmlns="">
               <p:sp>
                 <p:nvSpPr>
                   <p:cNvPr id="20" name="TextBox 19"/>
@@ -15817,8 +15832,8 @@
             </p:style>
           </p:cxnSp>
         </p:grpSp>
-        <mc:AlternateContent xmlns:mc="http://schemas.openxmlformats.org/markup-compatibility/2006">
-          <mc:Choice xmlns:a14="http://schemas.microsoft.com/office/drawing/2010/main" Requires="a14">
+        <mc:AlternateContent xmlns:mc="http://schemas.openxmlformats.org/markup-compatibility/2006" xmlns:a14="http://schemas.microsoft.com/office/drawing/2010/main">
+          <mc:Choice Requires="a14">
             <p:sp>
               <p:nvSpPr>
                 <p:cNvPr id="60" name="TextBox 59"/>
@@ -15841,6 +15856,7 @@
                 </a:bodyPr>
                 <a:lstStyle/>
                 <a:p>
+                  <a:pPr/>
                   <a14:m>
                     <m:oMathPara xmlns:m="http://schemas.openxmlformats.org/officeDocument/2006/math">
                       <m:oMathParaPr>
@@ -15865,7 +15881,7 @@
               </p:txBody>
             </p:sp>
           </mc:Choice>
-          <mc:Fallback>
+          <mc:Fallback xmlns="">
             <p:sp>
               <p:nvSpPr>
                 <p:cNvPr id="60" name="TextBox 59"/>
@@ -15904,8 +15920,8 @@
             </p:sp>
           </mc:Fallback>
         </mc:AlternateContent>
-        <mc:AlternateContent xmlns:mc="http://schemas.openxmlformats.org/markup-compatibility/2006">
-          <mc:Choice xmlns:a14="http://schemas.microsoft.com/office/drawing/2010/main" Requires="a14">
+        <mc:AlternateContent xmlns:mc="http://schemas.openxmlformats.org/markup-compatibility/2006" xmlns:a14="http://schemas.microsoft.com/office/drawing/2010/main">
+          <mc:Choice Requires="a14">
             <p:sp>
               <p:nvSpPr>
                 <p:cNvPr id="61" name="TextBox 60"/>
@@ -15928,6 +15944,7 @@
                 </a:bodyPr>
                 <a:lstStyle/>
                 <a:p>
+                  <a:pPr/>
                   <a14:m>
                     <m:oMathPara xmlns:m="http://schemas.openxmlformats.org/officeDocument/2006/math">
                       <m:oMathParaPr>
@@ -15952,7 +15969,7 @@
               </p:txBody>
             </p:sp>
           </mc:Choice>
-          <mc:Fallback>
+          <mc:Fallback xmlns="">
             <p:sp>
               <p:nvSpPr>
                 <p:cNvPr id="61" name="TextBox 60"/>
@@ -16001,9 +16018,9 @@
         <p:grpSpPr>
           <a:xfrm>
             <a:off x="7211534" y="718287"/>
-            <a:ext cx="4480771" cy="3140762"/>
+            <a:ext cx="4466660" cy="3140762"/>
             <a:chOff x="7211534" y="718287"/>
-            <a:chExt cx="4480771" cy="3140762"/>
+            <a:chExt cx="4466660" cy="3140762"/>
           </a:xfrm>
         </p:grpSpPr>
         <p:grpSp>
@@ -16015,9 +16032,9 @@
           <p:grpSpPr>
             <a:xfrm>
               <a:off x="7211534" y="1244939"/>
-              <a:ext cx="4480771" cy="2614110"/>
+              <a:ext cx="4466660" cy="2614110"/>
               <a:chOff x="7211534" y="1244939"/>
-              <a:chExt cx="4480771" cy="2614110"/>
+              <a:chExt cx="4466660" cy="2614110"/>
             </a:xfrm>
           </p:grpSpPr>
           <p:grpSp>
@@ -16029,9 +16046,9 @@
             <p:grpSpPr>
               <a:xfrm>
                 <a:off x="7211534" y="1261107"/>
-                <a:ext cx="4480771" cy="2597942"/>
+                <a:ext cx="4466660" cy="2597942"/>
                 <a:chOff x="7211534" y="1261107"/>
-                <a:chExt cx="4480771" cy="2597942"/>
+                <a:chExt cx="4466660" cy="2597942"/>
               </a:xfrm>
             </p:grpSpPr>
             <p:sp>
@@ -16257,9 +16274,9 @@
                 <p:nvPr/>
               </p:nvCxnSpPr>
               <p:spPr>
-                <a:xfrm>
-                  <a:off x="9796928" y="2169465"/>
-                  <a:ext cx="1895377" cy="5871"/>
+                <a:xfrm flipV="1">
+                  <a:off x="9796928" y="2159928"/>
+                  <a:ext cx="1881266" cy="9537"/>
                 </a:xfrm>
                 <a:prstGeom prst="line">
                   <a:avLst/>
@@ -16815,8 +16832,8 @@
                 </a:p>
               </p:txBody>
             </p:sp>
-            <mc:AlternateContent xmlns:mc="http://schemas.openxmlformats.org/markup-compatibility/2006">
-              <mc:Choice xmlns:a14="http://schemas.microsoft.com/office/drawing/2010/main" Requires="a14">
+            <mc:AlternateContent xmlns:mc="http://schemas.openxmlformats.org/markup-compatibility/2006" xmlns:a14="http://schemas.microsoft.com/office/drawing/2010/main">
+              <mc:Choice Requires="a14">
                 <p:sp>
                   <p:nvSpPr>
                     <p:cNvPr id="50" name="TextBox 49"/>
@@ -16839,6 +16856,7 @@
                     </a:bodyPr>
                     <a:lstStyle/>
                     <a:p>
+                      <a:pPr/>
                       <a14:m>
                         <m:oMathPara xmlns:m="http://schemas.openxmlformats.org/officeDocument/2006/math">
                           <m:oMathParaPr>
@@ -16863,7 +16881,7 @@
                   </p:txBody>
                 </p:sp>
               </mc:Choice>
-              <mc:Fallback>
+              <mc:Fallback xmlns="">
                 <p:sp>
                   <p:nvSpPr>
                     <p:cNvPr id="50" name="TextBox 49"/>
@@ -16902,8 +16920,8 @@
                 </p:sp>
               </mc:Fallback>
             </mc:AlternateContent>
-            <mc:AlternateContent xmlns:mc="http://schemas.openxmlformats.org/markup-compatibility/2006">
-              <mc:Choice xmlns:a14="http://schemas.microsoft.com/office/drawing/2010/main" Requires="a14">
+            <mc:AlternateContent xmlns:mc="http://schemas.openxmlformats.org/markup-compatibility/2006" xmlns:a14="http://schemas.microsoft.com/office/drawing/2010/main">
+              <mc:Choice Requires="a14">
                 <p:sp>
                   <p:nvSpPr>
                     <p:cNvPr id="51" name="TextBox 50"/>
@@ -16926,6 +16944,7 @@
                     </a:bodyPr>
                     <a:lstStyle/>
                     <a:p>
+                      <a:pPr/>
                       <a14:m>
                         <m:oMathPara xmlns:m="http://schemas.openxmlformats.org/officeDocument/2006/math">
                           <m:oMathParaPr>
@@ -16950,7 +16969,7 @@
                   </p:txBody>
                 </p:sp>
               </mc:Choice>
-              <mc:Fallback>
+              <mc:Fallback xmlns="">
                 <p:sp>
                   <p:nvSpPr>
                     <p:cNvPr id="51" name="TextBox 50"/>
@@ -17099,8 +17118,8 @@
             </p:style>
           </p:cxnSp>
         </p:grpSp>
-        <mc:AlternateContent xmlns:mc="http://schemas.openxmlformats.org/markup-compatibility/2006">
-          <mc:Choice xmlns:a14="http://schemas.microsoft.com/office/drawing/2010/main" Requires="a14">
+        <mc:AlternateContent xmlns:mc="http://schemas.openxmlformats.org/markup-compatibility/2006" xmlns:a14="http://schemas.microsoft.com/office/drawing/2010/main">
+          <mc:Choice Requires="a14">
             <p:sp>
               <p:nvSpPr>
                 <p:cNvPr id="63" name="TextBox 62"/>
@@ -17123,6 +17142,7 @@
                 </a:bodyPr>
                 <a:lstStyle/>
                 <a:p>
+                  <a:pPr/>
                   <a14:m>
                     <m:oMathPara xmlns:m="http://schemas.openxmlformats.org/officeDocument/2006/math">
                       <m:oMathParaPr>
@@ -17147,7 +17167,7 @@
               </p:txBody>
             </p:sp>
           </mc:Choice>
-          <mc:Fallback>
+          <mc:Fallback xmlns="">
             <p:sp>
               <p:nvSpPr>
                 <p:cNvPr id="63" name="TextBox 62"/>
@@ -18041,8 +18061,8 @@
               </a:fontRef>
             </p:style>
           </p:cxnSp>
-          <mc:AlternateContent xmlns:mc="http://schemas.openxmlformats.org/markup-compatibility/2006">
-            <mc:Choice xmlns:a14="http://schemas.microsoft.com/office/drawing/2010/main" Requires="a14">
+          <mc:AlternateContent xmlns:mc="http://schemas.openxmlformats.org/markup-compatibility/2006" xmlns:a14="http://schemas.microsoft.com/office/drawing/2010/main">
+            <mc:Choice Requires="a14">
               <p:sp>
                 <p:nvSpPr>
                   <p:cNvPr id="31" name="TextBox 30"/>
@@ -18065,6 +18085,7 @@
                   </a:bodyPr>
                   <a:lstStyle/>
                   <a:p>
+                    <a:pPr/>
                     <a14:m>
                       <m:oMathPara xmlns:m="http://schemas.openxmlformats.org/officeDocument/2006/math">
                         <m:oMathParaPr>
@@ -18124,7 +18145,7 @@
                 </p:txBody>
               </p:sp>
             </mc:Choice>
-            <mc:Fallback>
+            <mc:Fallback xmlns="">
               <p:sp>
                 <p:nvSpPr>
                   <p:cNvPr id="31" name="TextBox 30"/>
@@ -18163,8 +18184,8 @@
               </p:sp>
             </mc:Fallback>
           </mc:AlternateContent>
-          <mc:AlternateContent xmlns:mc="http://schemas.openxmlformats.org/markup-compatibility/2006">
-            <mc:Choice xmlns:a14="http://schemas.microsoft.com/office/drawing/2010/main" Requires="a14">
+          <mc:AlternateContent xmlns:mc="http://schemas.openxmlformats.org/markup-compatibility/2006" xmlns:a14="http://schemas.microsoft.com/office/drawing/2010/main">
+            <mc:Choice Requires="a14">
               <p:sp>
                 <p:nvSpPr>
                   <p:cNvPr id="32" name="TextBox 31"/>
@@ -18187,6 +18208,7 @@
                   </a:bodyPr>
                   <a:lstStyle/>
                   <a:p>
+                    <a:pPr/>
                     <a14:m>
                       <m:oMathPara xmlns:m="http://schemas.openxmlformats.org/officeDocument/2006/math">
                         <m:oMathParaPr>
@@ -18211,7 +18233,7 @@
                 </p:txBody>
               </p:sp>
             </mc:Choice>
-            <mc:Fallback>
+            <mc:Fallback xmlns="">
               <p:sp>
                 <p:nvSpPr>
                   <p:cNvPr id="32" name="TextBox 31"/>
@@ -18287,8 +18309,8 @@
               </a:fontRef>
             </p:style>
           </p:cxnSp>
-          <mc:AlternateContent xmlns:mc="http://schemas.openxmlformats.org/markup-compatibility/2006">
-            <mc:Choice xmlns:a14="http://schemas.microsoft.com/office/drawing/2010/main" Requires="a14">
+          <mc:AlternateContent xmlns:mc="http://schemas.openxmlformats.org/markup-compatibility/2006" xmlns:a14="http://schemas.microsoft.com/office/drawing/2010/main">
+            <mc:Choice Requires="a14">
               <p:sp>
                 <p:nvSpPr>
                   <p:cNvPr id="36" name="TextBox 35"/>
@@ -18311,6 +18333,7 @@
                   </a:bodyPr>
                   <a:lstStyle/>
                   <a:p>
+                    <a:pPr/>
                     <a14:m>
                       <m:oMathPara xmlns:m="http://schemas.openxmlformats.org/officeDocument/2006/math">
                         <m:oMathParaPr>
@@ -18356,7 +18379,7 @@
                 </p:txBody>
               </p:sp>
             </mc:Choice>
-            <mc:Fallback>
+            <mc:Fallback xmlns="">
               <p:sp>
                 <p:nvSpPr>
                   <p:cNvPr id="36" name="TextBox 35"/>
@@ -18395,8 +18418,8 @@
               </p:sp>
             </mc:Fallback>
           </mc:AlternateContent>
-          <mc:AlternateContent xmlns:mc="http://schemas.openxmlformats.org/markup-compatibility/2006">
-            <mc:Choice xmlns:a14="http://schemas.microsoft.com/office/drawing/2010/main" Requires="a14">
+          <mc:AlternateContent xmlns:mc="http://schemas.openxmlformats.org/markup-compatibility/2006" xmlns:a14="http://schemas.microsoft.com/office/drawing/2010/main">
+            <mc:Choice Requires="a14">
               <p:sp>
                 <p:nvSpPr>
                   <p:cNvPr id="37" name="TextBox 36"/>
@@ -18419,6 +18442,7 @@
                   </a:bodyPr>
                   <a:lstStyle/>
                   <a:p>
+                    <a:pPr/>
                     <a14:m>
                       <m:oMathPara xmlns:m="http://schemas.openxmlformats.org/officeDocument/2006/math">
                         <m:oMathParaPr>
@@ -18464,7 +18488,7 @@
                 </p:txBody>
               </p:sp>
             </mc:Choice>
-            <mc:Fallback>
+            <mc:Fallback xmlns="">
               <p:sp>
                 <p:nvSpPr>
                   <p:cNvPr id="37" name="TextBox 36"/>
@@ -18620,6 +18644,7 @@
                 </a:bodyPr>
                 <a:lstStyle/>
                 <a:p>
+                  <a:pPr/>
                   <a14:m>
                     <m:oMathPara xmlns:m="http://schemas.openxmlformats.org/officeDocument/2006/math">
                       <m:oMathParaPr>
@@ -18702,7 +18727,7 @@
                 <a:prstGeom prst="rect">
                   <a:avLst/>
                 </a:prstGeom>
-                <a:blipFill>
+                <a:blipFill rotWithShape="0">
                   <a:blip r:embed="rId34"/>
                   <a:stretch>
                     <a:fillRect l="-10959" t="-35088" r="-36986" b="-15789"/>
@@ -18714,7 +18739,7 @@
                 <a:lstStyle/>
                 <a:p>
                   <a:r>
-                    <a:rPr lang="en-US">
+                    <a:rPr lang="en-CA">
                       <a:noFill/>
                     </a:rPr>
                     <a:t> </a:t>
@@ -18724,8 +18749,8 @@
             </p:sp>
           </mc:Fallback>
         </mc:AlternateContent>
-        <mc:AlternateContent xmlns:mc="http://schemas.openxmlformats.org/markup-compatibility/2006">
-          <mc:Choice xmlns:a14="http://schemas.microsoft.com/office/drawing/2010/main" Requires="a14">
+        <mc:AlternateContent xmlns:mc="http://schemas.openxmlformats.org/markup-compatibility/2006" xmlns:a14="http://schemas.microsoft.com/office/drawing/2010/main">
+          <mc:Choice Requires="a14">
             <p:sp>
               <p:nvSpPr>
                 <p:cNvPr id="42" name="TextBox 41"/>
@@ -18748,6 +18773,7 @@
                 </a:bodyPr>
                 <a:lstStyle/>
                 <a:p>
+                  <a:pPr/>
                   <a14:m>
                     <m:oMathPara xmlns:m="http://schemas.openxmlformats.org/officeDocument/2006/math">
                       <m:oMathParaPr>
@@ -18813,7 +18839,7 @@
               </p:txBody>
             </p:sp>
           </mc:Choice>
-          <mc:Fallback>
+          <mc:Fallback xmlns="">
             <p:sp>
               <p:nvSpPr>
                 <p:cNvPr id="42" name="TextBox 41"/>

--- a/tex/figures/Waves/Figures.pptx
+++ b/tex/figures/Waves/Figures.pptx
@@ -251,7 +251,7 @@
           <a:p>
             <a:fld id="{F7249F8D-641B-4CAF-BAE5-10524742F6F1}" type="datetimeFigureOut">
               <a:rPr lang="en-CA" smtClean="0"/>
-              <a:t>2018-07-18</a:t>
+              <a:t>2018-07-24</a:t>
             </a:fld>
             <a:endParaRPr lang="en-CA"/>
           </a:p>
@@ -421,7 +421,7 @@
           <a:p>
             <a:fld id="{F7249F8D-641B-4CAF-BAE5-10524742F6F1}" type="datetimeFigureOut">
               <a:rPr lang="en-CA" smtClean="0"/>
-              <a:t>2018-07-18</a:t>
+              <a:t>2018-07-24</a:t>
             </a:fld>
             <a:endParaRPr lang="en-CA"/>
           </a:p>
@@ -601,7 +601,7 @@
           <a:p>
             <a:fld id="{F7249F8D-641B-4CAF-BAE5-10524742F6F1}" type="datetimeFigureOut">
               <a:rPr lang="en-CA" smtClean="0"/>
-              <a:t>2018-07-18</a:t>
+              <a:t>2018-07-24</a:t>
             </a:fld>
             <a:endParaRPr lang="en-CA"/>
           </a:p>
@@ -771,7 +771,7 @@
           <a:p>
             <a:fld id="{F7249F8D-641B-4CAF-BAE5-10524742F6F1}" type="datetimeFigureOut">
               <a:rPr lang="en-CA" smtClean="0"/>
-              <a:t>2018-07-18</a:t>
+              <a:t>2018-07-24</a:t>
             </a:fld>
             <a:endParaRPr lang="en-CA"/>
           </a:p>
@@ -1017,7 +1017,7 @@
           <a:p>
             <a:fld id="{F7249F8D-641B-4CAF-BAE5-10524742F6F1}" type="datetimeFigureOut">
               <a:rPr lang="en-CA" smtClean="0"/>
-              <a:t>2018-07-18</a:t>
+              <a:t>2018-07-24</a:t>
             </a:fld>
             <a:endParaRPr lang="en-CA"/>
           </a:p>
@@ -1249,7 +1249,7 @@
           <a:p>
             <a:fld id="{F7249F8D-641B-4CAF-BAE5-10524742F6F1}" type="datetimeFigureOut">
               <a:rPr lang="en-CA" smtClean="0"/>
-              <a:t>2018-07-18</a:t>
+              <a:t>2018-07-24</a:t>
             </a:fld>
             <a:endParaRPr lang="en-CA"/>
           </a:p>
@@ -1616,7 +1616,7 @@
           <a:p>
             <a:fld id="{F7249F8D-641B-4CAF-BAE5-10524742F6F1}" type="datetimeFigureOut">
               <a:rPr lang="en-CA" smtClean="0"/>
-              <a:t>2018-07-18</a:t>
+              <a:t>2018-07-24</a:t>
             </a:fld>
             <a:endParaRPr lang="en-CA"/>
           </a:p>
@@ -1734,7 +1734,7 @@
           <a:p>
             <a:fld id="{F7249F8D-641B-4CAF-BAE5-10524742F6F1}" type="datetimeFigureOut">
               <a:rPr lang="en-CA" smtClean="0"/>
-              <a:t>2018-07-18</a:t>
+              <a:t>2018-07-24</a:t>
             </a:fld>
             <a:endParaRPr lang="en-CA"/>
           </a:p>
@@ -1829,7 +1829,7 @@
           <a:p>
             <a:fld id="{F7249F8D-641B-4CAF-BAE5-10524742F6F1}" type="datetimeFigureOut">
               <a:rPr lang="en-CA" smtClean="0"/>
-              <a:t>2018-07-18</a:t>
+              <a:t>2018-07-24</a:t>
             </a:fld>
             <a:endParaRPr lang="en-CA"/>
           </a:p>
@@ -2106,7 +2106,7 @@
           <a:p>
             <a:fld id="{F7249F8D-641B-4CAF-BAE5-10524742F6F1}" type="datetimeFigureOut">
               <a:rPr lang="en-CA" smtClean="0"/>
-              <a:t>2018-07-18</a:t>
+              <a:t>2018-07-24</a:t>
             </a:fld>
             <a:endParaRPr lang="en-CA"/>
           </a:p>
@@ -2359,7 +2359,7 @@
           <a:p>
             <a:fld id="{F7249F8D-641B-4CAF-BAE5-10524742F6F1}" type="datetimeFigureOut">
               <a:rPr lang="en-CA" smtClean="0"/>
-              <a:t>2018-07-18</a:t>
+              <a:t>2018-07-24</a:t>
             </a:fld>
             <a:endParaRPr lang="en-CA"/>
           </a:p>
@@ -2572,7 +2572,7 @@
           <a:p>
             <a:fld id="{F7249F8D-641B-4CAF-BAE5-10524742F6F1}" type="datetimeFigureOut">
               <a:rPr lang="en-CA" smtClean="0"/>
-              <a:t>2018-07-18</a:t>
+              <a:t>2018-07-24</a:t>
             </a:fld>
             <a:endParaRPr lang="en-CA"/>
           </a:p>
@@ -5186,2229 +5186,6 @@
       </p:grpSpPr>
       <p:grpSp>
         <p:nvGrpSpPr>
-          <p:cNvPr id="60" name="Group 59"/>
-          <p:cNvGrpSpPr/>
-          <p:nvPr/>
-        </p:nvGrpSpPr>
-        <p:grpSpPr>
-          <a:xfrm>
-            <a:off x="335619" y="300335"/>
-            <a:ext cx="8968765" cy="3377585"/>
-            <a:chOff x="325459" y="838815"/>
-            <a:chExt cx="8968765" cy="3377585"/>
-          </a:xfrm>
-        </p:grpSpPr>
-        <p:grpSp>
-          <p:nvGrpSpPr>
-            <p:cNvPr id="53" name="Group 52"/>
-            <p:cNvGrpSpPr/>
-            <p:nvPr/>
-          </p:nvGrpSpPr>
-          <p:grpSpPr>
-            <a:xfrm>
-              <a:off x="325459" y="1066800"/>
-              <a:ext cx="6776720" cy="3149600"/>
-              <a:chOff x="386419" y="243840"/>
-              <a:chExt cx="6776720" cy="3149600"/>
-            </a:xfrm>
-          </p:grpSpPr>
-          <p:sp>
-            <p:nvSpPr>
-              <p:cNvPr id="12" name="Rectangle 11"/>
-              <p:cNvSpPr/>
-              <p:nvPr/>
-            </p:nvSpPr>
-            <p:spPr>
-              <a:xfrm>
-                <a:off x="386419" y="2651760"/>
-                <a:ext cx="6776720" cy="243840"/>
-              </a:xfrm>
-              <a:prstGeom prst="rect">
-                <a:avLst/>
-              </a:prstGeom>
-              <a:solidFill>
-                <a:schemeClr val="accent4">
-                  <a:lumMod val="75000"/>
-                </a:schemeClr>
-              </a:solidFill>
-              <a:ln w="38100">
-                <a:solidFill>
-                  <a:schemeClr val="tx1"/>
-                </a:solidFill>
-              </a:ln>
-            </p:spPr>
-            <p:style>
-              <a:lnRef idx="2">
-                <a:schemeClr val="accent1">
-                  <a:shade val="50000"/>
-                </a:schemeClr>
-              </a:lnRef>
-              <a:fillRef idx="1">
-                <a:schemeClr val="accent1"/>
-              </a:fillRef>
-              <a:effectRef idx="0">
-                <a:schemeClr val="accent1"/>
-              </a:effectRef>
-              <a:fontRef idx="minor">
-                <a:schemeClr val="lt1"/>
-              </a:fontRef>
-            </p:style>
-            <p:txBody>
-              <a:bodyPr rtlCol="0" anchor="ctr"/>
-              <a:lstStyle/>
-              <a:p>
-                <a:pPr algn="ctr"/>
-                <a:endParaRPr lang="en-US"/>
-              </a:p>
-            </p:txBody>
-          </p:sp>
-          <p:sp>
-            <p:nvSpPr>
-              <p:cNvPr id="4" name="Rounded Rectangle 3"/>
-              <p:cNvSpPr/>
-              <p:nvPr/>
-            </p:nvSpPr>
-            <p:spPr>
-              <a:xfrm>
-                <a:off x="812800" y="1351280"/>
-                <a:ext cx="640080" cy="1290320"/>
-              </a:xfrm>
-              <a:prstGeom prst="roundRect">
-                <a:avLst/>
-              </a:prstGeom>
-              <a:noFill/>
-              <a:ln w="38100">
-                <a:solidFill>
-                  <a:schemeClr val="tx1"/>
-                </a:solidFill>
-              </a:ln>
-            </p:spPr>
-            <p:style>
-              <a:lnRef idx="2">
-                <a:schemeClr val="accent1">
-                  <a:shade val="50000"/>
-                </a:schemeClr>
-              </a:lnRef>
-              <a:fillRef idx="1">
-                <a:schemeClr val="accent1"/>
-              </a:fillRef>
-              <a:effectRef idx="0">
-                <a:schemeClr val="accent1"/>
-              </a:effectRef>
-              <a:fontRef idx="minor">
-                <a:schemeClr val="lt1"/>
-              </a:fontRef>
-            </p:style>
-            <p:txBody>
-              <a:bodyPr rtlCol="0" anchor="ctr"/>
-              <a:lstStyle/>
-              <a:p>
-                <a:pPr algn="ctr"/>
-                <a:endParaRPr lang="en-US"/>
-              </a:p>
-            </p:txBody>
-          </p:sp>
-          <p:sp>
-            <p:nvSpPr>
-              <p:cNvPr id="5" name="Oval 4"/>
-              <p:cNvSpPr/>
-              <p:nvPr/>
-            </p:nvSpPr>
-            <p:spPr>
-              <a:xfrm>
-                <a:off x="899160" y="883920"/>
-                <a:ext cx="467360" cy="467360"/>
-              </a:xfrm>
-              <a:prstGeom prst="ellipse">
-                <a:avLst/>
-              </a:prstGeom>
-              <a:noFill/>
-              <a:ln w="38100">
-                <a:solidFill>
-                  <a:schemeClr val="tx1"/>
-                </a:solidFill>
-              </a:ln>
-            </p:spPr>
-            <p:style>
-              <a:lnRef idx="2">
-                <a:schemeClr val="accent1">
-                  <a:shade val="50000"/>
-                </a:schemeClr>
-              </a:lnRef>
-              <a:fillRef idx="1">
-                <a:schemeClr val="accent1"/>
-              </a:fillRef>
-              <a:effectRef idx="0">
-                <a:schemeClr val="accent1"/>
-              </a:effectRef>
-              <a:fontRef idx="minor">
-                <a:schemeClr val="lt1"/>
-              </a:fontRef>
-            </p:style>
-            <p:txBody>
-              <a:bodyPr rtlCol="0" anchor="ctr"/>
-              <a:lstStyle/>
-              <a:p>
-                <a:pPr algn="ctr"/>
-                <a:endParaRPr lang="en-US"/>
-              </a:p>
-            </p:txBody>
-          </p:sp>
-          <p:sp>
-            <p:nvSpPr>
-              <p:cNvPr id="6" name="Rounded Rectangle 5"/>
-              <p:cNvSpPr/>
-              <p:nvPr/>
-            </p:nvSpPr>
-            <p:spPr>
-              <a:xfrm>
-                <a:off x="899160" y="2641600"/>
-                <a:ext cx="167640" cy="243840"/>
-              </a:xfrm>
-              <a:prstGeom prst="roundRect">
-                <a:avLst/>
-              </a:prstGeom>
-              <a:solidFill>
-                <a:schemeClr val="accent1">
-                  <a:lumMod val="60000"/>
-                  <a:lumOff val="40000"/>
-                </a:schemeClr>
-              </a:solidFill>
-              <a:ln w="38100">
-                <a:solidFill>
-                  <a:schemeClr val="tx1"/>
-                </a:solidFill>
-              </a:ln>
-            </p:spPr>
-            <p:style>
-              <a:lnRef idx="2">
-                <a:schemeClr val="accent1">
-                  <a:shade val="50000"/>
-                </a:schemeClr>
-              </a:lnRef>
-              <a:fillRef idx="1">
-                <a:schemeClr val="accent1"/>
-              </a:fillRef>
-              <a:effectRef idx="0">
-                <a:schemeClr val="accent1"/>
-              </a:effectRef>
-              <a:fontRef idx="minor">
-                <a:schemeClr val="lt1"/>
-              </a:fontRef>
-            </p:style>
-            <p:txBody>
-              <a:bodyPr rtlCol="0" anchor="ctr"/>
-              <a:lstStyle/>
-              <a:p>
-                <a:pPr algn="ctr"/>
-                <a:endParaRPr lang="en-US"/>
-              </a:p>
-            </p:txBody>
-          </p:sp>
-          <p:sp>
-            <p:nvSpPr>
-              <p:cNvPr id="7" name="Rounded Rectangle 6"/>
-              <p:cNvSpPr/>
-              <p:nvPr/>
-            </p:nvSpPr>
-            <p:spPr>
-              <a:xfrm>
-                <a:off x="899160" y="2885440"/>
-                <a:ext cx="167640" cy="508000"/>
-              </a:xfrm>
-              <a:prstGeom prst="roundRect">
-                <a:avLst/>
-              </a:prstGeom>
-              <a:solidFill>
-                <a:schemeClr val="accent1">
-                  <a:lumMod val="60000"/>
-                  <a:lumOff val="40000"/>
-                </a:schemeClr>
-              </a:solidFill>
-              <a:ln w="38100">
-                <a:solidFill>
-                  <a:schemeClr val="tx1"/>
-                </a:solidFill>
-              </a:ln>
-            </p:spPr>
-            <p:style>
-              <a:lnRef idx="2">
-                <a:schemeClr val="accent1">
-                  <a:shade val="50000"/>
-                </a:schemeClr>
-              </a:lnRef>
-              <a:fillRef idx="1">
-                <a:schemeClr val="accent1"/>
-              </a:fillRef>
-              <a:effectRef idx="0">
-                <a:schemeClr val="accent1"/>
-              </a:effectRef>
-              <a:fontRef idx="minor">
-                <a:schemeClr val="lt1"/>
-              </a:fontRef>
-            </p:style>
-            <p:txBody>
-              <a:bodyPr rtlCol="0" anchor="ctr"/>
-              <a:lstStyle/>
-              <a:p>
-                <a:pPr algn="ctr"/>
-                <a:endParaRPr lang="en-US"/>
-              </a:p>
-            </p:txBody>
-          </p:sp>
-          <p:sp>
-            <p:nvSpPr>
-              <p:cNvPr id="8" name="Rounded Rectangle 7"/>
-              <p:cNvSpPr/>
-              <p:nvPr/>
-            </p:nvSpPr>
-            <p:spPr>
-              <a:xfrm>
-                <a:off x="1198880" y="2641600"/>
-                <a:ext cx="167640" cy="243840"/>
-              </a:xfrm>
-              <a:prstGeom prst="roundRect">
-                <a:avLst/>
-              </a:prstGeom>
-              <a:solidFill>
-                <a:schemeClr val="accent1">
-                  <a:lumMod val="60000"/>
-                  <a:lumOff val="40000"/>
-                </a:schemeClr>
-              </a:solidFill>
-              <a:ln w="38100">
-                <a:solidFill>
-                  <a:schemeClr val="tx1"/>
-                </a:solidFill>
-              </a:ln>
-            </p:spPr>
-            <p:style>
-              <a:lnRef idx="2">
-                <a:schemeClr val="accent1">
-                  <a:shade val="50000"/>
-                </a:schemeClr>
-              </a:lnRef>
-              <a:fillRef idx="1">
-                <a:schemeClr val="accent1"/>
-              </a:fillRef>
-              <a:effectRef idx="0">
-                <a:schemeClr val="accent1"/>
-              </a:effectRef>
-              <a:fontRef idx="minor">
-                <a:schemeClr val="lt1"/>
-              </a:fontRef>
-            </p:style>
-            <p:txBody>
-              <a:bodyPr rtlCol="0" anchor="ctr"/>
-              <a:lstStyle/>
-              <a:p>
-                <a:pPr algn="ctr"/>
-                <a:endParaRPr lang="en-US"/>
-              </a:p>
-            </p:txBody>
-          </p:sp>
-          <p:sp>
-            <p:nvSpPr>
-              <p:cNvPr id="9" name="Rounded Rectangle 8"/>
-              <p:cNvSpPr/>
-              <p:nvPr/>
-            </p:nvSpPr>
-            <p:spPr>
-              <a:xfrm>
-                <a:off x="1198880" y="2885440"/>
-                <a:ext cx="167640" cy="508000"/>
-              </a:xfrm>
-              <a:prstGeom prst="roundRect">
-                <a:avLst/>
-              </a:prstGeom>
-              <a:solidFill>
-                <a:schemeClr val="accent1">
-                  <a:lumMod val="60000"/>
-                  <a:lumOff val="40000"/>
-                </a:schemeClr>
-              </a:solidFill>
-              <a:ln w="38100">
-                <a:solidFill>
-                  <a:schemeClr val="tx1"/>
-                </a:solidFill>
-              </a:ln>
-            </p:spPr>
-            <p:style>
-              <a:lnRef idx="2">
-                <a:schemeClr val="accent1">
-                  <a:shade val="50000"/>
-                </a:schemeClr>
-              </a:lnRef>
-              <a:fillRef idx="1">
-                <a:schemeClr val="accent1"/>
-              </a:fillRef>
-              <a:effectRef idx="0">
-                <a:schemeClr val="accent1"/>
-              </a:effectRef>
-              <a:fontRef idx="minor">
-                <a:schemeClr val="lt1"/>
-              </a:fontRef>
-            </p:style>
-            <p:txBody>
-              <a:bodyPr rtlCol="0" anchor="ctr"/>
-              <a:lstStyle/>
-              <a:p>
-                <a:pPr algn="ctr"/>
-                <a:endParaRPr lang="en-US"/>
-              </a:p>
-            </p:txBody>
-          </p:sp>
-          <p:sp>
-            <p:nvSpPr>
-              <p:cNvPr id="10" name="Rounded Rectangle 9"/>
-              <p:cNvSpPr/>
-              <p:nvPr/>
-            </p:nvSpPr>
-            <p:spPr>
-              <a:xfrm>
-                <a:off x="670560" y="1422400"/>
-                <a:ext cx="142240" cy="894080"/>
-              </a:xfrm>
-              <a:prstGeom prst="roundRect">
-                <a:avLst/>
-              </a:prstGeom>
-              <a:noFill/>
-              <a:ln w="38100">
-                <a:solidFill>
-                  <a:schemeClr val="tx1"/>
-                </a:solidFill>
-              </a:ln>
-            </p:spPr>
-            <p:style>
-              <a:lnRef idx="2">
-                <a:schemeClr val="accent1">
-                  <a:shade val="50000"/>
-                </a:schemeClr>
-              </a:lnRef>
-              <a:fillRef idx="1">
-                <a:schemeClr val="accent1"/>
-              </a:fillRef>
-              <a:effectRef idx="0">
-                <a:schemeClr val="accent1"/>
-              </a:effectRef>
-              <a:fontRef idx="minor">
-                <a:schemeClr val="lt1"/>
-              </a:fontRef>
-            </p:style>
-            <p:txBody>
-              <a:bodyPr rtlCol="0" anchor="ctr"/>
-              <a:lstStyle/>
-              <a:p>
-                <a:pPr algn="ctr"/>
-                <a:endParaRPr lang="en-US"/>
-              </a:p>
-            </p:txBody>
-          </p:sp>
-          <p:sp>
-            <p:nvSpPr>
-              <p:cNvPr id="11" name="Rounded Rectangle 10"/>
-              <p:cNvSpPr/>
-              <p:nvPr/>
-            </p:nvSpPr>
-            <p:spPr>
-              <a:xfrm>
-                <a:off x="1452880" y="1422400"/>
-                <a:ext cx="142240" cy="894080"/>
-              </a:xfrm>
-              <a:prstGeom prst="roundRect">
-                <a:avLst/>
-              </a:prstGeom>
-              <a:noFill/>
-              <a:ln w="38100">
-                <a:solidFill>
-                  <a:schemeClr val="tx1"/>
-                </a:solidFill>
-              </a:ln>
-            </p:spPr>
-            <p:style>
-              <a:lnRef idx="2">
-                <a:schemeClr val="accent1">
-                  <a:shade val="50000"/>
-                </a:schemeClr>
-              </a:lnRef>
-              <a:fillRef idx="1">
-                <a:schemeClr val="accent1"/>
-              </a:fillRef>
-              <a:effectRef idx="0">
-                <a:schemeClr val="accent1"/>
-              </a:effectRef>
-              <a:fontRef idx="minor">
-                <a:schemeClr val="lt1"/>
-              </a:fontRef>
-            </p:style>
-            <p:txBody>
-              <a:bodyPr rtlCol="0" anchor="ctr"/>
-              <a:lstStyle/>
-              <a:p>
-                <a:pPr algn="ctr"/>
-                <a:endParaRPr lang="en-US"/>
-              </a:p>
-            </p:txBody>
-          </p:sp>
-          <p:sp>
-            <p:nvSpPr>
-              <p:cNvPr id="13" name="Rounded Rectangle 12"/>
-              <p:cNvSpPr/>
-              <p:nvPr/>
-            </p:nvSpPr>
-            <p:spPr>
-              <a:xfrm>
-                <a:off x="2092960" y="1117600"/>
-                <a:ext cx="640080" cy="1290320"/>
-              </a:xfrm>
-              <a:prstGeom prst="roundRect">
-                <a:avLst/>
-              </a:prstGeom>
-              <a:noFill/>
-              <a:ln w="38100">
-                <a:solidFill>
-                  <a:schemeClr val="tx1"/>
-                </a:solidFill>
-              </a:ln>
-            </p:spPr>
-            <p:style>
-              <a:lnRef idx="2">
-                <a:schemeClr val="accent1">
-                  <a:shade val="50000"/>
-                </a:schemeClr>
-              </a:lnRef>
-              <a:fillRef idx="1">
-                <a:schemeClr val="accent1"/>
-              </a:fillRef>
-              <a:effectRef idx="0">
-                <a:schemeClr val="accent1"/>
-              </a:effectRef>
-              <a:fontRef idx="minor">
-                <a:schemeClr val="lt1"/>
-              </a:fontRef>
-            </p:style>
-            <p:txBody>
-              <a:bodyPr rtlCol="0" anchor="ctr"/>
-              <a:lstStyle/>
-              <a:p>
-                <a:pPr algn="ctr"/>
-                <a:endParaRPr lang="en-US"/>
-              </a:p>
-            </p:txBody>
-          </p:sp>
-          <p:sp>
-            <p:nvSpPr>
-              <p:cNvPr id="14" name="Oval 13"/>
-              <p:cNvSpPr/>
-              <p:nvPr/>
-            </p:nvSpPr>
-            <p:spPr>
-              <a:xfrm>
-                <a:off x="2179320" y="650240"/>
-                <a:ext cx="467360" cy="467360"/>
-              </a:xfrm>
-              <a:prstGeom prst="ellipse">
-                <a:avLst/>
-              </a:prstGeom>
-              <a:noFill/>
-              <a:ln w="38100">
-                <a:solidFill>
-                  <a:schemeClr val="tx1"/>
-                </a:solidFill>
-              </a:ln>
-            </p:spPr>
-            <p:style>
-              <a:lnRef idx="2">
-                <a:schemeClr val="accent1">
-                  <a:shade val="50000"/>
-                </a:schemeClr>
-              </a:lnRef>
-              <a:fillRef idx="1">
-                <a:schemeClr val="accent1"/>
-              </a:fillRef>
-              <a:effectRef idx="0">
-                <a:schemeClr val="accent1"/>
-              </a:effectRef>
-              <a:fontRef idx="minor">
-                <a:schemeClr val="lt1"/>
-              </a:fontRef>
-            </p:style>
-            <p:txBody>
-              <a:bodyPr rtlCol="0" anchor="ctr"/>
-              <a:lstStyle/>
-              <a:p>
-                <a:pPr algn="ctr"/>
-                <a:endParaRPr lang="en-US"/>
-              </a:p>
-            </p:txBody>
-          </p:sp>
-          <p:sp>
-            <p:nvSpPr>
-              <p:cNvPr id="15" name="Rounded Rectangle 14"/>
-              <p:cNvSpPr/>
-              <p:nvPr/>
-            </p:nvSpPr>
-            <p:spPr>
-              <a:xfrm>
-                <a:off x="2148840" y="2407920"/>
-                <a:ext cx="167640" cy="477520"/>
-              </a:xfrm>
-              <a:prstGeom prst="roundRect">
-                <a:avLst/>
-              </a:prstGeom>
-              <a:solidFill>
-                <a:schemeClr val="accent1">
-                  <a:lumMod val="60000"/>
-                  <a:lumOff val="40000"/>
-                </a:schemeClr>
-              </a:solidFill>
-              <a:ln w="38100">
-                <a:solidFill>
-                  <a:schemeClr val="tx1"/>
-                </a:solidFill>
-              </a:ln>
-            </p:spPr>
-            <p:style>
-              <a:lnRef idx="2">
-                <a:schemeClr val="accent1">
-                  <a:shade val="50000"/>
-                </a:schemeClr>
-              </a:lnRef>
-              <a:fillRef idx="1">
-                <a:schemeClr val="accent1"/>
-              </a:fillRef>
-              <a:effectRef idx="0">
-                <a:schemeClr val="accent1"/>
-              </a:effectRef>
-              <a:fontRef idx="minor">
-                <a:schemeClr val="lt1"/>
-              </a:fontRef>
-            </p:style>
-            <p:txBody>
-              <a:bodyPr rtlCol="0" anchor="ctr"/>
-              <a:lstStyle/>
-              <a:p>
-                <a:pPr algn="ctr"/>
-                <a:endParaRPr lang="en-US"/>
-              </a:p>
-            </p:txBody>
-          </p:sp>
-          <p:sp>
-            <p:nvSpPr>
-              <p:cNvPr id="16" name="Rounded Rectangle 15"/>
-              <p:cNvSpPr/>
-              <p:nvPr/>
-            </p:nvSpPr>
-            <p:spPr>
-              <a:xfrm>
-                <a:off x="2148840" y="2885440"/>
-                <a:ext cx="167640" cy="508000"/>
-              </a:xfrm>
-              <a:prstGeom prst="roundRect">
-                <a:avLst/>
-              </a:prstGeom>
-              <a:solidFill>
-                <a:schemeClr val="accent1">
-                  <a:lumMod val="60000"/>
-                  <a:lumOff val="40000"/>
-                </a:schemeClr>
-              </a:solidFill>
-              <a:ln w="38100">
-                <a:solidFill>
-                  <a:schemeClr val="tx1"/>
-                </a:solidFill>
-              </a:ln>
-            </p:spPr>
-            <p:style>
-              <a:lnRef idx="2">
-                <a:schemeClr val="accent1">
-                  <a:shade val="50000"/>
-                </a:schemeClr>
-              </a:lnRef>
-              <a:fillRef idx="1">
-                <a:schemeClr val="accent1"/>
-              </a:fillRef>
-              <a:effectRef idx="0">
-                <a:schemeClr val="accent1"/>
-              </a:effectRef>
-              <a:fontRef idx="minor">
-                <a:schemeClr val="lt1"/>
-              </a:fontRef>
-            </p:style>
-            <p:txBody>
-              <a:bodyPr rtlCol="0" anchor="ctr"/>
-              <a:lstStyle/>
-              <a:p>
-                <a:pPr algn="ctr"/>
-                <a:endParaRPr lang="en-US"/>
-              </a:p>
-            </p:txBody>
-          </p:sp>
-          <p:sp>
-            <p:nvSpPr>
-              <p:cNvPr id="17" name="Rounded Rectangle 16"/>
-              <p:cNvSpPr/>
-              <p:nvPr/>
-            </p:nvSpPr>
-            <p:spPr>
-              <a:xfrm>
-                <a:off x="2479040" y="2407920"/>
-                <a:ext cx="167640" cy="477520"/>
-              </a:xfrm>
-              <a:prstGeom prst="roundRect">
-                <a:avLst/>
-              </a:prstGeom>
-              <a:solidFill>
-                <a:schemeClr val="accent1">
-                  <a:lumMod val="60000"/>
-                  <a:lumOff val="40000"/>
-                </a:schemeClr>
-              </a:solidFill>
-              <a:ln w="38100">
-                <a:solidFill>
-                  <a:schemeClr val="tx1"/>
-                </a:solidFill>
-              </a:ln>
-            </p:spPr>
-            <p:style>
-              <a:lnRef idx="2">
-                <a:schemeClr val="accent1">
-                  <a:shade val="50000"/>
-                </a:schemeClr>
-              </a:lnRef>
-              <a:fillRef idx="1">
-                <a:schemeClr val="accent1"/>
-              </a:fillRef>
-              <a:effectRef idx="0">
-                <a:schemeClr val="accent1"/>
-              </a:effectRef>
-              <a:fontRef idx="minor">
-                <a:schemeClr val="lt1"/>
-              </a:fontRef>
-            </p:style>
-            <p:txBody>
-              <a:bodyPr rtlCol="0" anchor="ctr"/>
-              <a:lstStyle/>
-              <a:p>
-                <a:pPr algn="ctr"/>
-                <a:endParaRPr lang="en-US"/>
-              </a:p>
-            </p:txBody>
-          </p:sp>
-          <p:sp>
-            <p:nvSpPr>
-              <p:cNvPr id="18" name="Rounded Rectangle 17"/>
-              <p:cNvSpPr/>
-              <p:nvPr/>
-            </p:nvSpPr>
-            <p:spPr>
-              <a:xfrm>
-                <a:off x="2479040" y="2885440"/>
-                <a:ext cx="167640" cy="508000"/>
-              </a:xfrm>
-              <a:prstGeom prst="roundRect">
-                <a:avLst/>
-              </a:prstGeom>
-              <a:solidFill>
-                <a:schemeClr val="accent1">
-                  <a:lumMod val="60000"/>
-                  <a:lumOff val="40000"/>
-                </a:schemeClr>
-              </a:solidFill>
-              <a:ln w="38100">
-                <a:solidFill>
-                  <a:schemeClr val="tx1"/>
-                </a:solidFill>
-              </a:ln>
-            </p:spPr>
-            <p:style>
-              <a:lnRef idx="2">
-                <a:schemeClr val="accent1">
-                  <a:shade val="50000"/>
-                </a:schemeClr>
-              </a:lnRef>
-              <a:fillRef idx="1">
-                <a:schemeClr val="accent1"/>
-              </a:fillRef>
-              <a:effectRef idx="0">
-                <a:schemeClr val="accent1"/>
-              </a:effectRef>
-              <a:fontRef idx="minor">
-                <a:schemeClr val="lt1"/>
-              </a:fontRef>
-            </p:style>
-            <p:txBody>
-              <a:bodyPr rtlCol="0" anchor="ctr"/>
-              <a:lstStyle/>
-              <a:p>
-                <a:pPr algn="ctr"/>
-                <a:endParaRPr lang="en-US"/>
-              </a:p>
-            </p:txBody>
-          </p:sp>
-          <p:sp>
-            <p:nvSpPr>
-              <p:cNvPr id="19" name="Rounded Rectangle 18"/>
-              <p:cNvSpPr/>
-              <p:nvPr/>
-            </p:nvSpPr>
-            <p:spPr>
-              <a:xfrm>
-                <a:off x="1922780" y="883920"/>
-                <a:ext cx="142240" cy="894080"/>
-              </a:xfrm>
-              <a:prstGeom prst="roundRect">
-                <a:avLst/>
-              </a:prstGeom>
-              <a:noFill/>
-              <a:ln w="38100">
-                <a:solidFill>
-                  <a:schemeClr val="tx1"/>
-                </a:solidFill>
-              </a:ln>
-            </p:spPr>
-            <p:style>
-              <a:lnRef idx="2">
-                <a:schemeClr val="accent1">
-                  <a:shade val="50000"/>
-                </a:schemeClr>
-              </a:lnRef>
-              <a:fillRef idx="1">
-                <a:schemeClr val="accent1"/>
-              </a:fillRef>
-              <a:effectRef idx="0">
-                <a:schemeClr val="accent1"/>
-              </a:effectRef>
-              <a:fontRef idx="minor">
-                <a:schemeClr val="lt1"/>
-              </a:fontRef>
-            </p:style>
-            <p:txBody>
-              <a:bodyPr rtlCol="0" anchor="ctr"/>
-              <a:lstStyle/>
-              <a:p>
-                <a:pPr algn="ctr"/>
-                <a:endParaRPr lang="en-US"/>
-              </a:p>
-            </p:txBody>
-          </p:sp>
-          <p:sp>
-            <p:nvSpPr>
-              <p:cNvPr id="20" name="Rounded Rectangle 19"/>
-              <p:cNvSpPr/>
-              <p:nvPr/>
-            </p:nvSpPr>
-            <p:spPr>
-              <a:xfrm>
-                <a:off x="2733040" y="868680"/>
-                <a:ext cx="142240" cy="894080"/>
-              </a:xfrm>
-              <a:prstGeom prst="roundRect">
-                <a:avLst/>
-              </a:prstGeom>
-              <a:noFill/>
-              <a:ln w="38100">
-                <a:solidFill>
-                  <a:schemeClr val="tx1"/>
-                </a:solidFill>
-              </a:ln>
-            </p:spPr>
-            <p:style>
-              <a:lnRef idx="2">
-                <a:schemeClr val="accent1">
-                  <a:shade val="50000"/>
-                </a:schemeClr>
-              </a:lnRef>
-              <a:fillRef idx="1">
-                <a:schemeClr val="accent1"/>
-              </a:fillRef>
-              <a:effectRef idx="0">
-                <a:schemeClr val="accent1"/>
-              </a:effectRef>
-              <a:fontRef idx="minor">
-                <a:schemeClr val="lt1"/>
-              </a:fontRef>
-            </p:style>
-            <p:txBody>
-              <a:bodyPr rtlCol="0" anchor="ctr"/>
-              <a:lstStyle/>
-              <a:p>
-                <a:pPr algn="ctr"/>
-                <a:endParaRPr lang="en-US"/>
-              </a:p>
-            </p:txBody>
-          </p:sp>
-          <p:sp>
-            <p:nvSpPr>
-              <p:cNvPr id="29" name="Rounded Rectangle 28"/>
-              <p:cNvSpPr/>
-              <p:nvPr/>
-            </p:nvSpPr>
-            <p:spPr>
-              <a:xfrm>
-                <a:off x="3357880" y="883920"/>
-                <a:ext cx="640080" cy="1290320"/>
-              </a:xfrm>
-              <a:prstGeom prst="roundRect">
-                <a:avLst/>
-              </a:prstGeom>
-              <a:noFill/>
-              <a:ln w="38100">
-                <a:solidFill>
-                  <a:schemeClr val="tx1"/>
-                </a:solidFill>
-              </a:ln>
-            </p:spPr>
-            <p:style>
-              <a:lnRef idx="2">
-                <a:schemeClr val="accent1">
-                  <a:shade val="50000"/>
-                </a:schemeClr>
-              </a:lnRef>
-              <a:fillRef idx="1">
-                <a:schemeClr val="accent1"/>
-              </a:fillRef>
-              <a:effectRef idx="0">
-                <a:schemeClr val="accent1"/>
-              </a:effectRef>
-              <a:fontRef idx="minor">
-                <a:schemeClr val="lt1"/>
-              </a:fontRef>
-            </p:style>
-            <p:txBody>
-              <a:bodyPr rtlCol="0" anchor="ctr"/>
-              <a:lstStyle/>
-              <a:p>
-                <a:pPr algn="ctr"/>
-                <a:endParaRPr lang="en-US"/>
-              </a:p>
-            </p:txBody>
-          </p:sp>
-          <p:sp>
-            <p:nvSpPr>
-              <p:cNvPr id="30" name="Oval 29"/>
-              <p:cNvSpPr/>
-              <p:nvPr/>
-            </p:nvSpPr>
-            <p:spPr>
-              <a:xfrm>
-                <a:off x="3444240" y="416560"/>
-                <a:ext cx="467360" cy="467360"/>
-              </a:xfrm>
-              <a:prstGeom prst="ellipse">
-                <a:avLst/>
-              </a:prstGeom>
-              <a:noFill/>
-              <a:ln w="38100">
-                <a:solidFill>
-                  <a:schemeClr val="tx1"/>
-                </a:solidFill>
-              </a:ln>
-            </p:spPr>
-            <p:style>
-              <a:lnRef idx="2">
-                <a:schemeClr val="accent1">
-                  <a:shade val="50000"/>
-                </a:schemeClr>
-              </a:lnRef>
-              <a:fillRef idx="1">
-                <a:schemeClr val="accent1"/>
-              </a:fillRef>
-              <a:effectRef idx="0">
-                <a:schemeClr val="accent1"/>
-              </a:effectRef>
-              <a:fontRef idx="minor">
-                <a:schemeClr val="lt1"/>
-              </a:fontRef>
-            </p:style>
-            <p:txBody>
-              <a:bodyPr rtlCol="0" anchor="ctr"/>
-              <a:lstStyle/>
-              <a:p>
-                <a:pPr algn="ctr"/>
-                <a:endParaRPr lang="en-US"/>
-              </a:p>
-            </p:txBody>
-          </p:sp>
-          <p:sp>
-            <p:nvSpPr>
-              <p:cNvPr id="31" name="Rounded Rectangle 30"/>
-              <p:cNvSpPr/>
-              <p:nvPr/>
-            </p:nvSpPr>
-            <p:spPr>
-              <a:xfrm>
-                <a:off x="3444240" y="2174240"/>
-                <a:ext cx="162560" cy="1219200"/>
-              </a:xfrm>
-              <a:prstGeom prst="roundRect">
-                <a:avLst/>
-              </a:prstGeom>
-              <a:solidFill>
-                <a:schemeClr val="accent1">
-                  <a:lumMod val="60000"/>
-                  <a:lumOff val="40000"/>
-                </a:schemeClr>
-              </a:solidFill>
-              <a:ln w="38100">
-                <a:solidFill>
-                  <a:schemeClr val="tx1"/>
-                </a:solidFill>
-              </a:ln>
-            </p:spPr>
-            <p:style>
-              <a:lnRef idx="2">
-                <a:schemeClr val="accent1">
-                  <a:shade val="50000"/>
-                </a:schemeClr>
-              </a:lnRef>
-              <a:fillRef idx="1">
-                <a:schemeClr val="accent1"/>
-              </a:fillRef>
-              <a:effectRef idx="0">
-                <a:schemeClr val="accent1"/>
-              </a:effectRef>
-              <a:fontRef idx="minor">
-                <a:schemeClr val="lt1"/>
-              </a:fontRef>
-            </p:style>
-            <p:txBody>
-              <a:bodyPr rtlCol="0" anchor="ctr"/>
-              <a:lstStyle/>
-              <a:p>
-                <a:pPr algn="ctr"/>
-                <a:endParaRPr lang="en-US"/>
-              </a:p>
-            </p:txBody>
-          </p:sp>
-          <p:sp>
-            <p:nvSpPr>
-              <p:cNvPr id="33" name="Rounded Rectangle 32"/>
-              <p:cNvSpPr/>
-              <p:nvPr/>
-            </p:nvSpPr>
-            <p:spPr>
-              <a:xfrm>
-                <a:off x="3774779" y="2174240"/>
-                <a:ext cx="157141" cy="1219200"/>
-              </a:xfrm>
-              <a:prstGeom prst="roundRect">
-                <a:avLst/>
-              </a:prstGeom>
-              <a:solidFill>
-                <a:schemeClr val="accent1">
-                  <a:lumMod val="60000"/>
-                  <a:lumOff val="40000"/>
-                </a:schemeClr>
-              </a:solidFill>
-              <a:ln w="38100">
-                <a:solidFill>
-                  <a:schemeClr val="tx1"/>
-                </a:solidFill>
-              </a:ln>
-            </p:spPr>
-            <p:style>
-              <a:lnRef idx="2">
-                <a:schemeClr val="accent1">
-                  <a:shade val="50000"/>
-                </a:schemeClr>
-              </a:lnRef>
-              <a:fillRef idx="1">
-                <a:schemeClr val="accent1"/>
-              </a:fillRef>
-              <a:effectRef idx="0">
-                <a:schemeClr val="accent1"/>
-              </a:effectRef>
-              <a:fontRef idx="minor">
-                <a:schemeClr val="lt1"/>
-              </a:fontRef>
-            </p:style>
-            <p:txBody>
-              <a:bodyPr rtlCol="0" anchor="ctr"/>
-              <a:lstStyle/>
-              <a:p>
-                <a:pPr algn="ctr"/>
-                <a:endParaRPr lang="en-US"/>
-              </a:p>
-            </p:txBody>
-          </p:sp>
-          <p:sp>
-            <p:nvSpPr>
-              <p:cNvPr id="35" name="Rounded Rectangle 34"/>
-              <p:cNvSpPr/>
-              <p:nvPr/>
-            </p:nvSpPr>
-            <p:spPr>
-              <a:xfrm>
-                <a:off x="3200400" y="294640"/>
-                <a:ext cx="142240" cy="894080"/>
-              </a:xfrm>
-              <a:prstGeom prst="roundRect">
-                <a:avLst/>
-              </a:prstGeom>
-              <a:noFill/>
-              <a:ln w="38100">
-                <a:solidFill>
-                  <a:schemeClr val="tx1"/>
-                </a:solidFill>
-              </a:ln>
-            </p:spPr>
-            <p:style>
-              <a:lnRef idx="2">
-                <a:schemeClr val="accent1">
-                  <a:shade val="50000"/>
-                </a:schemeClr>
-              </a:lnRef>
-              <a:fillRef idx="1">
-                <a:schemeClr val="accent1"/>
-              </a:fillRef>
-              <a:effectRef idx="0">
-                <a:schemeClr val="accent1"/>
-              </a:effectRef>
-              <a:fontRef idx="minor">
-                <a:schemeClr val="lt1"/>
-              </a:fontRef>
-            </p:style>
-            <p:txBody>
-              <a:bodyPr rtlCol="0" anchor="ctr"/>
-              <a:lstStyle/>
-              <a:p>
-                <a:pPr algn="ctr"/>
-                <a:endParaRPr lang="en-US"/>
-              </a:p>
-            </p:txBody>
-          </p:sp>
-          <p:sp>
-            <p:nvSpPr>
-              <p:cNvPr id="36" name="Rounded Rectangle 35"/>
-              <p:cNvSpPr/>
-              <p:nvPr/>
-            </p:nvSpPr>
-            <p:spPr>
-              <a:xfrm>
-                <a:off x="4013200" y="243840"/>
-                <a:ext cx="142240" cy="894080"/>
-              </a:xfrm>
-              <a:prstGeom prst="roundRect">
-                <a:avLst/>
-              </a:prstGeom>
-              <a:noFill/>
-              <a:ln w="38100">
-                <a:solidFill>
-                  <a:schemeClr val="tx1"/>
-                </a:solidFill>
-              </a:ln>
-            </p:spPr>
-            <p:style>
-              <a:lnRef idx="2">
-                <a:schemeClr val="accent1">
-                  <a:shade val="50000"/>
-                </a:schemeClr>
-              </a:lnRef>
-              <a:fillRef idx="1">
-                <a:schemeClr val="accent1"/>
-              </a:fillRef>
-              <a:effectRef idx="0">
-                <a:schemeClr val="accent1"/>
-              </a:effectRef>
-              <a:fontRef idx="minor">
-                <a:schemeClr val="lt1"/>
-              </a:fontRef>
-            </p:style>
-            <p:txBody>
-              <a:bodyPr rtlCol="0" anchor="ctr"/>
-              <a:lstStyle/>
-              <a:p>
-                <a:pPr algn="ctr"/>
-                <a:endParaRPr lang="en-US"/>
-              </a:p>
-            </p:txBody>
-          </p:sp>
-          <p:sp>
-            <p:nvSpPr>
-              <p:cNvPr id="37" name="Rounded Rectangle 36"/>
-              <p:cNvSpPr/>
-              <p:nvPr/>
-            </p:nvSpPr>
-            <p:spPr>
-              <a:xfrm>
-                <a:off x="4574540" y="1117600"/>
-                <a:ext cx="640080" cy="1290320"/>
-              </a:xfrm>
-              <a:prstGeom prst="roundRect">
-                <a:avLst/>
-              </a:prstGeom>
-              <a:noFill/>
-              <a:ln w="38100">
-                <a:solidFill>
-                  <a:schemeClr val="tx1"/>
-                </a:solidFill>
-              </a:ln>
-            </p:spPr>
-            <p:style>
-              <a:lnRef idx="2">
-                <a:schemeClr val="accent1">
-                  <a:shade val="50000"/>
-                </a:schemeClr>
-              </a:lnRef>
-              <a:fillRef idx="1">
-                <a:schemeClr val="accent1"/>
-              </a:fillRef>
-              <a:effectRef idx="0">
-                <a:schemeClr val="accent1"/>
-              </a:effectRef>
-              <a:fontRef idx="minor">
-                <a:schemeClr val="lt1"/>
-              </a:fontRef>
-            </p:style>
-            <p:txBody>
-              <a:bodyPr rtlCol="0" anchor="ctr"/>
-              <a:lstStyle/>
-              <a:p>
-                <a:pPr algn="ctr"/>
-                <a:endParaRPr lang="en-US"/>
-              </a:p>
-            </p:txBody>
-          </p:sp>
-          <p:sp>
-            <p:nvSpPr>
-              <p:cNvPr id="38" name="Oval 37"/>
-              <p:cNvSpPr/>
-              <p:nvPr/>
-            </p:nvSpPr>
-            <p:spPr>
-              <a:xfrm>
-                <a:off x="4660900" y="650240"/>
-                <a:ext cx="467360" cy="467360"/>
-              </a:xfrm>
-              <a:prstGeom prst="ellipse">
-                <a:avLst/>
-              </a:prstGeom>
-              <a:noFill/>
-              <a:ln w="38100">
-                <a:solidFill>
-                  <a:schemeClr val="tx1"/>
-                </a:solidFill>
-              </a:ln>
-            </p:spPr>
-            <p:style>
-              <a:lnRef idx="2">
-                <a:schemeClr val="accent1">
-                  <a:shade val="50000"/>
-                </a:schemeClr>
-              </a:lnRef>
-              <a:fillRef idx="1">
-                <a:schemeClr val="accent1"/>
-              </a:fillRef>
-              <a:effectRef idx="0">
-                <a:schemeClr val="accent1"/>
-              </a:effectRef>
-              <a:fontRef idx="minor">
-                <a:schemeClr val="lt1"/>
-              </a:fontRef>
-            </p:style>
-            <p:txBody>
-              <a:bodyPr rtlCol="0" anchor="ctr"/>
-              <a:lstStyle/>
-              <a:p>
-                <a:pPr algn="ctr"/>
-                <a:endParaRPr lang="en-US"/>
-              </a:p>
-            </p:txBody>
-          </p:sp>
-          <p:sp>
-            <p:nvSpPr>
-              <p:cNvPr id="39" name="Rounded Rectangle 38"/>
-              <p:cNvSpPr/>
-              <p:nvPr/>
-            </p:nvSpPr>
-            <p:spPr>
-              <a:xfrm>
-                <a:off x="4630420" y="2407920"/>
-                <a:ext cx="167640" cy="477520"/>
-              </a:xfrm>
-              <a:prstGeom prst="roundRect">
-                <a:avLst/>
-              </a:prstGeom>
-              <a:solidFill>
-                <a:schemeClr val="accent1">
-                  <a:lumMod val="60000"/>
-                  <a:lumOff val="40000"/>
-                </a:schemeClr>
-              </a:solidFill>
-              <a:ln w="38100">
-                <a:solidFill>
-                  <a:schemeClr val="tx1"/>
-                </a:solidFill>
-              </a:ln>
-            </p:spPr>
-            <p:style>
-              <a:lnRef idx="2">
-                <a:schemeClr val="accent1">
-                  <a:shade val="50000"/>
-                </a:schemeClr>
-              </a:lnRef>
-              <a:fillRef idx="1">
-                <a:schemeClr val="accent1"/>
-              </a:fillRef>
-              <a:effectRef idx="0">
-                <a:schemeClr val="accent1"/>
-              </a:effectRef>
-              <a:fontRef idx="minor">
-                <a:schemeClr val="lt1"/>
-              </a:fontRef>
-            </p:style>
-            <p:txBody>
-              <a:bodyPr rtlCol="0" anchor="ctr"/>
-              <a:lstStyle/>
-              <a:p>
-                <a:pPr algn="ctr"/>
-                <a:endParaRPr lang="en-US"/>
-              </a:p>
-            </p:txBody>
-          </p:sp>
-          <p:sp>
-            <p:nvSpPr>
-              <p:cNvPr id="40" name="Rounded Rectangle 39"/>
-              <p:cNvSpPr/>
-              <p:nvPr/>
-            </p:nvSpPr>
-            <p:spPr>
-              <a:xfrm>
-                <a:off x="4630420" y="2885440"/>
-                <a:ext cx="167640" cy="508000"/>
-              </a:xfrm>
-              <a:prstGeom prst="roundRect">
-                <a:avLst/>
-              </a:prstGeom>
-              <a:solidFill>
-                <a:schemeClr val="accent1">
-                  <a:lumMod val="60000"/>
-                  <a:lumOff val="40000"/>
-                </a:schemeClr>
-              </a:solidFill>
-              <a:ln w="38100">
-                <a:solidFill>
-                  <a:schemeClr val="tx1"/>
-                </a:solidFill>
-              </a:ln>
-            </p:spPr>
-            <p:style>
-              <a:lnRef idx="2">
-                <a:schemeClr val="accent1">
-                  <a:shade val="50000"/>
-                </a:schemeClr>
-              </a:lnRef>
-              <a:fillRef idx="1">
-                <a:schemeClr val="accent1"/>
-              </a:fillRef>
-              <a:effectRef idx="0">
-                <a:schemeClr val="accent1"/>
-              </a:effectRef>
-              <a:fontRef idx="minor">
-                <a:schemeClr val="lt1"/>
-              </a:fontRef>
-            </p:style>
-            <p:txBody>
-              <a:bodyPr rtlCol="0" anchor="ctr"/>
-              <a:lstStyle/>
-              <a:p>
-                <a:pPr algn="ctr"/>
-                <a:endParaRPr lang="en-US"/>
-              </a:p>
-            </p:txBody>
-          </p:sp>
-          <p:sp>
-            <p:nvSpPr>
-              <p:cNvPr id="41" name="Rounded Rectangle 40"/>
-              <p:cNvSpPr/>
-              <p:nvPr/>
-            </p:nvSpPr>
-            <p:spPr>
-              <a:xfrm>
-                <a:off x="4960620" y="2407920"/>
-                <a:ext cx="167640" cy="477520"/>
-              </a:xfrm>
-              <a:prstGeom prst="roundRect">
-                <a:avLst/>
-              </a:prstGeom>
-              <a:solidFill>
-                <a:schemeClr val="accent1">
-                  <a:lumMod val="60000"/>
-                  <a:lumOff val="40000"/>
-                </a:schemeClr>
-              </a:solidFill>
-              <a:ln w="38100">
-                <a:solidFill>
-                  <a:schemeClr val="tx1"/>
-                </a:solidFill>
-              </a:ln>
-            </p:spPr>
-            <p:style>
-              <a:lnRef idx="2">
-                <a:schemeClr val="accent1">
-                  <a:shade val="50000"/>
-                </a:schemeClr>
-              </a:lnRef>
-              <a:fillRef idx="1">
-                <a:schemeClr val="accent1"/>
-              </a:fillRef>
-              <a:effectRef idx="0">
-                <a:schemeClr val="accent1"/>
-              </a:effectRef>
-              <a:fontRef idx="minor">
-                <a:schemeClr val="lt1"/>
-              </a:fontRef>
-            </p:style>
-            <p:txBody>
-              <a:bodyPr rtlCol="0" anchor="ctr"/>
-              <a:lstStyle/>
-              <a:p>
-                <a:pPr algn="ctr"/>
-                <a:endParaRPr lang="en-US"/>
-              </a:p>
-            </p:txBody>
-          </p:sp>
-          <p:sp>
-            <p:nvSpPr>
-              <p:cNvPr id="42" name="Rounded Rectangle 41"/>
-              <p:cNvSpPr/>
-              <p:nvPr/>
-            </p:nvSpPr>
-            <p:spPr>
-              <a:xfrm>
-                <a:off x="4960620" y="2885440"/>
-                <a:ext cx="167640" cy="508000"/>
-              </a:xfrm>
-              <a:prstGeom prst="roundRect">
-                <a:avLst/>
-              </a:prstGeom>
-              <a:solidFill>
-                <a:schemeClr val="accent1">
-                  <a:lumMod val="60000"/>
-                  <a:lumOff val="40000"/>
-                </a:schemeClr>
-              </a:solidFill>
-              <a:ln w="38100">
-                <a:solidFill>
-                  <a:schemeClr val="tx1"/>
-                </a:solidFill>
-              </a:ln>
-            </p:spPr>
-            <p:style>
-              <a:lnRef idx="2">
-                <a:schemeClr val="accent1">
-                  <a:shade val="50000"/>
-                </a:schemeClr>
-              </a:lnRef>
-              <a:fillRef idx="1">
-                <a:schemeClr val="accent1"/>
-              </a:fillRef>
-              <a:effectRef idx="0">
-                <a:schemeClr val="accent1"/>
-              </a:effectRef>
-              <a:fontRef idx="minor">
-                <a:schemeClr val="lt1"/>
-              </a:fontRef>
-            </p:style>
-            <p:txBody>
-              <a:bodyPr rtlCol="0" anchor="ctr"/>
-              <a:lstStyle/>
-              <a:p>
-                <a:pPr algn="ctr"/>
-                <a:endParaRPr lang="en-US"/>
-              </a:p>
-            </p:txBody>
-          </p:sp>
-          <p:sp>
-            <p:nvSpPr>
-              <p:cNvPr id="43" name="Rounded Rectangle 42"/>
-              <p:cNvSpPr/>
-              <p:nvPr/>
-            </p:nvSpPr>
-            <p:spPr>
-              <a:xfrm>
-                <a:off x="4404360" y="883920"/>
-                <a:ext cx="142240" cy="894080"/>
-              </a:xfrm>
-              <a:prstGeom prst="roundRect">
-                <a:avLst/>
-              </a:prstGeom>
-              <a:noFill/>
-              <a:ln w="38100">
-                <a:solidFill>
-                  <a:schemeClr val="tx1"/>
-                </a:solidFill>
-              </a:ln>
-            </p:spPr>
-            <p:style>
-              <a:lnRef idx="2">
-                <a:schemeClr val="accent1">
-                  <a:shade val="50000"/>
-                </a:schemeClr>
-              </a:lnRef>
-              <a:fillRef idx="1">
-                <a:schemeClr val="accent1"/>
-              </a:fillRef>
-              <a:effectRef idx="0">
-                <a:schemeClr val="accent1"/>
-              </a:effectRef>
-              <a:fontRef idx="minor">
-                <a:schemeClr val="lt1"/>
-              </a:fontRef>
-            </p:style>
-            <p:txBody>
-              <a:bodyPr rtlCol="0" anchor="ctr"/>
-              <a:lstStyle/>
-              <a:p>
-                <a:pPr algn="ctr"/>
-                <a:endParaRPr lang="en-US"/>
-              </a:p>
-            </p:txBody>
-          </p:sp>
-          <p:sp>
-            <p:nvSpPr>
-              <p:cNvPr id="44" name="Rounded Rectangle 43"/>
-              <p:cNvSpPr/>
-              <p:nvPr/>
-            </p:nvSpPr>
-            <p:spPr>
-              <a:xfrm>
-                <a:off x="5214620" y="868680"/>
-                <a:ext cx="142240" cy="894080"/>
-              </a:xfrm>
-              <a:prstGeom prst="roundRect">
-                <a:avLst/>
-              </a:prstGeom>
-              <a:noFill/>
-              <a:ln w="38100">
-                <a:solidFill>
-                  <a:schemeClr val="tx1"/>
-                </a:solidFill>
-              </a:ln>
-            </p:spPr>
-            <p:style>
-              <a:lnRef idx="2">
-                <a:schemeClr val="accent1">
-                  <a:shade val="50000"/>
-                </a:schemeClr>
-              </a:lnRef>
-              <a:fillRef idx="1">
-                <a:schemeClr val="accent1"/>
-              </a:fillRef>
-              <a:effectRef idx="0">
-                <a:schemeClr val="accent1"/>
-              </a:effectRef>
-              <a:fontRef idx="minor">
-                <a:schemeClr val="lt1"/>
-              </a:fontRef>
-            </p:style>
-            <p:txBody>
-              <a:bodyPr rtlCol="0" anchor="ctr"/>
-              <a:lstStyle/>
-              <a:p>
-                <a:pPr algn="ctr"/>
-                <a:endParaRPr lang="en-US"/>
-              </a:p>
-            </p:txBody>
-          </p:sp>
-          <p:sp>
-            <p:nvSpPr>
-              <p:cNvPr id="45" name="Rounded Rectangle 44"/>
-              <p:cNvSpPr/>
-              <p:nvPr/>
-            </p:nvSpPr>
-            <p:spPr>
-              <a:xfrm>
-                <a:off x="5896610" y="1351280"/>
-                <a:ext cx="640080" cy="1290320"/>
-              </a:xfrm>
-              <a:prstGeom prst="roundRect">
-                <a:avLst/>
-              </a:prstGeom>
-              <a:noFill/>
-              <a:ln w="38100">
-                <a:solidFill>
-                  <a:schemeClr val="tx1"/>
-                </a:solidFill>
-              </a:ln>
-            </p:spPr>
-            <p:style>
-              <a:lnRef idx="2">
-                <a:schemeClr val="accent1">
-                  <a:shade val="50000"/>
-                </a:schemeClr>
-              </a:lnRef>
-              <a:fillRef idx="1">
-                <a:schemeClr val="accent1"/>
-              </a:fillRef>
-              <a:effectRef idx="0">
-                <a:schemeClr val="accent1"/>
-              </a:effectRef>
-              <a:fontRef idx="minor">
-                <a:schemeClr val="lt1"/>
-              </a:fontRef>
-            </p:style>
-            <p:txBody>
-              <a:bodyPr rtlCol="0" anchor="ctr"/>
-              <a:lstStyle/>
-              <a:p>
-                <a:pPr algn="ctr"/>
-                <a:endParaRPr lang="en-US"/>
-              </a:p>
-            </p:txBody>
-          </p:sp>
-          <p:sp>
-            <p:nvSpPr>
-              <p:cNvPr id="46" name="Oval 45"/>
-              <p:cNvSpPr/>
-              <p:nvPr/>
-            </p:nvSpPr>
-            <p:spPr>
-              <a:xfrm>
-                <a:off x="5982970" y="883920"/>
-                <a:ext cx="467360" cy="467360"/>
-              </a:xfrm>
-              <a:prstGeom prst="ellipse">
-                <a:avLst/>
-              </a:prstGeom>
-              <a:noFill/>
-              <a:ln w="38100">
-                <a:solidFill>
-                  <a:schemeClr val="tx1"/>
-                </a:solidFill>
-              </a:ln>
-            </p:spPr>
-            <p:style>
-              <a:lnRef idx="2">
-                <a:schemeClr val="accent1">
-                  <a:shade val="50000"/>
-                </a:schemeClr>
-              </a:lnRef>
-              <a:fillRef idx="1">
-                <a:schemeClr val="accent1"/>
-              </a:fillRef>
-              <a:effectRef idx="0">
-                <a:schemeClr val="accent1"/>
-              </a:effectRef>
-              <a:fontRef idx="minor">
-                <a:schemeClr val="lt1"/>
-              </a:fontRef>
-            </p:style>
-            <p:txBody>
-              <a:bodyPr rtlCol="0" anchor="ctr"/>
-              <a:lstStyle/>
-              <a:p>
-                <a:pPr algn="ctr"/>
-                <a:endParaRPr lang="en-US"/>
-              </a:p>
-            </p:txBody>
-          </p:sp>
-          <p:sp>
-            <p:nvSpPr>
-              <p:cNvPr id="47" name="Rounded Rectangle 46"/>
-              <p:cNvSpPr/>
-              <p:nvPr/>
-            </p:nvSpPr>
-            <p:spPr>
-              <a:xfrm>
-                <a:off x="5982970" y="2641600"/>
-                <a:ext cx="167640" cy="243840"/>
-              </a:xfrm>
-              <a:prstGeom prst="roundRect">
-                <a:avLst/>
-              </a:prstGeom>
-              <a:solidFill>
-                <a:schemeClr val="accent1">
-                  <a:lumMod val="60000"/>
-                  <a:lumOff val="40000"/>
-                </a:schemeClr>
-              </a:solidFill>
-              <a:ln w="38100">
-                <a:solidFill>
-                  <a:schemeClr val="tx1"/>
-                </a:solidFill>
-              </a:ln>
-            </p:spPr>
-            <p:style>
-              <a:lnRef idx="2">
-                <a:schemeClr val="accent1">
-                  <a:shade val="50000"/>
-                </a:schemeClr>
-              </a:lnRef>
-              <a:fillRef idx="1">
-                <a:schemeClr val="accent1"/>
-              </a:fillRef>
-              <a:effectRef idx="0">
-                <a:schemeClr val="accent1"/>
-              </a:effectRef>
-              <a:fontRef idx="minor">
-                <a:schemeClr val="lt1"/>
-              </a:fontRef>
-            </p:style>
-            <p:txBody>
-              <a:bodyPr rtlCol="0" anchor="ctr"/>
-              <a:lstStyle/>
-              <a:p>
-                <a:pPr algn="ctr"/>
-                <a:endParaRPr lang="en-US"/>
-              </a:p>
-            </p:txBody>
-          </p:sp>
-          <p:sp>
-            <p:nvSpPr>
-              <p:cNvPr id="48" name="Rounded Rectangle 47"/>
-              <p:cNvSpPr/>
-              <p:nvPr/>
-            </p:nvSpPr>
-            <p:spPr>
-              <a:xfrm>
-                <a:off x="5982970" y="2885440"/>
-                <a:ext cx="167640" cy="508000"/>
-              </a:xfrm>
-              <a:prstGeom prst="roundRect">
-                <a:avLst/>
-              </a:prstGeom>
-              <a:solidFill>
-                <a:schemeClr val="accent1">
-                  <a:lumMod val="60000"/>
-                  <a:lumOff val="40000"/>
-                </a:schemeClr>
-              </a:solidFill>
-              <a:ln w="38100">
-                <a:solidFill>
-                  <a:schemeClr val="tx1"/>
-                </a:solidFill>
-              </a:ln>
-            </p:spPr>
-            <p:style>
-              <a:lnRef idx="2">
-                <a:schemeClr val="accent1">
-                  <a:shade val="50000"/>
-                </a:schemeClr>
-              </a:lnRef>
-              <a:fillRef idx="1">
-                <a:schemeClr val="accent1"/>
-              </a:fillRef>
-              <a:effectRef idx="0">
-                <a:schemeClr val="accent1"/>
-              </a:effectRef>
-              <a:fontRef idx="minor">
-                <a:schemeClr val="lt1"/>
-              </a:fontRef>
-            </p:style>
-            <p:txBody>
-              <a:bodyPr rtlCol="0" anchor="ctr"/>
-              <a:lstStyle/>
-              <a:p>
-                <a:pPr algn="ctr"/>
-                <a:endParaRPr lang="en-US"/>
-              </a:p>
-            </p:txBody>
-          </p:sp>
-          <p:sp>
-            <p:nvSpPr>
-              <p:cNvPr id="49" name="Rounded Rectangle 48"/>
-              <p:cNvSpPr/>
-              <p:nvPr/>
-            </p:nvSpPr>
-            <p:spPr>
-              <a:xfrm>
-                <a:off x="6282690" y="2641600"/>
-                <a:ext cx="167640" cy="243840"/>
-              </a:xfrm>
-              <a:prstGeom prst="roundRect">
-                <a:avLst/>
-              </a:prstGeom>
-              <a:solidFill>
-                <a:schemeClr val="accent1">
-                  <a:lumMod val="60000"/>
-                  <a:lumOff val="40000"/>
-                </a:schemeClr>
-              </a:solidFill>
-              <a:ln w="38100">
-                <a:solidFill>
-                  <a:schemeClr val="tx1"/>
-                </a:solidFill>
-              </a:ln>
-            </p:spPr>
-            <p:style>
-              <a:lnRef idx="2">
-                <a:schemeClr val="accent1">
-                  <a:shade val="50000"/>
-                </a:schemeClr>
-              </a:lnRef>
-              <a:fillRef idx="1">
-                <a:schemeClr val="accent1"/>
-              </a:fillRef>
-              <a:effectRef idx="0">
-                <a:schemeClr val="accent1"/>
-              </a:effectRef>
-              <a:fontRef idx="minor">
-                <a:schemeClr val="lt1"/>
-              </a:fontRef>
-            </p:style>
-            <p:txBody>
-              <a:bodyPr rtlCol="0" anchor="ctr"/>
-              <a:lstStyle/>
-              <a:p>
-                <a:pPr algn="ctr"/>
-                <a:endParaRPr lang="en-US"/>
-              </a:p>
-            </p:txBody>
-          </p:sp>
-          <p:sp>
-            <p:nvSpPr>
-              <p:cNvPr id="50" name="Rounded Rectangle 49"/>
-              <p:cNvSpPr/>
-              <p:nvPr/>
-            </p:nvSpPr>
-            <p:spPr>
-              <a:xfrm>
-                <a:off x="6282690" y="2885440"/>
-                <a:ext cx="167640" cy="508000"/>
-              </a:xfrm>
-              <a:prstGeom prst="roundRect">
-                <a:avLst/>
-              </a:prstGeom>
-              <a:solidFill>
-                <a:schemeClr val="accent1">
-                  <a:lumMod val="60000"/>
-                  <a:lumOff val="40000"/>
-                </a:schemeClr>
-              </a:solidFill>
-              <a:ln w="38100">
-                <a:solidFill>
-                  <a:schemeClr val="tx1"/>
-                </a:solidFill>
-              </a:ln>
-            </p:spPr>
-            <p:style>
-              <a:lnRef idx="2">
-                <a:schemeClr val="accent1">
-                  <a:shade val="50000"/>
-                </a:schemeClr>
-              </a:lnRef>
-              <a:fillRef idx="1">
-                <a:schemeClr val="accent1"/>
-              </a:fillRef>
-              <a:effectRef idx="0">
-                <a:schemeClr val="accent1"/>
-              </a:effectRef>
-              <a:fontRef idx="minor">
-                <a:schemeClr val="lt1"/>
-              </a:fontRef>
-            </p:style>
-            <p:txBody>
-              <a:bodyPr rtlCol="0" anchor="ctr"/>
-              <a:lstStyle/>
-              <a:p>
-                <a:pPr algn="ctr"/>
-                <a:endParaRPr lang="en-US"/>
-              </a:p>
-            </p:txBody>
-          </p:sp>
-          <p:sp>
-            <p:nvSpPr>
-              <p:cNvPr id="51" name="Rounded Rectangle 50"/>
-              <p:cNvSpPr/>
-              <p:nvPr/>
-            </p:nvSpPr>
-            <p:spPr>
-              <a:xfrm>
-                <a:off x="5754370" y="1422400"/>
-                <a:ext cx="142240" cy="894080"/>
-              </a:xfrm>
-              <a:prstGeom prst="roundRect">
-                <a:avLst/>
-              </a:prstGeom>
-              <a:noFill/>
-              <a:ln w="38100">
-                <a:solidFill>
-                  <a:schemeClr val="tx1"/>
-                </a:solidFill>
-              </a:ln>
-            </p:spPr>
-            <p:style>
-              <a:lnRef idx="2">
-                <a:schemeClr val="accent1">
-                  <a:shade val="50000"/>
-                </a:schemeClr>
-              </a:lnRef>
-              <a:fillRef idx="1">
-                <a:schemeClr val="accent1"/>
-              </a:fillRef>
-              <a:effectRef idx="0">
-                <a:schemeClr val="accent1"/>
-              </a:effectRef>
-              <a:fontRef idx="minor">
-                <a:schemeClr val="lt1"/>
-              </a:fontRef>
-            </p:style>
-            <p:txBody>
-              <a:bodyPr rtlCol="0" anchor="ctr"/>
-              <a:lstStyle/>
-              <a:p>
-                <a:pPr algn="ctr"/>
-                <a:endParaRPr lang="en-US"/>
-              </a:p>
-            </p:txBody>
-          </p:sp>
-          <p:sp>
-            <p:nvSpPr>
-              <p:cNvPr id="52" name="Rounded Rectangle 51"/>
-              <p:cNvSpPr/>
-              <p:nvPr/>
-            </p:nvSpPr>
-            <p:spPr>
-              <a:xfrm>
-                <a:off x="6536690" y="1422400"/>
-                <a:ext cx="142240" cy="894080"/>
-              </a:xfrm>
-              <a:prstGeom prst="roundRect">
-                <a:avLst/>
-              </a:prstGeom>
-              <a:noFill/>
-              <a:ln w="38100">
-                <a:solidFill>
-                  <a:schemeClr val="tx1"/>
-                </a:solidFill>
-              </a:ln>
-            </p:spPr>
-            <p:style>
-              <a:lnRef idx="2">
-                <a:schemeClr val="accent1">
-                  <a:shade val="50000"/>
-                </a:schemeClr>
-              </a:lnRef>
-              <a:fillRef idx="1">
-                <a:schemeClr val="accent1"/>
-              </a:fillRef>
-              <a:effectRef idx="0">
-                <a:schemeClr val="accent1"/>
-              </a:effectRef>
-              <a:fontRef idx="minor">
-                <a:schemeClr val="lt1"/>
-              </a:fontRef>
-            </p:style>
-            <p:txBody>
-              <a:bodyPr rtlCol="0" anchor="ctr"/>
-              <a:lstStyle/>
-              <a:p>
-                <a:pPr algn="ctr"/>
-                <a:endParaRPr lang="en-US"/>
-              </a:p>
-            </p:txBody>
-          </p:sp>
-        </p:grpSp>
-        <p:cxnSp>
-          <p:nvCxnSpPr>
-            <p:cNvPr id="55" name="Straight Arrow Connector 54"/>
-            <p:cNvCxnSpPr/>
-            <p:nvPr/>
-          </p:nvCxnSpPr>
-          <p:spPr>
-            <a:xfrm flipV="1">
-              <a:off x="5673090" y="1351280"/>
-              <a:ext cx="1097280" cy="10160"/>
-            </a:xfrm>
-            <a:prstGeom prst="straightConnector1">
-              <a:avLst/>
-            </a:prstGeom>
-            <a:ln w="38100">
-              <a:solidFill>
-                <a:schemeClr val="tx1"/>
-              </a:solidFill>
-              <a:tailEnd type="triangle"/>
-            </a:ln>
-          </p:spPr>
-          <p:style>
-            <a:lnRef idx="1">
-              <a:schemeClr val="accent1"/>
-            </a:lnRef>
-            <a:fillRef idx="0">
-              <a:schemeClr val="accent1"/>
-            </a:fillRef>
-            <a:effectRef idx="0">
-              <a:schemeClr val="accent1"/>
-            </a:effectRef>
-            <a:fontRef idx="minor">
-              <a:schemeClr val="tx1"/>
-            </a:fontRef>
-          </p:style>
-        </p:cxnSp>
-        <mc:AlternateContent xmlns:mc="http://schemas.openxmlformats.org/markup-compatibility/2006" xmlns:a14="http://schemas.microsoft.com/office/drawing/2010/main">
-          <mc:Choice Requires="a14">
-            <p:sp>
-              <p:nvSpPr>
-                <p:cNvPr id="56" name="TextBox 55"/>
-                <p:cNvSpPr txBox="1"/>
-                <p:nvPr/>
-              </p:nvSpPr>
-              <p:spPr>
-                <a:xfrm>
-                  <a:off x="5221182" y="838815"/>
-                  <a:ext cx="1896225" cy="307777"/>
-                </a:xfrm>
-                <a:prstGeom prst="rect">
-                  <a:avLst/>
-                </a:prstGeom>
-                <a:noFill/>
-              </p:spPr>
-              <p:txBody>
-                <a:bodyPr wrap="none" lIns="0" tIns="0" rIns="0" bIns="0" rtlCol="0">
-                  <a:spAutoFit/>
-                </a:bodyPr>
-                <a:lstStyle/>
-                <a:p>
-                  <a:pPr/>
-                  <a14:m>
-                    <m:oMathPara xmlns:m="http://schemas.openxmlformats.org/officeDocument/2006/math">
-                      <m:oMathParaPr>
-                        <m:jc m:val="centerGroup"/>
-                      </m:oMathParaPr>
-                      <m:oMath xmlns:m="http://schemas.openxmlformats.org/officeDocument/2006/math">
-                        <m:r>
-                          <a:rPr lang="en-US" sz="2000" b="0" i="1" smtClean="0">
-                            <a:latin typeface="Cambria Math" panose="02040503050406030204" pitchFamily="18" charset="0"/>
-                            <a:cs typeface="Arial" panose="020B0604020202020204" pitchFamily="34" charset="0"/>
-                          </a:rPr>
-                          <m:t>𝑀𝑜𝑡𝑖𝑜𝑛</m:t>
-                        </m:r>
-                        <m:r>
-                          <a:rPr lang="en-US" sz="2000" b="0" i="1" smtClean="0">
-                            <a:latin typeface="Cambria Math" panose="02040503050406030204" pitchFamily="18" charset="0"/>
-                            <a:cs typeface="Arial" panose="020B0604020202020204" pitchFamily="34" charset="0"/>
-                          </a:rPr>
-                          <m:t> </m:t>
-                        </m:r>
-                        <m:r>
-                          <a:rPr lang="en-US" sz="2000" b="0" i="1" smtClean="0">
-                            <a:latin typeface="Cambria Math" panose="02040503050406030204" pitchFamily="18" charset="0"/>
-                            <a:cs typeface="Arial" panose="020B0604020202020204" pitchFamily="34" charset="0"/>
-                          </a:rPr>
-                          <m:t>𝑜𝑓</m:t>
-                        </m:r>
-                        <m:r>
-                          <a:rPr lang="en-US" sz="2000" b="0" i="1" smtClean="0">
-                            <a:latin typeface="Cambria Math" panose="02040503050406030204" pitchFamily="18" charset="0"/>
-                            <a:cs typeface="Arial" panose="020B0604020202020204" pitchFamily="34" charset="0"/>
-                          </a:rPr>
-                          <m:t> </m:t>
-                        </m:r>
-                        <m:r>
-                          <a:rPr lang="en-US" sz="2000" b="0" i="1" smtClean="0">
-                            <a:latin typeface="Cambria Math" panose="02040503050406030204" pitchFamily="18" charset="0"/>
-                            <a:cs typeface="Arial" panose="020B0604020202020204" pitchFamily="34" charset="0"/>
-                          </a:rPr>
-                          <m:t>𝑤𝑎𝑣𝑒</m:t>
-                        </m:r>
-                      </m:oMath>
-                    </m:oMathPara>
-                  </a14:m>
-                  <a:endParaRPr lang="en-US" sz="2000" dirty="0" smtClean="0">
-                    <a:latin typeface="Arial" panose="020B0604020202020204" pitchFamily="34" charset="0"/>
-                    <a:cs typeface="Arial" panose="020B0604020202020204" pitchFamily="34" charset="0"/>
-                  </a:endParaRPr>
-                </a:p>
-              </p:txBody>
-            </p:sp>
-          </mc:Choice>
-          <mc:Fallback xmlns="">
-            <p:sp>
-              <p:nvSpPr>
-                <p:cNvPr id="56" name="TextBox 55"/>
-                <p:cNvSpPr txBox="1">
-                  <a:spLocks noRot="1" noChangeAspect="1" noMove="1" noResize="1" noEditPoints="1" noAdjustHandles="1" noChangeArrowheads="1" noChangeShapeType="1" noTextEdit="1"/>
-                </p:cNvSpPr>
-                <p:nvPr/>
-              </p:nvSpPr>
-              <p:spPr>
-                <a:xfrm>
-                  <a:off x="5221182" y="838815"/>
-                  <a:ext cx="1896225" cy="307777"/>
-                </a:xfrm>
-                <a:prstGeom prst="rect">
-                  <a:avLst/>
-                </a:prstGeom>
-                <a:blipFill>
-                  <a:blip r:embed="rId2"/>
-                  <a:stretch>
-                    <a:fillRect l="-2251" r="-1286" b="-37255"/>
-                  </a:stretch>
-                </a:blipFill>
-              </p:spPr>
-              <p:txBody>
-                <a:bodyPr/>
-                <a:lstStyle/>
-                <a:p>
-                  <a:r>
-                    <a:rPr lang="en-US">
-                      <a:noFill/>
-                    </a:rPr>
-                    <a:t> </a:t>
-                  </a:r>
-                </a:p>
-              </p:txBody>
-            </p:sp>
-          </mc:Fallback>
-        </mc:AlternateContent>
-        <p:cxnSp>
-          <p:nvCxnSpPr>
-            <p:cNvPr id="58" name="Straight Arrow Connector 57"/>
-            <p:cNvCxnSpPr/>
-            <p:nvPr/>
-          </p:nvCxnSpPr>
-          <p:spPr>
-            <a:xfrm>
-              <a:off x="7389917" y="2245360"/>
-              <a:ext cx="0" cy="894080"/>
-            </a:xfrm>
-            <a:prstGeom prst="straightConnector1">
-              <a:avLst/>
-            </a:prstGeom>
-            <a:ln w="38100">
-              <a:solidFill>
-                <a:schemeClr val="tx1"/>
-              </a:solidFill>
-              <a:headEnd type="triangle"/>
-              <a:tailEnd type="triangle"/>
-            </a:ln>
-          </p:spPr>
-          <p:style>
-            <a:lnRef idx="1">
-              <a:schemeClr val="accent1"/>
-            </a:lnRef>
-            <a:fillRef idx="0">
-              <a:schemeClr val="accent1"/>
-            </a:fillRef>
-            <a:effectRef idx="0">
-              <a:schemeClr val="accent1"/>
-            </a:effectRef>
-            <a:fontRef idx="minor">
-              <a:schemeClr val="tx1"/>
-            </a:fontRef>
-          </p:style>
-        </p:cxnSp>
-        <mc:AlternateContent xmlns:mc="http://schemas.openxmlformats.org/markup-compatibility/2006" xmlns:a14="http://schemas.microsoft.com/office/drawing/2010/main">
-          <mc:Choice Requires="a14">
-            <p:sp>
-              <p:nvSpPr>
-                <p:cNvPr id="59" name="TextBox 58"/>
-                <p:cNvSpPr txBox="1"/>
-                <p:nvPr/>
-              </p:nvSpPr>
-              <p:spPr>
-                <a:xfrm>
-                  <a:off x="7569200" y="2511623"/>
-                  <a:ext cx="1725024" cy="307777"/>
-                </a:xfrm>
-                <a:prstGeom prst="rect">
-                  <a:avLst/>
-                </a:prstGeom>
-                <a:noFill/>
-              </p:spPr>
-              <p:txBody>
-                <a:bodyPr wrap="none" lIns="0" tIns="0" rIns="0" bIns="0" rtlCol="0">
-                  <a:spAutoFit/>
-                </a:bodyPr>
-                <a:lstStyle/>
-                <a:p>
-                  <a:pPr/>
-                  <a14:m>
-                    <m:oMathPara xmlns:m="http://schemas.openxmlformats.org/officeDocument/2006/math">
-                      <m:oMathParaPr>
-                        <m:jc m:val="centerGroup"/>
-                      </m:oMathParaPr>
-                      <m:oMath xmlns:m="http://schemas.openxmlformats.org/officeDocument/2006/math">
-                        <m:r>
-                          <a:rPr lang="en-US" sz="2000" b="0" i="1" smtClean="0">
-                            <a:latin typeface="Cambria Math" panose="02040503050406030204" pitchFamily="18" charset="0"/>
-                            <a:cs typeface="Arial" panose="020B0604020202020204" pitchFamily="34" charset="0"/>
-                          </a:rPr>
-                          <m:t>𝑚𝑜𝑡𝑖𝑜𝑛</m:t>
-                        </m:r>
-                        <m:r>
-                          <a:rPr lang="en-US" sz="2000" b="0" i="1" smtClean="0">
-                            <a:latin typeface="Cambria Math" panose="02040503050406030204" pitchFamily="18" charset="0"/>
-                            <a:cs typeface="Arial" panose="020B0604020202020204" pitchFamily="34" charset="0"/>
-                          </a:rPr>
-                          <m:t> </m:t>
-                        </m:r>
-                        <m:r>
-                          <a:rPr lang="en-US" sz="2000" b="0" i="1" smtClean="0">
-                            <a:latin typeface="Cambria Math" panose="02040503050406030204" pitchFamily="18" charset="0"/>
-                            <a:cs typeface="Arial" panose="020B0604020202020204" pitchFamily="34" charset="0"/>
-                          </a:rPr>
-                          <m:t>𝑜𝑓</m:t>
-                        </m:r>
-                        <m:r>
-                          <a:rPr lang="en-US" sz="2000" b="0" i="1" smtClean="0">
-                            <a:latin typeface="Cambria Math" panose="02040503050406030204" pitchFamily="18" charset="0"/>
-                            <a:cs typeface="Arial" panose="020B0604020202020204" pitchFamily="34" charset="0"/>
-                          </a:rPr>
-                          <m:t> </m:t>
-                        </m:r>
-                        <m:r>
-                          <a:rPr lang="en-US" sz="2000" b="0" i="1" smtClean="0">
-                            <a:latin typeface="Cambria Math" panose="02040503050406030204" pitchFamily="18" charset="0"/>
-                            <a:cs typeface="Arial" panose="020B0604020202020204" pitchFamily="34" charset="0"/>
-                          </a:rPr>
-                          <m:t>𝑓𝑎𝑛</m:t>
-                        </m:r>
-                      </m:oMath>
-                    </m:oMathPara>
-                  </a14:m>
-                  <a:endParaRPr lang="en-US" sz="2000" dirty="0" smtClean="0">
-                    <a:latin typeface="Arial" panose="020B0604020202020204" pitchFamily="34" charset="0"/>
-                    <a:cs typeface="Arial" panose="020B0604020202020204" pitchFamily="34" charset="0"/>
-                  </a:endParaRPr>
-                </a:p>
-              </p:txBody>
-            </p:sp>
-          </mc:Choice>
-          <mc:Fallback xmlns="">
-            <p:sp>
-              <p:nvSpPr>
-                <p:cNvPr id="59" name="TextBox 58"/>
-                <p:cNvSpPr txBox="1">
-                  <a:spLocks noRot="1" noChangeAspect="1" noMove="1" noResize="1" noEditPoints="1" noAdjustHandles="1" noChangeArrowheads="1" noChangeShapeType="1" noTextEdit="1"/>
-                </p:cNvSpPr>
-                <p:nvPr/>
-              </p:nvSpPr>
-              <p:spPr>
-                <a:xfrm>
-                  <a:off x="7569200" y="2511623"/>
-                  <a:ext cx="1725024" cy="307777"/>
-                </a:xfrm>
-                <a:prstGeom prst="rect">
-                  <a:avLst/>
-                </a:prstGeom>
-                <a:blipFill>
-                  <a:blip r:embed="rId3"/>
-                  <a:stretch>
-                    <a:fillRect l="-2473" r="-4240" b="-38000"/>
-                  </a:stretch>
-                </a:blipFill>
-              </p:spPr>
-              <p:txBody>
-                <a:bodyPr/>
-                <a:lstStyle/>
-                <a:p>
-                  <a:r>
-                    <a:rPr lang="en-US">
-                      <a:noFill/>
-                    </a:rPr>
-                    <a:t> </a:t>
-                  </a:r>
-                </a:p>
-              </p:txBody>
-            </p:sp>
-          </mc:Fallback>
-        </mc:AlternateContent>
-      </p:grpSp>
-      <p:grpSp>
-        <p:nvGrpSpPr>
           <p:cNvPr id="81" name="Group 80"/>
           <p:cNvGrpSpPr/>
           <p:nvPr/>
@@ -8864,6 +6641,584 @@
             </a:fontRef>
           </p:style>
         </p:cxnSp>
+      </p:grpSp>
+      <p:grpSp>
+        <p:nvGrpSpPr>
+          <p:cNvPr id="2" name="Group 1"/>
+          <p:cNvGrpSpPr/>
+          <p:nvPr/>
+        </p:nvGrpSpPr>
+        <p:grpSpPr>
+          <a:xfrm>
+            <a:off x="146304" y="230946"/>
+            <a:ext cx="9158080" cy="3804677"/>
+            <a:chOff x="146304" y="230946"/>
+            <a:chExt cx="9158080" cy="3804677"/>
+          </a:xfrm>
+        </p:grpSpPr>
+        <p:grpSp>
+          <p:nvGrpSpPr>
+            <p:cNvPr id="68" name="Group 67"/>
+            <p:cNvGrpSpPr/>
+            <p:nvPr/>
+          </p:nvGrpSpPr>
+          <p:grpSpPr>
+            <a:xfrm>
+              <a:off x="146304" y="230946"/>
+              <a:ext cx="7511054" cy="3804677"/>
+              <a:chOff x="1263458" y="364551"/>
+              <a:chExt cx="10009145" cy="4849318"/>
+            </a:xfrm>
+          </p:grpSpPr>
+          <p:sp>
+            <p:nvSpPr>
+              <p:cNvPr id="78" name="Rectangle 77"/>
+              <p:cNvSpPr/>
+              <p:nvPr/>
+            </p:nvSpPr>
+            <p:spPr>
+              <a:xfrm>
+                <a:off x="1263458" y="3837482"/>
+                <a:ext cx="10009145" cy="129400"/>
+              </a:xfrm>
+              <a:prstGeom prst="rect">
+                <a:avLst/>
+              </a:prstGeom>
+              <a:solidFill>
+                <a:srgbClr val="4C4848"/>
+              </a:solidFill>
+              <a:ln>
+                <a:solidFill>
+                  <a:schemeClr val="tx1"/>
+                </a:solidFill>
+              </a:ln>
+            </p:spPr>
+            <p:style>
+              <a:lnRef idx="2">
+                <a:schemeClr val="accent1">
+                  <a:shade val="50000"/>
+                </a:schemeClr>
+              </a:lnRef>
+              <a:fillRef idx="1">
+                <a:schemeClr val="accent1"/>
+              </a:fillRef>
+              <a:effectRef idx="0">
+                <a:schemeClr val="accent1"/>
+              </a:effectRef>
+              <a:fontRef idx="minor">
+                <a:schemeClr val="lt1"/>
+              </a:fontRef>
+            </p:style>
+            <p:txBody>
+              <a:bodyPr rtlCol="0" anchor="ctr"/>
+              <a:lstStyle/>
+              <a:p>
+                <a:pPr algn="ctr"/>
+                <a:endParaRPr lang="en-US"/>
+              </a:p>
+            </p:txBody>
+          </p:sp>
+          <p:sp>
+            <p:nvSpPr>
+              <p:cNvPr id="80" name="Trapezoid 79"/>
+              <p:cNvSpPr/>
+              <p:nvPr/>
+            </p:nvSpPr>
+            <p:spPr>
+              <a:xfrm>
+                <a:off x="1263458" y="3492708"/>
+                <a:ext cx="10009145" cy="344774"/>
+              </a:xfrm>
+              <a:prstGeom prst="trapezoid">
+                <a:avLst/>
+              </a:prstGeom>
+              <a:solidFill>
+                <a:schemeClr val="bg2">
+                  <a:lumMod val="50000"/>
+                </a:schemeClr>
+              </a:solidFill>
+              <a:ln>
+                <a:solidFill>
+                  <a:schemeClr val="tx1"/>
+                </a:solidFill>
+              </a:ln>
+            </p:spPr>
+            <p:style>
+              <a:lnRef idx="2">
+                <a:schemeClr val="accent1">
+                  <a:shade val="50000"/>
+                </a:schemeClr>
+              </a:lnRef>
+              <a:fillRef idx="1">
+                <a:schemeClr val="accent1"/>
+              </a:fillRef>
+              <a:effectRef idx="0">
+                <a:schemeClr val="accent1"/>
+              </a:effectRef>
+              <a:fontRef idx="minor">
+                <a:schemeClr val="lt1"/>
+              </a:fontRef>
+            </p:style>
+            <p:txBody>
+              <a:bodyPr rtlCol="0" anchor="ctr"/>
+              <a:lstStyle/>
+              <a:p>
+                <a:pPr algn="ctr"/>
+                <a:endParaRPr lang="en-US"/>
+              </a:p>
+            </p:txBody>
+          </p:sp>
+          <p:pic>
+            <p:nvPicPr>
+              <p:cNvPr id="82" name="Picture 81"/>
+              <p:cNvPicPr>
+                <a:picLocks noChangeAspect="1"/>
+              </p:cNvPicPr>
+              <p:nvPr/>
+            </p:nvPicPr>
+            <p:blipFill rotWithShape="1">
+              <a:blip r:embed="rId8">
+                <a:extLst>
+                  <a:ext uri="{28A0092B-C50C-407E-A947-70E740481C1C}">
+                    <a14:useLocalDpi xmlns:a14="http://schemas.microsoft.com/office/drawing/2010/main" val="0"/>
+                  </a:ext>
+                </a:extLst>
+              </a:blip>
+              <a:srcRect l="25085" t="20695" r="49560" b="24441"/>
+              <a:stretch/>
+            </p:blipFill>
+            <p:spPr>
+              <a:xfrm>
+                <a:off x="8959790" y="1451337"/>
+                <a:ext cx="1738859" cy="3762532"/>
+              </a:xfrm>
+              <a:prstGeom prst="rect">
+                <a:avLst/>
+              </a:prstGeom>
+            </p:spPr>
+          </p:pic>
+          <p:pic>
+            <p:nvPicPr>
+              <p:cNvPr id="83" name="Picture 82"/>
+              <p:cNvPicPr>
+                <a:picLocks noChangeAspect="1"/>
+              </p:cNvPicPr>
+              <p:nvPr/>
+            </p:nvPicPr>
+            <p:blipFill rotWithShape="1">
+              <a:blip r:embed="rId9">
+                <a:extLst>
+                  <a:ext uri="{28A0092B-C50C-407E-A947-70E740481C1C}">
+                    <a14:useLocalDpi xmlns:a14="http://schemas.microsoft.com/office/drawing/2010/main" val="0"/>
+                  </a:ext>
+                </a:extLst>
+              </a:blip>
+              <a:srcRect l="36852" t="25031" r="29982" b="4259"/>
+              <a:stretch/>
+            </p:blipFill>
+            <p:spPr>
+              <a:xfrm>
+                <a:off x="5195113" y="364551"/>
+                <a:ext cx="2274549" cy="4849318"/>
+              </a:xfrm>
+              <a:prstGeom prst="rect">
+                <a:avLst/>
+              </a:prstGeom>
+            </p:spPr>
+          </p:pic>
+          <p:pic>
+            <p:nvPicPr>
+              <p:cNvPr id="84" name="Picture 83"/>
+              <p:cNvPicPr>
+                <a:picLocks noChangeAspect="1"/>
+              </p:cNvPicPr>
+              <p:nvPr/>
+            </p:nvPicPr>
+            <p:blipFill rotWithShape="1">
+              <a:blip r:embed="rId10">
+                <a:extLst>
+                  <a:ext uri="{28A0092B-C50C-407E-A947-70E740481C1C}">
+                    <a14:useLocalDpi xmlns:a14="http://schemas.microsoft.com/office/drawing/2010/main" val="0"/>
+                  </a:ext>
+                </a:extLst>
+              </a:blip>
+              <a:srcRect l="35941" t="7726" r="36299" b="30197"/>
+              <a:stretch/>
+            </p:blipFill>
+            <p:spPr>
+              <a:xfrm>
+                <a:off x="3469987" y="1129049"/>
+                <a:ext cx="1793146" cy="4009869"/>
+              </a:xfrm>
+              <a:prstGeom prst="rect">
+                <a:avLst/>
+              </a:prstGeom>
+            </p:spPr>
+          </p:pic>
+          <p:pic>
+            <p:nvPicPr>
+              <p:cNvPr id="85" name="Picture 84"/>
+              <p:cNvPicPr>
+                <a:picLocks noChangeAspect="1"/>
+              </p:cNvPicPr>
+              <p:nvPr/>
+            </p:nvPicPr>
+            <p:blipFill rotWithShape="1">
+              <a:blip r:embed="rId11">
+                <a:extLst>
+                  <a:ext uri="{28A0092B-C50C-407E-A947-70E740481C1C}">
+                    <a14:useLocalDpi xmlns:a14="http://schemas.microsoft.com/office/drawing/2010/main" val="0"/>
+                  </a:ext>
+                </a:extLst>
+              </a:blip>
+              <a:srcRect l="16670" t="11187" r="58631" b="23020"/>
+              <a:stretch/>
+            </p:blipFill>
+            <p:spPr>
+              <a:xfrm>
+                <a:off x="1983710" y="1655065"/>
+                <a:ext cx="1307892" cy="3483853"/>
+              </a:xfrm>
+              <a:prstGeom prst="rect">
+                <a:avLst/>
+              </a:prstGeom>
+            </p:spPr>
+          </p:pic>
+          <p:pic>
+            <p:nvPicPr>
+              <p:cNvPr id="86" name="Picture 85"/>
+              <p:cNvPicPr>
+                <a:picLocks noChangeAspect="1"/>
+              </p:cNvPicPr>
+              <p:nvPr/>
+            </p:nvPicPr>
+            <p:blipFill rotWithShape="1">
+              <a:blip r:embed="rId10">
+                <a:extLst>
+                  <a:ext uri="{28A0092B-C50C-407E-A947-70E740481C1C}">
+                    <a14:useLocalDpi xmlns:a14="http://schemas.microsoft.com/office/drawing/2010/main" val="0"/>
+                  </a:ext>
+                </a:extLst>
+              </a:blip>
+              <a:srcRect l="35941" t="7726" r="36299" b="30197"/>
+              <a:stretch/>
+            </p:blipFill>
+            <p:spPr>
+              <a:xfrm>
+                <a:off x="7166644" y="1204000"/>
+                <a:ext cx="1793146" cy="4009869"/>
+              </a:xfrm>
+              <a:prstGeom prst="rect">
+                <a:avLst/>
+              </a:prstGeom>
+            </p:spPr>
+          </p:pic>
+        </p:grpSp>
+        <p:cxnSp>
+          <p:nvCxnSpPr>
+            <p:cNvPr id="87" name="Straight Arrow Connector 86"/>
+            <p:cNvCxnSpPr/>
+            <p:nvPr/>
+          </p:nvCxnSpPr>
+          <p:spPr>
+            <a:xfrm flipV="1">
+              <a:off x="5683250" y="812800"/>
+              <a:ext cx="1097280" cy="10160"/>
+            </a:xfrm>
+            <a:prstGeom prst="straightConnector1">
+              <a:avLst/>
+            </a:prstGeom>
+            <a:ln w="38100">
+              <a:solidFill>
+                <a:schemeClr val="tx1"/>
+              </a:solidFill>
+              <a:tailEnd type="triangle"/>
+            </a:ln>
+          </p:spPr>
+          <p:style>
+            <a:lnRef idx="1">
+              <a:schemeClr val="accent1"/>
+            </a:lnRef>
+            <a:fillRef idx="0">
+              <a:schemeClr val="accent1"/>
+            </a:fillRef>
+            <a:effectRef idx="0">
+              <a:schemeClr val="accent1"/>
+            </a:effectRef>
+            <a:fontRef idx="minor">
+              <a:schemeClr val="tx1"/>
+            </a:fontRef>
+          </p:style>
+        </p:cxnSp>
+        <mc:AlternateContent xmlns:mc="http://schemas.openxmlformats.org/markup-compatibility/2006">
+          <mc:Choice xmlns:a14="http://schemas.microsoft.com/office/drawing/2010/main" Requires="a14">
+            <p:sp>
+              <p:nvSpPr>
+                <p:cNvPr id="88" name="TextBox 87"/>
+                <p:cNvSpPr txBox="1"/>
+                <p:nvPr/>
+              </p:nvSpPr>
+              <p:spPr>
+                <a:xfrm>
+                  <a:off x="5231342" y="300335"/>
+                  <a:ext cx="1896225" cy="307777"/>
+                </a:xfrm>
+                <a:prstGeom prst="rect">
+                  <a:avLst/>
+                </a:prstGeom>
+                <a:noFill/>
+              </p:spPr>
+              <p:txBody>
+                <a:bodyPr wrap="none" lIns="0" tIns="0" rIns="0" bIns="0" rtlCol="0">
+                  <a:spAutoFit/>
+                </a:bodyPr>
+                <a:lstStyle/>
+                <a:p>
+                  <a:pPr/>
+                  <a14:m>
+                    <m:oMathPara xmlns:m="http://schemas.openxmlformats.org/officeDocument/2006/math">
+                      <m:oMathParaPr>
+                        <m:jc m:val="centerGroup"/>
+                      </m:oMathParaPr>
+                      <m:oMath xmlns:m="http://schemas.openxmlformats.org/officeDocument/2006/math">
+                        <m:r>
+                          <a:rPr lang="en-US" sz="2000" b="0" i="1" smtClean="0">
+                            <a:latin typeface="Cambria Math" panose="02040503050406030204" pitchFamily="18" charset="0"/>
+                            <a:cs typeface="Arial" panose="020B0604020202020204" pitchFamily="34" charset="0"/>
+                          </a:rPr>
+                          <m:t>𝑀𝑜𝑡𝑖𝑜𝑛</m:t>
+                        </m:r>
+                        <m:r>
+                          <a:rPr lang="en-US" sz="2000" b="0" i="1" smtClean="0">
+                            <a:latin typeface="Cambria Math" panose="02040503050406030204" pitchFamily="18" charset="0"/>
+                            <a:cs typeface="Arial" panose="020B0604020202020204" pitchFamily="34" charset="0"/>
+                          </a:rPr>
+                          <m:t> </m:t>
+                        </m:r>
+                        <m:r>
+                          <a:rPr lang="en-US" sz="2000" b="0" i="1" smtClean="0">
+                            <a:latin typeface="Cambria Math" panose="02040503050406030204" pitchFamily="18" charset="0"/>
+                            <a:cs typeface="Arial" panose="020B0604020202020204" pitchFamily="34" charset="0"/>
+                          </a:rPr>
+                          <m:t>𝑜𝑓</m:t>
+                        </m:r>
+                        <m:r>
+                          <a:rPr lang="en-US" sz="2000" b="0" i="1" smtClean="0">
+                            <a:latin typeface="Cambria Math" panose="02040503050406030204" pitchFamily="18" charset="0"/>
+                            <a:cs typeface="Arial" panose="020B0604020202020204" pitchFamily="34" charset="0"/>
+                          </a:rPr>
+                          <m:t> </m:t>
+                        </m:r>
+                        <m:r>
+                          <a:rPr lang="en-US" sz="2000" b="0" i="1" smtClean="0">
+                            <a:latin typeface="Cambria Math" panose="02040503050406030204" pitchFamily="18" charset="0"/>
+                            <a:cs typeface="Arial" panose="020B0604020202020204" pitchFamily="34" charset="0"/>
+                          </a:rPr>
+                          <m:t>𝑤𝑎𝑣𝑒</m:t>
+                        </m:r>
+                      </m:oMath>
+                    </m:oMathPara>
+                  </a14:m>
+                  <a:endParaRPr lang="en-US" sz="2000" dirty="0" smtClean="0">
+                    <a:latin typeface="Arial" panose="020B0604020202020204" pitchFamily="34" charset="0"/>
+                    <a:cs typeface="Arial" panose="020B0604020202020204" pitchFamily="34" charset="0"/>
+                  </a:endParaRPr>
+                </a:p>
+              </p:txBody>
+            </p:sp>
+          </mc:Choice>
+          <mc:Fallback>
+            <p:sp>
+              <p:nvSpPr>
+                <p:cNvPr id="88" name="TextBox 87"/>
+                <p:cNvSpPr txBox="1">
+                  <a:spLocks noRot="1" noChangeAspect="1" noMove="1" noResize="1" noEditPoints="1" noAdjustHandles="1" noChangeArrowheads="1" noChangeShapeType="1" noTextEdit="1"/>
+                </p:cNvSpPr>
+                <p:nvPr/>
+              </p:nvSpPr>
+              <p:spPr>
+                <a:xfrm>
+                  <a:off x="5231342" y="300335"/>
+                  <a:ext cx="1896225" cy="307777"/>
+                </a:xfrm>
+                <a:prstGeom prst="rect">
+                  <a:avLst/>
+                </a:prstGeom>
+                <a:blipFill rotWithShape="0">
+                  <a:blip r:embed="rId12"/>
+                  <a:stretch>
+                    <a:fillRect l="-2251" t="-139216" r="-1286" b="-180392"/>
+                  </a:stretch>
+                </a:blipFill>
+              </p:spPr>
+              <p:txBody>
+                <a:bodyPr/>
+                <a:lstStyle/>
+                <a:p>
+                  <a:r>
+                    <a:rPr lang="en-US">
+                      <a:noFill/>
+                    </a:rPr>
+                    <a:t> </a:t>
+                  </a:r>
+                </a:p>
+              </p:txBody>
+            </p:sp>
+          </mc:Fallback>
+        </mc:AlternateContent>
+        <p:cxnSp>
+          <p:nvCxnSpPr>
+            <p:cNvPr id="89" name="Straight Arrow Connector 88"/>
+            <p:cNvCxnSpPr/>
+            <p:nvPr/>
+          </p:nvCxnSpPr>
+          <p:spPr>
+            <a:xfrm>
+              <a:off x="7400077" y="1706880"/>
+              <a:ext cx="0" cy="894080"/>
+            </a:xfrm>
+            <a:prstGeom prst="straightConnector1">
+              <a:avLst/>
+            </a:prstGeom>
+            <a:ln w="38100">
+              <a:solidFill>
+                <a:schemeClr val="tx1"/>
+              </a:solidFill>
+              <a:headEnd type="triangle"/>
+              <a:tailEnd type="triangle"/>
+            </a:ln>
+          </p:spPr>
+          <p:style>
+            <a:lnRef idx="1">
+              <a:schemeClr val="accent1"/>
+            </a:lnRef>
+            <a:fillRef idx="0">
+              <a:schemeClr val="accent1"/>
+            </a:fillRef>
+            <a:effectRef idx="0">
+              <a:schemeClr val="accent1"/>
+            </a:effectRef>
+            <a:fontRef idx="minor">
+              <a:schemeClr val="tx1"/>
+            </a:fontRef>
+          </p:style>
+        </p:cxnSp>
+        <mc:AlternateContent xmlns:mc="http://schemas.openxmlformats.org/markup-compatibility/2006">
+          <mc:Choice xmlns:a14="http://schemas.microsoft.com/office/drawing/2010/main" Requires="a14">
+            <p:sp>
+              <p:nvSpPr>
+                <p:cNvPr id="90" name="TextBox 89"/>
+                <p:cNvSpPr txBox="1"/>
+                <p:nvPr/>
+              </p:nvSpPr>
+              <p:spPr>
+                <a:xfrm>
+                  <a:off x="7579360" y="1973143"/>
+                  <a:ext cx="1725024" cy="307777"/>
+                </a:xfrm>
+                <a:prstGeom prst="rect">
+                  <a:avLst/>
+                </a:prstGeom>
+                <a:noFill/>
+              </p:spPr>
+              <p:txBody>
+                <a:bodyPr wrap="none" lIns="0" tIns="0" rIns="0" bIns="0" rtlCol="0">
+                  <a:spAutoFit/>
+                </a:bodyPr>
+                <a:lstStyle/>
+                <a:p>
+                  <a:pPr/>
+                  <a14:m>
+                    <m:oMathPara xmlns:m="http://schemas.openxmlformats.org/officeDocument/2006/math">
+                      <m:oMathParaPr>
+                        <m:jc m:val="centerGroup"/>
+                      </m:oMathParaPr>
+                      <m:oMath xmlns:m="http://schemas.openxmlformats.org/officeDocument/2006/math">
+                        <m:r>
+                          <a:rPr lang="en-US" sz="2000" b="0" i="1" smtClean="0">
+                            <a:latin typeface="Cambria Math" panose="02040503050406030204" pitchFamily="18" charset="0"/>
+                            <a:cs typeface="Arial" panose="020B0604020202020204" pitchFamily="34" charset="0"/>
+                          </a:rPr>
+                          <m:t>𝑚𝑜𝑡𝑖𝑜𝑛</m:t>
+                        </m:r>
+                        <m:r>
+                          <a:rPr lang="en-US" sz="2000" b="0" i="1" smtClean="0">
+                            <a:latin typeface="Cambria Math" panose="02040503050406030204" pitchFamily="18" charset="0"/>
+                            <a:cs typeface="Arial" panose="020B0604020202020204" pitchFamily="34" charset="0"/>
+                          </a:rPr>
+                          <m:t> </m:t>
+                        </m:r>
+                        <m:r>
+                          <a:rPr lang="en-US" sz="2000" b="0" i="1" smtClean="0">
+                            <a:latin typeface="Cambria Math" panose="02040503050406030204" pitchFamily="18" charset="0"/>
+                            <a:cs typeface="Arial" panose="020B0604020202020204" pitchFamily="34" charset="0"/>
+                          </a:rPr>
+                          <m:t>𝑜𝑓</m:t>
+                        </m:r>
+                        <m:r>
+                          <a:rPr lang="en-US" sz="2000" b="0" i="1" smtClean="0">
+                            <a:latin typeface="Cambria Math" panose="02040503050406030204" pitchFamily="18" charset="0"/>
+                            <a:cs typeface="Arial" panose="020B0604020202020204" pitchFamily="34" charset="0"/>
+                          </a:rPr>
+                          <m:t> </m:t>
+                        </m:r>
+                        <m:r>
+                          <a:rPr lang="en-US" sz="2000" b="0" i="1" smtClean="0">
+                            <a:latin typeface="Cambria Math" panose="02040503050406030204" pitchFamily="18" charset="0"/>
+                            <a:cs typeface="Arial" panose="020B0604020202020204" pitchFamily="34" charset="0"/>
+                          </a:rPr>
+                          <m:t>𝑓𝑎𝑛</m:t>
+                        </m:r>
+                      </m:oMath>
+                    </m:oMathPara>
+                  </a14:m>
+                  <a:endParaRPr lang="en-US" sz="2000" dirty="0" smtClean="0">
+                    <a:latin typeface="Arial" panose="020B0604020202020204" pitchFamily="34" charset="0"/>
+                    <a:cs typeface="Arial" panose="020B0604020202020204" pitchFamily="34" charset="0"/>
+                  </a:endParaRPr>
+                </a:p>
+              </p:txBody>
+            </p:sp>
+          </mc:Choice>
+          <mc:Fallback>
+            <p:sp>
+              <p:nvSpPr>
+                <p:cNvPr id="90" name="TextBox 89"/>
+                <p:cNvSpPr txBox="1">
+                  <a:spLocks noRot="1" noChangeAspect="1" noMove="1" noResize="1" noEditPoints="1" noAdjustHandles="1" noChangeArrowheads="1" noChangeShapeType="1" noTextEdit="1"/>
+                </p:cNvSpPr>
+                <p:nvPr/>
+              </p:nvSpPr>
+              <p:spPr>
+                <a:xfrm>
+                  <a:off x="7579360" y="1973143"/>
+                  <a:ext cx="1725024" cy="307777"/>
+                </a:xfrm>
+                <a:prstGeom prst="rect">
+                  <a:avLst/>
+                </a:prstGeom>
+                <a:blipFill rotWithShape="0">
+                  <a:blip r:embed="rId13"/>
+                  <a:stretch>
+                    <a:fillRect l="-2473" t="-142000" r="-4240" b="-184000"/>
+                  </a:stretch>
+                </a:blipFill>
+              </p:spPr>
+              <p:txBody>
+                <a:bodyPr/>
+                <a:lstStyle/>
+                <a:p>
+                  <a:r>
+                    <a:rPr lang="en-US">
+                      <a:noFill/>
+                    </a:rPr>
+                    <a:t> </a:t>
+                  </a:r>
+                </a:p>
+              </p:txBody>
+            </p:sp>
+          </mc:Fallback>
+        </mc:AlternateContent>
       </p:grpSp>
     </p:spTree>
     <p:extLst>
@@ -10762,7 +9117,7 @@
                             <m:chr m:val="⃗"/>
                             <m:ctrlPr>
                               <a:rPr lang="en-US" sz="2000" b="0" i="1" smtClean="0">
-                                <a:latin typeface="Cambria Math" panose="02040503050406030204" pitchFamily="18" charset="0"/>
+                                <a:latin typeface="Cambria Math" charset="0"/>
                                 <a:cs typeface="Arial" panose="020B0604020202020204" pitchFamily="34" charset="0"/>
                               </a:rPr>
                             </m:ctrlPr>
@@ -11488,7 +9843,7 @@
                                     <m:chr m:val="⃗"/>
                                     <m:ctrlPr>
                                       <a:rPr lang="en-US" sz="2000" b="0" i="1" smtClean="0">
-                                        <a:latin typeface="Cambria Math" panose="02040503050406030204" pitchFamily="18" charset="0"/>
+                                        <a:latin typeface="Cambria Math" charset="0"/>
                                         <a:cs typeface="Arial" panose="020B0604020202020204" pitchFamily="34" charset="0"/>
                                       </a:rPr>
                                     </m:ctrlPr>
@@ -11803,7 +10158,7 @@
                                     <m:chr m:val="⃗"/>
                                     <m:ctrlPr>
                                       <a:rPr lang="en-US" sz="2000" b="0" i="1" smtClean="0">
-                                        <a:latin typeface="Cambria Math" panose="02040503050406030204" pitchFamily="18" charset="0"/>
+                                        <a:latin typeface="Cambria Math" charset="0"/>
                                         <a:cs typeface="Arial" panose="020B0604020202020204" pitchFamily="34" charset="0"/>
                                       </a:rPr>
                                     </m:ctrlPr>
@@ -11987,7 +10342,7 @@
                                   <m:sSubPr>
                                     <m:ctrlPr>
                                       <a:rPr lang="en-US" sz="2000" b="0" i="1" smtClean="0">
-                                        <a:latin typeface="Cambria Math" panose="02040503050406030204" pitchFamily="18" charset="0"/>
+                                        <a:latin typeface="Cambria Math" charset="0"/>
                                         <a:cs typeface="Arial" panose="020B0604020202020204" pitchFamily="34" charset="0"/>
                                       </a:rPr>
                                     </m:ctrlPr>
@@ -11998,7 +10353,7 @@
                                         <m:chr m:val="⃗"/>
                                         <m:ctrlPr>
                                           <a:rPr lang="en-US" sz="2000" b="0" i="1" smtClean="0">
-                                            <a:latin typeface="Cambria Math" panose="02040503050406030204" pitchFamily="18" charset="0"/>
+                                            <a:latin typeface="Cambria Math" charset="0"/>
                                             <a:cs typeface="Arial" panose="020B0604020202020204" pitchFamily="34" charset="0"/>
                                           </a:rPr>
                                         </m:ctrlPr>
@@ -12196,7 +10551,7 @@
                                     <m:chr m:val="⃗"/>
                                     <m:ctrlPr>
                                       <a:rPr lang="en-US" sz="2000" b="0" i="1" smtClean="0">
-                                        <a:latin typeface="Cambria Math" panose="02040503050406030204" pitchFamily="18" charset="0"/>
+                                        <a:latin typeface="Cambria Math" charset="0"/>
                                         <a:cs typeface="Arial" panose="020B0604020202020204" pitchFamily="34" charset="0"/>
                                       </a:rPr>
                                     </m:ctrlPr>
@@ -12377,7 +10732,7 @@
                                   <m:sSupPr>
                                     <m:ctrlPr>
                                       <a:rPr lang="en-US" sz="2000" b="0" i="1" smtClean="0">
-                                        <a:latin typeface="Cambria Math" panose="02040503050406030204" pitchFamily="18" charset="0"/>
+                                        <a:latin typeface="Cambria Math" charset="0"/>
                                         <a:cs typeface="Arial" panose="020B0604020202020204" pitchFamily="34" charset="0"/>
                                       </a:rPr>
                                     </m:ctrlPr>
@@ -12618,7 +10973,7 @@
                                     <m:chr m:val="⃗"/>
                                     <m:ctrlPr>
                                       <a:rPr lang="en-US" sz="2000" b="0" i="1" smtClean="0">
-                                        <a:latin typeface="Cambria Math" panose="02040503050406030204" pitchFamily="18" charset="0"/>
+                                        <a:latin typeface="Cambria Math" charset="0"/>
                                         <a:cs typeface="Arial" panose="020B0604020202020204" pitchFamily="34" charset="0"/>
                                       </a:rPr>
                                     </m:ctrlPr>
@@ -13520,7 +11875,7 @@
                           <m:sSubPr>
                             <m:ctrlPr>
                               <a:rPr lang="en-US" sz="2000" b="0" i="1" smtClean="0">
-                                <a:latin typeface="Cambria Math" panose="02040503050406030204" pitchFamily="18" charset="0"/>
+                                <a:latin typeface="Cambria Math" charset="0"/>
                                 <a:cs typeface="Arial" panose="020B0604020202020204" pitchFamily="34" charset="0"/>
                               </a:rPr>
                             </m:ctrlPr>
@@ -13531,7 +11886,7 @@
                                 <m:chr m:val="⃗"/>
                                 <m:ctrlPr>
                                   <a:rPr lang="en-US" sz="2000" b="0" i="1" smtClean="0">
-                                    <a:latin typeface="Cambria Math" panose="02040503050406030204" pitchFamily="18" charset="0"/>
+                                    <a:latin typeface="Cambria Math" charset="0"/>
                                     <a:cs typeface="Arial" panose="020B0604020202020204" pitchFamily="34" charset="0"/>
                                   </a:rPr>
                                 </m:ctrlPr>
@@ -13643,7 +11998,7 @@
                             <m:chr m:val="⃗"/>
                             <m:ctrlPr>
                               <a:rPr lang="en-US" sz="2000" b="0" i="1" smtClean="0">
-                                <a:latin typeface="Cambria Math" panose="02040503050406030204" pitchFamily="18" charset="0"/>
+                                <a:latin typeface="Cambria Math" charset="0"/>
                                 <a:cs typeface="Arial" panose="020B0604020202020204" pitchFamily="34" charset="0"/>
                               </a:rPr>
                             </m:ctrlPr>
@@ -13743,7 +12098,7 @@
                           <m:sSupPr>
                             <m:ctrlPr>
                               <a:rPr lang="en-US" sz="2000" b="0" i="1" smtClean="0">
-                                <a:latin typeface="Cambria Math" panose="02040503050406030204" pitchFamily="18" charset="0"/>
+                                <a:latin typeface="Cambria Math" charset="0"/>
                                 <a:cs typeface="Arial" panose="020B0604020202020204" pitchFamily="34" charset="0"/>
                               </a:rPr>
                             </m:ctrlPr>
@@ -13754,7 +12109,7 @@
                                 <m:chr m:val="⃗"/>
                                 <m:ctrlPr>
                                   <a:rPr lang="en-US" sz="2000" b="0" i="1" smtClean="0">
-                                    <a:latin typeface="Cambria Math" panose="02040503050406030204" pitchFamily="18" charset="0"/>
+                                    <a:latin typeface="Cambria Math" charset="0"/>
                                     <a:cs typeface="Arial" panose="020B0604020202020204" pitchFamily="34" charset="0"/>
                                   </a:rPr>
                                 </m:ctrlPr>
@@ -15558,7 +13913,7 @@
                             <m:sSubPr>
                               <m:ctrlPr>
                                 <a:rPr lang="en-US" sz="2000" b="0" i="1" smtClean="0">
-                                  <a:latin typeface="Cambria Math" panose="02040503050406030204" pitchFamily="18" charset="0"/>
+                                  <a:latin typeface="Cambria Math" charset="0"/>
                                   <a:cs typeface="Arial" panose="020B0604020202020204" pitchFamily="34" charset="0"/>
                                 </a:rPr>
                               </m:ctrlPr>
@@ -15569,7 +13924,7 @@
                                   <m:chr m:val="⃗"/>
                                   <m:ctrlPr>
                                     <a:rPr lang="en-US" sz="2000" b="0" i="1" smtClean="0">
-                                      <a:latin typeface="Cambria Math" panose="02040503050406030204" pitchFamily="18" charset="0"/>
+                                      <a:latin typeface="Cambria Math" charset="0"/>
                                       <a:cs typeface="Arial" panose="020B0604020202020204" pitchFamily="34" charset="0"/>
                                     </a:rPr>
                                   </m:ctrlPr>
@@ -15694,7 +14049,7 @@
                             <m:sSubPr>
                               <m:ctrlPr>
                                 <a:rPr lang="en-US" sz="2000" b="0" i="1" smtClean="0">
-                                  <a:latin typeface="Cambria Math" panose="02040503050406030204" pitchFamily="18" charset="0"/>
+                                  <a:latin typeface="Cambria Math" charset="0"/>
                                   <a:cs typeface="Arial" panose="020B0604020202020204" pitchFamily="34" charset="0"/>
                                 </a:rPr>
                               </m:ctrlPr>
@@ -15705,7 +14060,7 @@
                                   <m:chr m:val="⃗"/>
                                   <m:ctrlPr>
                                     <a:rPr lang="en-US" sz="2000" b="0" i="1" smtClean="0">
-                                      <a:latin typeface="Cambria Math" panose="02040503050406030204" pitchFamily="18" charset="0"/>
+                                      <a:latin typeface="Cambria Math" charset="0"/>
                                       <a:cs typeface="Arial" panose="020B0604020202020204" pitchFamily="34" charset="0"/>
                                     </a:rPr>
                                   </m:ctrlPr>
@@ -18344,7 +16699,7 @@
                             <m:sSubPr>
                               <m:ctrlPr>
                                 <a:rPr lang="en-US" sz="2000" b="0" i="1" smtClean="0">
-                                  <a:latin typeface="Cambria Math" panose="02040503050406030204" pitchFamily="18" charset="0"/>
+                                  <a:latin typeface="Cambria Math" charset="0"/>
                                   <a:cs typeface="Arial" panose="020B0604020202020204" pitchFamily="34" charset="0"/>
                                 </a:rPr>
                               </m:ctrlPr>
@@ -18453,7 +16808,7 @@
                             <m:sSubPr>
                               <m:ctrlPr>
                                 <a:rPr lang="en-US" sz="2000" b="0" i="1" smtClean="0">
-                                  <a:latin typeface="Cambria Math" panose="02040503050406030204" pitchFamily="18" charset="0"/>
+                                  <a:latin typeface="Cambria Math" charset="0"/>
                                   <a:cs typeface="Arial" panose="020B0604020202020204" pitchFamily="34" charset="0"/>
                                 </a:rPr>
                               </m:ctrlPr>
@@ -18620,8 +16975,8 @@
             </p:txBody>
           </p:sp>
         </p:grpSp>
-        <mc:AlternateContent xmlns:mc="http://schemas.openxmlformats.org/markup-compatibility/2006">
-          <mc:Choice xmlns:a14="http://schemas.microsoft.com/office/drawing/2010/main" Requires="a14">
+        <mc:AlternateContent xmlns:mc="http://schemas.openxmlformats.org/markup-compatibility/2006" xmlns:a14="http://schemas.microsoft.com/office/drawing/2010/main">
+          <mc:Choice Requires="a14">
             <p:sp>
               <p:nvSpPr>
                 <p:cNvPr id="41" name="TextBox 40"/>
@@ -18655,7 +17010,7 @@
                           <m:sSubPr>
                             <m:ctrlPr>
                               <a:rPr lang="en-US" sz="2000" b="0" i="1" smtClean="0">
-                                <a:latin typeface="Cambria Math" panose="02040503050406030204" pitchFamily="18" charset="0"/>
+                                <a:latin typeface="Cambria Math" charset="0"/>
                                 <a:cs typeface="Arial" panose="020B0604020202020204" pitchFamily="34" charset="0"/>
                               </a:rPr>
                             </m:ctrlPr>
@@ -18666,7 +17021,7 @@
                                 <m:chr m:val="⃗"/>
                                 <m:ctrlPr>
                                   <a:rPr lang="en-US" sz="2000" b="0" i="1" smtClean="0">
-                                    <a:latin typeface="Cambria Math" panose="02040503050406030204" pitchFamily="18" charset="0"/>
+                                    <a:latin typeface="Cambria Math" charset="0"/>
                                     <a:cs typeface="Arial" panose="020B0604020202020204" pitchFamily="34" charset="0"/>
                                   </a:rPr>
                                 </m:ctrlPr>
@@ -18710,7 +17065,7 @@
               </p:txBody>
             </p:sp>
           </mc:Choice>
-          <mc:Fallback>
+          <mc:Fallback xmlns="">
             <p:sp>
               <p:nvSpPr>
                 <p:cNvPr id="41" name="TextBox 40"/>
@@ -18784,7 +17139,7 @@
                           <m:sSubPr>
                             <m:ctrlPr>
                               <a:rPr lang="en-US" sz="2000" b="0" i="1" smtClean="0">
-                                <a:latin typeface="Cambria Math" panose="02040503050406030204" pitchFamily="18" charset="0"/>
+                                <a:latin typeface="Cambria Math" charset="0"/>
                                 <a:cs typeface="Arial" panose="020B0604020202020204" pitchFamily="34" charset="0"/>
                               </a:rPr>
                             </m:ctrlPr>
@@ -18795,7 +17150,7 @@
                                 <m:chr m:val="⃗"/>
                                 <m:ctrlPr>
                                   <a:rPr lang="en-US" sz="2000" b="0" i="1" smtClean="0">
-                                    <a:latin typeface="Cambria Math" panose="02040503050406030204" pitchFamily="18" charset="0"/>
+                                    <a:latin typeface="Cambria Math" charset="0"/>
                                     <a:cs typeface="Arial" panose="020B0604020202020204" pitchFamily="34" charset="0"/>
                                   </a:rPr>
                                 </m:ctrlPr>
